--- a/ARE_5.2_Gruppenarbeit-ProduktStrategy_Entwicklung-lean.pptx
+++ b/ARE_5.2_Gruppenarbeit-ProduktStrategy_Entwicklung-lean.pptx
@@ -331,7 +331,7 @@
             <a:fld id="{AA48851D-549D-4785-8040-D1740898315D}" type="datetime1">
               <a:rPr lang="de-CH" smtClean="0"/>
               <a:pPr/>
-              <a:t>27.03.2020</a:t>
+              <a:t>03.04.2020</a:t>
             </a:fld>
             <a:endParaRPr lang="fr-FR" dirty="0"/>
           </a:p>
@@ -498,7 +498,7 @@
             <a:fld id="{1C03A998-303B-4F86-9947-A49AF14B2D3A}" type="datetimeFigureOut">
               <a:rPr lang="fr-FR" smtClean="0"/>
               <a:pPr/>
-              <a:t>27/03/2020</a:t>
+              <a:t>03/04/2020</a:t>
             </a:fld>
             <a:endParaRPr lang="fr-FR" dirty="0"/>
           </a:p>
@@ -5335,66 +5335,7 @@
                   <a:schemeClr val="bg1"/>
                 </a:solidFill>
               </a:rPr>
-              <a:t>Agile </a:t>
-            </a:r>
-            <a:r>
-              <a:rPr lang="de-CH" sz="2400" b="1" dirty="0" err="1" smtClean="0">
-                <a:solidFill>
-                  <a:schemeClr val="bg1"/>
-                </a:solidFill>
-              </a:rPr>
-              <a:t>Requirements</a:t>
-            </a:r>
-            <a:r>
-              <a:rPr lang="de-CH" sz="2400" b="1" dirty="0" smtClean="0">
-                <a:solidFill>
-                  <a:schemeClr val="bg1"/>
-                </a:solidFill>
-              </a:rPr>
-              <a:t> Engineering</a:t>
-            </a:r>
-          </a:p>
-          <a:p>
-            <a:pPr>
-              <a:lnSpc>
-                <a:spcPct val="110000"/>
-              </a:lnSpc>
-            </a:pPr>
-            <a:r>
-              <a:rPr lang="de-CH" sz="2800" b="1" i="1" dirty="0" smtClean="0">
-                <a:solidFill>
-                  <a:schemeClr val="bg1"/>
-                </a:solidFill>
-              </a:rPr>
-              <a:t>Entwicklung einer eigenen Produktstrategie</a:t>
-            </a:r>
-            <a:endParaRPr lang="de-CH" sz="2800" b="1" i="1" dirty="0">
-              <a:solidFill>
-                <a:schemeClr val="bg1"/>
-              </a:solidFill>
-            </a:endParaRPr>
-          </a:p>
-          <a:p>
-            <a:pPr>
-              <a:lnSpc>
-                <a:spcPct val="110000"/>
-              </a:lnSpc>
-            </a:pPr>
-            <a:r>
-              <a:rPr lang="de-CH" sz="1800" b="1" dirty="0">
-                <a:solidFill>
-                  <a:schemeClr val="bg1"/>
-                </a:solidFill>
-              </a:rPr>
-              <a:t>F</a:t>
-            </a:r>
-            <a:r>
-              <a:rPr lang="de-CH" sz="1800" b="1" dirty="0" smtClean="0">
-                <a:solidFill>
-                  <a:schemeClr val="bg1"/>
-                </a:solidFill>
-              </a:rPr>
-              <a:t>S 2020 – Block 5</a:t>
+              <a:t>ÄNDERUNG FÜR AUFGABE 3 GRUPPE A</a:t>
             </a:r>
             <a:endParaRPr lang="de-CH" sz="1800" b="1" dirty="0">
               <a:solidFill>
@@ -5489,11 +5430,7 @@
             </a:r>
             <a:r>
               <a:rPr lang="de-CH" b="1" dirty="0" smtClean="0"/>
-              <a:t>Produktname</a:t>
-            </a:r>
-            <a:r>
-              <a:rPr lang="de-CH" b="1" dirty="0" smtClean="0"/>
-              <a:t>:</a:t>
+              <a:t>Produktname:</a:t>
             </a:r>
             <a:r>
               <a:rPr lang="de-CH" dirty="0" smtClean="0"/>
@@ -5565,7 +5502,6 @@
               <a:rPr lang="de-CH" dirty="0" smtClean="0"/>
               <a:t>B2C: Direktverkauf an Konsumenten (stationär und Online)</a:t>
             </a:r>
-            <a:endParaRPr lang="de-CH" dirty="0" smtClean="0"/>
           </a:p>
           <a:p>
             <a:pPr lvl="1"/>
@@ -5623,7 +5559,6 @@
               <a:rPr lang="de-CH" dirty="0" smtClean="0"/>
               <a:t>Transportierbar, dicht, Stossfest</a:t>
             </a:r>
-            <a:endParaRPr lang="de-CH" dirty="0" smtClean="0"/>
           </a:p>
           <a:p>
             <a:pPr lvl="2"/>
@@ -5663,23 +5598,13 @@
               <a:rPr lang="de-CH" dirty="0" smtClean="0"/>
               <a:t>!</a:t>
             </a:r>
-            <a:endParaRPr lang="de-CH" dirty="0" smtClean="0"/>
           </a:p>
           <a:p>
             <a:pPr lvl="1"/>
             <a:r>
               <a:rPr lang="de-CH" dirty="0" smtClean="0"/>
-              <a:t>Kompatibilität </a:t>
-            </a:r>
-            <a:r>
-              <a:rPr lang="de-CH" dirty="0" smtClean="0"/>
-              <a:t>und Offenheit (Daten, Prozesse, Technologien</a:t>
-            </a:r>
-            <a:r>
-              <a:rPr lang="de-CH" dirty="0" smtClean="0"/>
-              <a:t>): offen (für App aber auch für Zusatzservices (Rezepte, Einkaufslisten, etc.)</a:t>
-            </a:r>
-            <a:endParaRPr lang="de-CH" dirty="0" smtClean="0"/>
+              <a:t>Kompatibilität und Offenheit (Daten, Prozesse, Technologien): offen (für App aber auch für Zusatzservices (Rezepte, Einkaufslisten, etc.)</a:t>
+            </a:r>
           </a:p>
           <a:p>
             <a:pPr lvl="1">
@@ -7347,11 +7272,6 @@
               </a:rPr>
               <a:t>Essen ist ortsgebunden</a:t>
             </a:r>
-            <a:endParaRPr lang="de-CH" sz="1200" b="1" dirty="0" smtClean="0">
-              <a:solidFill>
-                <a:schemeClr val="tx1"/>
-              </a:solidFill>
-            </a:endParaRPr>
           </a:p>
         </p:txBody>
       </p:sp>
@@ -7410,11 +7330,6 @@
               </a:rPr>
               <a:t>Dein gesundes Essen – schonend erwärmt – unabhängig von Zeit und Ort</a:t>
             </a:r>
-            <a:endParaRPr lang="de-CH" sz="1200" dirty="0">
-              <a:solidFill>
-                <a:schemeClr val="tx1"/>
-              </a:solidFill>
-            </a:endParaRPr>
           </a:p>
         </p:txBody>
       </p:sp>
@@ -7544,11 +7459,6 @@
               </a:rPr>
               <a:t> (Strom…)</a:t>
             </a:r>
-            <a:endParaRPr lang="de-CH" sz="1200" b="1" dirty="0" smtClean="0">
-              <a:solidFill>
-                <a:schemeClr val="tx1"/>
-              </a:solidFill>
-            </a:endParaRPr>
           </a:p>
         </p:txBody>
       </p:sp>
@@ -7607,11 +7517,6 @@
               </a:rPr>
               <a:t>Kaltes oder abgekühltes Essen</a:t>
             </a:r>
-            <a:endParaRPr lang="de-CH" sz="1200" b="1" dirty="0" smtClean="0">
-              <a:solidFill>
-                <a:schemeClr val="tx1"/>
-              </a:solidFill>
-            </a:endParaRPr>
           </a:p>
         </p:txBody>
       </p:sp>
@@ -7670,11 +7575,6 @@
               </a:rPr>
               <a:t>Undichte Behälter</a:t>
             </a:r>
-            <a:endParaRPr lang="de-CH" sz="1200" b="1" dirty="0" smtClean="0">
-              <a:solidFill>
-                <a:schemeClr val="tx1"/>
-              </a:solidFill>
-            </a:endParaRPr>
           </a:p>
         </p:txBody>
       </p:sp>
@@ -7733,11 +7633,6 @@
               </a:rPr>
               <a:t>Einseitig</a:t>
             </a:r>
-            <a:endParaRPr lang="de-CH" sz="1200" b="1" dirty="0" smtClean="0">
-              <a:solidFill>
-                <a:schemeClr val="tx1"/>
-              </a:solidFill>
-            </a:endParaRPr>
           </a:p>
         </p:txBody>
       </p:sp>
@@ -7796,11 +7691,6 @@
               </a:rPr>
               <a:t>Ungesundes (Fast Food) essen</a:t>
             </a:r>
-            <a:endParaRPr lang="de-CH" sz="1200" b="1" dirty="0" smtClean="0">
-              <a:solidFill>
-                <a:schemeClr val="tx1"/>
-              </a:solidFill>
-            </a:endParaRPr>
           </a:p>
         </p:txBody>
       </p:sp>
@@ -7859,11 +7749,6 @@
               </a:rPr>
               <a:t>Akku</a:t>
             </a:r>
-            <a:endParaRPr lang="de-CH" sz="1200" b="1" dirty="0" smtClean="0">
-              <a:solidFill>
-                <a:schemeClr val="tx1"/>
-              </a:solidFill>
-            </a:endParaRPr>
           </a:p>
         </p:txBody>
       </p:sp>
@@ -7922,11 +7807,6 @@
               </a:rPr>
               <a:t>Steamer</a:t>
             </a:r>
-            <a:endParaRPr lang="de-CH" sz="1200" b="1" dirty="0" smtClean="0">
-              <a:solidFill>
-                <a:schemeClr val="tx1"/>
-              </a:solidFill>
-            </a:endParaRPr>
           </a:p>
         </p:txBody>
       </p:sp>
@@ -8001,11 +7881,6 @@
               </a:rPr>
               <a:t>Behälter</a:t>
             </a:r>
-            <a:endParaRPr lang="de-CH" sz="1200" b="1" dirty="0" smtClean="0">
-              <a:solidFill>
-                <a:schemeClr val="tx1"/>
-              </a:solidFill>
-            </a:endParaRPr>
           </a:p>
         </p:txBody>
       </p:sp>
@@ -8135,11 +8010,6 @@
               </a:rPr>
               <a:t>Services</a:t>
             </a:r>
-            <a:endParaRPr lang="de-CH" sz="1200" b="1" dirty="0" smtClean="0">
-              <a:solidFill>
-                <a:schemeClr val="tx1"/>
-              </a:solidFill>
-            </a:endParaRPr>
           </a:p>
         </p:txBody>
       </p:sp>
@@ -8198,11 +8068,6 @@
               </a:rPr>
               <a:t>Verkäufe</a:t>
             </a:r>
-            <a:endParaRPr lang="de-CH" sz="1200" b="1" dirty="0" smtClean="0">
-              <a:solidFill>
-                <a:schemeClr val="tx1"/>
-              </a:solidFill>
-            </a:endParaRPr>
           </a:p>
         </p:txBody>
       </p:sp>
@@ -8261,11 +8126,6 @@
               </a:rPr>
               <a:t>Downloads</a:t>
             </a:r>
-            <a:endParaRPr lang="de-CH" sz="1200" b="1" dirty="0" smtClean="0">
-              <a:solidFill>
-                <a:schemeClr val="tx1"/>
-              </a:solidFill>
-            </a:endParaRPr>
           </a:p>
         </p:txBody>
       </p:sp>
@@ -8332,11 +8192,6 @@
               </a:rPr>
               <a:t> /Bewertung</a:t>
             </a:r>
-            <a:endParaRPr lang="de-CH" sz="1200" b="1" dirty="0" smtClean="0">
-              <a:solidFill>
-                <a:schemeClr val="tx1"/>
-              </a:solidFill>
-            </a:endParaRPr>
           </a:p>
         </p:txBody>
       </p:sp>
@@ -8395,11 +8250,6 @@
               </a:rPr>
               <a:t>Nutzung Services</a:t>
             </a:r>
-            <a:endParaRPr lang="de-CH" sz="1200" b="1" dirty="0" smtClean="0">
-              <a:solidFill>
-                <a:schemeClr val="tx1"/>
-              </a:solidFill>
-            </a:endParaRPr>
           </a:p>
         </p:txBody>
       </p:sp>
@@ -8458,11 +8308,6 @@
               </a:rPr>
               <a:t>Reklamationen</a:t>
             </a:r>
-            <a:endParaRPr lang="de-CH" sz="1200" b="1" dirty="0" smtClean="0">
-              <a:solidFill>
-                <a:schemeClr val="tx1"/>
-              </a:solidFill>
-            </a:endParaRPr>
           </a:p>
         </p:txBody>
       </p:sp>
@@ -8529,11 +8374,6 @@
               </a:rPr>
               <a:t>.</a:t>
             </a:r>
-            <a:endParaRPr lang="de-CH" sz="1200" b="1" dirty="0" smtClean="0">
-              <a:solidFill>
-                <a:schemeClr val="tx1"/>
-              </a:solidFill>
-            </a:endParaRPr>
           </a:p>
         </p:txBody>
       </p:sp>
@@ -8650,11 +8490,6 @@
               </a:rPr>
               <a:t>Stationär</a:t>
             </a:r>
-            <a:endParaRPr lang="de-CH" sz="1200" b="1" dirty="0" smtClean="0">
-              <a:solidFill>
-                <a:schemeClr val="tx1"/>
-              </a:solidFill>
-            </a:endParaRPr>
           </a:p>
         </p:txBody>
       </p:sp>
@@ -8713,11 +8548,6 @@
               </a:rPr>
               <a:t>Partner</a:t>
             </a:r>
-            <a:endParaRPr lang="de-CH" sz="1200" b="1" dirty="0" smtClean="0">
-              <a:solidFill>
-                <a:schemeClr val="tx1"/>
-              </a:solidFill>
-            </a:endParaRPr>
           </a:p>
         </p:txBody>
       </p:sp>
@@ -9350,15 +9180,7 @@
                   <a:schemeClr val="tx1"/>
                 </a:solidFill>
               </a:rPr>
-              <a:t>Prouktions</a:t>
-            </a:r>
-            <a:r>
-              <a:rPr lang="de-CH" sz="1200" b="1" dirty="0" err="1" smtClean="0">
-                <a:solidFill>
-                  <a:schemeClr val="tx1"/>
-                </a:solidFill>
-              </a:rPr>
-              <a:t>kosten</a:t>
+              <a:t>Prouktionskosten</a:t>
             </a:r>
             <a:endParaRPr lang="de-CH" sz="1200" dirty="0">
               <a:solidFill>
@@ -9699,11 +9521,6 @@
               </a:rPr>
               <a:t>Verkaufserlös</a:t>
             </a:r>
-            <a:endParaRPr lang="de-CH" sz="1200" b="1" dirty="0" smtClean="0">
-              <a:solidFill>
-                <a:schemeClr val="tx1"/>
-              </a:solidFill>
-            </a:endParaRPr>
           </a:p>
         </p:txBody>
       </p:sp>
@@ -9762,11 +9579,6 @@
               </a:rPr>
               <a:t>App Werbung</a:t>
             </a:r>
-            <a:endParaRPr lang="de-CH" sz="1200" b="1" dirty="0" smtClean="0">
-              <a:solidFill>
-                <a:schemeClr val="tx1"/>
-              </a:solidFill>
-            </a:endParaRPr>
           </a:p>
         </p:txBody>
       </p:sp>
@@ -9825,11 +9637,6 @@
               </a:rPr>
               <a:t>Partner (Migros, Coop..)</a:t>
             </a:r>
-            <a:endParaRPr lang="de-CH" sz="1200" b="1" dirty="0" smtClean="0">
-              <a:solidFill>
-                <a:schemeClr val="tx1"/>
-              </a:solidFill>
-            </a:endParaRPr>
           </a:p>
         </p:txBody>
       </p:sp>
@@ -9888,11 +9695,6 @@
               </a:rPr>
               <a:t>Zusatzservices?</a:t>
             </a:r>
-            <a:endParaRPr lang="de-CH" sz="1200" b="1" dirty="0" smtClean="0">
-              <a:solidFill>
-                <a:schemeClr val="tx1"/>
-              </a:solidFill>
-            </a:endParaRPr>
           </a:p>
         </p:txBody>
       </p:sp>
@@ -10016,22 +9818,13 @@
           <a:p>
             <a:r>
               <a:rPr lang="de-CH" sz="1800" dirty="0" smtClean="0"/>
-              <a:t>Strategieoption 1: </a:t>
-            </a:r>
+              <a:t>Strategieoption 1: B2C – Direktverkauf an Endkonsumenten mit Zusatzservices</a:t>
+            </a:r>
+          </a:p>
+          <a:p>
             <a:r>
               <a:rPr lang="de-CH" sz="1800" dirty="0" smtClean="0"/>
-              <a:t>B2C – Direktverkauf an Endkonsumenten mit Zusatzservices</a:t>
-            </a:r>
-            <a:endParaRPr lang="de-CH" sz="1800" dirty="0" smtClean="0"/>
-          </a:p>
-          <a:p>
-            <a:r>
-              <a:rPr lang="de-CH" sz="1800" dirty="0" smtClean="0"/>
-              <a:t>Strategieoption 2: </a:t>
-            </a:r>
-            <a:r>
-              <a:rPr lang="de-CH" sz="1800" dirty="0" smtClean="0"/>
-              <a:t>B2B – Vertrieb über Partner (</a:t>
+              <a:t>Strategieoption 2: B2B – Vertrieb über Partner (</a:t>
             </a:r>
             <a:r>
               <a:rPr lang="de-CH" sz="1800" dirty="0" err="1" smtClean="0"/>
@@ -10041,7 +9834,6 @@
               <a:rPr lang="de-CH" sz="1800" dirty="0" smtClean="0"/>
               <a:t>, Schulen, Militär…)</a:t>
             </a:r>
-            <a:endParaRPr lang="de-CH" sz="1800" dirty="0" smtClean="0"/>
           </a:p>
           <a:p>
             <a:r>
@@ -10056,7 +9848,6 @@
               <a:rPr lang="de-CH" sz="1800" dirty="0" smtClean="0"/>
               <a:t> (?)</a:t>
             </a:r>
-            <a:endParaRPr lang="de-CH" sz="1800" dirty="0" smtClean="0"/>
           </a:p>
           <a:p>
             <a:pPr marL="0" indent="0">
@@ -10435,7 +10226,6 @@
                         <a:rPr lang="en-US" sz="1400" dirty="0" smtClean="0"/>
                         <a:t>1</a:t>
                       </a:r>
-                      <a:endParaRPr lang="en-US" sz="1400" dirty="0" smtClean="0"/>
                     </a:p>
                     <a:p>
                       <a:pPr marL="285750" indent="-285750" algn="ctr">
@@ -10550,7 +10340,6 @@
                         <a:rPr lang="en-US" sz="1400" dirty="0" smtClean="0"/>
                         <a:t>-1</a:t>
                       </a:r>
-                      <a:endParaRPr lang="en-US" sz="1400" dirty="0" smtClean="0"/>
                     </a:p>
                     <a:p>
                       <a:pPr marL="0" indent="0" algn="ctr">
@@ -10673,7 +10462,6 @@
                         <a:rPr lang="en-US" sz="1400" dirty="0" smtClean="0"/>
                         <a:t>2</a:t>
                       </a:r>
-                      <a:endParaRPr lang="en-US" sz="1400" dirty="0" smtClean="0"/>
                     </a:p>
                     <a:p>
                       <a:pPr algn="ctr"/>
@@ -20978,11 +20766,7 @@
             <a:pPr lvl="1"/>
             <a:r>
               <a:rPr lang="de-CH" dirty="0" smtClean="0"/>
-              <a:t>Kunde / Käufer Potential</a:t>
-            </a:r>
-            <a:r>
-              <a:rPr lang="de-CH" dirty="0" smtClean="0"/>
-              <a:t>: Unternehmen für Mitarbeitende; Schüler/</a:t>
+              <a:t>Kunde / Käufer Potential: Unternehmen für Mitarbeitende; Schüler/</a:t>
             </a:r>
             <a:r>
               <a:rPr lang="de-CH" dirty="0" err="1" smtClean="0"/>
@@ -21010,21 +20794,12 @@
               <a:rPr lang="de-CH" dirty="0" smtClean="0"/>
               <a:t>verpflegen</a:t>
             </a:r>
-            <a:endParaRPr lang="de-CH" dirty="0" smtClean="0"/>
           </a:p>
           <a:p>
             <a:pPr lvl="1"/>
             <a:r>
               <a:rPr lang="de-CH" dirty="0" smtClean="0"/>
-              <a:t>Anbieter </a:t>
-            </a:r>
-            <a:r>
-              <a:rPr lang="de-CH" dirty="0" smtClean="0"/>
-              <a:t>/ Verkäufer</a:t>
-            </a:r>
-            <a:r>
-              <a:rPr lang="de-CH" dirty="0" smtClean="0"/>
-              <a:t>: Haushaltsgeschäfte; Campingbedarf; </a:t>
+              <a:t>Anbieter / Verkäufer: Haushaltsgeschäfte; Campingbedarf; </a:t>
             </a:r>
             <a:r>
               <a:rPr lang="de-CH" dirty="0" err="1" smtClean="0"/>
@@ -21064,11 +20839,7 @@
             </a:r>
             <a:r>
               <a:rPr lang="de-CH" dirty="0" smtClean="0"/>
-              <a:t> Advantage</a:t>
-            </a:r>
-            <a:r>
-              <a:rPr lang="de-CH" dirty="0" smtClean="0"/>
-              <a:t>): Erwärmung «autark»; «gesunde» Erwärmung; Wiederverwendbar/</a:t>
+              <a:t> Advantage): Erwärmung «autark»; «gesunde» Erwärmung; Wiederverwendbar/</a:t>
             </a:r>
             <a:r>
               <a:rPr lang="de-CH" dirty="0" err="1" smtClean="0"/>
@@ -21102,31 +20873,14 @@
                   <a:srgbClr val="FF0000"/>
                 </a:solidFill>
               </a:rPr>
-              <a:t>Beste Produkt (Produkt Leadership): </a:t>
-            </a:r>
-            <a:r>
-              <a:rPr lang="de-CH" dirty="0" smtClean="0">
-                <a:solidFill>
-                  <a:srgbClr val="FF0000"/>
-                </a:solidFill>
-              </a:rPr>
-              <a:t>High-End-Produkt in seiner Klasse; eher hochpreisig; hohe Qualitätsansprüche</a:t>
-            </a:r>
-            <a:endParaRPr lang="de-CH" dirty="0" smtClean="0">
-              <a:solidFill>
-                <a:srgbClr val="FF0000"/>
-              </a:solidFill>
-            </a:endParaRPr>
+              <a:t>Beste Produkt (Produkt Leadership): High-End-Produkt in seiner Klasse; eher hochpreisig; hohe Qualitätsansprüche</a:t>
+            </a:r>
           </a:p>
           <a:p>
             <a:pPr lvl="1"/>
             <a:r>
               <a:rPr lang="de-CH" dirty="0" smtClean="0"/>
-              <a:t>Stärkste </a:t>
-            </a:r>
-            <a:r>
-              <a:rPr lang="de-CH" dirty="0" smtClean="0"/>
-              <a:t>Kundennähe (Customer </a:t>
+              <a:t>Stärkste Kundennähe (Customer </a:t>
             </a:r>
             <a:r>
               <a:rPr lang="de-CH" dirty="0" err="1" smtClean="0"/>
@@ -21136,17 +20890,12 @@
               <a:rPr lang="de-CH" dirty="0" smtClean="0"/>
               <a:t>): </a:t>
             </a:r>
-            <a:endParaRPr lang="de-CH" dirty="0" smtClean="0"/>
           </a:p>
           <a:p>
             <a:pPr lvl="1"/>
             <a:r>
               <a:rPr lang="de-CH" dirty="0" smtClean="0"/>
-              <a:t>Effizienteste </a:t>
-            </a:r>
-            <a:r>
-              <a:rPr lang="de-CH" dirty="0" smtClean="0"/>
-              <a:t>Ausführung (Operational Excellence):</a:t>
+              <a:t>Effizienteste Ausführung (Operational Excellence):</a:t>
             </a:r>
           </a:p>
         </p:txBody>
@@ -22086,11 +21835,6 @@
               </a:rPr>
               <a:t>)</a:t>
             </a:r>
-            <a:endParaRPr lang="en-US" sz="1600" dirty="0" smtClean="0">
-              <a:solidFill>
-                <a:schemeClr val="tx1"/>
-              </a:solidFill>
-            </a:endParaRPr>
           </a:p>
         </p:txBody>
       </p:sp>
@@ -24989,11 +24733,7 @@
           <a:p>
             <a:r>
               <a:rPr lang="de-CH" dirty="0" smtClean="0"/>
-              <a:t>Argumentieren Sie warum Sie diesen gewählt haben</a:t>
-            </a:r>
-            <a:r>
-              <a:rPr lang="de-CH" dirty="0" smtClean="0"/>
-              <a:t>.</a:t>
+              <a:t>Argumentieren Sie warum Sie diesen gewählt haben.</a:t>
             </a:r>
           </a:p>
           <a:p>

--- a/ARE_5.2_Gruppenarbeit-ProduktStrategy_Entwicklung-lean.pptx
+++ b/ARE_5.2_Gruppenarbeit-ProduktStrategy_Entwicklung-lean.pptx
@@ -5,10 +5,10 @@
     <p:sldMasterId id="2147483670" r:id="rId1"/>
   </p:sldMasterIdLst>
   <p:notesMasterIdLst>
-    <p:notesMasterId r:id="rId28"/>
+    <p:notesMasterId r:id="rId29"/>
   </p:notesMasterIdLst>
   <p:handoutMasterIdLst>
-    <p:handoutMasterId r:id="rId29"/>
+    <p:handoutMasterId r:id="rId30"/>
   </p:handoutMasterIdLst>
   <p:sldIdLst>
     <p:sldId id="340" r:id="rId2"/>
@@ -37,6 +37,7 @@
     <p:sldId id="550" r:id="rId25"/>
     <p:sldId id="538" r:id="rId26"/>
     <p:sldId id="438" r:id="rId27"/>
+    <p:sldId id="610" r:id="rId28"/>
   </p:sldIdLst>
   <p:sldSz cx="10693400" cy="7561263"/>
   <p:notesSz cx="6797675" cy="9926638"/>
@@ -331,7 +332,7 @@
             <a:fld id="{AA48851D-549D-4785-8040-D1740898315D}" type="datetime1">
               <a:rPr lang="de-CH" smtClean="0"/>
               <a:pPr/>
-              <a:t>27.03.2020</a:t>
+              <a:t>03.04.2020</a:t>
             </a:fld>
             <a:endParaRPr lang="fr-FR" dirty="0"/>
           </a:p>
@@ -498,7 +499,7 @@
             <a:fld id="{1C03A998-303B-4F86-9947-A49AF14B2D3A}" type="datetimeFigureOut">
               <a:rPr lang="fr-FR" smtClean="0"/>
               <a:pPr/>
-              <a:t>27/03/2020</a:t>
+              <a:t>03/04/2020</a:t>
             </a:fld>
             <a:endParaRPr lang="fr-FR" dirty="0"/>
           </a:p>
@@ -562,35 +563,35 @@
           <a:p>
             <a:pPr lvl="0"/>
             <a:r>
-              <a:rPr lang="de-DE" smtClean="0"/>
+              <a:rPr lang="de-DE"/>
               <a:t>Textmasterformat bearbeiten</a:t>
             </a:r>
           </a:p>
           <a:p>
             <a:pPr lvl="1"/>
             <a:r>
-              <a:rPr lang="de-DE" smtClean="0"/>
+              <a:rPr lang="de-DE"/>
               <a:t>Zweite Ebene</a:t>
             </a:r>
           </a:p>
           <a:p>
             <a:pPr lvl="2"/>
             <a:r>
-              <a:rPr lang="de-DE" smtClean="0"/>
+              <a:rPr lang="de-DE"/>
               <a:t>Dritte Ebene</a:t>
             </a:r>
           </a:p>
           <a:p>
             <a:pPr lvl="3"/>
             <a:r>
-              <a:rPr lang="de-DE" smtClean="0"/>
+              <a:rPr lang="de-DE"/>
               <a:t>Vierte Ebene</a:t>
             </a:r>
           </a:p>
           <a:p>
             <a:pPr lvl="4"/>
             <a:r>
-              <a:rPr lang="de-DE" smtClean="0"/>
+              <a:rPr lang="de-DE"/>
               <a:t>Fünfte Ebene</a:t>
             </a:r>
             <a:endParaRPr lang="fr-FR"/>
@@ -1377,26 +1378,25 @@
           </a:lstStyle>
           <a:p>
             <a:r>
-              <a:rPr lang="de-CH" dirty="0" smtClean="0"/>
+              <a:rPr lang="de-CH" dirty="0"/>
               <a:t>Titel Vorname Name (Arial </a:t>
             </a:r>
             <a:r>
-              <a:rPr lang="de-CH" dirty="0" err="1" smtClean="0"/>
+              <a:rPr lang="de-CH" dirty="0" err="1"/>
               <a:t>bold</a:t>
             </a:r>
             <a:r>
-              <a:rPr lang="de-CH" dirty="0" smtClean="0"/>
+              <a:rPr lang="de-CH" dirty="0"/>
               <a:t>, 14 </a:t>
             </a:r>
             <a:r>
-              <a:rPr lang="de-CH" dirty="0" err="1" smtClean="0"/>
+              <a:rPr lang="de-CH" dirty="0" err="1"/>
               <a:t>pt</a:t>
             </a:r>
             <a:r>
-              <a:rPr lang="de-CH" dirty="0" smtClean="0"/>
+              <a:rPr lang="de-CH" dirty="0"/>
               <a:t>, weiss)</a:t>
             </a:r>
-            <a:endParaRPr lang="de-CH" dirty="0"/>
           </a:p>
         </p:txBody>
       </p:sp>
@@ -1430,10 +1430,9 @@
           </a:lstStyle>
           <a:p>
             <a:r>
-              <a:rPr lang="de-CH" dirty="0" smtClean="0"/>
+              <a:rPr lang="de-CH" dirty="0"/>
               <a:t>Illustration/Bild</a:t>
             </a:r>
-            <a:endParaRPr lang="de-CH" dirty="0"/>
           </a:p>
         </p:txBody>
       </p:sp>
@@ -1503,18 +1502,17 @@
           </a:lstStyle>
           <a:p>
             <a:r>
-              <a:rPr lang="de-CH" dirty="0" smtClean="0"/>
+              <a:rPr lang="de-CH" dirty="0"/>
               <a:t>vorname.name@zhaw.ch, TT Monat JJJJ (Arial, 14 </a:t>
             </a:r>
             <a:r>
-              <a:rPr lang="de-CH" dirty="0" err="1" smtClean="0"/>
+              <a:rPr lang="de-CH" dirty="0" err="1"/>
               <a:t>pt</a:t>
             </a:r>
             <a:r>
-              <a:rPr lang="de-CH" dirty="0" smtClean="0"/>
+              <a:rPr lang="de-CH" dirty="0"/>
               <a:t>, weiss) </a:t>
             </a:r>
-            <a:endParaRPr lang="de-CH" dirty="0"/>
           </a:p>
         </p:txBody>
       </p:sp>
@@ -1612,7 +1610,7 @@
           </a:lstStyle>
           <a:p>
             <a:r>
-              <a:rPr lang="de-DE" smtClean="0"/>
+              <a:rPr lang="de-DE"/>
               <a:t>Titelmasterformat durch Klicken bearbeiten</a:t>
             </a:r>
             <a:endParaRPr lang="fr-FR" dirty="0"/>
@@ -1629,13 +1627,6 @@
   <p:clrMapOvr>
     <a:masterClrMapping/>
   </p:clrMapOvr>
-  <p:timing>
-    <p:tnLst>
-      <p:par>
-        <p:cTn id="1" dur="indefinite" restart="never" nodeType="tmRoot"/>
-      </p:par>
-    </p:tnLst>
-  </p:timing>
 </p:sldLayout>
 </file>
 
@@ -1727,26 +1718,25 @@
           </a:lstStyle>
           <a:p>
             <a:r>
-              <a:rPr lang="de-CH" dirty="0" smtClean="0"/>
+              <a:rPr lang="de-CH" dirty="0"/>
               <a:t>Titel Vorname Name (Arial </a:t>
             </a:r>
             <a:r>
-              <a:rPr lang="de-CH" dirty="0" err="1" smtClean="0"/>
+              <a:rPr lang="de-CH" dirty="0" err="1"/>
               <a:t>bold</a:t>
             </a:r>
             <a:r>
-              <a:rPr lang="de-CH" dirty="0" smtClean="0"/>
+              <a:rPr lang="de-CH" dirty="0"/>
               <a:t>, 14 </a:t>
             </a:r>
             <a:r>
-              <a:rPr lang="de-CH" dirty="0" err="1" smtClean="0"/>
+              <a:rPr lang="de-CH" dirty="0" err="1"/>
               <a:t>pt</a:t>
             </a:r>
             <a:r>
-              <a:rPr lang="de-CH" dirty="0" smtClean="0"/>
+              <a:rPr lang="de-CH" dirty="0"/>
               <a:t>, weiss)</a:t>
             </a:r>
-            <a:endParaRPr lang="de-CH" dirty="0"/>
           </a:p>
         </p:txBody>
       </p:sp>
@@ -1780,10 +1770,9 @@
           </a:lstStyle>
           <a:p>
             <a:r>
-              <a:rPr lang="de-CH" dirty="0" smtClean="0"/>
+              <a:rPr lang="de-CH" dirty="0"/>
               <a:t>Illustration/Bild</a:t>
             </a:r>
-            <a:endParaRPr lang="de-CH" dirty="0"/>
           </a:p>
         </p:txBody>
       </p:sp>
@@ -1853,18 +1842,17 @@
           </a:lstStyle>
           <a:p>
             <a:r>
-              <a:rPr lang="de-CH" dirty="0" smtClean="0"/>
+              <a:rPr lang="de-CH" dirty="0"/>
               <a:t>vorname.name@zhaw.ch, TT Monat JJJJ (Arial, 14 </a:t>
             </a:r>
             <a:r>
-              <a:rPr lang="de-CH" dirty="0" err="1" smtClean="0"/>
+              <a:rPr lang="de-CH" dirty="0" err="1"/>
               <a:t>pt</a:t>
             </a:r>
             <a:r>
-              <a:rPr lang="de-CH" dirty="0" smtClean="0"/>
+              <a:rPr lang="de-CH" dirty="0"/>
               <a:t>, weiss) </a:t>
             </a:r>
-            <a:endParaRPr lang="de-CH" dirty="0"/>
           </a:p>
         </p:txBody>
       </p:sp>
@@ -1889,7 +1877,7 @@
           <a:lstStyle/>
           <a:p>
             <a:r>
-              <a:rPr lang="de-DE" smtClean="0"/>
+              <a:rPr lang="de-DE"/>
               <a:t>Bild durch Klicken auf Symbol hinzufügen</a:t>
             </a:r>
             <a:endParaRPr lang="de-CH" dirty="0"/>
@@ -1994,7 +1982,7 @@
           </a:lstStyle>
           <a:p>
             <a:r>
-              <a:rPr lang="de-DE" smtClean="0"/>
+              <a:rPr lang="de-DE"/>
               <a:t>Titelmasterformat durch Klicken bearbeiten</a:t>
             </a:r>
             <a:endParaRPr lang="fr-FR" dirty="0"/>
@@ -2011,13 +1999,6 @@
   <p:clrMapOvr>
     <a:masterClrMapping/>
   </p:clrMapOvr>
-  <p:timing>
-    <p:tnLst>
-      <p:par>
-        <p:cTn id="1" dur="indefinite" restart="never" nodeType="tmRoot"/>
-      </p:par>
-    </p:tnLst>
-  </p:timing>
 </p:sldLayout>
 </file>
 
@@ -2069,7 +2050,6 @@
           <a:ln>
             <a:noFill/>
           </a:ln>
-          <a:extLst/>
         </p:spPr>
         <p:txBody>
           <a:bodyPr lIns="0" tIns="0" rIns="0" bIns="0"/>
@@ -2120,7 +2100,7 @@
           </a:lstStyle>
           <a:p>
             <a:r>
-              <a:rPr lang="de-DE" smtClean="0"/>
+              <a:rPr lang="de-DE"/>
               <a:t>Chris Russ / IWI / ZHAW</a:t>
             </a:r>
             <a:endParaRPr lang="de-CH" dirty="0"/>
@@ -2242,35 +2222,35 @@
           <a:p>
             <a:pPr lvl="0"/>
             <a:r>
-              <a:rPr lang="de-DE" smtClean="0"/>
+              <a:rPr lang="de-DE"/>
               <a:t>Formatvorlagen des Textmasters bearbeiten</a:t>
             </a:r>
           </a:p>
           <a:p>
             <a:pPr lvl="1"/>
             <a:r>
-              <a:rPr lang="de-DE" smtClean="0"/>
+              <a:rPr lang="de-DE"/>
               <a:t>Zweite Ebene</a:t>
             </a:r>
           </a:p>
           <a:p>
             <a:pPr lvl="2"/>
             <a:r>
-              <a:rPr lang="de-DE" smtClean="0"/>
+              <a:rPr lang="de-DE"/>
               <a:t>Dritte Ebene</a:t>
             </a:r>
           </a:p>
           <a:p>
             <a:pPr lvl="3"/>
             <a:r>
-              <a:rPr lang="de-DE" smtClean="0"/>
+              <a:rPr lang="de-DE"/>
               <a:t>Vierte Ebene</a:t>
             </a:r>
           </a:p>
           <a:p>
             <a:pPr lvl="4"/>
             <a:r>
-              <a:rPr lang="de-DE" smtClean="0"/>
+              <a:rPr lang="de-DE"/>
               <a:t>Fünfte Ebene</a:t>
             </a:r>
             <a:endParaRPr lang="de-CH" dirty="0"/>
@@ -2443,7 +2423,7 @@
             </a:lvl9pPr>
           </a:lstStyle>
           <a:p>
-            <a:endParaRPr lang="de-DE" sz="2600" b="0" spc="30" dirty="0" smtClean="0">
+            <a:endParaRPr lang="de-DE" sz="2600" b="0" spc="30" dirty="0">
               <a:solidFill>
                 <a:schemeClr val="bg1"/>
               </a:solidFill>
@@ -2487,7 +2467,7 @@
           </a:lstStyle>
           <a:p>
             <a:r>
-              <a:rPr lang="de-DE" smtClean="0"/>
+              <a:rPr lang="de-DE"/>
               <a:t>Titelmasterformat durch Klicken bearbeiten</a:t>
             </a:r>
             <a:endParaRPr lang="fr-FR" dirty="0"/>
@@ -2535,10 +2515,9 @@
               <a:t>‹Nr.›</a:t>
             </a:fld>
             <a:r>
-              <a:rPr lang="de-CH" dirty="0" smtClean="0"/>
+              <a:rPr lang="de-CH" dirty="0"/>
               <a:t> </a:t>
             </a:r>
-            <a:endParaRPr lang="de-CH" dirty="0"/>
           </a:p>
         </p:txBody>
       </p:sp>
@@ -2552,13 +2531,6 @@
   <p:clrMapOvr>
     <a:masterClrMapping/>
   </p:clrMapOvr>
-  <p:timing>
-    <p:tnLst>
-      <p:par>
-        <p:cTn id="1" dur="indefinite" restart="never" nodeType="tmRoot"/>
-      </p:par>
-    </p:tnLst>
-  </p:timing>
 </p:sldLayout>
 </file>
 
@@ -2610,7 +2582,6 @@
           <a:ln>
             <a:noFill/>
           </a:ln>
-          <a:extLst/>
         </p:spPr>
         <p:txBody>
           <a:bodyPr lIns="0" tIns="0" rIns="0" bIns="0"/>
@@ -2661,7 +2632,7 @@
           </a:lstStyle>
           <a:p>
             <a:r>
-              <a:rPr lang="de-DE" smtClean="0"/>
+              <a:rPr lang="de-DE"/>
               <a:t>Chris Russ / IWI / ZHAW</a:t>
             </a:r>
             <a:endParaRPr lang="de-CH" dirty="0"/>
@@ -2709,10 +2680,9 @@
               <a:t>‹Nr.›</a:t>
             </a:fld>
             <a:r>
-              <a:rPr lang="de-CH" dirty="0" smtClean="0"/>
+              <a:rPr lang="de-CH" dirty="0"/>
               <a:t> </a:t>
             </a:r>
-            <a:endParaRPr lang="de-CH" dirty="0"/>
           </a:p>
         </p:txBody>
       </p:sp>
@@ -2805,7 +2775,7 @@
               </a:spcBef>
             </a:pPr>
             <a:r>
-              <a:rPr lang="de-DE" sz="2000" dirty="0" smtClean="0">
+              <a:rPr lang="de-DE" sz="2000" dirty="0">
                 <a:solidFill>
                   <a:srgbClr val="012C59"/>
                 </a:solidFill>
@@ -2813,7 +2783,7 @@
               <a:t>Aufzählung 1. Ebene, Arial, 20 </a:t>
             </a:r>
             <a:r>
-              <a:rPr lang="de-DE" sz="2000" dirty="0" err="1" smtClean="0">
+              <a:rPr lang="de-DE" sz="2000" dirty="0" err="1">
                 <a:solidFill>
                   <a:srgbClr val="012C59"/>
                 </a:solidFill>
@@ -2821,7 +2791,7 @@
               <a:t>pt</a:t>
             </a:r>
             <a:r>
-              <a:rPr lang="de-DE" sz="2000" dirty="0" smtClean="0">
+              <a:rPr lang="de-DE" sz="2000" dirty="0">
                 <a:solidFill>
                   <a:srgbClr val="012C59"/>
                 </a:solidFill>
@@ -2839,7 +2809,7 @@
               </a:spcBef>
             </a:pPr>
             <a:r>
-              <a:rPr lang="de-DE" sz="1800" dirty="0" smtClean="0">
+              <a:rPr lang="de-DE" sz="1800" dirty="0">
                 <a:solidFill>
                   <a:srgbClr val="012C59"/>
                 </a:solidFill>
@@ -2847,7 +2817,7 @@
               <a:t>Aufzählung 2. Ebene, Arial, 18 </a:t>
             </a:r>
             <a:r>
-              <a:rPr lang="de-DE" sz="1800" dirty="0" err="1" smtClean="0">
+              <a:rPr lang="de-DE" sz="1800" dirty="0" err="1">
                 <a:solidFill>
                   <a:srgbClr val="012C59"/>
                 </a:solidFill>
@@ -2855,7 +2825,7 @@
               <a:t>pt</a:t>
             </a:r>
             <a:r>
-              <a:rPr lang="de-DE" sz="1800" dirty="0" smtClean="0">
+              <a:rPr lang="de-DE" sz="1800" dirty="0">
                 <a:solidFill>
                   <a:srgbClr val="012C59"/>
                 </a:solidFill>
@@ -2873,7 +2843,7 @@
               </a:spcBef>
             </a:pPr>
             <a:r>
-              <a:rPr lang="de-DE" sz="1800" dirty="0" smtClean="0">
+              <a:rPr lang="de-DE" sz="1800" dirty="0">
                 <a:solidFill>
                   <a:srgbClr val="012C59"/>
                 </a:solidFill>
@@ -2881,7 +2851,7 @@
               <a:t>Aufzählung 3. Ebene, Arial, 18 </a:t>
             </a:r>
             <a:r>
-              <a:rPr lang="de-DE" sz="1800" dirty="0" err="1" smtClean="0">
+              <a:rPr lang="de-DE" sz="1800" dirty="0" err="1">
                 <a:solidFill>
                   <a:srgbClr val="012C59"/>
                 </a:solidFill>
@@ -2889,7 +2859,7 @@
               <a:t>pt</a:t>
             </a:r>
             <a:r>
-              <a:rPr lang="de-DE" sz="1800" dirty="0" smtClean="0">
+              <a:rPr lang="de-DE" sz="1800" dirty="0">
                 <a:solidFill>
                   <a:srgbClr val="012C59"/>
                 </a:solidFill>
@@ -2926,11 +2896,11 @@
           </a:lstStyle>
           <a:p>
             <a:r>
-              <a:rPr lang="de-CH" dirty="0" smtClean="0"/>
+              <a:rPr lang="de-CH" dirty="0"/>
               <a:t>Bild hier durch Klick </a:t>
             </a:r>
             <a:r>
-              <a:rPr lang="de-CH" dirty="0" err="1" smtClean="0"/>
+              <a:rPr lang="de-CH" dirty="0" err="1"/>
               <a:t>einfücgen</a:t>
             </a:r>
             <a:endParaRPr lang="de-CH" dirty="0"/>
@@ -2964,11 +2934,11 @@
           </a:lstStyle>
           <a:p>
             <a:r>
-              <a:rPr lang="de-CH" dirty="0" smtClean="0"/>
+              <a:rPr lang="de-CH" dirty="0"/>
               <a:t>Bild hier durch Klick </a:t>
             </a:r>
             <a:r>
-              <a:rPr lang="de-CH" dirty="0" err="1" smtClean="0"/>
+              <a:rPr lang="de-CH" dirty="0" err="1"/>
               <a:t>einfücgen</a:t>
             </a:r>
             <a:endParaRPr lang="de-CH" dirty="0"/>
@@ -3141,7 +3111,7 @@
             </a:lvl9pPr>
           </a:lstStyle>
           <a:p>
-            <a:endParaRPr lang="de-DE" sz="2600" b="0" spc="30" dirty="0" smtClean="0">
+            <a:endParaRPr lang="de-DE" sz="2600" b="0" spc="30" dirty="0">
               <a:solidFill>
                 <a:schemeClr val="bg1"/>
               </a:solidFill>
@@ -3185,7 +3155,7 @@
           </a:lstStyle>
           <a:p>
             <a:r>
-              <a:rPr lang="de-DE" smtClean="0"/>
+              <a:rPr lang="de-DE"/>
               <a:t>Titelmasterformat durch Klicken bearbeiten</a:t>
             </a:r>
             <a:endParaRPr lang="fr-FR" dirty="0"/>
@@ -3202,13 +3172,6 @@
   <p:clrMapOvr>
     <a:masterClrMapping/>
   </p:clrMapOvr>
-  <p:timing>
-    <p:tnLst>
-      <p:par>
-        <p:cTn id="1" dur="indefinite" restart="never" nodeType="tmRoot"/>
-      </p:par>
-    </p:tnLst>
-  </p:timing>
 </p:sldLayout>
 </file>
 
@@ -3256,7 +3219,7 @@
           </a:lstStyle>
           <a:p>
             <a:r>
-              <a:rPr lang="de-DE" smtClean="0"/>
+              <a:rPr lang="de-DE"/>
               <a:t>Diagramm durch Klicken auf Symbol hinzufügen</a:t>
             </a:r>
             <a:endParaRPr lang="fr-FR" dirty="0"/>
@@ -3294,7 +3257,6 @@
           <a:ln>
             <a:noFill/>
           </a:ln>
-          <a:extLst/>
         </p:spPr>
         <p:txBody>
           <a:bodyPr lIns="0" tIns="0" rIns="0" bIns="0"/>
@@ -3345,7 +3307,7 @@
           </a:lstStyle>
           <a:p>
             <a:r>
-              <a:rPr lang="de-DE" smtClean="0"/>
+              <a:rPr lang="de-DE"/>
               <a:t>Chris Russ / IWI / ZHAW</a:t>
             </a:r>
             <a:endParaRPr lang="de-CH" dirty="0"/>
@@ -3393,10 +3355,9 @@
               <a:t>‹Nr.›</a:t>
             </a:fld>
             <a:r>
-              <a:rPr lang="de-CH" dirty="0" smtClean="0"/>
+              <a:rPr lang="de-CH" dirty="0"/>
               <a:t> </a:t>
             </a:r>
-            <a:endParaRPr lang="de-CH" dirty="0"/>
           </a:p>
         </p:txBody>
       </p:sp>
@@ -3609,7 +3570,7 @@
             </a:lvl9pPr>
           </a:lstStyle>
           <a:p>
-            <a:endParaRPr lang="de-DE" sz="2600" b="0" spc="30" dirty="0" smtClean="0">
+            <a:endParaRPr lang="de-DE" sz="2600" b="0" spc="30" dirty="0">
               <a:solidFill>
                 <a:schemeClr val="bg1"/>
               </a:solidFill>
@@ -3653,7 +3614,7 @@
           </a:lstStyle>
           <a:p>
             <a:r>
-              <a:rPr lang="de-DE" smtClean="0"/>
+              <a:rPr lang="de-DE"/>
               <a:t>Titelmasterformat durch Klicken bearbeiten</a:t>
             </a:r>
             <a:endParaRPr lang="fr-FR" dirty="0"/>
@@ -3670,13 +3631,6 @@
   <p:clrMapOvr>
     <a:masterClrMapping/>
   </p:clrMapOvr>
-  <p:timing>
-    <p:tnLst>
-      <p:par>
-        <p:cTn id="1" dur="indefinite" restart="never" nodeType="tmRoot"/>
-      </p:par>
-    </p:tnLst>
-  </p:timing>
 </p:sldLayout>
 </file>
 
@@ -3742,7 +3696,7 @@
           <a:p>
             <a:pPr lvl="0"/>
             <a:r>
-              <a:rPr lang="de-DE" dirty="0" smtClean="0"/>
+              <a:rPr lang="de-DE" dirty="0"/>
               <a:t>Platzhalter für Text oder Bild</a:t>
             </a:r>
             <a:endParaRPr lang="de-CH" dirty="0"/>
@@ -3784,7 +3738,7 @@
           </a:lstStyle>
           <a:p>
             <a:r>
-              <a:rPr lang="de-DE" smtClean="0"/>
+              <a:rPr lang="de-DE"/>
               <a:t>Chris Russ / IWI / ZHAW</a:t>
             </a:r>
             <a:endParaRPr lang="de-CH" dirty="0"/>
@@ -3832,10 +3786,9 @@
               <a:t>‹Nr.›</a:t>
             </a:fld>
             <a:r>
-              <a:rPr lang="de-CH" dirty="0" smtClean="0"/>
+              <a:rPr lang="de-CH" dirty="0"/>
               <a:t> </a:t>
             </a:r>
-            <a:endParaRPr lang="de-CH" dirty="0"/>
           </a:p>
         </p:txBody>
       </p:sp>
@@ -3920,7 +3873,7 @@
           </a:lstStyle>
           <a:p>
             <a:r>
-              <a:rPr lang="de-DE" smtClean="0"/>
+              <a:rPr lang="de-DE"/>
               <a:t>Titelmasterformat durch Klicken bearbeiten</a:t>
             </a:r>
             <a:endParaRPr lang="fr-FR" dirty="0"/>
@@ -3937,13 +3890,6 @@
   <p:clrMapOvr>
     <a:masterClrMapping/>
   </p:clrMapOvr>
-  <p:timing>
-    <p:tnLst>
-      <p:par>
-        <p:cTn id="1" dur="indefinite" restart="never" nodeType="tmRoot"/>
-      </p:par>
-    </p:tnLst>
-  </p:timing>
 </p:sldLayout>
 </file>
 
@@ -4015,35 +3961,35 @@
           <a:p>
             <a:pPr lvl="0"/>
             <a:r>
-              <a:rPr lang="en-US" dirty="0" smtClean="0"/>
+              <a:rPr lang="en-US" dirty="0"/>
               <a:t>Click to edit Master text styles</a:t>
             </a:r>
           </a:p>
           <a:p>
             <a:pPr lvl="1"/>
             <a:r>
-              <a:rPr lang="en-US" dirty="0" smtClean="0"/>
+              <a:rPr lang="en-US" dirty="0"/>
               <a:t>Second level</a:t>
             </a:r>
           </a:p>
           <a:p>
             <a:pPr lvl="2"/>
             <a:r>
-              <a:rPr lang="en-US" dirty="0" smtClean="0"/>
+              <a:rPr lang="en-US" dirty="0"/>
               <a:t>Third level</a:t>
             </a:r>
           </a:p>
           <a:p>
             <a:pPr lvl="3"/>
             <a:r>
-              <a:rPr lang="en-US" dirty="0" smtClean="0"/>
+              <a:rPr lang="en-US" dirty="0"/>
               <a:t>Fourth level</a:t>
             </a:r>
           </a:p>
           <a:p>
             <a:pPr lvl="4"/>
             <a:r>
-              <a:rPr lang="en-US" dirty="0" smtClean="0"/>
+              <a:rPr lang="en-US" dirty="0"/>
               <a:t>Fifth level</a:t>
             </a:r>
             <a:endParaRPr lang="en-GB" dirty="0"/>
@@ -4066,7 +4012,7 @@
           <a:lstStyle/>
           <a:p>
             <a:r>
-              <a:rPr lang="en-US" smtClean="0"/>
+              <a:rPr lang="en-US"/>
               <a:t>Click to edit Master title style</a:t>
             </a:r>
             <a:endParaRPr lang="en-GB"/>
@@ -4086,13 +4032,6 @@
   <p:transition>
     <p:fade/>
   </p:transition>
-  <p:timing>
-    <p:tnLst>
-      <p:par>
-        <p:cTn id="1" dur="indefinite" restart="never" nodeType="tmRoot"/>
-      </p:par>
-    </p:tnLst>
-  </p:timing>
 </p:sldLayout>
 </file>
 
@@ -4323,7 +4262,7 @@
           </a:lstStyle>
           <a:p>
             <a:r>
-              <a:rPr lang="de-DE" smtClean="0"/>
+              <a:rPr lang="de-DE"/>
               <a:t>Titelmasterformat durch Klicken bearbeiten</a:t>
             </a:r>
             <a:endParaRPr lang="fr-FR" dirty="0"/>
@@ -4458,10 +4397,9 @@
           </a:lstStyle>
           <a:p>
             <a:r>
-              <a:rPr lang="de-DE" dirty="0" smtClean="0"/>
+              <a:rPr lang="de-DE" dirty="0"/>
               <a:t>1.9.2018</a:t>
             </a:r>
-            <a:endParaRPr lang="de-DE" dirty="0"/>
           </a:p>
         </p:txBody>
       </p:sp>
@@ -4470,7 +4408,7 @@
           <p:cNvPr id="3" name="Content Placeholder 2">
             <a:extLst>
               <a:ext uri="{FF2B5EF4-FFF2-40B4-BE49-F238E27FC236}">
-                <a16:creationId xmlns:a16="http://schemas.microsoft.com/office/drawing/2014/main" xmlns="" id="{397D6EDE-1D88-4253-A185-05406FA8DDDE}"/>
+                <a16:creationId xmlns:a16="http://schemas.microsoft.com/office/drawing/2014/main" id="{397D6EDE-1D88-4253-A185-05406FA8DDDE}"/>
               </a:ext>
             </a:extLst>
           </p:cNvPr>
@@ -4493,35 +4431,35 @@
           <a:p>
             <a:pPr lvl="0"/>
             <a:r>
-              <a:rPr lang="de-DE" smtClean="0"/>
+              <a:rPr lang="de-DE"/>
               <a:t>Formatvorlagen des Textmasters bearbeiten</a:t>
             </a:r>
           </a:p>
           <a:p>
             <a:pPr lvl="1"/>
             <a:r>
-              <a:rPr lang="de-DE" smtClean="0"/>
+              <a:rPr lang="de-DE"/>
               <a:t>Zweite Ebene</a:t>
             </a:r>
           </a:p>
           <a:p>
             <a:pPr lvl="2"/>
             <a:r>
-              <a:rPr lang="de-DE" smtClean="0"/>
+              <a:rPr lang="de-DE"/>
               <a:t>Dritte Ebene</a:t>
             </a:r>
           </a:p>
           <a:p>
             <a:pPr lvl="3"/>
             <a:r>
-              <a:rPr lang="de-DE" smtClean="0"/>
+              <a:rPr lang="de-DE"/>
               <a:t>Vierte Ebene</a:t>
             </a:r>
           </a:p>
           <a:p>
             <a:pPr lvl="4"/>
             <a:r>
-              <a:rPr lang="de-DE" smtClean="0"/>
+              <a:rPr lang="de-DE"/>
               <a:t>Fünfte Ebene</a:t>
             </a:r>
             <a:endParaRPr lang="en-GB"/>
@@ -4538,14 +4476,7 @@
   <p:clrMapOvr>
     <a:masterClrMapping/>
   </p:clrMapOvr>
-  <p:timing>
-    <p:tnLst>
-      <p:par>
-        <p:cTn id="1" dur="indefinite" restart="never" nodeType="tmRoot"/>
-      </p:par>
-    </p:tnLst>
-  </p:timing>
-  <p:extLst mod="1">
+  <p:extLst>
     <p:ext uri="{DCECCB84-F9BA-43D5-87BE-67443E8EF086}">
       <p15:sldGuideLst xmlns:p15="http://schemas.microsoft.com/office/powerpoint/2012/main">
         <p15:guide id="1" orient="horz" pos="2845">
@@ -4620,7 +4551,7 @@
               </a:spcBef>
             </a:pPr>
             <a:r>
-              <a:rPr lang="de-DE" sz="2000" dirty="0" smtClean="0">
+              <a:rPr lang="de-DE" sz="2000" dirty="0">
                 <a:solidFill>
                   <a:srgbClr val="012C59"/>
                 </a:solidFill>
@@ -4628,7 +4559,7 @@
               <a:t>Aufzählung 1. Ebene, Arial, 20 </a:t>
             </a:r>
             <a:r>
-              <a:rPr lang="de-DE" sz="2000" dirty="0" err="1" smtClean="0">
+              <a:rPr lang="de-DE" sz="2000" dirty="0" err="1">
                 <a:solidFill>
                   <a:srgbClr val="012C59"/>
                 </a:solidFill>
@@ -4636,7 +4567,7 @@
               <a:t>pt</a:t>
             </a:r>
             <a:r>
-              <a:rPr lang="de-DE" sz="2000" dirty="0" smtClean="0">
+              <a:rPr lang="de-DE" sz="2000" dirty="0">
                 <a:solidFill>
                   <a:srgbClr val="012C59"/>
                 </a:solidFill>
@@ -4654,7 +4585,7 @@
               </a:spcBef>
             </a:pPr>
             <a:r>
-              <a:rPr lang="de-DE" sz="1800" dirty="0" smtClean="0">
+              <a:rPr lang="de-DE" sz="1800" dirty="0">
                 <a:solidFill>
                   <a:srgbClr val="012C59"/>
                 </a:solidFill>
@@ -4662,7 +4593,7 @@
               <a:t>Aufzählung 2. Ebene, Arial, 18 </a:t>
             </a:r>
             <a:r>
-              <a:rPr lang="de-DE" sz="1800" dirty="0" err="1" smtClean="0">
+              <a:rPr lang="de-DE" sz="1800" dirty="0" err="1">
                 <a:solidFill>
                   <a:srgbClr val="012C59"/>
                 </a:solidFill>
@@ -4670,7 +4601,7 @@
               <a:t>pt</a:t>
             </a:r>
             <a:r>
-              <a:rPr lang="de-DE" sz="1800" dirty="0" smtClean="0">
+              <a:rPr lang="de-DE" sz="1800" dirty="0">
                 <a:solidFill>
                   <a:srgbClr val="012C59"/>
                 </a:solidFill>
@@ -4688,7 +4619,7 @@
               </a:spcBef>
             </a:pPr>
             <a:r>
-              <a:rPr lang="de-DE" sz="1800" dirty="0" smtClean="0">
+              <a:rPr lang="de-DE" sz="1800" dirty="0">
                 <a:solidFill>
                   <a:srgbClr val="012C59"/>
                 </a:solidFill>
@@ -4696,7 +4627,7 @@
               <a:t>Aufzählung 3. Ebene, Arial, 18 </a:t>
             </a:r>
             <a:r>
-              <a:rPr lang="de-DE" sz="1800" dirty="0" err="1" smtClean="0">
+              <a:rPr lang="de-DE" sz="1800" dirty="0" err="1">
                 <a:solidFill>
                   <a:srgbClr val="012C59"/>
                 </a:solidFill>
@@ -4704,7 +4635,7 @@
               <a:t>pt</a:t>
             </a:r>
             <a:r>
-              <a:rPr lang="de-DE" sz="1800" dirty="0" smtClean="0">
+              <a:rPr lang="de-DE" sz="1800" dirty="0">
                 <a:solidFill>
                   <a:srgbClr val="012C59"/>
                 </a:solidFill>
@@ -4749,7 +4680,7 @@
           </a:lstStyle>
           <a:p>
             <a:r>
-              <a:rPr lang="de-DE" smtClean="0"/>
+              <a:rPr lang="de-DE"/>
               <a:t>Chris Russ / IWI / ZHAW</a:t>
             </a:r>
             <a:endParaRPr lang="de-CH" dirty="0"/>
@@ -4797,10 +4728,9 @@
               <a:t>‹Nr.›</a:t>
             </a:fld>
             <a:r>
-              <a:rPr lang="de-CH" dirty="0" smtClean="0"/>
+              <a:rPr lang="de-CH" dirty="0"/>
               <a:t> </a:t>
             </a:r>
-            <a:endParaRPr lang="de-CH" dirty="0"/>
           </a:p>
         </p:txBody>
       </p:sp>
@@ -4839,7 +4769,7 @@
             </a:lvl1pPr>
           </a:lstStyle>
           <a:p>
-            <a:endParaRPr lang="de-CH" dirty="0" smtClean="0">
+            <a:endParaRPr lang="de-CH" dirty="0">
               <a:solidFill>
                 <a:srgbClr val="012C59"/>
               </a:solidFill>
@@ -4895,13 +4825,6 @@
     <p:sldLayoutId id="2147483689" r:id="rId7"/>
     <p:sldLayoutId id="2147483690" r:id="rId8"/>
   </p:sldLayoutIdLst>
-  <p:timing>
-    <p:tnLst>
-      <p:par>
-        <p:cTn id="1" dur="indefinite" restart="never" nodeType="tmRoot"/>
-      </p:par>
-    </p:tnLst>
-  </p:timing>
   <p:hf hdr="0" ftr="0"/>
   <p:txStyles>
     <p:titleStyle>
@@ -5251,10 +5174,9 @@
           <a:lstStyle/>
           <a:p>
             <a:r>
-              <a:rPr lang="de-CH" dirty="0" smtClean="0"/>
+              <a:rPr lang="de-CH" dirty="0"/>
               <a:t>Chris Russ, Dozent</a:t>
             </a:r>
-            <a:endParaRPr lang="de-CH" dirty="0"/>
           </a:p>
         </p:txBody>
       </p:sp>
@@ -5296,10 +5218,9 @@
           <a:lstStyle/>
           <a:p>
             <a:r>
-              <a:rPr lang="de-CH" dirty="0" smtClean="0"/>
+              <a:rPr lang="de-CH" dirty="0"/>
               <a:t>chris.russ@zhaw.ch</a:t>
             </a:r>
-            <a:endParaRPr lang="de-CH" dirty="0"/>
           </a:p>
         </p:txBody>
       </p:sp>
@@ -5330,7 +5251,7 @@
               </a:lnSpc>
             </a:pPr>
             <a:r>
-              <a:rPr lang="de-CH" sz="2400" b="1" dirty="0" smtClean="0">
+              <a:rPr lang="de-CH" sz="2400" b="1" dirty="0">
                 <a:solidFill>
                   <a:schemeClr val="bg1"/>
                 </a:solidFill>
@@ -5338,7 +5259,7 @@
               <a:t>Agile </a:t>
             </a:r>
             <a:r>
-              <a:rPr lang="de-CH" sz="2400" b="1" dirty="0" err="1" smtClean="0">
+              <a:rPr lang="de-CH" sz="2400" b="1" dirty="0" err="1">
                 <a:solidFill>
                   <a:schemeClr val="bg1"/>
                 </a:solidFill>
@@ -5346,7 +5267,7 @@
               <a:t>Requirements</a:t>
             </a:r>
             <a:r>
-              <a:rPr lang="de-CH" sz="2400" b="1" dirty="0" smtClean="0">
+              <a:rPr lang="de-CH" sz="2400" b="1" dirty="0">
                 <a:solidFill>
                   <a:schemeClr val="bg1"/>
                 </a:solidFill>
@@ -5361,18 +5282,13 @@
               </a:lnSpc>
             </a:pPr>
             <a:r>
-              <a:rPr lang="de-CH" sz="2800" b="1" i="1" dirty="0" smtClean="0">
+              <a:rPr lang="de-CH" sz="2800" b="1" i="1" dirty="0">
                 <a:solidFill>
                   <a:schemeClr val="bg1"/>
                 </a:solidFill>
               </a:rPr>
               <a:t>Entwicklung einer eigenen Produktstrategie</a:t>
             </a:r>
-            <a:endParaRPr lang="de-CH" sz="2800" b="1" i="1" dirty="0">
-              <a:solidFill>
-                <a:schemeClr val="bg1"/>
-              </a:solidFill>
-            </a:endParaRPr>
           </a:p>
           <a:p>
             <a:pPr>
@@ -5386,21 +5302,8 @@
                   <a:schemeClr val="bg1"/>
                 </a:solidFill>
               </a:rPr>
-              <a:t>F</a:t>
-            </a:r>
-            <a:r>
-              <a:rPr lang="de-CH" sz="1800" b="1" dirty="0" smtClean="0">
-                <a:solidFill>
-                  <a:schemeClr val="bg1"/>
-                </a:solidFill>
-              </a:rPr>
-              <a:t>S 2020 – Block 5</a:t>
-            </a:r>
-            <a:endParaRPr lang="de-CH" sz="1800" b="1" dirty="0">
-              <a:solidFill>
-                <a:schemeClr val="bg1"/>
-              </a:solidFill>
-            </a:endParaRPr>
+              <a:t>FS 2020 – Block 5</a:t>
+            </a:r>
           </a:p>
         </p:txBody>
       </p:sp>
@@ -5414,13 +5317,6 @@
   <p:clrMapOvr>
     <a:masterClrMapping/>
   </p:clrMapOvr>
-  <p:timing>
-    <p:tnLst>
-      <p:par>
-        <p:cTn id="1" dur="indefinite" restart="never" nodeType="tmRoot"/>
-      </p:par>
-    </p:tnLst>
-  </p:timing>
 </p:sld>
 </file>
 
@@ -5457,7 +5353,7 @@
           <a:lstStyle/>
           <a:p>
             <a:r>
-              <a:rPr lang="de-DE" smtClean="0"/>
+              <a:rPr lang="de-DE"/>
               <a:t>Chris Russ / IWI / ZHAW</a:t>
             </a:r>
             <a:endParaRPr lang="de-CH" dirty="0"/>
@@ -5480,213 +5376,172 @@
           <a:lstStyle/>
           <a:p>
             <a:r>
-              <a:rPr lang="de-CH" b="1" dirty="0" smtClean="0"/>
+              <a:rPr lang="de-CH" b="1" dirty="0"/>
               <a:t>Vision: </a:t>
             </a:r>
             <a:r>
-              <a:rPr lang="de-CH" dirty="0" smtClean="0"/>
+              <a:rPr lang="de-CH" dirty="0"/>
               <a:t>Dein gesundes Essen – schonend erwärmt – unabhängig von Zeit und Ort! </a:t>
             </a:r>
             <a:r>
-              <a:rPr lang="de-CH" b="1" dirty="0" smtClean="0"/>
-              <a:t>Produktname</a:t>
-            </a:r>
-            <a:r>
-              <a:rPr lang="de-CH" b="1" dirty="0" smtClean="0"/>
-              <a:t>:</a:t>
-            </a:r>
-            <a:r>
-              <a:rPr lang="de-CH" dirty="0" smtClean="0"/>
+              <a:rPr lang="de-CH" b="1" dirty="0"/>
+              <a:t>Produktname:</a:t>
+            </a:r>
+            <a:r>
+              <a:rPr lang="de-CH" dirty="0"/>
               <a:t>  </a:t>
             </a:r>
             <a:r>
-              <a:rPr lang="de-CH" dirty="0" err="1" smtClean="0"/>
+              <a:rPr lang="de-CH" dirty="0" err="1"/>
               <a:t>eWARMY</a:t>
             </a:r>
-            <a:endParaRPr lang="de-CH" b="1" dirty="0" smtClean="0"/>
-          </a:p>
-          <a:p>
-            <a:r>
-              <a:rPr lang="de-CH" b="1" dirty="0" smtClean="0"/>
+            <a:endParaRPr lang="de-CH" b="1" dirty="0"/>
+          </a:p>
+          <a:p>
+            <a:r>
+              <a:rPr lang="de-CH" b="1" dirty="0"/>
               <a:t>Kurzbeschreibung: </a:t>
             </a:r>
             <a:r>
-              <a:rPr lang="de-CH" dirty="0" smtClean="0"/>
+              <a:rPr lang="de-CH" dirty="0"/>
               <a:t>Gesundes Essen in einer nachhaltigen, hygienischen und mobilen Box mitnehmen und warm geniessen. Steuerbar bequem per App.</a:t>
             </a:r>
-            <a:endParaRPr lang="de-CH" b="1" dirty="0" smtClean="0"/>
-          </a:p>
-          <a:p>
-            <a:r>
-              <a:rPr lang="de-CH" b="1" dirty="0" smtClean="0"/>
+            <a:endParaRPr lang="de-CH" b="1" dirty="0"/>
+          </a:p>
+          <a:p>
+            <a:r>
+              <a:rPr lang="de-CH" b="1" dirty="0"/>
               <a:t>Wichtige Elemente</a:t>
             </a:r>
           </a:p>
           <a:p>
             <a:pPr lvl="1"/>
             <a:r>
-              <a:rPr lang="de-CH" dirty="0" smtClean="0"/>
+              <a:rPr lang="de-CH" dirty="0"/>
               <a:t>Marktsegment und Einstiegshürden</a:t>
             </a:r>
           </a:p>
           <a:p>
             <a:pPr lvl="2"/>
             <a:r>
-              <a:rPr lang="de-CH" dirty="0" smtClean="0"/>
-              <a:t>Marktgrösse, </a:t>
-            </a:r>
-            <a:r>
               <a:rPr lang="de-CH" dirty="0"/>
-              <a:t>Wettbewerb, </a:t>
-            </a:r>
-            <a:r>
-              <a:rPr lang="de-CH" dirty="0" smtClean="0"/>
-              <a:t>Charakteristik der Kunden, Zielgruppe</a:t>
+              <a:t>Marktgrösse, Wettbewerb, Charakteristik der Kunden, Zielgruppe</a:t>
             </a:r>
           </a:p>
           <a:p>
             <a:pPr lvl="3"/>
             <a:r>
-              <a:rPr lang="de-CH" dirty="0" smtClean="0"/>
+              <a:rPr lang="de-CH" dirty="0"/>
               <a:t>B2B: </a:t>
             </a:r>
             <a:r>
-              <a:rPr lang="de-CH" dirty="0" err="1" smtClean="0"/>
+              <a:rPr lang="de-CH" dirty="0" err="1"/>
               <a:t>TakeAways</a:t>
             </a:r>
             <a:r>
-              <a:rPr lang="de-CH" dirty="0" smtClean="0"/>
+              <a:rPr lang="de-CH" dirty="0"/>
               <a:t>, Kantinen, Militär, Schulen, etc.</a:t>
             </a:r>
           </a:p>
           <a:p>
             <a:pPr lvl="3"/>
             <a:r>
-              <a:rPr lang="de-CH" dirty="0" smtClean="0"/>
+              <a:rPr lang="de-CH" dirty="0"/>
               <a:t>B2C: Direktverkauf an Konsumenten (stationär und Online)</a:t>
             </a:r>
-            <a:endParaRPr lang="de-CH" dirty="0" smtClean="0"/>
           </a:p>
           <a:p>
             <a:pPr lvl="1"/>
             <a:r>
-              <a:rPr lang="de-CH" dirty="0" smtClean="0"/>
+              <a:rPr lang="de-CH" dirty="0"/>
               <a:t>Produkt </a:t>
             </a:r>
             <a:r>
-              <a:rPr lang="de-CH" dirty="0" err="1" smtClean="0"/>
+              <a:rPr lang="de-CH" dirty="0" err="1"/>
               <a:t>Scope</a:t>
             </a:r>
             <a:r>
-              <a:rPr lang="de-CH" dirty="0" smtClean="0"/>
-              <a:t> </a:t>
-            </a:r>
-            <a:r>
               <a:rPr lang="de-CH" dirty="0"/>
-              <a:t>/ Funktionen / </a:t>
-            </a:r>
-            <a:r>
-              <a:rPr lang="de-CH" dirty="0" smtClean="0"/>
-              <a:t>User </a:t>
-            </a:r>
+              <a:t> / Funktionen / User Experience UX</a:t>
+            </a:r>
+          </a:p>
+          <a:p>
+            <a:pPr lvl="2"/>
             <a:r>
               <a:rPr lang="de-CH" dirty="0"/>
-              <a:t>Experience </a:t>
-            </a:r>
-            <a:r>
-              <a:rPr lang="de-CH" dirty="0" smtClean="0"/>
-              <a:t>UX</a:t>
-            </a:r>
+              <a:t>«autark» </a:t>
+            </a:r>
+            <a:r>
+              <a:rPr lang="de-CH" dirty="0" err="1"/>
+              <a:t>erwärmbar</a:t>
+            </a:r>
+            <a:endParaRPr lang="de-CH" dirty="0"/>
           </a:p>
           <a:p>
             <a:pPr lvl="2"/>
             <a:r>
-              <a:rPr lang="de-CH" dirty="0" smtClean="0"/>
-              <a:t>«autark» </a:t>
-            </a:r>
-            <a:r>
-              <a:rPr lang="de-CH" dirty="0" err="1" smtClean="0"/>
-              <a:t>erwärmbar</a:t>
-            </a:r>
-            <a:endParaRPr lang="de-CH" dirty="0" smtClean="0"/>
+              <a:rPr lang="de-CH" dirty="0"/>
+              <a:t>Steuerung und Timing per App</a:t>
+            </a:r>
           </a:p>
           <a:p>
             <a:pPr lvl="2"/>
             <a:r>
-              <a:rPr lang="de-CH" dirty="0" smtClean="0"/>
-              <a:t>Steuerung und Timing per App</a:t>
+              <a:rPr lang="de-CH" dirty="0"/>
+              <a:t>Transportierbar, dicht, Stossfest</a:t>
             </a:r>
           </a:p>
           <a:p>
             <a:pPr lvl="2"/>
             <a:r>
-              <a:rPr lang="de-CH" dirty="0" smtClean="0"/>
-              <a:t>Transportierbar, dicht, Stossfest</a:t>
-            </a:r>
-            <a:endParaRPr lang="de-CH" dirty="0" smtClean="0"/>
-          </a:p>
-          <a:p>
-            <a:pPr lvl="2"/>
-            <a:r>
-              <a:rPr lang="de-CH" dirty="0" smtClean="0"/>
+              <a:rPr lang="de-CH" dirty="0"/>
               <a:t>Modernes, schönes Design</a:t>
             </a:r>
-            <a:endParaRPr lang="de-CH" dirty="0"/>
           </a:p>
           <a:p>
             <a:pPr lvl="1"/>
             <a:r>
-              <a:rPr lang="de-CH" dirty="0" smtClean="0"/>
+              <a:rPr lang="de-CH" dirty="0"/>
               <a:t>Qualitätsanspruch (fast, </a:t>
             </a:r>
             <a:r>
-              <a:rPr lang="de-CH" dirty="0" err="1" smtClean="0"/>
+              <a:rPr lang="de-CH" dirty="0" err="1"/>
               <a:t>cheap</a:t>
             </a:r>
             <a:r>
-              <a:rPr lang="de-CH" dirty="0" smtClean="0"/>
+              <a:rPr lang="de-CH" dirty="0"/>
               <a:t>, </a:t>
             </a:r>
             <a:r>
-              <a:rPr lang="de-CH" dirty="0" err="1" smtClean="0"/>
+              <a:rPr lang="de-CH" dirty="0" err="1"/>
               <a:t>good</a:t>
             </a:r>
             <a:r>
-              <a:rPr lang="de-CH" dirty="0" smtClean="0"/>
+              <a:rPr lang="de-CH" dirty="0"/>
               <a:t>): </a:t>
             </a:r>
             <a:r>
-              <a:rPr lang="de-CH" dirty="0" err="1" smtClean="0"/>
+              <a:rPr lang="de-CH" dirty="0" err="1"/>
               <a:t>good</a:t>
             </a:r>
             <a:r>
-              <a:rPr lang="de-CH" dirty="0" smtClean="0"/>
+              <a:rPr lang="de-CH" dirty="0"/>
               <a:t>!</a:t>
             </a:r>
-            <a:endParaRPr lang="de-CH" dirty="0" smtClean="0"/>
           </a:p>
           <a:p>
             <a:pPr lvl="1"/>
             <a:r>
-              <a:rPr lang="de-CH" dirty="0" smtClean="0"/>
-              <a:t>Kompatibilität </a:t>
-            </a:r>
-            <a:r>
-              <a:rPr lang="de-CH" dirty="0" smtClean="0"/>
-              <a:t>und Offenheit (Daten, Prozesse, Technologien</a:t>
-            </a:r>
-            <a:r>
-              <a:rPr lang="de-CH" dirty="0" smtClean="0"/>
-              <a:t>): offen (für App aber auch für Zusatzservices (Rezepte, Einkaufslisten, etc.)</a:t>
-            </a:r>
-            <a:endParaRPr lang="de-CH" dirty="0" smtClean="0"/>
+              <a:rPr lang="de-CH" dirty="0"/>
+              <a:t>Kompatibilität und Offenheit (Daten, Prozesse, Technologien): offen (für App aber auch für Zusatzservices (Rezepte, Einkaufslisten, etc.)</a:t>
+            </a:r>
           </a:p>
           <a:p>
             <a:pPr lvl="1">
               <a:buFontTx/>
               <a:buChar char="-"/>
             </a:pPr>
-            <a:endParaRPr lang="de-CH" dirty="0" smtClean="0"/>
+            <a:endParaRPr lang="de-CH" dirty="0"/>
           </a:p>
         </p:txBody>
       </p:sp>
@@ -5707,13 +5562,8 @@
           <a:p>
             <a:r>
               <a:rPr lang="de-CH" dirty="0"/>
-              <a:t>Erstdefinition des </a:t>
-            </a:r>
-            <a:r>
-              <a:rPr lang="de-CH" dirty="0" smtClean="0"/>
-              <a:t>Produktes anhand der gewählten Option</a:t>
-            </a:r>
-            <a:endParaRPr lang="de-CH" dirty="0"/>
+              <a:t>Erstdefinition des Produktes anhand der gewählten Option</a:t>
+            </a:r>
           </a:p>
         </p:txBody>
       </p:sp>
@@ -5739,7 +5589,7 @@
               <a:t>10</a:t>
             </a:fld>
             <a:r>
-              <a:rPr lang="de-CH" smtClean="0"/>
+              <a:rPr lang="de-CH"/>
               <a:t> </a:t>
             </a:r>
             <a:endParaRPr lang="de-CH" dirty="0"/>
@@ -5769,18 +5619,13 @@
           <a:lstStyle/>
           <a:p>
             <a:r>
-              <a:rPr lang="de-CH" b="1" dirty="0" smtClean="0">
+              <a:rPr lang="de-CH" b="1" dirty="0">
                 <a:solidFill>
                   <a:schemeClr val="bg1"/>
                 </a:solidFill>
               </a:rPr>
               <a:t>Dominic</a:t>
             </a:r>
-            <a:endParaRPr lang="de-CH" b="1" dirty="0">
-              <a:solidFill>
-                <a:schemeClr val="bg1"/>
-              </a:solidFill>
-            </a:endParaRPr>
           </a:p>
         </p:txBody>
       </p:sp>
@@ -5794,13 +5639,6 @@
   <p:clrMapOvr>
     <a:masterClrMapping/>
   </p:clrMapOvr>
-  <p:timing>
-    <p:tnLst>
-      <p:par>
-        <p:cTn id="1" dur="indefinite" restart="never" nodeType="tmRoot"/>
-      </p:par>
-    </p:tnLst>
-  </p:timing>
 </p:sld>
 </file>
 
@@ -5837,7 +5675,7 @@
           <a:lstStyle/>
           <a:p>
             <a:r>
-              <a:rPr lang="de-DE" smtClean="0"/>
+              <a:rPr lang="de-DE"/>
               <a:t>Chris Russ / IWI / ZHAW</a:t>
             </a:r>
             <a:endParaRPr lang="de-CH" dirty="0"/>
@@ -5860,11 +5698,11 @@
           <a:lstStyle/>
           <a:p>
             <a:r>
-              <a:rPr lang="de-CH" dirty="0" smtClean="0"/>
+              <a:rPr lang="de-CH" dirty="0"/>
               <a:t>Definieren Sie den Value Proposition </a:t>
             </a:r>
             <a:r>
-              <a:rPr lang="de-CH" dirty="0" err="1" smtClean="0"/>
+              <a:rPr lang="de-CH" dirty="0" err="1"/>
               <a:t>Canvas</a:t>
             </a:r>
             <a:endParaRPr lang="de-CH" dirty="0"/>
@@ -5893,7 +5731,7 @@
               <a:t>11</a:t>
             </a:fld>
             <a:r>
-              <a:rPr lang="de-CH" smtClean="0"/>
+              <a:rPr lang="de-CH"/>
               <a:t> </a:t>
             </a:r>
             <a:endParaRPr lang="de-CH" dirty="0"/>
@@ -5977,7 +5815,7 @@
           <a:p>
             <a:pPr algn="ctr"/>
             <a:r>
-              <a:rPr lang="de-CH" sz="1200" b="1" dirty="0" smtClean="0">
+              <a:rPr lang="de-CH" sz="1200" b="1" dirty="0">
                 <a:solidFill>
                   <a:schemeClr val="tx1"/>
                 </a:solidFill>
@@ -6040,7 +5878,7 @@
           <a:p>
             <a:pPr algn="ctr"/>
             <a:r>
-              <a:rPr lang="de-CH" sz="1200" b="1" dirty="0" smtClean="0">
+              <a:rPr lang="de-CH" sz="1200" b="1" dirty="0">
                 <a:solidFill>
                   <a:schemeClr val="tx1"/>
                 </a:solidFill>
@@ -6103,18 +5941,13 @@
           <a:p>
             <a:pPr algn="ctr"/>
             <a:r>
-              <a:rPr lang="de-CH" sz="1200" b="1" dirty="0" smtClean="0">
+              <a:rPr lang="de-CH" sz="1200" b="1" dirty="0">
                 <a:solidFill>
                   <a:schemeClr val="tx1"/>
                 </a:solidFill>
               </a:rPr>
               <a:t>Schonend erwärmt</a:t>
             </a:r>
-            <a:endParaRPr lang="de-CH" sz="1200" b="1" dirty="0">
-              <a:solidFill>
-                <a:schemeClr val="tx1"/>
-              </a:solidFill>
-            </a:endParaRPr>
           </a:p>
         </p:txBody>
       </p:sp>
@@ -6166,7 +5999,7 @@
           <a:p>
             <a:pPr algn="ctr"/>
             <a:r>
-              <a:rPr lang="de-CH" sz="1200" b="1" dirty="0" smtClean="0">
+              <a:rPr lang="de-CH" sz="1200" b="1" dirty="0">
                 <a:solidFill>
                   <a:schemeClr val="tx1"/>
                 </a:solidFill>
@@ -6229,7 +6062,7 @@
           <a:p>
             <a:pPr algn="ctr"/>
             <a:r>
-              <a:rPr lang="de-CH" sz="1200" b="1" dirty="0" smtClean="0">
+              <a:rPr lang="de-CH" sz="1200" b="1" dirty="0">
                 <a:solidFill>
                   <a:schemeClr val="tx1"/>
                 </a:solidFill>
@@ -6237,7 +6070,7 @@
               <a:t>Best. </a:t>
             </a:r>
             <a:r>
-              <a:rPr lang="de-CH" sz="1200" b="1" dirty="0" err="1" smtClean="0">
+              <a:rPr lang="de-CH" sz="1200" b="1" dirty="0" err="1">
                 <a:solidFill>
                   <a:schemeClr val="tx1"/>
                 </a:solidFill>
@@ -6245,7 +6078,7 @@
               <a:t>Thermos</a:t>
             </a:r>
             <a:r>
-              <a:rPr lang="de-CH" sz="1200" b="1" dirty="0" smtClean="0">
+              <a:rPr lang="de-CH" sz="1200" b="1" dirty="0">
                 <a:solidFill>
                   <a:schemeClr val="tx1"/>
                 </a:solidFill>
@@ -6308,7 +6141,7 @@
           <a:p>
             <a:pPr algn="ctr"/>
             <a:r>
-              <a:rPr lang="de-CH" sz="1200" b="1" dirty="0" smtClean="0">
+              <a:rPr lang="de-CH" sz="1200" b="1" dirty="0">
                 <a:solidFill>
                   <a:schemeClr val="tx1"/>
                 </a:solidFill>
@@ -6371,7 +6204,7 @@
           <a:p>
             <a:pPr algn="ctr"/>
             <a:r>
-              <a:rPr lang="de-CH" sz="1200" b="1" dirty="0" smtClean="0">
+              <a:rPr lang="de-CH" sz="1200" b="1" dirty="0">
                 <a:solidFill>
                   <a:schemeClr val="tx1"/>
                 </a:solidFill>
@@ -6434,18 +6267,13 @@
           <a:p>
             <a:pPr algn="ctr"/>
             <a:r>
-              <a:rPr lang="de-CH" sz="1200" b="1" dirty="0" smtClean="0">
+              <a:rPr lang="de-CH" sz="1200" b="1" dirty="0">
                 <a:solidFill>
                   <a:schemeClr val="tx1"/>
                 </a:solidFill>
               </a:rPr>
               <a:t>Hygiene</a:t>
             </a:r>
-            <a:endParaRPr lang="de-CH" sz="1200" b="1" dirty="0">
-              <a:solidFill>
-                <a:schemeClr val="tx1"/>
-              </a:solidFill>
-            </a:endParaRPr>
           </a:p>
         </p:txBody>
       </p:sp>
@@ -6497,7 +6325,7 @@
           <a:p>
             <a:pPr algn="ctr"/>
             <a:r>
-              <a:rPr lang="de-CH" sz="1200" b="1" dirty="0" smtClean="0">
+              <a:rPr lang="de-CH" sz="1200" b="1" dirty="0">
                 <a:solidFill>
                   <a:schemeClr val="tx1"/>
                 </a:solidFill>
@@ -6560,7 +6388,7 @@
           <a:p>
             <a:pPr algn="ctr"/>
             <a:r>
-              <a:rPr lang="de-CH" sz="1200" b="1" dirty="0" err="1" smtClean="0">
+              <a:rPr lang="de-CH" sz="1200" b="1" dirty="0" err="1">
                 <a:solidFill>
                   <a:schemeClr val="tx1"/>
                 </a:solidFill>
@@ -6623,18 +6451,13 @@
           <a:p>
             <a:pPr algn="ctr"/>
             <a:r>
-              <a:rPr lang="de-CH" sz="1200" b="1" dirty="0" smtClean="0">
+              <a:rPr lang="de-CH" sz="1200" b="1" dirty="0">
                 <a:solidFill>
                   <a:schemeClr val="tx1"/>
                 </a:solidFill>
               </a:rPr>
               <a:t>Akku</a:t>
             </a:r>
-            <a:endParaRPr lang="de-CH" sz="1200" b="1" dirty="0">
-              <a:solidFill>
-                <a:schemeClr val="tx1"/>
-              </a:solidFill>
-            </a:endParaRPr>
           </a:p>
         </p:txBody>
       </p:sp>
@@ -6686,18 +6509,13 @@
           <a:p>
             <a:pPr algn="ctr"/>
             <a:r>
-              <a:rPr lang="de-CH" sz="1200" b="1" dirty="0" smtClean="0">
+              <a:rPr lang="de-CH" sz="1200" b="1" dirty="0">
                 <a:solidFill>
                   <a:schemeClr val="tx1"/>
                 </a:solidFill>
               </a:rPr>
               <a:t>Edelstahl</a:t>
             </a:r>
-            <a:endParaRPr lang="de-CH" sz="1200" b="1" dirty="0">
-              <a:solidFill>
-                <a:schemeClr val="tx1"/>
-              </a:solidFill>
-            </a:endParaRPr>
           </a:p>
         </p:txBody>
       </p:sp>
@@ -6749,7 +6567,7 @@
           <a:p>
             <a:pPr algn="ctr"/>
             <a:r>
-              <a:rPr lang="de-CH" sz="1200" b="1" dirty="0" err="1" smtClean="0">
+              <a:rPr lang="de-CH" sz="1200" b="1" dirty="0" err="1">
                 <a:solidFill>
                   <a:schemeClr val="tx1"/>
                 </a:solidFill>
@@ -6812,18 +6630,13 @@
           <a:p>
             <a:pPr algn="ctr"/>
             <a:r>
-              <a:rPr lang="de-CH" sz="1200" b="1" dirty="0" smtClean="0">
+              <a:rPr lang="de-CH" sz="1200" b="1" dirty="0">
                 <a:solidFill>
                   <a:schemeClr val="tx1"/>
                 </a:solidFill>
               </a:rPr>
               <a:t>Apps mit Services</a:t>
             </a:r>
-            <a:endParaRPr lang="de-CH" sz="1200" b="1" dirty="0">
-              <a:solidFill>
-                <a:schemeClr val="tx1"/>
-              </a:solidFill>
-            </a:endParaRPr>
           </a:p>
         </p:txBody>
       </p:sp>
@@ -6875,18 +6688,13 @@
           <a:p>
             <a:pPr algn="ctr"/>
             <a:r>
-              <a:rPr lang="de-CH" sz="1200" b="1" dirty="0" smtClean="0">
+              <a:rPr lang="de-CH" sz="1200" b="1" dirty="0">
                 <a:solidFill>
                   <a:schemeClr val="tx1"/>
                 </a:solidFill>
               </a:rPr>
               <a:t>App</a:t>
             </a:r>
-            <a:endParaRPr lang="de-CH" sz="1200" b="1" dirty="0">
-              <a:solidFill>
-                <a:schemeClr val="tx1"/>
-              </a:solidFill>
-            </a:endParaRPr>
           </a:p>
         </p:txBody>
       </p:sp>
@@ -6938,18 +6746,13 @@
           <a:p>
             <a:pPr algn="ctr"/>
             <a:r>
-              <a:rPr lang="de-CH" sz="1200" b="1" dirty="0" smtClean="0">
+              <a:rPr lang="de-CH" sz="1200" b="1" dirty="0">
                 <a:solidFill>
                   <a:schemeClr val="tx1"/>
                 </a:solidFill>
               </a:rPr>
               <a:t>Edelstahl</a:t>
             </a:r>
-            <a:endParaRPr lang="de-CH" sz="1200" b="1" dirty="0">
-              <a:solidFill>
-                <a:schemeClr val="tx1"/>
-              </a:solidFill>
-            </a:endParaRPr>
           </a:p>
         </p:txBody>
       </p:sp>
@@ -7001,18 +6804,13 @@
           <a:p>
             <a:pPr algn="ctr"/>
             <a:r>
-              <a:rPr lang="de-CH" sz="1200" b="1" dirty="0" smtClean="0">
+              <a:rPr lang="de-CH" sz="1200" b="1" dirty="0">
                 <a:solidFill>
                   <a:schemeClr val="tx1"/>
                 </a:solidFill>
               </a:rPr>
               <a:t>Spülmaschinenfest</a:t>
             </a:r>
-            <a:endParaRPr lang="de-CH" sz="1200" b="1" dirty="0">
-              <a:solidFill>
-                <a:schemeClr val="tx1"/>
-              </a:solidFill>
-            </a:endParaRPr>
           </a:p>
         </p:txBody>
       </p:sp>
@@ -7064,7 +6862,7 @@
           <a:p>
             <a:pPr algn="ctr"/>
             <a:r>
-              <a:rPr lang="de-CH" sz="1200" b="1" dirty="0" err="1" smtClean="0">
+              <a:rPr lang="de-CH" sz="1200" b="1" dirty="0" err="1">
                 <a:solidFill>
                   <a:schemeClr val="tx1"/>
                 </a:solidFill>
@@ -7077,15 +6875,7 @@
                   <a:schemeClr val="tx1"/>
                 </a:solidFill>
               </a:rPr>
-              <a:t> </a:t>
-            </a:r>
-            <a:r>
-              <a:rPr lang="de-CH" sz="1200" b="1" dirty="0" smtClean="0">
-                <a:solidFill>
-                  <a:schemeClr val="tx1"/>
-                </a:solidFill>
-              </a:rPr>
-              <a:t>+ Services</a:t>
+              <a:t> + Services</a:t>
             </a:r>
             <a:endParaRPr lang="de-CH" sz="1200" dirty="0">
               <a:solidFill>
@@ -7118,18 +6908,13 @@
           <a:lstStyle/>
           <a:p>
             <a:r>
-              <a:rPr lang="de-CH" b="1" dirty="0" smtClean="0">
+              <a:rPr lang="de-CH" b="1" dirty="0">
                 <a:solidFill>
                   <a:schemeClr val="bg1"/>
                 </a:solidFill>
               </a:rPr>
               <a:t>Dominic</a:t>
             </a:r>
-            <a:endParaRPr lang="de-CH" b="1" dirty="0">
-              <a:solidFill>
-                <a:schemeClr val="bg1"/>
-              </a:solidFill>
-            </a:endParaRPr>
           </a:p>
         </p:txBody>
       </p:sp>
@@ -7143,13 +6928,6 @@
   <p:clrMapOvr>
     <a:masterClrMapping/>
   </p:clrMapOvr>
-  <p:timing>
-    <p:tnLst>
-      <p:par>
-        <p:cTn id="1" dur="indefinite" restart="never" nodeType="tmRoot"/>
-      </p:par>
-    </p:tnLst>
-  </p:timing>
 </p:sld>
 </file>
 
@@ -7186,7 +6964,7 @@
           <a:lstStyle/>
           <a:p>
             <a:r>
-              <a:rPr lang="de-DE" smtClean="0"/>
+              <a:rPr lang="de-DE"/>
               <a:t>Chris Russ / IWI / ZHAW</a:t>
             </a:r>
             <a:endParaRPr lang="de-CH" dirty="0"/>
@@ -7209,18 +6987,17 @@
           <a:lstStyle/>
           <a:p>
             <a:r>
-              <a:rPr lang="de-CH" dirty="0" smtClean="0"/>
+              <a:rPr lang="de-CH" dirty="0"/>
               <a:t>Entwerfen Sie den Business Modell </a:t>
             </a:r>
             <a:r>
-              <a:rPr lang="de-CH" dirty="0" err="1" smtClean="0"/>
+              <a:rPr lang="de-CH" dirty="0" err="1"/>
               <a:t>Canvas</a:t>
             </a:r>
             <a:r>
-              <a:rPr lang="de-CH" dirty="0" smtClean="0"/>
+              <a:rPr lang="de-CH" dirty="0"/>
               <a:t> (BMC)</a:t>
             </a:r>
-            <a:endParaRPr lang="de-CH" dirty="0"/>
           </a:p>
         </p:txBody>
       </p:sp>
@@ -7246,7 +7023,7 @@
               <a:t>12</a:t>
             </a:fld>
             <a:r>
-              <a:rPr lang="de-CH" smtClean="0"/>
+              <a:rPr lang="de-CH"/>
               <a:t> </a:t>
             </a:r>
             <a:endParaRPr lang="de-CH" dirty="0"/>
@@ -7340,18 +7117,13 @@
           <a:p>
             <a:pPr algn="ctr"/>
             <a:r>
-              <a:rPr lang="de-CH" sz="1200" b="1" dirty="0" smtClean="0">
+              <a:rPr lang="de-CH" sz="1200" b="1" dirty="0">
                 <a:solidFill>
                   <a:schemeClr val="tx1"/>
                 </a:solidFill>
               </a:rPr>
               <a:t>Essen ist ortsgebunden</a:t>
             </a:r>
-            <a:endParaRPr lang="de-CH" sz="1200" b="1" dirty="0" smtClean="0">
-              <a:solidFill>
-                <a:schemeClr val="tx1"/>
-              </a:solidFill>
-            </a:endParaRPr>
           </a:p>
         </p:txBody>
       </p:sp>
@@ -7410,11 +7182,6 @@
               </a:rPr>
               <a:t>Dein gesundes Essen – schonend erwärmt – unabhängig von Zeit und Ort</a:t>
             </a:r>
-            <a:endParaRPr lang="de-CH" sz="1200" dirty="0">
-              <a:solidFill>
-                <a:schemeClr val="tx1"/>
-              </a:solidFill>
-            </a:endParaRPr>
           </a:p>
         </p:txBody>
       </p:sp>
@@ -7466,18 +7233,13 @@
           <a:p>
             <a:pPr algn="ctr"/>
             <a:r>
-              <a:rPr lang="de-CH" sz="1200" b="1" dirty="0" smtClean="0">
+              <a:rPr lang="de-CH" sz="1200" b="1" dirty="0">
                 <a:solidFill>
                   <a:schemeClr val="tx1"/>
                 </a:solidFill>
               </a:rPr>
               <a:t>Design</a:t>
             </a:r>
-            <a:endParaRPr lang="de-CH" sz="1200" b="1" dirty="0">
-              <a:solidFill>
-                <a:schemeClr val="tx1"/>
-              </a:solidFill>
-            </a:endParaRPr>
           </a:p>
         </p:txBody>
       </p:sp>
@@ -7529,7 +7291,7 @@
           <a:p>
             <a:pPr algn="ctr"/>
             <a:r>
-              <a:rPr lang="de-CH" sz="1200" b="1" dirty="0" err="1" smtClean="0">
+              <a:rPr lang="de-CH" sz="1200" b="1" dirty="0" err="1">
                 <a:solidFill>
                   <a:schemeClr val="tx1"/>
                 </a:solidFill>
@@ -7537,18 +7299,13 @@
               <a:t>Infratruktur</a:t>
             </a:r>
             <a:r>
-              <a:rPr lang="de-CH" sz="1200" b="1" dirty="0" smtClean="0">
+              <a:rPr lang="de-CH" sz="1200" b="1" dirty="0">
                 <a:solidFill>
                   <a:schemeClr val="tx1"/>
                 </a:solidFill>
               </a:rPr>
               <a:t> (Strom…)</a:t>
             </a:r>
-            <a:endParaRPr lang="de-CH" sz="1200" b="1" dirty="0" smtClean="0">
-              <a:solidFill>
-                <a:schemeClr val="tx1"/>
-              </a:solidFill>
-            </a:endParaRPr>
           </a:p>
         </p:txBody>
       </p:sp>
@@ -7600,18 +7357,13 @@
           <a:p>
             <a:pPr algn="ctr"/>
             <a:r>
-              <a:rPr lang="de-CH" sz="1200" b="1" dirty="0" smtClean="0">
+              <a:rPr lang="de-CH" sz="1200" b="1" dirty="0">
                 <a:solidFill>
                   <a:schemeClr val="tx1"/>
                 </a:solidFill>
               </a:rPr>
               <a:t>Kaltes oder abgekühltes Essen</a:t>
             </a:r>
-            <a:endParaRPr lang="de-CH" sz="1200" b="1" dirty="0" smtClean="0">
-              <a:solidFill>
-                <a:schemeClr val="tx1"/>
-              </a:solidFill>
-            </a:endParaRPr>
           </a:p>
         </p:txBody>
       </p:sp>
@@ -7663,18 +7415,13 @@
           <a:p>
             <a:pPr algn="ctr"/>
             <a:r>
-              <a:rPr lang="de-CH" sz="1200" b="1" dirty="0" smtClean="0">
+              <a:rPr lang="de-CH" sz="1200" b="1" dirty="0">
                 <a:solidFill>
                   <a:schemeClr val="tx1"/>
                 </a:solidFill>
               </a:rPr>
               <a:t>Undichte Behälter</a:t>
             </a:r>
-            <a:endParaRPr lang="de-CH" sz="1200" b="1" dirty="0" smtClean="0">
-              <a:solidFill>
-                <a:schemeClr val="tx1"/>
-              </a:solidFill>
-            </a:endParaRPr>
           </a:p>
         </p:txBody>
       </p:sp>
@@ -7726,18 +7473,13 @@
           <a:p>
             <a:pPr algn="ctr"/>
             <a:r>
-              <a:rPr lang="de-CH" sz="1200" b="1" dirty="0" smtClean="0">
+              <a:rPr lang="de-CH" sz="1200" b="1" dirty="0">
                 <a:solidFill>
                   <a:schemeClr val="tx1"/>
                 </a:solidFill>
               </a:rPr>
               <a:t>Einseitig</a:t>
             </a:r>
-            <a:endParaRPr lang="de-CH" sz="1200" b="1" dirty="0" smtClean="0">
-              <a:solidFill>
-                <a:schemeClr val="tx1"/>
-              </a:solidFill>
-            </a:endParaRPr>
           </a:p>
         </p:txBody>
       </p:sp>
@@ -7789,18 +7531,13 @@
           <a:p>
             <a:pPr algn="ctr"/>
             <a:r>
-              <a:rPr lang="de-CH" sz="1200" b="1" dirty="0" smtClean="0">
+              <a:rPr lang="de-CH" sz="1200" b="1" dirty="0">
                 <a:solidFill>
                   <a:schemeClr val="tx1"/>
                 </a:solidFill>
               </a:rPr>
               <a:t>Ungesundes (Fast Food) essen</a:t>
             </a:r>
-            <a:endParaRPr lang="de-CH" sz="1200" b="1" dirty="0" smtClean="0">
-              <a:solidFill>
-                <a:schemeClr val="tx1"/>
-              </a:solidFill>
-            </a:endParaRPr>
           </a:p>
         </p:txBody>
       </p:sp>
@@ -7852,18 +7589,13 @@
           <a:p>
             <a:pPr algn="ctr"/>
             <a:r>
-              <a:rPr lang="de-CH" sz="1200" b="1" dirty="0" smtClean="0">
+              <a:rPr lang="de-CH" sz="1200" b="1" dirty="0">
                 <a:solidFill>
                   <a:schemeClr val="tx1"/>
                 </a:solidFill>
               </a:rPr>
               <a:t>Akku</a:t>
             </a:r>
-            <a:endParaRPr lang="de-CH" sz="1200" b="1" dirty="0" smtClean="0">
-              <a:solidFill>
-                <a:schemeClr val="tx1"/>
-              </a:solidFill>
-            </a:endParaRPr>
           </a:p>
         </p:txBody>
       </p:sp>
@@ -7915,18 +7647,13 @@
           <a:p>
             <a:pPr algn="ctr"/>
             <a:r>
-              <a:rPr lang="de-CH" sz="1200" b="1" dirty="0" smtClean="0">
+              <a:rPr lang="de-CH" sz="1200" b="1" dirty="0">
                 <a:solidFill>
                   <a:schemeClr val="tx1"/>
                 </a:solidFill>
               </a:rPr>
               <a:t>Steamer</a:t>
             </a:r>
-            <a:endParaRPr lang="de-CH" sz="1200" b="1" dirty="0" smtClean="0">
-              <a:solidFill>
-                <a:schemeClr val="tx1"/>
-              </a:solidFill>
-            </a:endParaRPr>
           </a:p>
         </p:txBody>
       </p:sp>
@@ -7978,7 +7705,7 @@
           <a:p>
             <a:pPr algn="ctr"/>
             <a:r>
-              <a:rPr lang="de-CH" sz="1200" b="1" dirty="0" err="1" smtClean="0">
+              <a:rPr lang="de-CH" sz="1200" b="1" dirty="0" err="1">
                 <a:solidFill>
                   <a:schemeClr val="tx1"/>
                 </a:solidFill>
@@ -7991,21 +7718,8 @@
                   <a:schemeClr val="tx1"/>
                 </a:solidFill>
               </a:rPr>
-              <a:t> </a:t>
-            </a:r>
-            <a:r>
-              <a:rPr lang="de-CH" sz="1200" b="1" dirty="0" smtClean="0">
-                <a:solidFill>
-                  <a:schemeClr val="tx1"/>
-                </a:solidFill>
-              </a:rPr>
-              <a:t>Behälter</a:t>
-            </a:r>
-            <a:endParaRPr lang="de-CH" sz="1200" b="1" dirty="0" smtClean="0">
-              <a:solidFill>
-                <a:schemeClr val="tx1"/>
-              </a:solidFill>
-            </a:endParaRPr>
+              <a:t> Behälter</a:t>
+            </a:r>
           </a:p>
         </p:txBody>
       </p:sp>
@@ -8057,7 +7771,7 @@
           <a:p>
             <a:pPr algn="ctr"/>
             <a:r>
-              <a:rPr lang="de-CH" sz="1200" b="1" dirty="0" smtClean="0">
+              <a:rPr lang="de-CH" sz="1200" b="1" dirty="0">
                 <a:solidFill>
                   <a:schemeClr val="tx1"/>
                 </a:solidFill>
@@ -8065,14 +7779,14 @@
               <a:t>App/</a:t>
             </a:r>
             <a:r>
-              <a:rPr lang="de-CH" sz="1200" b="1" dirty="0" err="1" smtClean="0">
+              <a:rPr lang="de-CH" sz="1200" b="1" dirty="0" err="1">
                 <a:solidFill>
                   <a:schemeClr val="tx1"/>
                 </a:solidFill>
               </a:rPr>
               <a:t>Timer</a:t>
             </a:r>
-            <a:endParaRPr lang="de-CH" sz="1200" b="1" dirty="0" smtClean="0">
+            <a:endParaRPr lang="de-CH" sz="1200" b="1" dirty="0">
               <a:solidFill>
                 <a:schemeClr val="tx1"/>
               </a:solidFill>
@@ -8128,18 +7842,13 @@
           <a:p>
             <a:pPr algn="ctr"/>
             <a:r>
-              <a:rPr lang="de-CH" sz="1200" b="1" dirty="0" smtClean="0">
+              <a:rPr lang="de-CH" sz="1200" b="1" dirty="0">
                 <a:solidFill>
                   <a:schemeClr val="tx1"/>
                 </a:solidFill>
               </a:rPr>
               <a:t>Services</a:t>
             </a:r>
-            <a:endParaRPr lang="de-CH" sz="1200" b="1" dirty="0" smtClean="0">
-              <a:solidFill>
-                <a:schemeClr val="tx1"/>
-              </a:solidFill>
-            </a:endParaRPr>
           </a:p>
         </p:txBody>
       </p:sp>
@@ -8191,18 +7900,13 @@
           <a:p>
             <a:pPr algn="ctr"/>
             <a:r>
-              <a:rPr lang="de-CH" sz="1200" b="1" dirty="0" smtClean="0">
+              <a:rPr lang="de-CH" sz="1200" b="1" dirty="0">
                 <a:solidFill>
                   <a:schemeClr val="tx1"/>
                 </a:solidFill>
               </a:rPr>
               <a:t>Verkäufe</a:t>
             </a:r>
-            <a:endParaRPr lang="de-CH" sz="1200" b="1" dirty="0" smtClean="0">
-              <a:solidFill>
-                <a:schemeClr val="tx1"/>
-              </a:solidFill>
-            </a:endParaRPr>
           </a:p>
         </p:txBody>
       </p:sp>
@@ -8254,18 +7958,13 @@
           <a:p>
             <a:pPr algn="ctr"/>
             <a:r>
-              <a:rPr lang="de-CH" sz="1200" b="1" dirty="0" smtClean="0">
+              <a:rPr lang="de-CH" sz="1200" b="1" dirty="0">
                 <a:solidFill>
                   <a:schemeClr val="tx1"/>
                 </a:solidFill>
               </a:rPr>
               <a:t>Downloads</a:t>
             </a:r>
-            <a:endParaRPr lang="de-CH" sz="1200" b="1" dirty="0" smtClean="0">
-              <a:solidFill>
-                <a:schemeClr val="tx1"/>
-              </a:solidFill>
-            </a:endParaRPr>
           </a:p>
         </p:txBody>
       </p:sp>
@@ -8317,7 +8016,7 @@
           <a:p>
             <a:pPr algn="ctr"/>
             <a:r>
-              <a:rPr lang="de-CH" sz="1200" b="1" dirty="0" err="1" smtClean="0">
+              <a:rPr lang="de-CH" sz="1200" b="1" dirty="0" err="1">
                 <a:solidFill>
                   <a:schemeClr val="tx1"/>
                 </a:solidFill>
@@ -8325,18 +8024,13 @@
               <a:t>Likes</a:t>
             </a:r>
             <a:r>
-              <a:rPr lang="de-CH" sz="1200" b="1" dirty="0" smtClean="0">
+              <a:rPr lang="de-CH" sz="1200" b="1" dirty="0">
                 <a:solidFill>
                   <a:schemeClr val="tx1"/>
                 </a:solidFill>
               </a:rPr>
               <a:t> /Bewertung</a:t>
             </a:r>
-            <a:endParaRPr lang="de-CH" sz="1200" b="1" dirty="0" smtClean="0">
-              <a:solidFill>
-                <a:schemeClr val="tx1"/>
-              </a:solidFill>
-            </a:endParaRPr>
           </a:p>
         </p:txBody>
       </p:sp>
@@ -8388,18 +8082,13 @@
           <a:p>
             <a:pPr algn="ctr"/>
             <a:r>
-              <a:rPr lang="de-CH" sz="1200" b="1" dirty="0" smtClean="0">
+              <a:rPr lang="de-CH" sz="1200" b="1" dirty="0">
                 <a:solidFill>
                   <a:schemeClr val="tx1"/>
                 </a:solidFill>
               </a:rPr>
               <a:t>Nutzung Services</a:t>
             </a:r>
-            <a:endParaRPr lang="de-CH" sz="1200" b="1" dirty="0" smtClean="0">
-              <a:solidFill>
-                <a:schemeClr val="tx1"/>
-              </a:solidFill>
-            </a:endParaRPr>
           </a:p>
         </p:txBody>
       </p:sp>
@@ -8451,18 +8140,13 @@
           <a:p>
             <a:pPr algn="ctr"/>
             <a:r>
-              <a:rPr lang="de-CH" sz="1200" b="1" dirty="0" smtClean="0">
+              <a:rPr lang="de-CH" sz="1200" b="1" dirty="0">
                 <a:solidFill>
                   <a:schemeClr val="tx1"/>
                 </a:solidFill>
               </a:rPr>
               <a:t>Reklamationen</a:t>
             </a:r>
-            <a:endParaRPr lang="de-CH" sz="1200" b="1" dirty="0" smtClean="0">
-              <a:solidFill>
-                <a:schemeClr val="tx1"/>
-              </a:solidFill>
-            </a:endParaRPr>
           </a:p>
         </p:txBody>
       </p:sp>
@@ -8514,7 +8198,7 @@
           <a:p>
             <a:pPr algn="ctr"/>
             <a:r>
-              <a:rPr lang="de-CH" sz="1200" b="1" dirty="0" err="1" smtClean="0">
+              <a:rPr lang="de-CH" sz="1200" b="1" dirty="0" err="1">
                 <a:solidFill>
                   <a:schemeClr val="tx1"/>
                 </a:solidFill>
@@ -8522,18 +8206,13 @@
               <a:t>Partnervertr</a:t>
             </a:r>
             <a:r>
-              <a:rPr lang="de-CH" sz="1200" b="1" dirty="0" smtClean="0">
+              <a:rPr lang="de-CH" sz="1200" b="1" dirty="0">
                 <a:solidFill>
                   <a:schemeClr val="tx1"/>
                 </a:solidFill>
               </a:rPr>
               <a:t>.</a:t>
             </a:r>
-            <a:endParaRPr lang="de-CH" sz="1200" b="1" dirty="0" smtClean="0">
-              <a:solidFill>
-                <a:schemeClr val="tx1"/>
-              </a:solidFill>
-            </a:endParaRPr>
           </a:p>
         </p:txBody>
       </p:sp>
@@ -8585,7 +8264,7 @@
           <a:p>
             <a:pPr algn="ctr"/>
             <a:r>
-              <a:rPr lang="de-CH" sz="1200" b="1" dirty="0" smtClean="0">
+              <a:rPr lang="de-CH" sz="1200" b="1" dirty="0">
                 <a:solidFill>
                   <a:schemeClr val="tx1"/>
                 </a:solidFill>
@@ -8643,18 +8322,13 @@
           <a:p>
             <a:pPr algn="ctr"/>
             <a:r>
-              <a:rPr lang="de-CH" sz="1200" b="1" dirty="0" smtClean="0">
+              <a:rPr lang="de-CH" sz="1200" b="1" dirty="0">
                 <a:solidFill>
                   <a:schemeClr val="tx1"/>
                 </a:solidFill>
               </a:rPr>
               <a:t>Stationär</a:t>
             </a:r>
-            <a:endParaRPr lang="de-CH" sz="1200" b="1" dirty="0" smtClean="0">
-              <a:solidFill>
-                <a:schemeClr val="tx1"/>
-              </a:solidFill>
-            </a:endParaRPr>
           </a:p>
         </p:txBody>
       </p:sp>
@@ -8706,18 +8380,13 @@
           <a:p>
             <a:pPr algn="ctr"/>
             <a:r>
-              <a:rPr lang="de-CH" sz="1200" b="1" dirty="0" smtClean="0">
+              <a:rPr lang="de-CH" sz="1200" b="1" dirty="0">
                 <a:solidFill>
                   <a:schemeClr val="tx1"/>
                 </a:solidFill>
               </a:rPr>
               <a:t>Partner</a:t>
             </a:r>
-            <a:endParaRPr lang="de-CH" sz="1200" b="1" dirty="0" smtClean="0">
-              <a:solidFill>
-                <a:schemeClr val="tx1"/>
-              </a:solidFill>
-            </a:endParaRPr>
           </a:p>
         </p:txBody>
       </p:sp>
@@ -8769,7 +8438,7 @@
           <a:p>
             <a:pPr algn="ctr"/>
             <a:r>
-              <a:rPr lang="de-CH" sz="1200" b="1" dirty="0" err="1" smtClean="0">
+              <a:rPr lang="de-CH" sz="1200" b="1" dirty="0" err="1">
                 <a:solidFill>
                   <a:schemeClr val="tx1"/>
                 </a:solidFill>
@@ -8777,7 +8446,7 @@
               <a:t>Influencer</a:t>
             </a:r>
             <a:r>
-              <a:rPr lang="de-CH" sz="1200" b="1" dirty="0" smtClean="0">
+              <a:rPr lang="de-CH" sz="1200" b="1" dirty="0">
                 <a:solidFill>
                   <a:schemeClr val="tx1"/>
                 </a:solidFill>
@@ -8785,7 +8454,7 @@
               </a:rPr>
               <a:t></a:t>
             </a:r>
-            <a:endParaRPr lang="de-CH" sz="1200" b="1" dirty="0" smtClean="0">
+            <a:endParaRPr lang="de-CH" sz="1200" b="1" dirty="0">
               <a:solidFill>
                 <a:schemeClr val="tx1"/>
               </a:solidFill>
@@ -8841,7 +8510,7 @@
           <a:p>
             <a:pPr algn="ctr"/>
             <a:r>
-              <a:rPr lang="de-CH" sz="1200" b="1" dirty="0" smtClean="0">
+              <a:rPr lang="de-CH" sz="1200" b="1" dirty="0">
                 <a:solidFill>
                   <a:schemeClr val="tx1"/>
                 </a:solidFill>
@@ -8904,7 +8573,7 @@
           <a:p>
             <a:pPr algn="ctr"/>
             <a:r>
-              <a:rPr lang="de-CH" sz="1200" b="1" dirty="0" smtClean="0">
+              <a:rPr lang="de-CH" sz="1200" b="1" dirty="0">
                 <a:solidFill>
                   <a:schemeClr val="tx1"/>
                 </a:solidFill>
@@ -8967,7 +8636,7 @@
           <a:p>
             <a:pPr algn="ctr"/>
             <a:r>
-              <a:rPr lang="de-CH" sz="1200" b="1" dirty="0" smtClean="0">
+              <a:rPr lang="de-CH" sz="1200" b="1" dirty="0">
                 <a:solidFill>
                   <a:schemeClr val="tx1"/>
                 </a:solidFill>
@@ -9030,7 +8699,7 @@
           <a:p>
             <a:pPr algn="ctr"/>
             <a:r>
-              <a:rPr lang="de-CH" sz="1200" b="1" dirty="0" smtClean="0">
+              <a:rPr lang="de-CH" sz="1200" b="1" dirty="0">
                 <a:solidFill>
                   <a:schemeClr val="tx1"/>
                 </a:solidFill>
@@ -9093,7 +8762,7 @@
           <a:p>
             <a:pPr algn="ctr"/>
             <a:r>
-              <a:rPr lang="de-CH" sz="1200" b="1" dirty="0" smtClean="0">
+              <a:rPr lang="de-CH" sz="1200" b="1" dirty="0">
                 <a:solidFill>
                   <a:schemeClr val="tx1"/>
                 </a:solidFill>
@@ -9156,7 +8825,7 @@
           <a:p>
             <a:pPr algn="ctr"/>
             <a:r>
-              <a:rPr lang="de-CH" sz="1200" b="1" dirty="0" smtClean="0">
+              <a:rPr lang="de-CH" sz="1200" b="1" dirty="0">
                 <a:solidFill>
                   <a:schemeClr val="tx1"/>
                 </a:solidFill>
@@ -9219,7 +8888,7 @@
           <a:p>
             <a:pPr algn="ctr"/>
             <a:r>
-              <a:rPr lang="de-CH" sz="1200" b="1" dirty="0" smtClean="0">
+              <a:rPr lang="de-CH" sz="1200" b="1" dirty="0">
                 <a:solidFill>
                   <a:schemeClr val="tx1"/>
                 </a:solidFill>
@@ -9282,7 +8951,7 @@
           <a:p>
             <a:pPr algn="ctr"/>
             <a:r>
-              <a:rPr lang="de-CH" sz="1200" b="1" dirty="0" smtClean="0">
+              <a:rPr lang="de-CH" sz="1200" b="1" dirty="0">
                 <a:solidFill>
                   <a:schemeClr val="tx1"/>
                 </a:solidFill>
@@ -9345,20 +9014,12 @@
           <a:p>
             <a:pPr algn="ctr"/>
             <a:r>
-              <a:rPr lang="de-CH" sz="1200" b="1" dirty="0" err="1" smtClean="0">
+              <a:rPr lang="de-CH" sz="1200" b="1" dirty="0" err="1">
                 <a:solidFill>
                   <a:schemeClr val="tx1"/>
                 </a:solidFill>
               </a:rPr>
-              <a:t>Prouktions</a:t>
-            </a:r>
-            <a:r>
-              <a:rPr lang="de-CH" sz="1200" b="1" dirty="0" err="1" smtClean="0">
-                <a:solidFill>
-                  <a:schemeClr val="tx1"/>
-                </a:solidFill>
-              </a:rPr>
-              <a:t>kosten</a:t>
+              <a:t>Prouktionskosten</a:t>
             </a:r>
             <a:endParaRPr lang="de-CH" sz="1200" dirty="0">
               <a:solidFill>
@@ -9416,7 +9077,7 @@
           <a:p>
             <a:pPr algn="ctr"/>
             <a:r>
-              <a:rPr lang="de-CH" sz="1200" b="1" dirty="0" smtClean="0">
+              <a:rPr lang="de-CH" sz="1200" b="1" dirty="0">
                 <a:solidFill>
                   <a:schemeClr val="tx1"/>
                 </a:solidFill>
@@ -9424,7 +9085,7 @@
               <a:t>Partner (</a:t>
             </a:r>
             <a:r>
-              <a:rPr lang="de-CH" sz="1200" b="1" dirty="0" err="1" smtClean="0">
+              <a:rPr lang="de-CH" sz="1200" b="1" dirty="0" err="1">
                 <a:solidFill>
                   <a:schemeClr val="tx1"/>
                 </a:solidFill>
@@ -9432,7 +9093,7 @@
               <a:t>TakeAway</a:t>
             </a:r>
             <a:r>
-              <a:rPr lang="de-CH" sz="1200" b="1" dirty="0" smtClean="0">
+              <a:rPr lang="de-CH" sz="1200" b="1" dirty="0">
                 <a:solidFill>
                   <a:schemeClr val="tx1"/>
                 </a:solidFill>
@@ -9495,7 +9156,7 @@
           <a:p>
             <a:pPr algn="ctr"/>
             <a:r>
-              <a:rPr lang="de-CH" sz="1200" b="1" dirty="0" smtClean="0">
+              <a:rPr lang="de-CH" sz="1200" b="1" dirty="0">
                 <a:solidFill>
                   <a:schemeClr val="tx1"/>
                 </a:solidFill>
@@ -9503,7 +9164,7 @@
               <a:t>Marketing / </a:t>
             </a:r>
             <a:r>
-              <a:rPr lang="de-CH" sz="1200" b="1" dirty="0" err="1" smtClean="0">
+              <a:rPr lang="de-CH" sz="1200" b="1" dirty="0" err="1">
                 <a:solidFill>
                   <a:schemeClr val="tx1"/>
                 </a:solidFill>
@@ -9566,7 +9227,7 @@
           <a:p>
             <a:pPr algn="ctr"/>
             <a:r>
-              <a:rPr lang="de-CH" sz="1200" b="1" dirty="0" smtClean="0">
+              <a:rPr lang="de-CH" sz="1200" b="1" dirty="0">
                 <a:solidFill>
                   <a:schemeClr val="tx1"/>
                 </a:solidFill>
@@ -9629,7 +9290,7 @@
           <a:p>
             <a:pPr algn="ctr"/>
             <a:r>
-              <a:rPr lang="de-CH" sz="1200" b="1" dirty="0" smtClean="0">
+              <a:rPr lang="de-CH" sz="1200" b="1" dirty="0">
                 <a:solidFill>
                   <a:schemeClr val="tx1"/>
                 </a:solidFill>
@@ -9692,18 +9353,13 @@
           <a:p>
             <a:pPr algn="ctr"/>
             <a:r>
-              <a:rPr lang="de-CH" sz="1200" b="1" dirty="0" smtClean="0">
+              <a:rPr lang="de-CH" sz="1200" b="1" dirty="0">
                 <a:solidFill>
                   <a:schemeClr val="tx1"/>
                 </a:solidFill>
               </a:rPr>
               <a:t>Verkaufserlös</a:t>
             </a:r>
-            <a:endParaRPr lang="de-CH" sz="1200" b="1" dirty="0" smtClean="0">
-              <a:solidFill>
-                <a:schemeClr val="tx1"/>
-              </a:solidFill>
-            </a:endParaRPr>
           </a:p>
         </p:txBody>
       </p:sp>
@@ -9755,18 +9411,13 @@
           <a:p>
             <a:pPr algn="ctr"/>
             <a:r>
-              <a:rPr lang="de-CH" sz="1200" b="1" dirty="0" smtClean="0">
+              <a:rPr lang="de-CH" sz="1200" b="1" dirty="0">
                 <a:solidFill>
                   <a:schemeClr val="tx1"/>
                 </a:solidFill>
               </a:rPr>
               <a:t>App Werbung</a:t>
             </a:r>
-            <a:endParaRPr lang="de-CH" sz="1200" b="1" dirty="0" smtClean="0">
-              <a:solidFill>
-                <a:schemeClr val="tx1"/>
-              </a:solidFill>
-            </a:endParaRPr>
           </a:p>
         </p:txBody>
       </p:sp>
@@ -9818,18 +9469,13 @@
           <a:p>
             <a:pPr algn="ctr"/>
             <a:r>
-              <a:rPr lang="de-CH" sz="1200" b="1" dirty="0" smtClean="0">
+              <a:rPr lang="de-CH" sz="1200" b="1" dirty="0">
                 <a:solidFill>
                   <a:schemeClr val="tx1"/>
                 </a:solidFill>
               </a:rPr>
               <a:t>Partner (Migros, Coop..)</a:t>
             </a:r>
-            <a:endParaRPr lang="de-CH" sz="1200" b="1" dirty="0" smtClean="0">
-              <a:solidFill>
-                <a:schemeClr val="tx1"/>
-              </a:solidFill>
-            </a:endParaRPr>
           </a:p>
         </p:txBody>
       </p:sp>
@@ -9881,18 +9527,13 @@
           <a:p>
             <a:pPr algn="ctr"/>
             <a:r>
-              <a:rPr lang="de-CH" sz="1200" b="1" dirty="0" smtClean="0">
+              <a:rPr lang="de-CH" sz="1200" b="1" dirty="0">
                 <a:solidFill>
                   <a:schemeClr val="tx1"/>
                 </a:solidFill>
               </a:rPr>
               <a:t>Zusatzservices?</a:t>
             </a:r>
-            <a:endParaRPr lang="de-CH" sz="1200" b="1" dirty="0" smtClean="0">
-              <a:solidFill>
-                <a:schemeClr val="tx1"/>
-              </a:solidFill>
-            </a:endParaRPr>
           </a:p>
         </p:txBody>
       </p:sp>
@@ -9919,18 +9560,13 @@
           <a:lstStyle/>
           <a:p>
             <a:r>
-              <a:rPr lang="de-CH" b="1" dirty="0" smtClean="0">
+              <a:rPr lang="de-CH" b="1" dirty="0">
                 <a:solidFill>
                   <a:schemeClr val="bg1"/>
                 </a:solidFill>
               </a:rPr>
               <a:t>Dominic</a:t>
             </a:r>
-            <a:endParaRPr lang="de-CH" b="1" dirty="0">
-              <a:solidFill>
-                <a:schemeClr val="bg1"/>
-              </a:solidFill>
-            </a:endParaRPr>
           </a:p>
         </p:txBody>
       </p:sp>
@@ -9944,13 +9580,6 @@
   <p:clrMapOvr>
     <a:masterClrMapping/>
   </p:clrMapOvr>
-  <p:timing>
-    <p:tnLst>
-      <p:par>
-        <p:cTn id="1" dur="indefinite" restart="never" nodeType="tmRoot"/>
-      </p:par>
-    </p:tnLst>
-  </p:timing>
 </p:sld>
 </file>
 
@@ -9987,7 +9616,7 @@
           <a:lstStyle/>
           <a:p>
             <a:r>
-              <a:rPr lang="de-DE" smtClean="0"/>
+              <a:rPr lang="de-DE"/>
               <a:t>Chris Russ / IWI / ZHAW</a:t>
             </a:r>
             <a:endParaRPr lang="de-CH" dirty="0"/>
@@ -10015,55 +9644,44 @@
           <a:lstStyle/>
           <a:p>
             <a:r>
-              <a:rPr lang="de-CH" sz="1800" dirty="0" smtClean="0"/>
-              <a:t>Strategieoption 1: </a:t>
-            </a:r>
-            <a:r>
-              <a:rPr lang="de-CH" sz="1800" dirty="0" smtClean="0"/>
-              <a:t>B2C – Direktverkauf an Endkonsumenten mit Zusatzservices</a:t>
-            </a:r>
-            <a:endParaRPr lang="de-CH" sz="1800" dirty="0" smtClean="0"/>
-          </a:p>
-          <a:p>
-            <a:r>
-              <a:rPr lang="de-CH" sz="1800" dirty="0" smtClean="0"/>
-              <a:t>Strategieoption 2: </a:t>
-            </a:r>
-            <a:r>
-              <a:rPr lang="de-CH" sz="1800" dirty="0" smtClean="0"/>
-              <a:t>B2B – Vertrieb über Partner (</a:t>
-            </a:r>
-            <a:r>
-              <a:rPr lang="de-CH" sz="1800" dirty="0" err="1" smtClean="0"/>
+              <a:rPr lang="de-CH" sz="1800" dirty="0"/>
+              <a:t>Strategieoption 1: B2C – Direktverkauf an Endkonsumenten mit Zusatzservices</a:t>
+            </a:r>
+          </a:p>
+          <a:p>
+            <a:r>
+              <a:rPr lang="de-CH" sz="1800" dirty="0"/>
+              <a:t>Strategieoption 2: B2B – Vertrieb über Partner (</a:t>
+            </a:r>
+            <a:r>
+              <a:rPr lang="de-CH" sz="1800" dirty="0" err="1"/>
               <a:t>TakeAways</a:t>
             </a:r>
             <a:r>
-              <a:rPr lang="de-CH" sz="1800" dirty="0" smtClean="0"/>
+              <a:rPr lang="de-CH" sz="1800" dirty="0"/>
               <a:t>, Schulen, Militär…)</a:t>
             </a:r>
-            <a:endParaRPr lang="de-CH" sz="1800" dirty="0" smtClean="0"/>
-          </a:p>
-          <a:p>
-            <a:r>
-              <a:rPr lang="de-CH" sz="1800" dirty="0" smtClean="0"/>
+          </a:p>
+          <a:p>
+            <a:r>
+              <a:rPr lang="de-CH" sz="1800" dirty="0"/>
               <a:t>Strategieoption 3: </a:t>
             </a:r>
             <a:r>
-              <a:rPr lang="de-CH" sz="1800" dirty="0" err="1" smtClean="0"/>
+              <a:rPr lang="de-CH" sz="1800" dirty="0" err="1"/>
               <a:t>Vermietmodelle</a:t>
             </a:r>
             <a:r>
-              <a:rPr lang="de-CH" sz="1800" dirty="0" smtClean="0"/>
+              <a:rPr lang="de-CH" sz="1800" dirty="0"/>
               <a:t> (?)</a:t>
             </a:r>
-            <a:endParaRPr lang="de-CH" sz="1800" dirty="0" smtClean="0"/>
           </a:p>
           <a:p>
             <a:pPr marL="0" indent="0">
               <a:buNone/>
             </a:pPr>
             <a:r>
-              <a:rPr lang="de-CH" sz="1800" dirty="0" smtClean="0">
+              <a:rPr lang="de-CH" sz="1800" dirty="0">
                 <a:sym typeface="Wingdings" panose="05000000000000000000" pitchFamily="2" charset="2"/>
               </a:rPr>
               <a:t> Wählen Sie die Option mit den höchsten Wert</a:t>
@@ -10088,10 +9706,9 @@
           <a:lstStyle/>
           <a:p>
             <a:r>
-              <a:rPr lang="de-CH" dirty="0" smtClean="0"/>
+              <a:rPr lang="de-CH" dirty="0"/>
               <a:t>Bewerten Sie verschiedene strategischen Optionen</a:t>
             </a:r>
-            <a:endParaRPr lang="de-CH" dirty="0"/>
           </a:p>
         </p:txBody>
       </p:sp>
@@ -10117,7 +9734,7 @@
               <a:t>13</a:t>
             </a:fld>
             <a:r>
-              <a:rPr lang="de-CH" smtClean="0"/>
+              <a:rPr lang="de-CH"/>
               <a:t> </a:t>
             </a:r>
             <a:endParaRPr lang="de-CH" dirty="0"/>
@@ -10152,42 +9769,42 @@
                 <a:gridCol w="1959541">
                   <a:extLst>
                     <a:ext uri="{9D8B030D-6E8A-4147-A177-3AD203B41FA5}">
-                      <a16:colId xmlns:a16="http://schemas.microsoft.com/office/drawing/2014/main" xmlns="" val="2533174507"/>
+                      <a16:colId xmlns:a16="http://schemas.microsoft.com/office/drawing/2014/main" val="2533174507"/>
                     </a:ext>
                   </a:extLst>
                 </a:gridCol>
                 <a:gridCol w="1549400">
                   <a:extLst>
                     <a:ext uri="{9D8B030D-6E8A-4147-A177-3AD203B41FA5}">
-                      <a16:colId xmlns:a16="http://schemas.microsoft.com/office/drawing/2014/main" xmlns="" val="2297330308"/>
+                      <a16:colId xmlns:a16="http://schemas.microsoft.com/office/drawing/2014/main" val="2297330308"/>
                     </a:ext>
                   </a:extLst>
                 </a:gridCol>
                 <a:gridCol w="1558359">
                   <a:extLst>
                     <a:ext uri="{9D8B030D-6E8A-4147-A177-3AD203B41FA5}">
-                      <a16:colId xmlns:a16="http://schemas.microsoft.com/office/drawing/2014/main" xmlns="" val="135445184"/>
+                      <a16:colId xmlns:a16="http://schemas.microsoft.com/office/drawing/2014/main" val="135445184"/>
                     </a:ext>
                   </a:extLst>
                 </a:gridCol>
                 <a:gridCol w="1816919">
                   <a:extLst>
                     <a:ext uri="{9D8B030D-6E8A-4147-A177-3AD203B41FA5}">
-                      <a16:colId xmlns:a16="http://schemas.microsoft.com/office/drawing/2014/main" xmlns="" val="2549217038"/>
+                      <a16:colId xmlns:a16="http://schemas.microsoft.com/office/drawing/2014/main" val="2549217038"/>
                     </a:ext>
                   </a:extLst>
                 </a:gridCol>
                 <a:gridCol w="1561281">
                   <a:extLst>
                     <a:ext uri="{9D8B030D-6E8A-4147-A177-3AD203B41FA5}">
-                      <a16:colId xmlns:a16="http://schemas.microsoft.com/office/drawing/2014/main" xmlns="" val="608343634"/>
+                      <a16:colId xmlns:a16="http://schemas.microsoft.com/office/drawing/2014/main" val="608343634"/>
                     </a:ext>
                   </a:extLst>
                 </a:gridCol>
                 <a:gridCol w="1689100">
                   <a:extLst>
                     <a:ext uri="{9D8B030D-6E8A-4147-A177-3AD203B41FA5}">
-                      <a16:colId xmlns:a16="http://schemas.microsoft.com/office/drawing/2014/main" xmlns="" val="2705867297"/>
+                      <a16:colId xmlns:a16="http://schemas.microsoft.com/office/drawing/2014/main" val="2705867297"/>
                     </a:ext>
                   </a:extLst>
                 </a:gridCol>
@@ -10199,10 +9816,9 @@
                     <a:lstStyle/>
                     <a:p>
                       <a:r>
-                        <a:rPr lang="en-US" dirty="0" smtClean="0"/>
+                        <a:rPr lang="en-US" dirty="0"/>
                         <a:t>BSC</a:t>
                       </a:r>
-                      <a:endParaRPr lang="en-US" dirty="0"/>
                     </a:p>
                   </a:txBody>
                   <a:tcPr/>
@@ -10213,10 +9829,9 @@
                     <a:lstStyle/>
                     <a:p>
                       <a:r>
-                        <a:rPr lang="en-US" sz="1800" dirty="0" smtClean="0"/>
+                        <a:rPr lang="en-US" sz="1800" dirty="0"/>
                         <a:t>B2C</a:t>
                       </a:r>
-                      <a:endParaRPr lang="en-US" sz="1800" dirty="0"/>
                     </a:p>
                   </a:txBody>
                   <a:tcPr/>
@@ -10227,10 +9842,9 @@
                     <a:lstStyle/>
                     <a:p>
                       <a:r>
-                        <a:rPr lang="en-US" sz="1800" dirty="0" smtClean="0"/>
+                        <a:rPr lang="en-US" sz="1800" dirty="0"/>
                         <a:t>B2B</a:t>
                       </a:r>
-                      <a:endParaRPr lang="en-US" sz="1800" dirty="0"/>
                     </a:p>
                   </a:txBody>
                   <a:tcPr/>
@@ -10241,7 +9855,7 @@
                     <a:lstStyle/>
                     <a:p>
                       <a:r>
-                        <a:rPr lang="en-US" sz="1800" dirty="0" err="1" smtClean="0"/>
+                        <a:rPr lang="en-US" sz="1800" dirty="0" err="1"/>
                         <a:t>Vermietmodell</a:t>
                       </a:r>
                       <a:endParaRPr lang="en-US" sz="1800" dirty="0"/>
@@ -10255,10 +9869,9 @@
                     <a:lstStyle/>
                     <a:p>
                       <a:r>
-                        <a:rPr lang="en-US" sz="1800" dirty="0" smtClean="0"/>
+                        <a:rPr lang="en-US" sz="1800" dirty="0"/>
                         <a:t>Option …</a:t>
                       </a:r>
-                      <a:endParaRPr lang="en-US" sz="1800" dirty="0"/>
                     </a:p>
                   </a:txBody>
                   <a:tcPr/>
@@ -10275,7 +9888,7 @@
                 </a:tc>
                 <a:extLst>
                   <a:ext uri="{0D108BD9-81ED-4DB2-BD59-A6C34878D82A}">
-                    <a16:rowId xmlns:a16="http://schemas.microsoft.com/office/drawing/2014/main" xmlns="" val="4084015051"/>
+                    <a16:rowId xmlns:a16="http://schemas.microsoft.com/office/drawing/2014/main" val="4084015051"/>
                   </a:ext>
                 </a:extLst>
               </a:tr>
@@ -10286,14 +9899,13 @@
                     <a:lstStyle/>
                     <a:p>
                       <a:r>
-                        <a:rPr lang="en-US" sz="1600" dirty="0" err="1" smtClean="0"/>
+                        <a:rPr lang="en-US" sz="1600" dirty="0" err="1"/>
                         <a:t>Finanziell</a:t>
                       </a:r>
                       <a:r>
-                        <a:rPr lang="en-US" sz="1600" dirty="0" smtClean="0"/>
+                        <a:rPr lang="en-US" sz="1600" dirty="0"/>
                         <a:t> / ROI</a:t>
                       </a:r>
-                      <a:endParaRPr lang="en-US" sz="1600" dirty="0"/>
                     </a:p>
                   </a:txBody>
                   <a:tcPr/>
@@ -10308,10 +9920,9 @@
                         <a:buNone/>
                       </a:pPr>
                       <a:r>
-                        <a:rPr lang="en-US" sz="1400" dirty="0" smtClean="0"/>
+                        <a:rPr lang="en-US" sz="1400" dirty="0"/>
                         <a:t>1</a:t>
                       </a:r>
-                      <a:endParaRPr lang="en-US" sz="1400" dirty="0"/>
                     </a:p>
                   </a:txBody>
                   <a:tcPr/>
@@ -10323,10 +9934,9 @@
                     <a:p>
                       <a:pPr algn="ctr"/>
                       <a:r>
-                        <a:rPr lang="en-US" sz="1400" dirty="0" smtClean="0"/>
+                        <a:rPr lang="en-US" sz="1400" dirty="0"/>
                         <a:t>3</a:t>
                       </a:r>
-                      <a:endParaRPr lang="en-US" sz="1400" dirty="0"/>
                     </a:p>
                   </a:txBody>
                   <a:tcPr/>
@@ -10338,10 +9948,9 @@
                     <a:p>
                       <a:pPr algn="ctr"/>
                       <a:r>
-                        <a:rPr lang="en-US" sz="1400" dirty="0" smtClean="0"/>
+                        <a:rPr lang="en-US" sz="1400" dirty="0"/>
                         <a:t>…</a:t>
                       </a:r>
-                      <a:endParaRPr lang="en-US" sz="1400" dirty="0"/>
                     </a:p>
                   </a:txBody>
                   <a:tcPr/>
@@ -10370,7 +9979,7 @@
                 </a:tc>
                 <a:extLst>
                   <a:ext uri="{0D108BD9-81ED-4DB2-BD59-A6C34878D82A}">
-                    <a16:rowId xmlns:a16="http://schemas.microsoft.com/office/drawing/2014/main" xmlns="" val="1418862088"/>
+                    <a16:rowId xmlns:a16="http://schemas.microsoft.com/office/drawing/2014/main" val="1418862088"/>
                   </a:ext>
                 </a:extLst>
               </a:tr>
@@ -10381,27 +9990,27 @@
                     <a:lstStyle/>
                     <a:p>
                       <a:r>
-                        <a:rPr lang="en-US" sz="1600" dirty="0" err="1" smtClean="0"/>
+                        <a:rPr lang="en-US" sz="1600" dirty="0" err="1"/>
                         <a:t>Kunde</a:t>
                       </a:r>
                       <a:r>
-                        <a:rPr lang="en-US" sz="1600" dirty="0" smtClean="0"/>
+                        <a:rPr lang="en-US" sz="1600" dirty="0"/>
                         <a:t> &amp; </a:t>
                       </a:r>
                       <a:r>
-                        <a:rPr lang="en-US" sz="1600" dirty="0" err="1" smtClean="0"/>
+                        <a:rPr lang="en-US" sz="1600" dirty="0" err="1"/>
                         <a:t>Markt</a:t>
                       </a:r>
                       <a:r>
-                        <a:rPr lang="en-US" sz="1600" dirty="0" smtClean="0"/>
+                        <a:rPr lang="en-US" sz="1600" dirty="0"/>
                         <a:t> </a:t>
                       </a:r>
                       <a:r>
-                        <a:rPr lang="en-US" sz="1600" dirty="0" err="1" smtClean="0"/>
+                        <a:rPr lang="en-US" sz="1600" dirty="0" err="1"/>
                         <a:t>Chancen</a:t>
                       </a:r>
                       <a:r>
-                        <a:rPr lang="en-US" sz="1600" baseline="0" dirty="0" smtClean="0"/>
+                        <a:rPr lang="en-US" sz="1600" baseline="0" dirty="0"/>
                         <a:t> </a:t>
                       </a:r>
                       <a:endParaRPr lang="en-US" sz="1600" dirty="0"/>
@@ -10432,10 +10041,9 @@
                         <a:defRPr/>
                       </a:pPr>
                       <a:r>
-                        <a:rPr lang="en-US" sz="1400" dirty="0" smtClean="0"/>
+                        <a:rPr lang="en-US" sz="1400" dirty="0"/>
                         <a:t>1</a:t>
                       </a:r>
-                      <a:endParaRPr lang="en-US" sz="1400" dirty="0" smtClean="0"/>
                     </a:p>
                     <a:p>
                       <a:pPr marL="285750" indent="-285750" algn="ctr">
@@ -10454,10 +10062,9 @@
                     <a:p>
                       <a:pPr algn="ctr"/>
                       <a:r>
-                        <a:rPr lang="en-US" sz="1400" dirty="0" smtClean="0"/>
+                        <a:rPr lang="en-US" sz="1400" dirty="0"/>
                         <a:t>2</a:t>
                       </a:r>
-                      <a:endParaRPr lang="en-US" sz="1400" dirty="0"/>
                     </a:p>
                   </a:txBody>
                   <a:tcPr/>
@@ -10497,7 +10104,7 @@
                 </a:tc>
                 <a:extLst>
                   <a:ext uri="{0D108BD9-81ED-4DB2-BD59-A6C34878D82A}">
-                    <a16:rowId xmlns:a16="http://schemas.microsoft.com/office/drawing/2014/main" xmlns="" val="2092898073"/>
+                    <a16:rowId xmlns:a16="http://schemas.microsoft.com/office/drawing/2014/main" val="2092898073"/>
                   </a:ext>
                 </a:extLst>
               </a:tr>
@@ -10508,15 +10115,15 @@
                     <a:lstStyle/>
                     <a:p>
                       <a:r>
-                        <a:rPr lang="en-US" sz="1600" dirty="0" err="1" smtClean="0"/>
+                        <a:rPr lang="en-US" sz="1600" dirty="0" err="1"/>
                         <a:t>Aufwand</a:t>
                       </a:r>
                       <a:r>
-                        <a:rPr lang="en-US" sz="1600" dirty="0" smtClean="0"/>
+                        <a:rPr lang="en-US" sz="1600" dirty="0"/>
                         <a:t> und </a:t>
                       </a:r>
                       <a:r>
-                        <a:rPr lang="en-US" sz="1600" dirty="0" err="1" smtClean="0"/>
+                        <a:rPr lang="en-US" sz="1600" dirty="0" err="1"/>
                         <a:t>Komplexität</a:t>
                       </a:r>
                       <a:endParaRPr lang="en-US" sz="1600" dirty="0"/>
@@ -10547,10 +10154,9 @@
                         <a:defRPr/>
                       </a:pPr>
                       <a:r>
-                        <a:rPr lang="en-US" sz="1400" dirty="0" smtClean="0"/>
+                        <a:rPr lang="en-US" sz="1400" dirty="0"/>
                         <a:t>-1</a:t>
                       </a:r>
-                      <a:endParaRPr lang="en-US" sz="1400" dirty="0" smtClean="0"/>
                     </a:p>
                     <a:p>
                       <a:pPr marL="0" indent="0" algn="ctr">
@@ -10569,10 +10175,9 @@
                     <a:p>
                       <a:pPr algn="ctr"/>
                       <a:r>
-                        <a:rPr lang="en-US" sz="1400" dirty="0" smtClean="0"/>
+                        <a:rPr lang="en-US" sz="1400" dirty="0"/>
                         <a:t>0</a:t>
                       </a:r>
-                      <a:endParaRPr lang="en-US" sz="1400" dirty="0"/>
                     </a:p>
                   </a:txBody>
                   <a:tcPr/>
@@ -10612,7 +10217,7 @@
                 </a:tc>
                 <a:extLst>
                   <a:ext uri="{0D108BD9-81ED-4DB2-BD59-A6C34878D82A}">
-                    <a16:rowId xmlns:a16="http://schemas.microsoft.com/office/drawing/2014/main" xmlns="" val="3749892568"/>
+                    <a16:rowId xmlns:a16="http://schemas.microsoft.com/office/drawing/2014/main" val="3749892568"/>
                   </a:ext>
                 </a:extLst>
               </a:tr>
@@ -10640,7 +10245,7 @@
                         <a:defRPr/>
                       </a:pPr>
                       <a:r>
-                        <a:rPr lang="en-US" sz="1600" dirty="0" smtClean="0"/>
+                        <a:rPr lang="en-US" sz="1600" dirty="0"/>
                         <a:t>Internes Know-how</a:t>
                       </a:r>
                     </a:p>
@@ -10670,10 +10275,9 @@
                         <a:defRPr/>
                       </a:pPr>
                       <a:r>
-                        <a:rPr lang="en-US" sz="1400" dirty="0" smtClean="0"/>
+                        <a:rPr lang="en-US" sz="1400" dirty="0"/>
                         <a:t>2</a:t>
                       </a:r>
-                      <a:endParaRPr lang="en-US" sz="1400" dirty="0" smtClean="0"/>
                     </a:p>
                     <a:p>
                       <a:pPr algn="ctr"/>
@@ -10689,10 +10293,9 @@
                     <a:p>
                       <a:pPr algn="ctr"/>
                       <a:r>
-                        <a:rPr lang="en-US" sz="1400" dirty="0" smtClean="0"/>
+                        <a:rPr lang="en-US" sz="1400" dirty="0"/>
                         <a:t>3</a:t>
                       </a:r>
-                      <a:endParaRPr lang="en-US" sz="1400" dirty="0"/>
                     </a:p>
                   </a:txBody>
                   <a:tcPr/>
@@ -10732,7 +10335,7 @@
                 </a:tc>
                 <a:extLst>
                   <a:ext uri="{0D108BD9-81ED-4DB2-BD59-A6C34878D82A}">
-                    <a16:rowId xmlns:a16="http://schemas.microsoft.com/office/drawing/2014/main" xmlns="" val="2347450033"/>
+                    <a16:rowId xmlns:a16="http://schemas.microsoft.com/office/drawing/2014/main" val="2347450033"/>
                   </a:ext>
                 </a:extLst>
               </a:tr>
@@ -10743,7 +10346,7 @@
                     <a:lstStyle/>
                     <a:p>
                       <a:r>
-                        <a:rPr lang="en-US" sz="1600" dirty="0" err="1" smtClean="0"/>
+                        <a:rPr lang="en-US" sz="1600" dirty="0" err="1"/>
                         <a:t>Risiken</a:t>
                       </a:r>
                       <a:endParaRPr lang="en-US" sz="1600" dirty="0"/>
@@ -10774,10 +10377,9 @@
                         <a:defRPr/>
                       </a:pPr>
                       <a:r>
-                        <a:rPr lang="en-US" sz="1400" dirty="0" smtClean="0"/>
+                        <a:rPr lang="en-US" sz="1400" dirty="0"/>
                         <a:t>3</a:t>
                       </a:r>
-                      <a:endParaRPr lang="en-US" sz="1400" dirty="0"/>
                     </a:p>
                   </a:txBody>
                   <a:tcPr/>
@@ -10789,10 +10391,9 @@
                     <a:p>
                       <a:pPr algn="ctr"/>
                       <a:r>
-                        <a:rPr lang="en-US" sz="1400" dirty="0" smtClean="0"/>
+                        <a:rPr lang="en-US" sz="1400" dirty="0"/>
                         <a:t>1</a:t>
                       </a:r>
-                      <a:endParaRPr lang="en-US" sz="1400" dirty="0"/>
                     </a:p>
                   </a:txBody>
                   <a:tcPr/>
@@ -10832,7 +10433,7 @@
                 </a:tc>
                 <a:extLst>
                   <a:ext uri="{0D108BD9-81ED-4DB2-BD59-A6C34878D82A}">
-                    <a16:rowId xmlns:a16="http://schemas.microsoft.com/office/drawing/2014/main" xmlns="" val="1694665045"/>
+                    <a16:rowId xmlns:a16="http://schemas.microsoft.com/office/drawing/2014/main" val="1694665045"/>
                   </a:ext>
                 </a:extLst>
               </a:tr>
@@ -10843,15 +10444,15 @@
                     <a:lstStyle/>
                     <a:p>
                       <a:r>
-                        <a:rPr lang="en-US" sz="1600" b="1" i="1" dirty="0" err="1" smtClean="0"/>
+                        <a:rPr lang="en-US" sz="1600" b="1" i="1" dirty="0" err="1"/>
                         <a:t>Summe</a:t>
                       </a:r>
                       <a:r>
-                        <a:rPr lang="en-US" sz="1600" b="1" i="1" dirty="0" smtClean="0"/>
+                        <a:rPr lang="en-US" sz="1600" b="1" i="1" dirty="0"/>
                         <a:t> </a:t>
                       </a:r>
                       <a:r>
-                        <a:rPr lang="en-US" sz="1600" b="1" i="1" dirty="0" err="1" smtClean="0"/>
+                        <a:rPr lang="en-US" sz="1600" b="1" i="1" dirty="0" err="1"/>
                         <a:t>Bewertung</a:t>
                       </a:r>
                       <a:endParaRPr lang="en-US" sz="1600" b="1" i="1" dirty="0"/>
@@ -10866,10 +10467,9 @@
                     <a:p>
                       <a:pPr algn="ctr"/>
                       <a:r>
-                        <a:rPr lang="en-US" sz="1400" b="1" i="1" dirty="0" smtClean="0"/>
+                        <a:rPr lang="en-US" sz="1400" b="1" i="1" dirty="0"/>
                         <a:t>6</a:t>
                       </a:r>
-                      <a:endParaRPr lang="en-US" sz="1400" b="1" i="1" dirty="0"/>
                     </a:p>
                   </a:txBody>
                   <a:tcPr/>
@@ -10881,10 +10481,9 @@
                     <a:p>
                       <a:pPr algn="ctr"/>
                       <a:r>
-                        <a:rPr lang="en-US" sz="1400" b="1" i="1" dirty="0" smtClean="0"/>
+                        <a:rPr lang="en-US" sz="1400" b="1" i="1" dirty="0"/>
                         <a:t>9</a:t>
                       </a:r>
-                      <a:endParaRPr lang="en-US" sz="1400" b="1" i="1" dirty="0"/>
                     </a:p>
                   </a:txBody>
                   <a:tcPr/>
@@ -10924,7 +10523,7 @@
                 </a:tc>
                 <a:extLst>
                   <a:ext uri="{0D108BD9-81ED-4DB2-BD59-A6C34878D82A}">
-                    <a16:rowId xmlns:a16="http://schemas.microsoft.com/office/drawing/2014/main" xmlns="" val="2648520168"/>
+                    <a16:rowId xmlns:a16="http://schemas.microsoft.com/office/drawing/2014/main" val="2648520168"/>
                   </a:ext>
                 </a:extLst>
               </a:tr>
@@ -10955,18 +10554,13 @@
           <a:lstStyle/>
           <a:p>
             <a:r>
-              <a:rPr lang="de-CH" b="1" dirty="0" smtClean="0">
+              <a:rPr lang="de-CH" b="1" dirty="0">
                 <a:solidFill>
                   <a:schemeClr val="bg1"/>
                 </a:solidFill>
               </a:rPr>
               <a:t>Beat</a:t>
             </a:r>
-            <a:endParaRPr lang="de-CH" b="1" dirty="0">
-              <a:solidFill>
-                <a:schemeClr val="bg1"/>
-              </a:solidFill>
-            </a:endParaRPr>
           </a:p>
         </p:txBody>
       </p:sp>
@@ -10980,13 +10574,6 @@
   <p:clrMapOvr>
     <a:masterClrMapping/>
   </p:clrMapOvr>
-  <p:timing>
-    <p:tnLst>
-      <p:par>
-        <p:cTn id="1" dur="indefinite" restart="never" nodeType="tmRoot"/>
-      </p:par>
-    </p:tnLst>
-  </p:timing>
 </p:sld>
 </file>
 
@@ -11023,7 +10610,7 @@
           <a:lstStyle/>
           <a:p>
             <a:r>
-              <a:rPr lang="de-DE" smtClean="0"/>
+              <a:rPr lang="de-DE"/>
               <a:t>Chris Russ / IWI / ZHAW</a:t>
             </a:r>
             <a:endParaRPr lang="de-CH" dirty="0"/>
@@ -11213,14 +10800,13 @@
           <a:lstStyle/>
           <a:p>
             <a:r>
-              <a:rPr lang="de-CH" dirty="0" err="1" smtClean="0"/>
+              <a:rPr lang="de-CH" dirty="0" err="1"/>
               <a:t>Self</a:t>
             </a:r>
             <a:r>
-              <a:rPr lang="de-CH" dirty="0" smtClean="0"/>
+              <a:rPr lang="de-CH" dirty="0"/>
               <a:t>-Study: Taktische Interaktionswerkzeuge für Produktteams </a:t>
             </a:r>
-            <a:endParaRPr lang="de-CH" dirty="0"/>
           </a:p>
         </p:txBody>
       </p:sp>
@@ -11246,7 +10832,7 @@
               <a:t>14</a:t>
             </a:fld>
             <a:r>
-              <a:rPr lang="de-CH" smtClean="0"/>
+              <a:rPr lang="de-CH"/>
               <a:t> </a:t>
             </a:r>
             <a:endParaRPr lang="de-CH" dirty="0"/>
@@ -12139,7 +11725,7 @@
           <a:lstStyle/>
           <a:p>
             <a:r>
-              <a:rPr lang="de-DE" smtClean="0"/>
+              <a:rPr lang="de-DE"/>
               <a:t>Chris Russ / IWI / ZHAW</a:t>
             </a:r>
             <a:endParaRPr lang="de-CH" dirty="0"/>
@@ -12162,103 +11748,102 @@
           <a:lstStyle/>
           <a:p>
             <a:r>
-              <a:rPr lang="de-CH" dirty="0" err="1" smtClean="0"/>
+              <a:rPr lang="de-CH" dirty="0" err="1"/>
               <a:t>Sail</a:t>
             </a:r>
             <a:r>
-              <a:rPr lang="de-CH" dirty="0" smtClean="0"/>
+              <a:rPr lang="de-CH" dirty="0"/>
               <a:t> Boat – Kunden- / Mitarbeiterfeedback</a:t>
             </a:r>
           </a:p>
           <a:p>
             <a:pPr lvl="1"/>
             <a:r>
-              <a:rPr lang="de-CH" dirty="0" smtClean="0"/>
+              <a:rPr lang="de-CH" dirty="0"/>
               <a:t>Erkennen von Hindernissen und Problemen</a:t>
             </a:r>
           </a:p>
           <a:p>
             <a:pPr lvl="1"/>
             <a:r>
-              <a:rPr lang="de-CH" dirty="0" smtClean="0"/>
+              <a:rPr lang="de-CH" dirty="0"/>
               <a:t>Vermeidung des «Blinden Fleck»</a:t>
             </a:r>
           </a:p>
           <a:p>
             <a:pPr lvl="1"/>
             <a:r>
-              <a:rPr lang="de-CH" dirty="0" smtClean="0"/>
+              <a:rPr lang="de-CH" dirty="0"/>
               <a:t>Anker zeigen negative Aspekte auf</a:t>
             </a:r>
           </a:p>
           <a:p>
             <a:pPr lvl="1"/>
             <a:r>
-              <a:rPr lang="de-CH" dirty="0" smtClean="0"/>
+              <a:rPr lang="de-CH" dirty="0"/>
               <a:t>Visualisieren und Diskutieren der Ursachen</a:t>
             </a:r>
+          </a:p>
+          <a:p>
             <a:endParaRPr lang="de-CH" dirty="0"/>
           </a:p>
           <a:p>
-            <a:endParaRPr lang="de-CH" dirty="0" smtClean="0"/>
-          </a:p>
-          <a:p>
-            <a:r>
-              <a:rPr lang="de-CH" dirty="0" smtClean="0"/>
+            <a:r>
+              <a:rPr lang="de-CH" dirty="0"/>
               <a:t>20/20 Vision – Reihenfolge</a:t>
             </a:r>
           </a:p>
           <a:p>
             <a:pPr lvl="1"/>
             <a:r>
-              <a:rPr lang="de-CH" dirty="0" smtClean="0"/>
+              <a:rPr lang="de-CH" dirty="0"/>
               <a:t>Ordnen von Kundenwünschen nach Wichtigkeit</a:t>
             </a:r>
           </a:p>
           <a:p>
             <a:pPr lvl="1"/>
             <a:r>
-              <a:rPr lang="de-CH" dirty="0" smtClean="0"/>
+              <a:rPr lang="de-CH" dirty="0"/>
               <a:t>Features auf Karten schreiben</a:t>
             </a:r>
           </a:p>
           <a:p>
             <a:pPr lvl="1"/>
             <a:r>
-              <a:rPr lang="de-CH" dirty="0" smtClean="0"/>
+              <a:rPr lang="de-CH" dirty="0"/>
               <a:t>Zufällige Karte wählen und ablegen</a:t>
             </a:r>
           </a:p>
           <a:p>
             <a:pPr lvl="1"/>
             <a:r>
-              <a:rPr lang="de-CH" dirty="0" smtClean="0"/>
+              <a:rPr lang="de-CH" dirty="0"/>
               <a:t>Alle anderen Features (Karten) relativ dazu darüber </a:t>
             </a:r>
             <a:br>
-              <a:rPr lang="de-CH" dirty="0" smtClean="0"/>
+              <a:rPr lang="de-CH" dirty="0"/>
             </a:br>
             <a:r>
-              <a:rPr lang="de-CH" dirty="0" smtClean="0"/>
+              <a:rPr lang="de-CH" dirty="0"/>
               <a:t>oder darunter anordnen</a:t>
             </a:r>
           </a:p>
           <a:p>
             <a:pPr lvl="1"/>
             <a:r>
-              <a:rPr lang="de-CH" dirty="0" smtClean="0"/>
+              <a:rPr lang="de-CH" dirty="0"/>
               <a:t>Wie Sehtest – was man noch erkennen kann macht Sinn</a:t>
             </a:r>
           </a:p>
           <a:p>
             <a:pPr lvl="1"/>
-            <a:endParaRPr lang="de-CH" dirty="0" smtClean="0"/>
-          </a:p>
-          <a:p>
             <a:endParaRPr lang="de-CH" dirty="0"/>
           </a:p>
           <a:p>
-            <a:endParaRPr lang="de-CH" dirty="0" smtClean="0"/>
+            <a:endParaRPr lang="de-CH" dirty="0"/>
+          </a:p>
+          <a:p>
+            <a:endParaRPr lang="de-CH" dirty="0"/>
           </a:p>
           <a:p>
             <a:endParaRPr lang="de-CH" dirty="0"/>
@@ -12286,15 +11871,7 @@
             </a:r>
             <a:r>
               <a:rPr lang="de-CH" dirty="0"/>
-              <a:t>-Study: </a:t>
-            </a:r>
-            <a:r>
-              <a:rPr lang="de-CH" dirty="0" smtClean="0"/>
-              <a:t>Taktische </a:t>
-            </a:r>
-            <a:r>
-              <a:rPr lang="de-CH" dirty="0"/>
-              <a:t>Interaktionswerkzeuge für Produktteams </a:t>
+              <a:t>-Study: Taktische Interaktionswerkzeuge für Produktteams </a:t>
             </a:r>
           </a:p>
         </p:txBody>
@@ -12321,7 +11898,7 @@
               <a:t>15</a:t>
             </a:fld>
             <a:r>
-              <a:rPr lang="de-CH" smtClean="0"/>
+              <a:rPr lang="de-CH"/>
               <a:t> </a:t>
             </a:r>
             <a:endParaRPr lang="de-CH" dirty="0"/>
@@ -13084,7 +12661,7 @@
           <a:lstStyle/>
           <a:p>
             <a:r>
-              <a:rPr lang="de-DE" smtClean="0"/>
+              <a:rPr lang="de-DE"/>
               <a:t>Chris Russ / IWI / ZHAW</a:t>
             </a:r>
             <a:endParaRPr lang="de-CH" dirty="0"/>
@@ -13107,11 +12684,11 @@
           <a:lstStyle/>
           <a:p>
             <a:r>
-              <a:rPr lang="de-CH" dirty="0" smtClean="0"/>
+              <a:rPr lang="de-CH" dirty="0"/>
               <a:t>Definieren Sie den MVP für das Produkt (HW/SW)</a:t>
             </a:r>
             <a:br>
-              <a:rPr lang="de-CH" dirty="0" smtClean="0"/>
+              <a:rPr lang="de-CH" dirty="0"/>
             </a:br>
             <a:r>
               <a:rPr lang="de-CH" sz="2000" dirty="0" err="1"/>
@@ -13119,18 +12696,14 @@
             </a:r>
             <a:r>
               <a:rPr lang="de-CH" sz="2000" dirty="0"/>
-              <a:t>. anhand </a:t>
-            </a:r>
-            <a:r>
-              <a:rPr lang="de-CH" sz="2000" dirty="0" smtClean="0"/>
-              <a:t>«</a:t>
-            </a:r>
-            <a:r>
-              <a:rPr lang="de-CH" sz="2000" dirty="0" err="1" smtClean="0"/>
+              <a:t>. anhand «</a:t>
+            </a:r>
+            <a:r>
+              <a:rPr lang="de-CH" sz="2000" dirty="0" err="1"/>
               <a:t>Pruning</a:t>
             </a:r>
             <a:r>
-              <a:rPr lang="de-CH" sz="2000" dirty="0" smtClean="0"/>
+              <a:rPr lang="de-CH" sz="2000" dirty="0"/>
               <a:t> </a:t>
             </a:r>
             <a:r>
@@ -13150,11 +12723,11 @@
               <a:t> </a:t>
             </a:r>
             <a:r>
-              <a:rPr lang="de-CH" sz="2000" dirty="0" err="1" smtClean="0"/>
+              <a:rPr lang="de-CH" sz="2000" dirty="0" err="1"/>
               <a:t>Tree</a:t>
             </a:r>
             <a:r>
-              <a:rPr lang="de-CH" sz="2000" dirty="0" smtClean="0"/>
+              <a:rPr lang="de-CH" sz="2000" dirty="0"/>
               <a:t>» Ansatz</a:t>
             </a:r>
             <a:endParaRPr lang="de-CH" dirty="0"/>
@@ -13183,7 +12756,7 @@
               <a:t>16</a:t>
             </a:fld>
             <a:r>
-              <a:rPr lang="de-CH" smtClean="0"/>
+              <a:rPr lang="de-CH"/>
               <a:t> </a:t>
             </a:r>
             <a:endParaRPr lang="de-CH" dirty="0"/>
@@ -13258,11 +12831,11 @@
             <a:p>
               <a:pPr algn="ctr"/>
               <a:r>
-                <a:rPr lang="de-CH" sz="1800" b="1" dirty="0" smtClean="0"/>
+                <a:rPr lang="de-CH" sz="1800" b="1" dirty="0"/>
                 <a:t>Speed </a:t>
               </a:r>
               <a:r>
-                <a:rPr lang="de-CH" sz="1800" b="1" dirty="0" err="1" smtClean="0"/>
+                <a:rPr lang="de-CH" sz="1800" b="1" dirty="0" err="1"/>
                 <a:t>Basket</a:t>
               </a:r>
               <a:endParaRPr lang="de-CH" sz="1800" b="1" dirty="0"/>
@@ -13342,15 +12915,7 @@
                   <a:schemeClr val="tx1"/>
                 </a:solidFill>
               </a:rPr>
-              <a:t> | </a:t>
-            </a:r>
-            <a:r>
-              <a:rPr lang="de-CH" sz="1050" dirty="0" smtClean="0">
-                <a:solidFill>
-                  <a:schemeClr val="tx1"/>
-                </a:solidFill>
-              </a:rPr>
-              <a:t>Aufwand | </a:t>
+              <a:t> | Aufwand | </a:t>
             </a:r>
             <a:r>
               <a:rPr lang="de-CH" sz="1050" dirty="0" err="1">
@@ -13378,13 +12943,6 @@
   <p:clrMapOvr>
     <a:masterClrMapping/>
   </p:clrMapOvr>
-  <p:timing>
-    <p:tnLst>
-      <p:par>
-        <p:cTn id="1" dur="indefinite" restart="never" nodeType="tmRoot"/>
-      </p:par>
-    </p:tnLst>
-  </p:timing>
 </p:sld>
 </file>
 
@@ -13421,7 +12979,7 @@
           <a:lstStyle/>
           <a:p>
             <a:r>
-              <a:rPr lang="de-DE" smtClean="0"/>
+              <a:rPr lang="de-DE"/>
               <a:t>Chris Russ / IWI / ZHAW</a:t>
             </a:r>
             <a:endParaRPr lang="de-CH" dirty="0"/>
@@ -13444,31 +13002,31 @@
           <a:lstStyle/>
           <a:p>
             <a:r>
-              <a:rPr lang="en-US" dirty="0" err="1" smtClean="0"/>
+              <a:rPr lang="en-US" dirty="0" err="1"/>
               <a:t>Definieren</a:t>
             </a:r>
             <a:r>
-              <a:rPr lang="en-US" dirty="0" smtClean="0"/>
+              <a:rPr lang="en-US" dirty="0"/>
               <a:t> </a:t>
             </a:r>
             <a:r>
-              <a:rPr lang="en-US" dirty="0" err="1" smtClean="0"/>
+              <a:rPr lang="en-US" dirty="0" err="1"/>
               <a:t>Sie</a:t>
             </a:r>
             <a:r>
-              <a:rPr lang="en-US" dirty="0" smtClean="0"/>
+              <a:rPr lang="en-US" dirty="0"/>
               <a:t> die </a:t>
             </a:r>
             <a:r>
-              <a:rPr lang="en-US" dirty="0" err="1" smtClean="0"/>
+              <a:rPr lang="en-US" dirty="0" err="1"/>
               <a:t>erste</a:t>
             </a:r>
             <a:r>
-              <a:rPr lang="en-US" dirty="0" smtClean="0"/>
+              <a:rPr lang="en-US" dirty="0"/>
               <a:t> </a:t>
             </a:r>
             <a:r>
-              <a:rPr lang="en-US" dirty="0" err="1" smtClean="0"/>
+              <a:rPr lang="en-US" dirty="0" err="1"/>
               <a:t>Produktroadmap</a:t>
             </a:r>
             <a:endParaRPr lang="en-US" dirty="0"/>
@@ -13497,7 +13055,7 @@
               <a:t>17</a:t>
             </a:fld>
             <a:r>
-              <a:rPr lang="de-CH" smtClean="0"/>
+              <a:rPr lang="de-CH"/>
               <a:t> </a:t>
             </a:r>
             <a:endParaRPr lang="de-CH" dirty="0"/>
@@ -13532,56 +13090,56 @@
                 <a:gridCol w="936104">
                   <a:extLst>
                     <a:ext uri="{9D8B030D-6E8A-4147-A177-3AD203B41FA5}">
-                      <a16:colId xmlns:a16="http://schemas.microsoft.com/office/drawing/2014/main" xmlns="" val="3934496342"/>
+                      <a16:colId xmlns:a16="http://schemas.microsoft.com/office/drawing/2014/main" val="3934496342"/>
                     </a:ext>
                   </a:extLst>
                 </a:gridCol>
                 <a:gridCol w="936104">
                   <a:extLst>
                     <a:ext uri="{9D8B030D-6E8A-4147-A177-3AD203B41FA5}">
-                      <a16:colId xmlns:a16="http://schemas.microsoft.com/office/drawing/2014/main" xmlns="" val="1284506984"/>
+                      <a16:colId xmlns:a16="http://schemas.microsoft.com/office/drawing/2014/main" val="1284506984"/>
                     </a:ext>
                   </a:extLst>
                 </a:gridCol>
                 <a:gridCol w="936104">
                   <a:extLst>
                     <a:ext uri="{9D8B030D-6E8A-4147-A177-3AD203B41FA5}">
-                      <a16:colId xmlns:a16="http://schemas.microsoft.com/office/drawing/2014/main" xmlns="" val="3548853804"/>
+                      <a16:colId xmlns:a16="http://schemas.microsoft.com/office/drawing/2014/main" val="3548853804"/>
                     </a:ext>
                   </a:extLst>
                 </a:gridCol>
                 <a:gridCol w="936104">
                   <a:extLst>
                     <a:ext uri="{9D8B030D-6E8A-4147-A177-3AD203B41FA5}">
-                      <a16:colId xmlns:a16="http://schemas.microsoft.com/office/drawing/2014/main" xmlns="" val="561561069"/>
+                      <a16:colId xmlns:a16="http://schemas.microsoft.com/office/drawing/2014/main" val="561561069"/>
                     </a:ext>
                   </a:extLst>
                 </a:gridCol>
                 <a:gridCol w="936104">
                   <a:extLst>
                     <a:ext uri="{9D8B030D-6E8A-4147-A177-3AD203B41FA5}">
-                      <a16:colId xmlns:a16="http://schemas.microsoft.com/office/drawing/2014/main" xmlns="" val="734149559"/>
+                      <a16:colId xmlns:a16="http://schemas.microsoft.com/office/drawing/2014/main" val="734149559"/>
                     </a:ext>
                   </a:extLst>
                 </a:gridCol>
                 <a:gridCol w="936104">
                   <a:extLst>
                     <a:ext uri="{9D8B030D-6E8A-4147-A177-3AD203B41FA5}">
-                      <a16:colId xmlns:a16="http://schemas.microsoft.com/office/drawing/2014/main" xmlns="" val="4238485663"/>
+                      <a16:colId xmlns:a16="http://schemas.microsoft.com/office/drawing/2014/main" val="4238485663"/>
                     </a:ext>
                   </a:extLst>
                 </a:gridCol>
                 <a:gridCol w="936104">
                   <a:extLst>
                     <a:ext uri="{9D8B030D-6E8A-4147-A177-3AD203B41FA5}">
-                      <a16:colId xmlns:a16="http://schemas.microsoft.com/office/drawing/2014/main" xmlns="" val="3248743150"/>
+                      <a16:colId xmlns:a16="http://schemas.microsoft.com/office/drawing/2014/main" val="3248743150"/>
                     </a:ext>
                   </a:extLst>
                 </a:gridCol>
                 <a:gridCol w="936104">
                   <a:extLst>
                     <a:ext uri="{9D8B030D-6E8A-4147-A177-3AD203B41FA5}">
-                      <a16:colId xmlns:a16="http://schemas.microsoft.com/office/drawing/2014/main" xmlns="" val="822526930"/>
+                      <a16:colId xmlns:a16="http://schemas.microsoft.com/office/drawing/2014/main" val="822526930"/>
                     </a:ext>
                   </a:extLst>
                 </a:gridCol>
@@ -13973,7 +13531,7 @@
                 </a:tc>
                 <a:extLst>
                   <a:ext uri="{0D108BD9-81ED-4DB2-BD59-A6C34878D82A}">
-                    <a16:rowId xmlns:a16="http://schemas.microsoft.com/office/drawing/2014/main" xmlns="" val="492029878"/>
+                    <a16:rowId xmlns:a16="http://schemas.microsoft.com/office/drawing/2014/main" val="492029878"/>
                   </a:ext>
                 </a:extLst>
               </a:tr>
@@ -13984,12 +13542,8 @@
                     <a:lstStyle/>
                     <a:p>
                       <a:r>
-                        <a:rPr lang="de-DE" dirty="0" smtClean="0"/>
-                        <a:t>Q </a:t>
-                      </a:r>
-                      <a:r>
                         <a:rPr lang="de-DE" dirty="0"/>
-                        <a:t>1.1</a:t>
+                        <a:t>Q 1.1</a:t>
                       </a:r>
                     </a:p>
                   </a:txBody>
@@ -14011,12 +13565,8 @@
                     <a:lstStyle/>
                     <a:p>
                       <a:r>
-                        <a:rPr lang="de-DE" dirty="0" smtClean="0"/>
-                        <a:t>Q </a:t>
-                      </a:r>
-                      <a:r>
                         <a:rPr lang="de-DE" dirty="0"/>
-                        <a:t>1.2</a:t>
+                        <a:t>Q 1.2</a:t>
                       </a:r>
                     </a:p>
                   </a:txBody>
@@ -14038,10 +13588,9 @@
                     <a:lstStyle/>
                     <a:p>
                       <a:r>
-                        <a:rPr lang="de-DE" dirty="0" smtClean="0"/>
+                        <a:rPr lang="de-DE" dirty="0"/>
                         <a:t>Q 1.3</a:t>
                       </a:r>
-                      <a:endParaRPr lang="de-DE" dirty="0"/>
                     </a:p>
                   </a:txBody>
                   <a:tcPr>
@@ -14062,10 +13611,9 @@
                     <a:lstStyle/>
                     <a:p>
                       <a:r>
-                        <a:rPr lang="de-DE" dirty="0" smtClean="0"/>
+                        <a:rPr lang="de-DE" dirty="0"/>
                         <a:t>Q 1.4</a:t>
                       </a:r>
-                      <a:endParaRPr lang="de-DE" dirty="0"/>
                     </a:p>
                   </a:txBody>
                   <a:tcPr>
@@ -14086,18 +13634,9 @@
                     <a:lstStyle/>
                     <a:p>
                       <a:r>
-                        <a:rPr lang="de-DE" dirty="0" smtClean="0"/>
-                        <a:t>Q </a:t>
+                        <a:rPr lang="de-DE" dirty="0"/>
+                        <a:t>Q 2.1</a:t>
                       </a:r>
-                      <a:r>
-                        <a:rPr lang="de-DE" dirty="0"/>
-                        <a:t>2</a:t>
-                      </a:r>
-                      <a:r>
-                        <a:rPr lang="de-DE" dirty="0" smtClean="0"/>
-                        <a:t>.1</a:t>
-                      </a:r>
-                      <a:endParaRPr lang="de-DE" dirty="0"/>
                     </a:p>
                   </a:txBody>
                   <a:tcPr>
@@ -14118,18 +13657,9 @@
                     <a:lstStyle/>
                     <a:p>
                       <a:r>
-                        <a:rPr lang="de-DE" dirty="0" smtClean="0"/>
-                        <a:t>Q </a:t>
+                        <a:rPr lang="de-DE" dirty="0"/>
+                        <a:t>Q 2.2</a:t>
                       </a:r>
-                      <a:r>
-                        <a:rPr lang="de-DE" dirty="0"/>
-                        <a:t>2</a:t>
-                      </a:r>
-                      <a:r>
-                        <a:rPr lang="de-DE" dirty="0" smtClean="0"/>
-                        <a:t>.2</a:t>
-                      </a:r>
-                      <a:endParaRPr lang="de-DE" dirty="0"/>
                     </a:p>
                   </a:txBody>
                   <a:tcPr>
@@ -14150,10 +13680,9 @@
                     <a:lstStyle/>
                     <a:p>
                       <a:r>
-                        <a:rPr lang="de-DE" dirty="0" smtClean="0"/>
+                        <a:rPr lang="de-DE" dirty="0"/>
                         <a:t>Q 2.3</a:t>
                       </a:r>
-                      <a:endParaRPr lang="de-DE" dirty="0"/>
                     </a:p>
                   </a:txBody>
                   <a:tcPr>
@@ -14174,10 +13703,9 @@
                     <a:lstStyle/>
                     <a:p>
                       <a:r>
-                        <a:rPr lang="de-DE" dirty="0" smtClean="0"/>
+                        <a:rPr lang="de-DE" dirty="0"/>
                         <a:t>Q 2.4</a:t>
                       </a:r>
-                      <a:endParaRPr lang="de-DE" dirty="0"/>
                     </a:p>
                   </a:txBody>
                   <a:tcPr>
@@ -14194,7 +13722,7 @@
                 </a:tc>
                 <a:extLst>
                   <a:ext uri="{0D108BD9-81ED-4DB2-BD59-A6C34878D82A}">
-                    <a16:rowId xmlns:a16="http://schemas.microsoft.com/office/drawing/2014/main" xmlns="" val="921617341"/>
+                    <a16:rowId xmlns:a16="http://schemas.microsoft.com/office/drawing/2014/main" val="921617341"/>
                   </a:ext>
                 </a:extLst>
               </a:tr>
@@ -14264,20 +13792,12 @@
             <a:p>
               <a:pPr algn="ctr"/>
               <a:r>
-                <a:rPr lang="de-DE" sz="1050" dirty="0" smtClean="0">
-                  <a:solidFill>
-                    <a:schemeClr val="tx1"/>
-                  </a:solidFill>
-                </a:rPr>
-                <a:t>HW Topic </a:t>
-              </a:r>
-              <a:r>
                 <a:rPr lang="de-DE" sz="1050" dirty="0">
                   <a:solidFill>
                     <a:schemeClr val="tx1"/>
                   </a:solidFill>
                 </a:rPr>
-                <a:t>1</a:t>
+                <a:t>HW Topic 1</a:t>
               </a:r>
             </a:p>
           </p:txBody>
@@ -14330,20 +13850,12 @@
             <a:p>
               <a:pPr algn="ctr"/>
               <a:r>
-                <a:rPr lang="de-DE" sz="1000" dirty="0" smtClean="0">
-                  <a:solidFill>
-                    <a:schemeClr val="tx1"/>
-                  </a:solidFill>
-                </a:rPr>
-                <a:t>Topic. </a:t>
-              </a:r>
-              <a:r>
                 <a:rPr lang="de-DE" sz="1000" dirty="0">
                   <a:solidFill>
                     <a:schemeClr val="tx1"/>
                   </a:solidFill>
                 </a:rPr>
-                <a:t>1.1</a:t>
+                <a:t>Topic. 1.1</a:t>
               </a:r>
             </a:p>
           </p:txBody>
@@ -14452,18 +13964,13 @@
           <a:p>
             <a:pPr algn="ctr"/>
             <a:r>
-              <a:rPr lang="de-DE" sz="1050" dirty="0" smtClean="0">
+              <a:rPr lang="de-DE" sz="1050" dirty="0">
                 <a:solidFill>
                   <a:schemeClr val="tx1"/>
                 </a:solidFill>
               </a:rPr>
               <a:t>SW Topic 2.1</a:t>
             </a:r>
-            <a:endParaRPr lang="de-DE" sz="1050" dirty="0">
-              <a:solidFill>
-                <a:schemeClr val="tx1"/>
-              </a:solidFill>
-            </a:endParaRPr>
           </a:p>
         </p:txBody>
       </p:sp>
@@ -14515,20 +14022,12 @@
           <a:p>
             <a:pPr algn="ctr"/>
             <a:r>
-              <a:rPr lang="de-DE" sz="1050" dirty="0" smtClean="0">
+              <a:rPr lang="de-DE" sz="1050" dirty="0">
                 <a:solidFill>
                   <a:schemeClr val="tx1"/>
                 </a:solidFill>
               </a:rPr>
-              <a:t>Topic </a:t>
-            </a:r>
-            <a:r>
-              <a:rPr lang="de-DE" sz="1050" dirty="0">
-                <a:solidFill>
-                  <a:schemeClr val="tx1"/>
-                </a:solidFill>
-              </a:rPr>
-              <a:t>3</a:t>
+              <a:t>Topic 3</a:t>
             </a:r>
           </a:p>
         </p:txBody>
@@ -14581,20 +14080,12 @@
           <a:p>
             <a:pPr algn="ctr"/>
             <a:r>
-              <a:rPr lang="de-DE" sz="900" dirty="0" smtClean="0">
+              <a:rPr lang="de-DE" sz="900" dirty="0">
                 <a:solidFill>
                   <a:schemeClr val="tx1"/>
                 </a:solidFill>
               </a:rPr>
-              <a:t>SW Topic </a:t>
-            </a:r>
-            <a:r>
-              <a:rPr lang="de-DE" sz="900" dirty="0">
-                <a:solidFill>
-                  <a:schemeClr val="tx1"/>
-                </a:solidFill>
-              </a:rPr>
-              <a:t>2</a:t>
+              <a:t>SW Topic 2</a:t>
             </a:r>
           </a:p>
         </p:txBody>
@@ -14737,7 +14228,7 @@
                 <a:gridCol w="2403336">
                   <a:extLst>
                     <a:ext uri="{9D8B030D-6E8A-4147-A177-3AD203B41FA5}">
-                      <a16:colId xmlns:a16="http://schemas.microsoft.com/office/drawing/2014/main" xmlns="" val="639680380"/>
+                      <a16:colId xmlns:a16="http://schemas.microsoft.com/office/drawing/2014/main" val="639680380"/>
                     </a:ext>
                   </a:extLst>
                 </a:gridCol>
@@ -14749,17 +14240,16 @@
                     <a:lstStyle/>
                     <a:p>
                       <a:r>
-                        <a:rPr lang="en-US" sz="1600" dirty="0" smtClean="0"/>
+                        <a:rPr lang="en-US" sz="1600" dirty="0"/>
                         <a:t>Features / Milestones</a:t>
                       </a:r>
-                      <a:endParaRPr lang="en-US" sz="1600" dirty="0"/>
                     </a:p>
                   </a:txBody>
                   <a:tcPr/>
                 </a:tc>
                 <a:extLst>
                   <a:ext uri="{0D108BD9-81ED-4DB2-BD59-A6C34878D82A}">
-                    <a16:rowId xmlns:a16="http://schemas.microsoft.com/office/drawing/2014/main" xmlns="" val="2141674143"/>
+                    <a16:rowId xmlns:a16="http://schemas.microsoft.com/office/drawing/2014/main" val="2141674143"/>
                   </a:ext>
                 </a:extLst>
               </a:tr>
@@ -14770,7 +14260,7 @@
                     <a:lstStyle/>
                     <a:p>
                       <a:r>
-                        <a:rPr lang="en-US" sz="1400" dirty="0" err="1" smtClean="0"/>
+                        <a:rPr lang="en-US" sz="1400" dirty="0" err="1"/>
                         <a:t>Spülmaschinen-Festigkeit</a:t>
                       </a:r>
                       <a:endParaRPr lang="en-US" sz="1400" dirty="0"/>
@@ -14780,7 +14270,7 @@
                 </a:tc>
                 <a:extLst>
                   <a:ext uri="{0D108BD9-81ED-4DB2-BD59-A6C34878D82A}">
-                    <a16:rowId xmlns:a16="http://schemas.microsoft.com/office/drawing/2014/main" xmlns="" val="3694117863"/>
+                    <a16:rowId xmlns:a16="http://schemas.microsoft.com/office/drawing/2014/main" val="3694117863"/>
                   </a:ext>
                 </a:extLst>
               </a:tr>
@@ -14791,15 +14281,15 @@
                     <a:lstStyle/>
                     <a:p>
                       <a:r>
-                        <a:rPr lang="en-US" sz="1400" dirty="0" smtClean="0"/>
+                        <a:rPr lang="en-US" sz="1400" dirty="0"/>
                         <a:t>Integration</a:t>
                       </a:r>
                       <a:r>
-                        <a:rPr lang="en-US" sz="1400" baseline="0" dirty="0" smtClean="0"/>
+                        <a:rPr lang="en-US" sz="1400" baseline="0" dirty="0"/>
                         <a:t> </a:t>
                       </a:r>
                       <a:r>
-                        <a:rPr lang="en-US" sz="1400" baseline="0" dirty="0" err="1" smtClean="0"/>
+                        <a:rPr lang="en-US" sz="1400" baseline="0" dirty="0" err="1"/>
                         <a:t>Rezepte</a:t>
                       </a:r>
                       <a:endParaRPr lang="en-US" sz="1400" dirty="0"/>
@@ -14809,7 +14299,7 @@
                 </a:tc>
                 <a:extLst>
                   <a:ext uri="{0D108BD9-81ED-4DB2-BD59-A6C34878D82A}">
-                    <a16:rowId xmlns:a16="http://schemas.microsoft.com/office/drawing/2014/main" xmlns="" val="3042295370"/>
+                    <a16:rowId xmlns:a16="http://schemas.microsoft.com/office/drawing/2014/main" val="3042295370"/>
                   </a:ext>
                 </a:extLst>
               </a:tr>
@@ -14820,15 +14310,15 @@
                     <a:lstStyle/>
                     <a:p>
                       <a:r>
-                        <a:rPr lang="en-US" sz="1400" dirty="0" err="1" smtClean="0"/>
+                        <a:rPr lang="en-US" sz="1400" dirty="0" err="1"/>
                         <a:t>Anbindung</a:t>
                       </a:r>
                       <a:r>
-                        <a:rPr lang="en-US" sz="1400" baseline="0" dirty="0" smtClean="0"/>
+                        <a:rPr lang="en-US" sz="1400" baseline="0" dirty="0"/>
                         <a:t> an Shops / </a:t>
                       </a:r>
                       <a:r>
-                        <a:rPr lang="en-US" sz="1400" baseline="0" dirty="0" err="1" smtClean="0"/>
+                        <a:rPr lang="en-US" sz="1400" baseline="0" dirty="0" err="1"/>
                         <a:t>Einkaufslisten</a:t>
                       </a:r>
                       <a:endParaRPr lang="en-US" sz="1400" dirty="0"/>
@@ -14838,7 +14328,7 @@
                 </a:tc>
                 <a:extLst>
                   <a:ext uri="{0D108BD9-81ED-4DB2-BD59-A6C34878D82A}">
-                    <a16:rowId xmlns:a16="http://schemas.microsoft.com/office/drawing/2014/main" xmlns="" val="2035281107"/>
+                    <a16:rowId xmlns:a16="http://schemas.microsoft.com/office/drawing/2014/main" val="2035281107"/>
                   </a:ext>
                 </a:extLst>
               </a:tr>
@@ -14849,23 +14339,23 @@
                     <a:lstStyle/>
                     <a:p>
                       <a:r>
-                        <a:rPr lang="en-US" sz="1400" dirty="0" err="1" smtClean="0"/>
+                        <a:rPr lang="en-US" sz="1400" dirty="0" err="1"/>
                         <a:t>Erweiterung</a:t>
                       </a:r>
                       <a:r>
-                        <a:rPr lang="en-US" sz="1400" dirty="0" smtClean="0"/>
+                        <a:rPr lang="en-US" sz="1400" dirty="0"/>
                         <a:t> </a:t>
                       </a:r>
                       <a:r>
-                        <a:rPr lang="en-US" sz="1400" dirty="0" err="1" smtClean="0"/>
+                        <a:rPr lang="en-US" sz="1400" dirty="0" err="1"/>
                         <a:t>für</a:t>
                       </a:r>
                       <a:r>
-                        <a:rPr lang="en-US" sz="1400" dirty="0" smtClean="0"/>
+                        <a:rPr lang="en-US" sz="1400" dirty="0"/>
                         <a:t> </a:t>
                       </a:r>
                       <a:r>
-                        <a:rPr lang="en-US" sz="1400" dirty="0" err="1" smtClean="0"/>
+                        <a:rPr lang="en-US" sz="1400" dirty="0" err="1"/>
                         <a:t>Getränke</a:t>
                       </a:r>
                       <a:endParaRPr lang="en-US" sz="1400" dirty="0"/>
@@ -14875,7 +14365,7 @@
                 </a:tc>
                 <a:extLst>
                   <a:ext uri="{0D108BD9-81ED-4DB2-BD59-A6C34878D82A}">
-                    <a16:rowId xmlns:a16="http://schemas.microsoft.com/office/drawing/2014/main" xmlns="" val="2975375382"/>
+                    <a16:rowId xmlns:a16="http://schemas.microsoft.com/office/drawing/2014/main" val="2975375382"/>
                   </a:ext>
                 </a:extLst>
               </a:tr>
@@ -14903,33 +14393,33 @@
                         <a:defRPr/>
                       </a:pPr>
                       <a:r>
-                        <a:rPr lang="en-US" sz="1400" dirty="0" err="1" smtClean="0"/>
+                        <a:rPr lang="en-US" sz="1400" dirty="0" err="1"/>
                         <a:t>Solarpannel</a:t>
                       </a:r>
                       <a:r>
-                        <a:rPr lang="en-US" sz="1400" dirty="0" smtClean="0"/>
+                        <a:rPr lang="en-US" sz="1400" dirty="0"/>
                         <a:t> </a:t>
                       </a:r>
                       <a:r>
-                        <a:rPr lang="en-US" sz="1400" dirty="0" err="1" smtClean="0"/>
+                        <a:rPr lang="en-US" sz="1400" dirty="0" err="1"/>
                         <a:t>zum</a:t>
                       </a:r>
                       <a:r>
-                        <a:rPr lang="en-US" sz="1400" dirty="0" smtClean="0"/>
+                        <a:rPr lang="en-US" sz="1400" dirty="0"/>
                         <a:t> </a:t>
                       </a:r>
                       <a:r>
-                        <a:rPr lang="en-US" sz="1400" dirty="0" err="1" smtClean="0"/>
+                        <a:rPr lang="en-US" sz="1400" dirty="0" err="1"/>
                         <a:t>Aufladen</a:t>
                       </a:r>
-                      <a:endParaRPr lang="en-US" sz="1400" dirty="0" smtClean="0"/>
+                      <a:endParaRPr lang="en-US" sz="1400" dirty="0"/>
                     </a:p>
                   </a:txBody>
                   <a:tcPr/>
                 </a:tc>
                 <a:extLst>
                   <a:ext uri="{0D108BD9-81ED-4DB2-BD59-A6C34878D82A}">
-                    <a16:rowId xmlns:a16="http://schemas.microsoft.com/office/drawing/2014/main" xmlns="" val="2415426156"/>
+                    <a16:rowId xmlns:a16="http://schemas.microsoft.com/office/drawing/2014/main" val="2415426156"/>
                   </a:ext>
                 </a:extLst>
               </a:tr>
@@ -14940,43 +14430,43 @@
                     <a:lstStyle/>
                     <a:p>
                       <a:r>
-                        <a:rPr lang="en-US" sz="1400" dirty="0" err="1" smtClean="0"/>
+                        <a:rPr lang="en-US" sz="1400" dirty="0" err="1"/>
                         <a:t>Modulkonzept</a:t>
                       </a:r>
                       <a:r>
-                        <a:rPr lang="en-US" sz="1400" dirty="0" smtClean="0"/>
+                        <a:rPr lang="en-US" sz="1400" dirty="0"/>
                         <a:t> (</a:t>
                       </a:r>
                       <a:r>
-                        <a:rPr lang="en-US" sz="1400" dirty="0" err="1" smtClean="0"/>
+                        <a:rPr lang="en-US" sz="1400" dirty="0" err="1"/>
                         <a:t>Suppen</a:t>
                       </a:r>
                       <a:r>
-                        <a:rPr lang="en-US" sz="1400" dirty="0" smtClean="0"/>
+                        <a:rPr lang="en-US" sz="1400" dirty="0"/>
                         <a:t>,</a:t>
                       </a:r>
                       <a:r>
-                        <a:rPr lang="en-US" sz="1400" baseline="0" dirty="0" smtClean="0"/>
+                        <a:rPr lang="en-US" sz="1400" baseline="0" dirty="0"/>
                         <a:t> </a:t>
                       </a:r>
                       <a:r>
-                        <a:rPr lang="en-US" sz="1400" baseline="0" dirty="0" err="1" smtClean="0"/>
+                        <a:rPr lang="en-US" sz="1400" baseline="0" dirty="0" err="1"/>
                         <a:t>Getränke</a:t>
                       </a:r>
                       <a:r>
-                        <a:rPr lang="en-US" sz="1400" baseline="0" dirty="0" smtClean="0"/>
+                        <a:rPr lang="en-US" sz="1400" baseline="0" dirty="0"/>
                         <a:t>, etc. / </a:t>
                       </a:r>
                       <a:r>
-                        <a:rPr lang="en-US" sz="1400" baseline="0" dirty="0" err="1" smtClean="0"/>
+                        <a:rPr lang="en-US" sz="1400" baseline="0" dirty="0" err="1"/>
                         <a:t>versch</a:t>
                       </a:r>
                       <a:r>
-                        <a:rPr lang="en-US" sz="1400" baseline="0" dirty="0" smtClean="0"/>
+                        <a:rPr lang="en-US" sz="1400" baseline="0" dirty="0"/>
                         <a:t>. </a:t>
                       </a:r>
                       <a:r>
-                        <a:rPr lang="en-US" sz="1400" baseline="0" dirty="0" err="1" smtClean="0"/>
+                        <a:rPr lang="en-US" sz="1400" baseline="0" dirty="0" err="1"/>
                         <a:t>Grössen</a:t>
                       </a:r>
                       <a:endParaRPr lang="en-US" sz="1400" dirty="0"/>
@@ -14986,7 +14476,7 @@
                 </a:tc>
                 <a:extLst>
                   <a:ext uri="{0D108BD9-81ED-4DB2-BD59-A6C34878D82A}">
-                    <a16:rowId xmlns:a16="http://schemas.microsoft.com/office/drawing/2014/main" xmlns="" val="379022219"/>
+                    <a16:rowId xmlns:a16="http://schemas.microsoft.com/office/drawing/2014/main" val="379022219"/>
                   </a:ext>
                 </a:extLst>
               </a:tr>
@@ -14997,7 +14487,7 @@
                     <a:lstStyle/>
                     <a:p>
                       <a:r>
-                        <a:rPr lang="en-US" sz="1400" dirty="0" err="1" smtClean="0"/>
+                        <a:rPr lang="en-US" sz="1400" dirty="0" err="1"/>
                         <a:t>Niedergarfunktionalität</a:t>
                       </a:r>
                       <a:endParaRPr lang="en-US" sz="1400" dirty="0"/>
@@ -15007,7 +14497,7 @@
                 </a:tc>
                 <a:extLst>
                   <a:ext uri="{0D108BD9-81ED-4DB2-BD59-A6C34878D82A}">
-                    <a16:rowId xmlns:a16="http://schemas.microsoft.com/office/drawing/2014/main" xmlns="" val="3072909331"/>
+                    <a16:rowId xmlns:a16="http://schemas.microsoft.com/office/drawing/2014/main" val="3072909331"/>
                   </a:ext>
                 </a:extLst>
               </a:tr>
@@ -15018,15 +14508,15 @@
                     <a:lstStyle/>
                     <a:p>
                       <a:r>
-                        <a:rPr lang="en-US" sz="1400" dirty="0" err="1" smtClean="0"/>
+                        <a:rPr lang="en-US" sz="1400" dirty="0" err="1"/>
                         <a:t>Erweiterte</a:t>
                       </a:r>
                       <a:r>
-                        <a:rPr lang="en-US" sz="1400" dirty="0" smtClean="0"/>
+                        <a:rPr lang="en-US" sz="1400" dirty="0"/>
                         <a:t> </a:t>
                       </a:r>
                       <a:r>
-                        <a:rPr lang="en-US" sz="1400" baseline="0" dirty="0" err="1" smtClean="0"/>
+                        <a:rPr lang="en-US" sz="1400" baseline="0" dirty="0" err="1"/>
                         <a:t>Timerfunktion</a:t>
                       </a:r>
                       <a:endParaRPr lang="en-US" sz="1400" dirty="0"/>
@@ -15036,7 +14526,7 @@
                 </a:tc>
                 <a:extLst>
                   <a:ext uri="{0D108BD9-81ED-4DB2-BD59-A6C34878D82A}">
-                    <a16:rowId xmlns:a16="http://schemas.microsoft.com/office/drawing/2014/main" xmlns="" val="3862711857"/>
+                    <a16:rowId xmlns:a16="http://schemas.microsoft.com/office/drawing/2014/main" val="3862711857"/>
                   </a:ext>
                 </a:extLst>
               </a:tr>
@@ -15047,11 +14537,11 @@
                     <a:lstStyle/>
                     <a:p>
                       <a:r>
-                        <a:rPr lang="en-US" sz="1400" dirty="0" smtClean="0"/>
+                        <a:rPr lang="en-US" sz="1400" dirty="0"/>
                         <a:t>Branding (Swiss</a:t>
                       </a:r>
                       <a:r>
-                        <a:rPr lang="en-US" sz="1400" baseline="0" dirty="0" smtClean="0"/>
+                        <a:rPr lang="en-US" sz="1400" baseline="0" dirty="0"/>
                         <a:t> Army Box)</a:t>
                       </a:r>
                       <a:endParaRPr lang="en-US" sz="1400" dirty="0"/>
@@ -15061,7 +14551,7 @@
                 </a:tc>
                 <a:extLst>
                   <a:ext uri="{0D108BD9-81ED-4DB2-BD59-A6C34878D82A}">
-                    <a16:rowId xmlns:a16="http://schemas.microsoft.com/office/drawing/2014/main" xmlns="" val="2931379322"/>
+                    <a16:rowId xmlns:a16="http://schemas.microsoft.com/office/drawing/2014/main" val="2931379322"/>
                   </a:ext>
                 </a:extLst>
               </a:tr>
@@ -15376,18 +14866,13 @@
           <a:lstStyle/>
           <a:p>
             <a:r>
-              <a:rPr lang="de-CH" b="1" dirty="0" smtClean="0">
+              <a:rPr lang="de-CH" b="1" dirty="0">
                 <a:solidFill>
                   <a:schemeClr val="bg1"/>
                 </a:solidFill>
               </a:rPr>
               <a:t>Dominic</a:t>
             </a:r>
-            <a:endParaRPr lang="de-CH" b="1" dirty="0">
-              <a:solidFill>
-                <a:schemeClr val="bg1"/>
-              </a:solidFill>
-            </a:endParaRPr>
           </a:p>
         </p:txBody>
       </p:sp>
@@ -15401,13 +14886,6 @@
   <p:clrMapOvr>
     <a:masterClrMapping/>
   </p:clrMapOvr>
-  <p:timing>
-    <p:tnLst>
-      <p:par>
-        <p:cTn id="1" dur="indefinite" restart="never" nodeType="tmRoot"/>
-      </p:par>
-    </p:tnLst>
-  </p:timing>
 </p:sld>
 </file>
 
@@ -15444,7 +14922,7 @@
           <a:lstStyle/>
           <a:p>
             <a:r>
-              <a:rPr lang="de-DE" smtClean="0"/>
+              <a:rPr lang="de-DE"/>
               <a:t>Chris Russ / IWI / ZHAW</a:t>
             </a:r>
             <a:endParaRPr lang="de-CH" dirty="0"/>
@@ -15467,74 +14945,74 @@
           <a:lstStyle/>
           <a:p>
             <a:r>
-              <a:rPr lang="de-CH" dirty="0" smtClean="0"/>
+              <a:rPr lang="de-CH" dirty="0"/>
               <a:t>Wichtig: Wie verdienen wir Geld?</a:t>
             </a:r>
           </a:p>
           <a:p>
-            <a:endParaRPr lang="de-CH" dirty="0" smtClean="0"/>
-          </a:p>
-          <a:p>
-            <a:r>
-              <a:rPr lang="de-CH" dirty="0" smtClean="0"/>
+            <a:endParaRPr lang="de-CH" dirty="0"/>
+          </a:p>
+          <a:p>
+            <a:r>
+              <a:rPr lang="de-CH" dirty="0"/>
               <a:t>Z.B.</a:t>
             </a:r>
           </a:p>
           <a:p>
             <a:pPr lvl="1"/>
             <a:r>
-              <a:rPr lang="de-CH" dirty="0" smtClean="0"/>
+              <a:rPr lang="de-CH" dirty="0"/>
               <a:t>Lizenzzahlungen (einmalig, repetitiv)</a:t>
             </a:r>
           </a:p>
           <a:p>
             <a:pPr lvl="1"/>
             <a:r>
-              <a:rPr lang="de-CH" dirty="0" smtClean="0"/>
+              <a:rPr lang="de-CH" dirty="0"/>
               <a:t>Wartungsvertrag</a:t>
             </a:r>
           </a:p>
           <a:p>
             <a:pPr lvl="1"/>
             <a:r>
-              <a:rPr lang="de-CH" dirty="0" smtClean="0"/>
+              <a:rPr lang="de-CH" dirty="0"/>
               <a:t>Professional Services / Technische </a:t>
             </a:r>
             <a:br>
-              <a:rPr lang="de-CH" dirty="0" smtClean="0"/>
+              <a:rPr lang="de-CH" dirty="0"/>
             </a:br>
             <a:r>
-              <a:rPr lang="de-CH" dirty="0" smtClean="0"/>
+              <a:rPr lang="de-CH" dirty="0"/>
               <a:t>Dienstleistung</a:t>
             </a:r>
           </a:p>
           <a:p>
             <a:pPr lvl="1"/>
             <a:r>
-              <a:rPr lang="de-CH" dirty="0" smtClean="0"/>
+              <a:rPr lang="de-CH" dirty="0"/>
               <a:t>Nutzungsbasierte Verrechnung</a:t>
             </a:r>
           </a:p>
           <a:p>
             <a:pPr lvl="1"/>
             <a:r>
-              <a:rPr lang="de-CH" dirty="0" smtClean="0"/>
+              <a:rPr lang="de-CH" dirty="0"/>
               <a:t>Indirekte Einnahmen </a:t>
             </a:r>
             <a:r>
-              <a:rPr lang="de-CH" dirty="0" err="1" smtClean="0"/>
+              <a:rPr lang="de-CH" dirty="0" err="1"/>
               <a:t>zB</a:t>
             </a:r>
             <a:r>
-              <a:rPr lang="de-CH" dirty="0" smtClean="0"/>
+              <a:rPr lang="de-CH" dirty="0"/>
               <a:t>. Werbung</a:t>
             </a:r>
           </a:p>
           <a:p>
-            <a:endParaRPr lang="de-CH" dirty="0" smtClean="0"/>
-          </a:p>
-          <a:p>
-            <a:endParaRPr lang="de-CH" dirty="0" smtClean="0"/>
+            <a:endParaRPr lang="de-CH" dirty="0"/>
+          </a:p>
+          <a:p>
+            <a:endParaRPr lang="de-CH" dirty="0"/>
           </a:p>
         </p:txBody>
       </p:sp>
@@ -15554,10 +15032,9 @@
           <a:lstStyle/>
           <a:p>
             <a:r>
-              <a:rPr lang="de-CH" dirty="0" smtClean="0"/>
+              <a:rPr lang="de-CH" dirty="0"/>
               <a:t>Detaillieren Sie das Ertragsmodell (Revenue Modell) </a:t>
             </a:r>
-            <a:endParaRPr lang="de-CH" dirty="0"/>
           </a:p>
         </p:txBody>
       </p:sp>
@@ -15583,7 +15060,7 @@
               <a:t>18</a:t>
             </a:fld>
             <a:r>
-              <a:rPr lang="de-CH" smtClean="0"/>
+              <a:rPr lang="de-CH"/>
               <a:t> </a:t>
             </a:r>
             <a:endParaRPr lang="de-CH" dirty="0"/>
@@ -15629,13 +15106,6 @@
   <p:clrMapOvr>
     <a:masterClrMapping/>
   </p:clrMapOvr>
-  <p:timing>
-    <p:tnLst>
-      <p:par>
-        <p:cTn id="1" dur="indefinite" restart="never" nodeType="tmRoot"/>
-      </p:par>
-    </p:tnLst>
-  </p:timing>
 </p:sld>
 </file>
 
@@ -15672,7 +15142,7 @@
           <a:lstStyle/>
           <a:p>
             <a:r>
-              <a:rPr lang="de-DE" smtClean="0"/>
+              <a:rPr lang="de-DE"/>
               <a:t>Chris Russ / IWI / ZHAW</a:t>
             </a:r>
             <a:endParaRPr lang="de-CH" dirty="0"/>
@@ -15699,7 +15169,7 @@
           </a:p>
           <a:p>
             <a:r>
-              <a:rPr lang="de-CH" sz="1800" dirty="0" smtClean="0"/>
+              <a:rPr lang="de-CH" sz="1800" dirty="0"/>
               <a:t>Pricing Modelle: </a:t>
             </a:r>
           </a:p>
@@ -15714,11 +15184,7 @@
             </a:r>
             <a:r>
               <a:rPr lang="de-CH" sz="1600" i="1" dirty="0"/>
-              <a:t>-Plus: Kosten + </a:t>
-            </a:r>
-            <a:r>
-              <a:rPr lang="de-CH" sz="1600" i="1" dirty="0" smtClean="0"/>
-              <a:t>Marge</a:t>
+              <a:t>-Plus: Kosten + Marge</a:t>
             </a:r>
           </a:p>
           <a:p>
@@ -15727,23 +15193,18 @@
           </a:p>
           <a:p>
             <a:pPr lvl="1"/>
-            <a:endParaRPr lang="de-CH" sz="1600" i="1" dirty="0" smtClean="0"/>
+            <a:endParaRPr lang="de-CH" sz="1600" i="1" dirty="0"/>
           </a:p>
           <a:p>
             <a:pPr lvl="1"/>
             <a:r>
-              <a:rPr lang="de-CH" sz="1600" i="1" dirty="0" err="1" smtClean="0"/>
+              <a:rPr lang="de-CH" sz="1600" i="1" dirty="0" err="1"/>
               <a:t>Competitor-based</a:t>
             </a:r>
             <a:r>
               <a:rPr lang="de-CH" sz="1600" i="1" dirty="0"/>
               <a:t>: </a:t>
             </a:r>
-            <a:endParaRPr lang="de-CH" sz="1600" i="1" dirty="0" smtClean="0"/>
-          </a:p>
-          <a:p>
-            <a:pPr lvl="1"/>
-            <a:endParaRPr lang="de-CH" sz="1600" i="1" dirty="0" smtClean="0"/>
           </a:p>
           <a:p>
             <a:pPr lvl="1"/>
@@ -15751,16 +15212,20 @@
           </a:p>
           <a:p>
             <a:pPr lvl="1"/>
-            <a:r>
-              <a:rPr lang="de-CH" sz="1600" i="1" dirty="0" smtClean="0"/>
+            <a:endParaRPr lang="de-CH" sz="1600" i="1" dirty="0"/>
+          </a:p>
+          <a:p>
+            <a:pPr lvl="1"/>
+            <a:r>
+              <a:rPr lang="de-CH" sz="1600" i="1" dirty="0"/>
               <a:t>Value-</a:t>
             </a:r>
             <a:r>
-              <a:rPr lang="de-CH" sz="1600" i="1" dirty="0" err="1" smtClean="0"/>
+              <a:rPr lang="de-CH" sz="1600" i="1" dirty="0" err="1"/>
               <a:t>based</a:t>
             </a:r>
             <a:r>
-              <a:rPr lang="de-CH" sz="1600" i="1" dirty="0" smtClean="0"/>
+              <a:rPr lang="de-CH" sz="1600" i="1" dirty="0"/>
               <a:t>:</a:t>
             </a:r>
             <a:endParaRPr lang="de-CH" sz="1600" dirty="0"/>
@@ -15786,10 +15251,9 @@
           <a:lstStyle/>
           <a:p>
             <a:r>
-              <a:rPr lang="de-CH" dirty="0" smtClean="0"/>
+              <a:rPr lang="de-CH" dirty="0"/>
               <a:t>Wie könnte die Preisgestaltung aussehen?</a:t>
             </a:r>
-            <a:endParaRPr lang="de-CH" dirty="0"/>
           </a:p>
         </p:txBody>
       </p:sp>
@@ -15815,7 +15279,7 @@
               <a:t>19</a:t>
             </a:fld>
             <a:r>
-              <a:rPr lang="de-CH" smtClean="0"/>
+              <a:rPr lang="de-CH"/>
               <a:t> </a:t>
             </a:r>
             <a:endParaRPr lang="de-CH" dirty="0"/>
@@ -16183,10 +15647,9 @@
           <a:lstStyle/>
           <a:p>
             <a:r>
-              <a:rPr lang="de-CH" dirty="0" smtClean="0"/>
+              <a:rPr lang="de-CH" dirty="0"/>
               <a:t>Aufgabenstellung</a:t>
             </a:r>
-            <a:endParaRPr lang="de-CH" dirty="0"/>
           </a:p>
         </p:txBody>
       </p:sp>
@@ -16212,7 +15675,7 @@
               <a:t>2</a:t>
             </a:fld>
             <a:r>
-              <a:rPr lang="de-CH" smtClean="0"/>
+              <a:rPr lang="de-CH"/>
               <a:t> </a:t>
             </a:r>
             <a:endParaRPr lang="de-CH" dirty="0"/>
@@ -16235,7 +15698,7 @@
           <a:lstStyle/>
           <a:p>
             <a:r>
-              <a:rPr lang="de-DE" smtClean="0"/>
+              <a:rPr lang="de-DE"/>
               <a:t>Chris Russ / IWI / ZHAW</a:t>
             </a:r>
             <a:endParaRPr lang="de-CH" dirty="0"/>
@@ -16263,45 +15726,45 @@
           <a:lstStyle/>
           <a:p>
             <a:r>
-              <a:rPr lang="de-CH" dirty="0" smtClean="0"/>
+              <a:rPr lang="de-CH" dirty="0"/>
               <a:t>Bilden Sie Teams zu 4-6 Personen via Zoom.com</a:t>
             </a:r>
           </a:p>
           <a:p>
             <a:r>
-              <a:rPr lang="de-CH" dirty="0" smtClean="0"/>
+              <a:rPr lang="de-CH" dirty="0"/>
               <a:t>Entwickeln Sie eine </a:t>
             </a:r>
             <a:r>
-              <a:rPr lang="de-CH" b="1" dirty="0" smtClean="0"/>
+              <a:rPr lang="de-CH" b="1" dirty="0"/>
               <a:t>Produktstrategie</a:t>
             </a:r>
             <a:r>
-              <a:rPr lang="de-CH" dirty="0" smtClean="0"/>
+              <a:rPr lang="de-CH" dirty="0"/>
               <a:t> für die angeführte Produktidee oder eine eigene ausgewählte Produktidee.</a:t>
             </a:r>
           </a:p>
           <a:p>
-            <a:endParaRPr lang="de-CH" dirty="0" smtClean="0"/>
-          </a:p>
-          <a:p>
-            <a:r>
-              <a:rPr lang="de-CH" dirty="0" smtClean="0"/>
+            <a:endParaRPr lang="de-CH" dirty="0"/>
+          </a:p>
+          <a:p>
+            <a:r>
+              <a:rPr lang="de-CH" dirty="0"/>
               <a:t>Verwenden Sie dafür vorgestellten Unterlagen</a:t>
             </a:r>
           </a:p>
           <a:p>
-            <a:endParaRPr lang="de-CH" dirty="0" smtClean="0"/>
-          </a:p>
-          <a:p>
-            <a:r>
-              <a:rPr lang="de-CH" dirty="0" smtClean="0"/>
+            <a:endParaRPr lang="de-CH" dirty="0"/>
+          </a:p>
+          <a:p>
+            <a:r>
+              <a:rPr lang="de-CH" dirty="0"/>
               <a:t>Dokumentieren Sie Ihre Schritte und Ergebnisse</a:t>
             </a:r>
           </a:p>
           <a:p>
             <a:r>
-              <a:rPr lang="de-CH" dirty="0" smtClean="0"/>
+              <a:rPr lang="de-CH" dirty="0"/>
               <a:t>Treffen Sie Annahmen</a:t>
             </a:r>
           </a:p>
@@ -16310,22 +15773,22 @@
           </a:p>
           <a:p>
             <a:r>
-              <a:rPr lang="de-CH" dirty="0" smtClean="0"/>
+              <a:rPr lang="de-CH" dirty="0"/>
               <a:t>Laden Sie das PPT Ergebnis auf Moodle hoch</a:t>
             </a:r>
           </a:p>
           <a:p>
             <a:pPr lvl="1"/>
             <a:r>
-              <a:rPr lang="de-CH" dirty="0" smtClean="0"/>
+              <a:rPr lang="de-CH" dirty="0"/>
               <a:t>Team </a:t>
             </a:r>
             <a:r>
-              <a:rPr lang="de-CH" dirty="0" err="1" smtClean="0"/>
+              <a:rPr lang="de-CH" dirty="0" err="1"/>
               <a:t>Nr</a:t>
             </a:r>
             <a:r>
-              <a:rPr lang="de-CH" dirty="0" smtClean="0"/>
+              <a:rPr lang="de-CH" dirty="0"/>
               <a:t> – Teammitglieder.pptx</a:t>
             </a:r>
           </a:p>
@@ -16478,7 +15941,7 @@
             <a:lstStyle/>
             <a:p>
               <a:pPr algn="ctr"/>
-              <a:endParaRPr lang="de-CH" dirty="0" smtClean="0">
+              <a:endParaRPr lang="de-CH" dirty="0">
                 <a:solidFill>
                   <a:schemeClr val="tx1"/>
                 </a:solidFill>
@@ -16535,7 +15998,7 @@
             <a:lstStyle/>
             <a:p>
               <a:pPr algn="ctr"/>
-              <a:endParaRPr lang="de-CH" dirty="0" smtClean="0">
+              <a:endParaRPr lang="de-CH" dirty="0">
                 <a:solidFill>
                   <a:schemeClr val="tx1"/>
                 </a:solidFill>
@@ -16554,13 +16017,6 @@
   <p:clrMapOvr>
     <a:masterClrMapping/>
   </p:clrMapOvr>
-  <p:timing>
-    <p:tnLst>
-      <p:par>
-        <p:cTn id="1" dur="indefinite" restart="never" nodeType="tmRoot"/>
-      </p:par>
-    </p:tnLst>
-  </p:timing>
 </p:sld>
 </file>
 
@@ -16597,7 +16053,7 @@
           <a:lstStyle/>
           <a:p>
             <a:r>
-              <a:rPr lang="de-DE" smtClean="0"/>
+              <a:rPr lang="de-DE"/>
               <a:t>Chris Russ / IWI / ZHAW</a:t>
             </a:r>
             <a:endParaRPr lang="de-CH" dirty="0"/>
@@ -16620,47 +16076,47 @@
           <a:lstStyle/>
           <a:p>
             <a:r>
-              <a:rPr lang="en-US" dirty="0" err="1" smtClean="0"/>
+              <a:rPr lang="en-US" dirty="0" err="1"/>
               <a:t>Wie</a:t>
             </a:r>
             <a:r>
-              <a:rPr lang="en-US" dirty="0" smtClean="0"/>
+              <a:rPr lang="en-US" dirty="0"/>
               <a:t> </a:t>
             </a:r>
             <a:r>
-              <a:rPr lang="en-US" dirty="0" err="1" smtClean="0"/>
+              <a:rPr lang="en-US" dirty="0" err="1"/>
               <a:t>definieren</a:t>
             </a:r>
             <a:r>
-              <a:rPr lang="en-US" dirty="0" smtClean="0"/>
+              <a:rPr lang="en-US" dirty="0"/>
               <a:t> </a:t>
             </a:r>
             <a:r>
-              <a:rPr lang="en-US" dirty="0" err="1" smtClean="0"/>
+              <a:rPr lang="en-US" dirty="0" err="1"/>
               <a:t>Sie</a:t>
             </a:r>
             <a:r>
-              <a:rPr lang="en-US" dirty="0" smtClean="0"/>
+              <a:rPr lang="en-US" dirty="0"/>
               <a:t> den </a:t>
             </a:r>
             <a:r>
-              <a:rPr lang="en-US" dirty="0" err="1" smtClean="0"/>
+              <a:rPr lang="en-US" dirty="0" err="1"/>
               <a:t>Kunden</a:t>
             </a:r>
             <a:r>
-              <a:rPr lang="en-US" dirty="0" smtClean="0"/>
+              <a:rPr lang="en-US" dirty="0"/>
               <a:t> Online / </a:t>
             </a:r>
             <a:r>
-              <a:rPr lang="en-US" dirty="0" err="1" smtClean="0"/>
+              <a:rPr lang="en-US" dirty="0" err="1"/>
               <a:t>Telefon</a:t>
             </a:r>
             <a:r>
-              <a:rPr lang="en-US" dirty="0" smtClean="0"/>
+              <a:rPr lang="en-US" dirty="0"/>
               <a:t> Support </a:t>
             </a:r>
             <a:r>
-              <a:rPr lang="en-US" dirty="0" err="1" smtClean="0"/>
+              <a:rPr lang="en-US" dirty="0" err="1"/>
               <a:t>Bearbeitungszeiten</a:t>
             </a:r>
             <a:endParaRPr lang="en-US" dirty="0"/>
@@ -16683,10 +16139,9 @@
           <a:lstStyle/>
           <a:p>
             <a:r>
-              <a:rPr lang="de-CH" dirty="0" smtClean="0"/>
+              <a:rPr lang="de-CH" dirty="0"/>
               <a:t>Schlagen Sie die Kundensupport SLAs vor</a:t>
             </a:r>
-            <a:endParaRPr lang="de-CH" dirty="0"/>
           </a:p>
         </p:txBody>
       </p:sp>
@@ -16712,7 +16167,7 @@
               <a:t>20</a:t>
             </a:fld>
             <a:r>
-              <a:rPr lang="de-CH" smtClean="0"/>
+              <a:rPr lang="de-CH"/>
               <a:t> </a:t>
             </a:r>
             <a:endParaRPr lang="de-CH" dirty="0"/>
@@ -16747,42 +16202,42 @@
                 <a:gridCol w="1065840">
                   <a:extLst>
                     <a:ext uri="{9D8B030D-6E8A-4147-A177-3AD203B41FA5}">
-                      <a16:colId xmlns:a16="http://schemas.microsoft.com/office/drawing/2014/main" xmlns="" val="20000"/>
+                      <a16:colId xmlns:a16="http://schemas.microsoft.com/office/drawing/2014/main" val="20000"/>
                     </a:ext>
                   </a:extLst>
                 </a:gridCol>
                 <a:gridCol w="1338694">
                   <a:extLst>
                     <a:ext uri="{9D8B030D-6E8A-4147-A177-3AD203B41FA5}">
-                      <a16:colId xmlns:a16="http://schemas.microsoft.com/office/drawing/2014/main" xmlns="" val="20001"/>
+                      <a16:colId xmlns:a16="http://schemas.microsoft.com/office/drawing/2014/main" val="20001"/>
                     </a:ext>
                   </a:extLst>
                 </a:gridCol>
                 <a:gridCol w="2125148">
                   <a:extLst>
                     <a:ext uri="{9D8B030D-6E8A-4147-A177-3AD203B41FA5}">
-                      <a16:colId xmlns:a16="http://schemas.microsoft.com/office/drawing/2014/main" xmlns="" val="20002"/>
+                      <a16:colId xmlns:a16="http://schemas.microsoft.com/office/drawing/2014/main" val="20002"/>
                     </a:ext>
                   </a:extLst>
                 </a:gridCol>
                 <a:gridCol w="1388573">
                   <a:extLst>
                     <a:ext uri="{9D8B030D-6E8A-4147-A177-3AD203B41FA5}">
-                      <a16:colId xmlns:a16="http://schemas.microsoft.com/office/drawing/2014/main" xmlns="" val="20003"/>
+                      <a16:colId xmlns:a16="http://schemas.microsoft.com/office/drawing/2014/main" val="20003"/>
                     </a:ext>
                   </a:extLst>
                 </a:gridCol>
                 <a:gridCol w="1274089">
                   <a:extLst>
                     <a:ext uri="{9D8B030D-6E8A-4147-A177-3AD203B41FA5}">
-                      <a16:colId xmlns:a16="http://schemas.microsoft.com/office/drawing/2014/main" xmlns="" val="20004"/>
+                      <a16:colId xmlns:a16="http://schemas.microsoft.com/office/drawing/2014/main" val="20004"/>
                     </a:ext>
                   </a:extLst>
                 </a:gridCol>
                 <a:gridCol w="2450985">
                   <a:extLst>
                     <a:ext uri="{9D8B030D-6E8A-4147-A177-3AD203B41FA5}">
-                      <a16:colId xmlns:a16="http://schemas.microsoft.com/office/drawing/2014/main" xmlns="" val="20005"/>
+                      <a16:colId xmlns:a16="http://schemas.microsoft.com/office/drawing/2014/main" val="20005"/>
                     </a:ext>
                   </a:extLst>
                 </a:gridCol>
@@ -16794,7 +16249,7 @@
                     <a:lstStyle/>
                     <a:p>
                       <a:r>
-                        <a:rPr lang="en-US" sz="1400" dirty="0" err="1" smtClean="0"/>
+                        <a:rPr lang="en-US" sz="1400" dirty="0" err="1"/>
                         <a:t>Dring-licheit</a:t>
                       </a:r>
                       <a:endParaRPr lang="en-US" sz="1400" dirty="0"/>
@@ -16808,7 +16263,7 @@
                     <a:lstStyle/>
                     <a:p>
                       <a:r>
-                        <a:rPr lang="en-US" sz="1400" dirty="0" err="1" smtClean="0"/>
+                        <a:rPr lang="en-US" sz="1400" dirty="0" err="1"/>
                         <a:t>Typ</a:t>
                       </a:r>
                       <a:endParaRPr lang="en-US" sz="1400" dirty="0"/>
@@ -16822,7 +16277,7 @@
                     <a:lstStyle/>
                     <a:p>
                       <a:r>
-                        <a:rPr lang="en-US" sz="1400" dirty="0" err="1" smtClean="0"/>
+                        <a:rPr lang="en-US" sz="1400" dirty="0" err="1"/>
                         <a:t>Beschreibung</a:t>
                       </a:r>
                       <a:endParaRPr lang="en-US" sz="1400" dirty="0"/>
@@ -16837,11 +16292,11 @@
                     <a:p>
                       <a:pPr algn="ctr"/>
                       <a:r>
-                        <a:rPr lang="en-US" sz="1400" dirty="0" smtClean="0"/>
+                        <a:rPr lang="en-US" sz="1400" dirty="0"/>
                         <a:t>Response in </a:t>
                       </a:r>
                       <a:r>
-                        <a:rPr lang="en-US" sz="1400" dirty="0" err="1" smtClean="0"/>
+                        <a:rPr lang="en-US" sz="1400" dirty="0" err="1"/>
                         <a:t>Stunden</a:t>
                       </a:r>
                       <a:endParaRPr lang="en-US" sz="1400" dirty="0"/>
@@ -16856,19 +16311,19 @@
                     <a:p>
                       <a:pPr algn="ctr"/>
                       <a:r>
-                        <a:rPr lang="en-US" sz="1400" dirty="0" smtClean="0"/>
+                        <a:rPr lang="en-US" sz="1400" dirty="0"/>
                         <a:t>Resolution in </a:t>
                       </a:r>
                       <a:r>
-                        <a:rPr lang="en-US" sz="1400" dirty="0" err="1" smtClean="0"/>
+                        <a:rPr lang="en-US" sz="1400" dirty="0" err="1"/>
                         <a:t>Tage</a:t>
                       </a:r>
                       <a:r>
-                        <a:rPr lang="en-US" sz="1400" dirty="0" smtClean="0"/>
+                        <a:rPr lang="en-US" sz="1400" dirty="0"/>
                         <a:t>/ </a:t>
                       </a:r>
                       <a:r>
-                        <a:rPr lang="en-US" sz="1400" dirty="0" err="1" smtClean="0"/>
+                        <a:rPr lang="en-US" sz="1400" dirty="0" err="1"/>
                         <a:t>Stunden</a:t>
                       </a:r>
                       <a:endParaRPr lang="en-US" sz="1400" dirty="0"/>
@@ -16882,17 +16337,16 @@
                     <a:lstStyle/>
                     <a:p>
                       <a:r>
-                        <a:rPr lang="en-US" sz="1400" dirty="0" smtClean="0"/>
+                        <a:rPr lang="en-US" sz="1400" dirty="0"/>
                         <a:t>Comment</a:t>
                       </a:r>
-                      <a:endParaRPr lang="en-US" sz="1400" dirty="0"/>
                     </a:p>
                   </a:txBody>
                   <a:tcPr/>
                 </a:tc>
                 <a:extLst>
                   <a:ext uri="{0D108BD9-81ED-4DB2-BD59-A6C34878D82A}">
-                    <a16:rowId xmlns:a16="http://schemas.microsoft.com/office/drawing/2014/main" xmlns="" val="10000"/>
+                    <a16:rowId xmlns:a16="http://schemas.microsoft.com/office/drawing/2014/main" val="10000"/>
                   </a:ext>
                 </a:extLst>
               </a:tr>
@@ -16903,10 +16357,9 @@
                     <a:lstStyle/>
                     <a:p>
                       <a:r>
-                        <a:rPr lang="en-US" sz="1600" dirty="0" smtClean="0"/>
+                        <a:rPr lang="en-US" sz="1600" dirty="0"/>
                         <a:t>High</a:t>
                       </a:r>
-                      <a:endParaRPr lang="en-US" sz="1600" dirty="0"/>
                     </a:p>
                   </a:txBody>
                   <a:tcPr/>
@@ -16917,19 +16370,19 @@
                     <a:lstStyle/>
                     <a:p>
                       <a:r>
-                        <a:rPr lang="en-US" sz="1600" b="1" kern="1200" dirty="0" smtClean="0">
+                        <a:rPr lang="en-US" sz="1600" b="1" kern="1200" dirty="0">
                           <a:effectLst/>
                         </a:rPr>
                         <a:t>HW </a:t>
                       </a:r>
                       <a:r>
-                        <a:rPr lang="en-US" sz="1600" b="1" kern="1200" dirty="0" err="1" smtClean="0">
+                        <a:rPr lang="en-US" sz="1600" b="1" kern="1200" dirty="0" err="1">
                           <a:effectLst/>
                         </a:rPr>
                         <a:t>Produkt</a:t>
                       </a:r>
                       <a:r>
-                        <a:rPr lang="en-US" sz="1600" b="1" kern="1200" dirty="0" smtClean="0">
+                        <a:rPr lang="en-US" sz="1600" b="1" kern="1200" dirty="0">
                           <a:effectLst/>
                         </a:rPr>
                         <a:t> Problem</a:t>
@@ -16953,13 +16406,13 @@
                     <a:lstStyle/>
                     <a:p>
                       <a:r>
-                        <a:rPr lang="en-US" sz="1200" kern="1200" dirty="0" smtClean="0">
+                        <a:rPr lang="en-US" sz="1200" kern="1200" dirty="0">
                           <a:effectLst/>
                         </a:rPr>
                         <a:t>Customer</a:t>
                       </a:r>
                       <a:r>
-                        <a:rPr lang="en-US" sz="1200" kern="1200" baseline="0" dirty="0" smtClean="0">
+                        <a:rPr lang="en-US" sz="1200" kern="1200" baseline="0" dirty="0">
                           <a:effectLst/>
                         </a:rPr>
                         <a:t> can not work, direct negative impact</a:t>
@@ -16984,14 +16437,13 @@
                     <a:p>
                       <a:pPr algn="ctr"/>
                       <a:r>
-                        <a:rPr lang="en-US" sz="1400" dirty="0" err="1" smtClean="0"/>
+                        <a:rPr lang="en-US" sz="1400" dirty="0" err="1"/>
                         <a:t>zB</a:t>
                       </a:r>
                       <a:r>
-                        <a:rPr lang="en-US" sz="1400" dirty="0" smtClean="0"/>
+                        <a:rPr lang="en-US" sz="1400" dirty="0"/>
                         <a:t>. 8h</a:t>
                       </a:r>
-                      <a:endParaRPr lang="en-US" sz="1400" dirty="0"/>
                     </a:p>
                   </a:txBody>
                   <a:tcPr/>
@@ -17003,14 +16455,13 @@
                     <a:p>
                       <a:pPr algn="ctr"/>
                       <a:r>
-                        <a:rPr lang="en-US" sz="1400" dirty="0" err="1" smtClean="0"/>
+                        <a:rPr lang="en-US" sz="1400" dirty="0" err="1"/>
                         <a:t>zB</a:t>
                       </a:r>
                       <a:r>
-                        <a:rPr lang="en-US" sz="1400" dirty="0" smtClean="0"/>
+                        <a:rPr lang="en-US" sz="1400" dirty="0"/>
                         <a:t>. 36h</a:t>
                       </a:r>
-                      <a:endParaRPr lang="en-US" sz="1400" dirty="0"/>
                     </a:p>
                   </a:txBody>
                   <a:tcPr/>
@@ -17027,7 +16478,7 @@
                 </a:tc>
                 <a:extLst>
                   <a:ext uri="{0D108BD9-81ED-4DB2-BD59-A6C34878D82A}">
-                    <a16:rowId xmlns:a16="http://schemas.microsoft.com/office/drawing/2014/main" xmlns="" val="10001"/>
+                    <a16:rowId xmlns:a16="http://schemas.microsoft.com/office/drawing/2014/main" val="10001"/>
                   </a:ext>
                 </a:extLst>
               </a:tr>
@@ -17038,10 +16489,9 @@
                     <a:lstStyle/>
                     <a:p>
                       <a:r>
-                        <a:rPr lang="en-US" sz="1600" dirty="0" smtClean="0"/>
+                        <a:rPr lang="en-US" sz="1600" dirty="0"/>
                         <a:t>Medium</a:t>
                       </a:r>
-                      <a:endParaRPr lang="en-US" sz="1600" dirty="0"/>
                     </a:p>
                   </a:txBody>
                   <a:tcPr/>
@@ -17070,13 +16520,13 @@
                     <a:lstStyle/>
                     <a:p>
                       <a:r>
-                        <a:rPr lang="en-US" sz="1200" kern="1200" dirty="0" smtClean="0">
+                        <a:rPr lang="en-US" sz="1200" kern="1200" dirty="0">
                           <a:effectLst/>
                         </a:rPr>
                         <a:t>Customer work </a:t>
                       </a:r>
                       <a:r>
-                        <a:rPr lang="en-US" sz="1200" kern="1200" baseline="0" dirty="0" smtClean="0">
+                        <a:rPr lang="en-US" sz="1200" kern="1200" baseline="0" dirty="0">
                           <a:effectLst/>
                         </a:rPr>
                         <a:t>is more difficult</a:t>
@@ -17101,10 +16551,9 @@
                     <a:p>
                       <a:pPr algn="ctr"/>
                       <a:r>
-                        <a:rPr lang="en-US" sz="1400" dirty="0" smtClean="0"/>
+                        <a:rPr lang="en-US" sz="1400" dirty="0"/>
                         <a:t>…</a:t>
                       </a:r>
-                      <a:endParaRPr lang="en-US" sz="1400" dirty="0"/>
                     </a:p>
                   </a:txBody>
                   <a:tcPr/>
@@ -17116,10 +16565,9 @@
                     <a:p>
                       <a:pPr algn="ctr"/>
                       <a:r>
-                        <a:rPr lang="en-US" sz="1400" dirty="0" smtClean="0"/>
+                        <a:rPr lang="en-US" sz="1400" dirty="0"/>
                         <a:t>…</a:t>
                       </a:r>
-                      <a:endParaRPr lang="en-US" sz="1400" dirty="0"/>
                     </a:p>
                   </a:txBody>
                   <a:tcPr/>
@@ -17136,7 +16584,7 @@
                 </a:tc>
                 <a:extLst>
                   <a:ext uri="{0D108BD9-81ED-4DB2-BD59-A6C34878D82A}">
-                    <a16:rowId xmlns:a16="http://schemas.microsoft.com/office/drawing/2014/main" xmlns="" val="10002"/>
+                    <a16:rowId xmlns:a16="http://schemas.microsoft.com/office/drawing/2014/main" val="10002"/>
                   </a:ext>
                 </a:extLst>
               </a:tr>
@@ -17147,10 +16595,9 @@
                     <a:lstStyle/>
                     <a:p>
                       <a:r>
-                        <a:rPr lang="en-US" sz="1600" dirty="0" smtClean="0"/>
+                        <a:rPr lang="en-US" sz="1600" dirty="0"/>
                         <a:t>Low</a:t>
                       </a:r>
-                      <a:endParaRPr lang="en-US" sz="1600" dirty="0"/>
                     </a:p>
                   </a:txBody>
                   <a:tcPr/>
@@ -17175,13 +16622,13 @@
                     <a:p>
                       <a:pPr algn="l" fontAlgn="ctr"/>
                       <a:r>
-                        <a:rPr lang="en-US" sz="1200" dirty="0" smtClean="0">
+                        <a:rPr lang="en-US" sz="1200" dirty="0">
                           <a:effectLst/>
                         </a:rPr>
                         <a:t>Customer direct work is not affected</a:t>
                       </a:r>
                       <a:r>
-                        <a:rPr lang="en-US" sz="1200" baseline="0" dirty="0" smtClean="0">
+                        <a:rPr lang="en-US" sz="1200" baseline="0" dirty="0">
                           <a:effectLst/>
                         </a:rPr>
                         <a:t> or can wait</a:t>
@@ -17227,7 +16674,7 @@
                 </a:tc>
                 <a:extLst>
                   <a:ext uri="{0D108BD9-81ED-4DB2-BD59-A6C34878D82A}">
-                    <a16:rowId xmlns:a16="http://schemas.microsoft.com/office/drawing/2014/main" xmlns="" val="10003"/>
+                    <a16:rowId xmlns:a16="http://schemas.microsoft.com/office/drawing/2014/main" val="10003"/>
                   </a:ext>
                 </a:extLst>
               </a:tr>
@@ -17238,10 +16685,9 @@
                     <a:lstStyle/>
                     <a:p>
                       <a:r>
-                        <a:rPr lang="en-US" sz="1600" dirty="0" smtClean="0"/>
+                        <a:rPr lang="en-US" sz="1600" dirty="0"/>
                         <a:t>High</a:t>
                       </a:r>
-                      <a:endParaRPr lang="en-US" sz="1600" dirty="0"/>
                     </a:p>
                   </a:txBody>
                   <a:tcPr/>
@@ -17253,14 +16699,11 @@
                     <a:p>
                       <a:pPr algn="l" fontAlgn="ctr"/>
                       <a:r>
-                        <a:rPr lang="en-US" sz="1600" b="1" dirty="0" smtClean="0">
+                        <a:rPr lang="en-US" sz="1600" b="1" dirty="0">
                           <a:effectLst/>
                         </a:rPr>
                         <a:t>Mobile App SW Problem</a:t>
                       </a:r>
-                      <a:endParaRPr lang="en-US" sz="1600" b="1" dirty="0">
-                        <a:effectLst/>
-                      </a:endParaRPr>
                     </a:p>
                   </a:txBody>
                   <a:tcPr anchor="ctr"/>
@@ -17271,13 +16714,13 @@
                     <a:lstStyle/>
                     <a:p>
                       <a:r>
-                        <a:rPr lang="en-US" sz="1200" kern="1200" dirty="0" smtClean="0">
+                        <a:rPr lang="en-US" sz="1200" kern="1200" dirty="0">
                           <a:effectLst/>
                         </a:rPr>
                         <a:t>Customer</a:t>
                       </a:r>
                       <a:r>
-                        <a:rPr lang="en-US" sz="1200" kern="1200" baseline="0" dirty="0" smtClean="0">
+                        <a:rPr lang="en-US" sz="1200" kern="1200" baseline="0" dirty="0">
                           <a:effectLst/>
                         </a:rPr>
                         <a:t> can not work, direct impact</a:t>
@@ -17339,14 +16782,14 @@
                         <a:tabLst/>
                         <a:defRPr/>
                       </a:pPr>
-                      <a:endParaRPr lang="en-US" sz="1200" dirty="0" smtClean="0"/>
+                      <a:endParaRPr lang="en-US" sz="1200" dirty="0"/>
                     </a:p>
                   </a:txBody>
                   <a:tcPr/>
                 </a:tc>
                 <a:extLst>
                   <a:ext uri="{0D108BD9-81ED-4DB2-BD59-A6C34878D82A}">
-                    <a16:rowId xmlns:a16="http://schemas.microsoft.com/office/drawing/2014/main" xmlns="" val="10004"/>
+                    <a16:rowId xmlns:a16="http://schemas.microsoft.com/office/drawing/2014/main" val="10004"/>
                   </a:ext>
                 </a:extLst>
               </a:tr>
@@ -17357,10 +16800,9 @@
                     <a:lstStyle/>
                     <a:p>
                       <a:r>
-                        <a:rPr lang="en-US" sz="1600" dirty="0" smtClean="0"/>
+                        <a:rPr lang="en-US" sz="1600" dirty="0"/>
                         <a:t>Medium</a:t>
                       </a:r>
-                      <a:endParaRPr lang="en-US" sz="1600" dirty="0"/>
                     </a:p>
                   </a:txBody>
                   <a:tcPr/>
@@ -17384,13 +16826,13 @@
                     <a:lstStyle/>
                     <a:p>
                       <a:r>
-                        <a:rPr lang="en-US" sz="1200" kern="1200" dirty="0" smtClean="0">
+                        <a:rPr lang="en-US" sz="1200" kern="1200" dirty="0">
                           <a:effectLst/>
                         </a:rPr>
                         <a:t>Customer work </a:t>
                       </a:r>
                       <a:r>
-                        <a:rPr lang="en-US" sz="1200" kern="1200" baseline="0" dirty="0" smtClean="0">
+                        <a:rPr lang="en-US" sz="1200" kern="1200" baseline="0" dirty="0">
                           <a:effectLst/>
                         </a:rPr>
                         <a:t>is more difficult</a:t>
@@ -17441,7 +16883,7 @@
                         <a:tabLst/>
                         <a:defRPr/>
                       </a:pPr>
-                      <a:endParaRPr lang="en-US" sz="1400" dirty="0" smtClean="0"/>
+                      <a:endParaRPr lang="en-US" sz="1400" dirty="0"/>
                     </a:p>
                   </a:txBody>
                   <a:tcPr/>
@@ -17468,14 +16910,14 @@
                         <a:tabLst/>
                         <a:defRPr/>
                       </a:pPr>
-                      <a:endParaRPr lang="en-US" sz="1200" dirty="0" smtClean="0"/>
+                      <a:endParaRPr lang="en-US" sz="1200" dirty="0"/>
                     </a:p>
                   </a:txBody>
                   <a:tcPr/>
                 </a:tc>
                 <a:extLst>
                   <a:ext uri="{0D108BD9-81ED-4DB2-BD59-A6C34878D82A}">
-                    <a16:rowId xmlns:a16="http://schemas.microsoft.com/office/drawing/2014/main" xmlns="" val="10005"/>
+                    <a16:rowId xmlns:a16="http://schemas.microsoft.com/office/drawing/2014/main" val="10005"/>
                   </a:ext>
                 </a:extLst>
               </a:tr>
@@ -17486,10 +16928,9 @@
                     <a:lstStyle/>
                     <a:p>
                       <a:r>
-                        <a:rPr lang="en-US" sz="1600" dirty="0" smtClean="0"/>
+                        <a:rPr lang="en-US" sz="1600" dirty="0"/>
                         <a:t>Low</a:t>
                       </a:r>
-                      <a:endParaRPr lang="en-US" sz="1600" dirty="0"/>
                     </a:p>
                   </a:txBody>
                   <a:tcPr/>
@@ -17514,13 +16955,13 @@
                     <a:p>
                       <a:pPr algn="l" fontAlgn="ctr"/>
                       <a:r>
-                        <a:rPr lang="en-US" sz="1200" dirty="0" smtClean="0">
+                        <a:rPr lang="en-US" sz="1200" dirty="0">
                           <a:effectLst/>
                         </a:rPr>
                         <a:t>Customer direct work is not affected</a:t>
                       </a:r>
                       <a:r>
-                        <a:rPr lang="en-US" sz="1200" baseline="0" dirty="0" smtClean="0">
+                        <a:rPr lang="en-US" sz="1200" baseline="0" dirty="0">
                           <a:effectLst/>
                         </a:rPr>
                         <a:t> or can wait</a:t>
@@ -17566,18 +17007,18 @@
                         <a:defRPr/>
                       </a:pPr>
                       <a:r>
-                        <a:rPr lang="en-US" sz="1400" dirty="0" err="1" smtClean="0"/>
+                        <a:rPr lang="en-US" sz="1400" dirty="0" err="1"/>
                         <a:t>zB</a:t>
                       </a:r>
                       <a:r>
-                        <a:rPr lang="en-US" sz="1400" dirty="0" smtClean="0"/>
+                        <a:rPr lang="en-US" sz="1400" dirty="0"/>
                         <a:t>. Best effort -  14 working</a:t>
                       </a:r>
                       <a:r>
-                        <a:rPr lang="en-US" sz="1400" baseline="0" dirty="0" smtClean="0"/>
+                        <a:rPr lang="en-US" sz="1400" baseline="0" dirty="0"/>
                         <a:t> days</a:t>
                       </a:r>
-                      <a:endParaRPr lang="en-US" sz="1400" dirty="0" smtClean="0"/>
+                      <a:endParaRPr lang="en-US" sz="1400" dirty="0"/>
                     </a:p>
                   </a:txBody>
                   <a:tcPr/>
@@ -17611,7 +17052,7 @@
                 </a:tc>
                 <a:extLst>
                   <a:ext uri="{0D108BD9-81ED-4DB2-BD59-A6C34878D82A}">
-                    <a16:rowId xmlns:a16="http://schemas.microsoft.com/office/drawing/2014/main" xmlns="" val="10006"/>
+                    <a16:rowId xmlns:a16="http://schemas.microsoft.com/office/drawing/2014/main" val="10006"/>
                   </a:ext>
                 </a:extLst>
               </a:tr>
@@ -17629,21 +17070,6 @@
   <p:clrMapOvr>
     <a:masterClrMapping/>
   </p:clrMapOvr>
-  <mc:AlternateContent xmlns:mc="http://schemas.openxmlformats.org/markup-compatibility/2006" xmlns:p14="http://schemas.microsoft.com/office/powerpoint/2010/main">
-    <mc:Choice Requires="p14">
-      <p:transition spd="slow" p14:dur="2000"/>
-    </mc:Choice>
-    <mc:Fallback xmlns="">
-      <p:transition spd="slow"/>
-    </mc:Fallback>
-  </mc:AlternateContent>
-  <p:timing>
-    <p:tnLst>
-      <p:par>
-        <p:cTn id="1" dur="indefinite" restart="never" nodeType="tmRoot"/>
-      </p:par>
-    </p:tnLst>
-  </p:timing>
 </p:sld>
 </file>
 
@@ -17680,7 +17106,7 @@
           <a:lstStyle/>
           <a:p>
             <a:r>
-              <a:rPr lang="de-DE" smtClean="0"/>
+              <a:rPr lang="de-DE"/>
               <a:t>Chris Russ / IWI / ZHAW</a:t>
             </a:r>
             <a:endParaRPr lang="de-CH" dirty="0"/>
@@ -17708,7 +17134,7 @@
           <a:lstStyle/>
           <a:p>
             <a:r>
-              <a:rPr lang="de-CH" sz="1800" dirty="0" smtClean="0"/>
+              <a:rPr lang="de-CH" sz="1800" dirty="0"/>
               <a:t>Was kann ich schützen?</a:t>
             </a:r>
           </a:p>
@@ -17716,17 +17142,17 @@
             <a:endParaRPr lang="de-CH" sz="1800" dirty="0"/>
           </a:p>
           <a:p>
-            <a:endParaRPr lang="de-CH" sz="1800" dirty="0" smtClean="0"/>
-          </a:p>
-          <a:p>
             <a:endParaRPr lang="de-CH" sz="1800" dirty="0"/>
           </a:p>
           <a:p>
-            <a:endParaRPr lang="de-CH" sz="1800" dirty="0" smtClean="0"/>
-          </a:p>
-          <a:p>
-            <a:r>
-              <a:rPr lang="de-CH" sz="1800" dirty="0" smtClean="0"/>
+            <a:endParaRPr lang="de-CH" sz="1800" dirty="0"/>
+          </a:p>
+          <a:p>
+            <a:endParaRPr lang="de-CH" sz="1800" dirty="0"/>
+          </a:p>
+          <a:p>
+            <a:r>
+              <a:rPr lang="de-CH" sz="1800" dirty="0"/>
               <a:t>Wie kann ich es schützen?</a:t>
             </a:r>
           </a:p>
@@ -17734,19 +17160,19 @@
             <a:endParaRPr lang="de-CH" sz="1800" dirty="0"/>
           </a:p>
           <a:p>
-            <a:endParaRPr lang="de-CH" sz="1800" dirty="0" smtClean="0"/>
-          </a:p>
-          <a:p>
             <a:endParaRPr lang="de-CH" sz="1800" dirty="0"/>
           </a:p>
           <a:p>
-            <a:r>
-              <a:rPr lang="de-CH" sz="1800" dirty="0" smtClean="0"/>
+            <a:endParaRPr lang="de-CH" sz="1800" dirty="0"/>
+          </a:p>
+          <a:p>
+            <a:r>
+              <a:rPr lang="de-CH" sz="1800" dirty="0"/>
               <a:t>Wo macht es Sinn?</a:t>
             </a:r>
           </a:p>
           <a:p>
-            <a:endParaRPr lang="de-CH" sz="1800" dirty="0" smtClean="0"/>
+            <a:endParaRPr lang="de-CH" sz="1800" dirty="0"/>
           </a:p>
           <a:p>
             <a:endParaRPr lang="de-CH" sz="1800" dirty="0"/>
@@ -17769,10 +17195,9 @@
           <a:lstStyle/>
           <a:p>
             <a:r>
-              <a:rPr lang="de-CH" dirty="0" smtClean="0"/>
+              <a:rPr lang="de-CH" dirty="0"/>
               <a:t>Was wären die geistigen und gewerblichen Schutzrechte</a:t>
             </a:r>
-            <a:endParaRPr lang="de-CH" dirty="0"/>
           </a:p>
         </p:txBody>
       </p:sp>
@@ -17798,7 +17223,7 @@
               <a:t>21</a:t>
             </a:fld>
             <a:r>
-              <a:rPr lang="de-CH" smtClean="0"/>
+              <a:rPr lang="de-CH"/>
               <a:t> </a:t>
             </a:r>
             <a:endParaRPr lang="de-CH" dirty="0"/>
@@ -17827,12 +17252,8 @@
           <a:lstStyle/>
           <a:p>
             <a:r>
-              <a:rPr lang="de-CH" sz="700" dirty="0" smtClean="0"/>
-              <a:t>Quelle: https</a:t>
-            </a:r>
-            <a:r>
               <a:rPr lang="de-CH" sz="700" dirty="0"/>
-              <a:t>://www.cohausz-florack.de/fileadmin/Broschueren/CFUpdate_-_Softwareschutz.pdf</a:t>
+              <a:t>Quelle: https://www.cohausz-florack.de/fileadmin/Broschueren/CFUpdate_-_Softwareschutz.pdf</a:t>
             </a:r>
           </a:p>
         </p:txBody>
@@ -17877,13 +17298,6 @@
   <p:clrMapOvr>
     <a:masterClrMapping/>
   </p:clrMapOvr>
-  <p:timing>
-    <p:tnLst>
-      <p:par>
-        <p:cTn id="1" dur="indefinite" restart="never" nodeType="tmRoot"/>
-      </p:par>
-    </p:tnLst>
-  </p:timing>
 </p:sld>
 </file>
 
@@ -17920,7 +17334,7 @@
           <a:lstStyle/>
           <a:p>
             <a:r>
-              <a:rPr lang="de-DE" smtClean="0"/>
+              <a:rPr lang="de-DE"/>
               <a:t>Chris Russ / IWI / ZHAW</a:t>
             </a:r>
             <a:endParaRPr lang="de-CH" dirty="0"/>
@@ -17948,7 +17362,7 @@
           <a:lstStyle/>
           <a:p>
             <a:r>
-              <a:rPr lang="de-CH" dirty="0" smtClean="0"/>
+              <a:rPr lang="de-CH" dirty="0"/>
               <a:t>Definieren Sie zur Einhaltung der 6 Aspekte der EU GDPR Richtlinie die Massnahmen für das Produkt, wo notwendig.</a:t>
             </a:r>
           </a:p>
@@ -17957,7 +17371,7 @@
           </a:p>
           <a:p>
             <a:r>
-              <a:rPr lang="de-CH" dirty="0" smtClean="0"/>
+              <a:rPr lang="de-CH" dirty="0"/>
               <a:t>Wer, was, wie?</a:t>
             </a:r>
           </a:p>
@@ -17983,10 +17397,9 @@
           <a:lstStyle/>
           <a:p>
             <a:r>
-              <a:rPr lang="de-CH" dirty="0" smtClean="0"/>
+              <a:rPr lang="de-CH" dirty="0"/>
               <a:t>Ist GDPR für Ihr Produkt relevant?</a:t>
             </a:r>
-            <a:endParaRPr lang="de-CH" dirty="0"/>
           </a:p>
         </p:txBody>
       </p:sp>
@@ -18012,7 +17425,7 @@
               <a:t>22</a:t>
             </a:fld>
             <a:r>
-              <a:rPr lang="de-CH" smtClean="0"/>
+              <a:rPr lang="de-CH"/>
               <a:t> </a:t>
             </a:r>
             <a:endParaRPr lang="de-CH" dirty="0"/>
@@ -18058,13 +17471,6 @@
   <p:clrMapOvr>
     <a:masterClrMapping/>
   </p:clrMapOvr>
-  <p:timing>
-    <p:tnLst>
-      <p:par>
-        <p:cTn id="1" dur="indefinite" restart="never" nodeType="tmRoot"/>
-      </p:par>
-    </p:tnLst>
-  </p:timing>
 </p:sld>
 </file>
 
@@ -18101,7 +17507,7 @@
           <a:lstStyle/>
           <a:p>
             <a:r>
-              <a:rPr lang="de-DE" smtClean="0"/>
+              <a:rPr lang="de-DE"/>
               <a:t>Chris Russ / IWI / ZHAW</a:t>
             </a:r>
             <a:endParaRPr lang="de-CH" dirty="0"/>
@@ -18129,7 +17535,7 @@
           <a:lstStyle/>
           <a:p>
             <a:r>
-              <a:rPr lang="de-DE" dirty="0" smtClean="0"/>
+              <a:rPr lang="de-DE" dirty="0"/>
               <a:t>Wie möchten Sie Ihr Produkt technische entwickeln?</a:t>
             </a:r>
           </a:p>
@@ -18137,19 +17543,19 @@
             <a:endParaRPr lang="de-DE" dirty="0"/>
           </a:p>
           <a:p>
-            <a:endParaRPr lang="de-DE" dirty="0" smtClean="0"/>
-          </a:p>
-          <a:p>
-            <a:r>
-              <a:rPr lang="de-DE" dirty="0" smtClean="0"/>
+            <a:endParaRPr lang="de-DE" dirty="0"/>
+          </a:p>
+          <a:p>
+            <a:r>
+              <a:rPr lang="de-DE" dirty="0"/>
               <a:t>Was davon wollen Sie selbst machen (</a:t>
             </a:r>
             <a:r>
-              <a:rPr lang="de-DE" dirty="0" err="1" smtClean="0"/>
+              <a:rPr lang="de-DE" dirty="0" err="1"/>
               <a:t>Make</a:t>
             </a:r>
             <a:r>
-              <a:rPr lang="de-DE" dirty="0" smtClean="0"/>
+              <a:rPr lang="de-DE" dirty="0"/>
               <a:t>)?</a:t>
             </a:r>
           </a:p>
@@ -18157,28 +17563,27 @@
             <a:endParaRPr lang="de-DE" dirty="0"/>
           </a:p>
           <a:p>
-            <a:endParaRPr lang="de-DE" dirty="0" smtClean="0"/>
-          </a:p>
-          <a:p>
             <a:endParaRPr lang="de-DE" dirty="0"/>
           </a:p>
           <a:p>
-            <a:endParaRPr lang="de-DE" dirty="0" smtClean="0"/>
-          </a:p>
-          <a:p>
-            <a:r>
-              <a:rPr lang="de-DE" dirty="0" smtClean="0"/>
+            <a:endParaRPr lang="de-DE" dirty="0"/>
+          </a:p>
+          <a:p>
+            <a:endParaRPr lang="de-DE" dirty="0"/>
+          </a:p>
+          <a:p>
+            <a:r>
+              <a:rPr lang="de-DE" dirty="0"/>
               <a:t>Was wollen Sie auslagern (</a:t>
             </a:r>
             <a:r>
-              <a:rPr lang="de-DE" dirty="0" err="1" smtClean="0"/>
+              <a:rPr lang="de-DE" dirty="0" err="1"/>
               <a:t>Buy</a:t>
             </a:r>
             <a:r>
-              <a:rPr lang="de-DE" dirty="0" smtClean="0"/>
+              <a:rPr lang="de-DE" dirty="0"/>
               <a:t>)?</a:t>
             </a:r>
-            <a:endParaRPr lang="de-DE" dirty="0"/>
           </a:p>
         </p:txBody>
       </p:sp>
@@ -18198,18 +17603,17 @@
           <a:lstStyle/>
           <a:p>
             <a:r>
-              <a:rPr lang="de-DE" dirty="0" smtClean="0"/>
+              <a:rPr lang="de-DE" dirty="0"/>
               <a:t>Wo benötigen Sie Sourcing? </a:t>
             </a:r>
             <a:r>
-              <a:rPr lang="de-DE" sz="1600" dirty="0" smtClean="0"/>
+              <a:rPr lang="de-DE" sz="1600" dirty="0"/>
               <a:t>(optional, wenn vorgestellt)</a:t>
             </a:r>
             <a:r>
-              <a:rPr lang="de-DE" dirty="0" smtClean="0"/>
+              <a:rPr lang="de-DE" dirty="0"/>
               <a:t> </a:t>
             </a:r>
-            <a:endParaRPr lang="de-DE" dirty="0"/>
           </a:p>
         </p:txBody>
       </p:sp>
@@ -18235,7 +17639,7 @@
               <a:t>23</a:t>
             </a:fld>
             <a:r>
-              <a:rPr lang="de-CH" smtClean="0"/>
+              <a:rPr lang="de-CH"/>
               <a:t> </a:t>
             </a:r>
             <a:endParaRPr lang="de-CH" dirty="0"/>
@@ -18281,13 +17685,6 @@
   <p:clrMapOvr>
     <a:masterClrMapping/>
   </p:clrMapOvr>
-  <p:timing>
-    <p:tnLst>
-      <p:par>
-        <p:cTn id="1" dur="indefinite" restart="never" nodeType="tmRoot"/>
-      </p:par>
-    </p:tnLst>
-  </p:timing>
 </p:sld>
 </file>
 
@@ -18324,7 +17721,7 @@
           <a:lstStyle/>
           <a:p>
             <a:r>
-              <a:rPr lang="de-DE" smtClean="0"/>
+              <a:rPr lang="de-DE"/>
               <a:t>Chris Russ / IWI / ZHAW</a:t>
             </a:r>
             <a:endParaRPr lang="de-CH" dirty="0"/>
@@ -18347,54 +17744,36 @@
           <a:lstStyle/>
           <a:p>
             <a:r>
-              <a:rPr lang="de-CH" sz="1600" dirty="0" smtClean="0"/>
+              <a:rPr lang="de-CH" sz="1600" dirty="0"/>
               <a:t>Abhängig von der Abdeckung und Fertigungstiefe Ihrer Organisation</a:t>
             </a:r>
           </a:p>
           <a:p>
             <a:pPr lvl="1"/>
             <a:r>
-              <a:rPr lang="de-CH" sz="1100" dirty="0" smtClean="0"/>
+              <a:rPr lang="de-CH" sz="1100" dirty="0"/>
               <a:t>Grad der Auslagerung (Umfang bezogen auf einen IT-Service)</a:t>
             </a:r>
-            <a:endParaRPr lang="de-CH" sz="1100" dirty="0"/>
           </a:p>
           <a:p>
             <a:pPr lvl="1"/>
             <a:r>
-              <a:rPr lang="de-CH" sz="1100" dirty="0" smtClean="0"/>
-              <a:t>Anzahl </a:t>
-            </a:r>
-            <a:r>
               <a:rPr lang="de-CH" sz="1100" dirty="0"/>
-              <a:t>der </a:t>
-            </a:r>
-            <a:r>
-              <a:rPr lang="de-CH" sz="1100" dirty="0" smtClean="0"/>
-              <a:t>Dienstleister/Provider (Single-, Generalunternehmerschaft, Multi-Sourcing)</a:t>
-            </a:r>
-            <a:endParaRPr lang="de-CH" sz="1100" dirty="0"/>
+              <a:t>Anzahl der Dienstleister/Provider (Single-, Generalunternehmerschaft, Multi-Sourcing)</a:t>
+            </a:r>
           </a:p>
           <a:p>
             <a:pPr lvl="1"/>
             <a:r>
-              <a:rPr lang="de-CH" sz="1100" dirty="0" smtClean="0"/>
-              <a:t>Standort </a:t>
-            </a:r>
-            <a:r>
               <a:rPr lang="de-CH" sz="1100" dirty="0"/>
-              <a:t>der </a:t>
-            </a:r>
-            <a:r>
-              <a:rPr lang="de-CH" sz="1100" dirty="0" smtClean="0"/>
-              <a:t>Leistungserbringung (On-, </a:t>
-            </a:r>
-            <a:r>
-              <a:rPr lang="de-CH" sz="1100" dirty="0" err="1" smtClean="0"/>
+              <a:t>Standort der Leistungserbringung (On-, </a:t>
+            </a:r>
+            <a:r>
+              <a:rPr lang="de-CH" sz="1100" dirty="0" err="1"/>
               <a:t>Near</a:t>
             </a:r>
             <a:r>
-              <a:rPr lang="de-CH" sz="1100" dirty="0" smtClean="0"/>
+              <a:rPr lang="de-CH" sz="1100" dirty="0"/>
               <a:t> oder Offshore</a:t>
             </a:r>
             <a:r>
@@ -18421,12 +17800,8 @@
           <a:lstStyle/>
           <a:p>
             <a:r>
-              <a:rPr lang="de-DE" dirty="0" smtClean="0"/>
+              <a:rPr lang="de-DE" dirty="0"/>
               <a:t>Welche Art von Sourcing verwenden Sie?</a:t>
-            </a:r>
-            <a:r>
-              <a:rPr lang="de-DE" dirty="0"/>
-              <a:t/>
             </a:r>
             <a:br>
               <a:rPr lang="de-DE" dirty="0"/>
@@ -18465,7 +17840,7 @@
               <a:t>24</a:t>
             </a:fld>
             <a:r>
-              <a:rPr lang="de-CH" smtClean="0"/>
+              <a:rPr lang="de-CH"/>
               <a:t> </a:t>
             </a:r>
             <a:endParaRPr lang="de-CH" dirty="0"/>
@@ -18524,11 +17899,11 @@
           <a:lstStyle/>
           <a:p>
             <a:r>
-              <a:rPr lang="de-CH" sz="700" dirty="0" smtClean="0"/>
+              <a:rPr lang="de-CH" sz="700" dirty="0"/>
               <a:t>Quelle: </a:t>
             </a:r>
             <a:r>
-              <a:rPr lang="de-CH" sz="700" dirty="0" err="1" smtClean="0"/>
+              <a:rPr lang="de-CH" sz="700" dirty="0" err="1"/>
               <a:t>Johanning</a:t>
             </a:r>
             <a:r>
@@ -18566,35 +17941,35 @@
                 <a:gridCol w="2323608">
                   <a:extLst>
                     <a:ext uri="{9D8B030D-6E8A-4147-A177-3AD203B41FA5}">
-                      <a16:colId xmlns:a16="http://schemas.microsoft.com/office/drawing/2014/main" xmlns="" val="3583250492"/>
+                      <a16:colId xmlns:a16="http://schemas.microsoft.com/office/drawing/2014/main" val="3583250492"/>
                     </a:ext>
                   </a:extLst>
                 </a:gridCol>
                 <a:gridCol w="2413000">
                   <a:extLst>
                     <a:ext uri="{9D8B030D-6E8A-4147-A177-3AD203B41FA5}">
-                      <a16:colId xmlns:a16="http://schemas.microsoft.com/office/drawing/2014/main" xmlns="" val="1130902730"/>
+                      <a16:colId xmlns:a16="http://schemas.microsoft.com/office/drawing/2014/main" val="1130902730"/>
                     </a:ext>
                   </a:extLst>
                 </a:gridCol>
                 <a:gridCol w="1608667">
                   <a:extLst>
                     <a:ext uri="{9D8B030D-6E8A-4147-A177-3AD203B41FA5}">
-                      <a16:colId xmlns:a16="http://schemas.microsoft.com/office/drawing/2014/main" xmlns="" val="2776594307"/>
+                      <a16:colId xmlns:a16="http://schemas.microsoft.com/office/drawing/2014/main" val="2776594307"/>
                     </a:ext>
                   </a:extLst>
                 </a:gridCol>
                 <a:gridCol w="939800">
                   <a:extLst>
                     <a:ext uri="{9D8B030D-6E8A-4147-A177-3AD203B41FA5}">
-                      <a16:colId xmlns:a16="http://schemas.microsoft.com/office/drawing/2014/main" xmlns="" val="4052993953"/>
+                      <a16:colId xmlns:a16="http://schemas.microsoft.com/office/drawing/2014/main" val="4052993953"/>
                     </a:ext>
                   </a:extLst>
                 </a:gridCol>
                 <a:gridCol w="2057400">
                   <a:extLst>
                     <a:ext uri="{9D8B030D-6E8A-4147-A177-3AD203B41FA5}">
-                      <a16:colId xmlns:a16="http://schemas.microsoft.com/office/drawing/2014/main" xmlns="" val="3443339095"/>
+                      <a16:colId xmlns:a16="http://schemas.microsoft.com/office/drawing/2014/main" val="3443339095"/>
                     </a:ext>
                   </a:extLst>
                 </a:gridCol>
@@ -18606,10 +17981,9 @@
                     <a:lstStyle/>
                     <a:p>
                       <a:r>
-                        <a:rPr lang="de-DE" sz="1400" dirty="0" smtClean="0"/>
+                        <a:rPr lang="de-DE" sz="1400" dirty="0"/>
                         <a:t>Art des Outsourcings</a:t>
                       </a:r>
-                      <a:endParaRPr lang="de-DE" sz="1400" dirty="0"/>
                     </a:p>
                   </a:txBody>
                   <a:tcPr/>
@@ -18621,7 +17995,7 @@
                     <a:p>
                       <a:pPr marL="0" algn="l" defTabSz="995690" rtl="0" eaLnBrk="1" latinLnBrk="0" hangingPunct="1"/>
                       <a:r>
-                        <a:rPr lang="de-DE" sz="1400" kern="1200" dirty="0" smtClean="0"/>
+                        <a:rPr lang="de-DE" sz="1400" kern="1200" dirty="0"/>
                         <a:t>Leistungs-bereich </a:t>
                       </a:r>
                       <a:endParaRPr lang="de-DE" sz="1400" b="1" kern="1200" dirty="0">
@@ -18643,31 +18017,31 @@
                     <a:p>
                       <a:pPr marL="0" algn="l" defTabSz="995690" rtl="0" eaLnBrk="1" latinLnBrk="0" hangingPunct="1"/>
                       <a:r>
-                        <a:rPr lang="de-DE" sz="1400" kern="1200" dirty="0" smtClean="0"/>
+                        <a:rPr lang="de-DE" sz="1400" kern="1200" dirty="0"/>
                         <a:t>Grad der Auslagerung </a:t>
                       </a:r>
                       <a:r>
-                        <a:rPr lang="de-DE" sz="1100" kern="1200" dirty="0" smtClean="0"/>
+                        <a:rPr lang="de-DE" sz="1100" kern="1200" dirty="0"/>
                         <a:t>(</a:t>
                       </a:r>
                       <a:r>
-                        <a:rPr lang="de-DE" sz="1100" kern="1200" dirty="0" err="1" smtClean="0"/>
+                        <a:rPr lang="de-DE" sz="1100" kern="1200" dirty="0" err="1"/>
                         <a:t>full</a:t>
                       </a:r>
                       <a:r>
-                        <a:rPr lang="de-DE" sz="1100" kern="1200" dirty="0" smtClean="0"/>
+                        <a:rPr lang="de-DE" sz="1100" kern="1200" dirty="0"/>
                         <a:t>, selektive,</a:t>
                       </a:r>
                       <a:r>
-                        <a:rPr lang="de-DE" sz="1100" kern="1200" baseline="0" dirty="0" smtClean="0"/>
+                        <a:rPr lang="de-DE" sz="1100" kern="1200" baseline="0" dirty="0"/>
                         <a:t> </a:t>
                       </a:r>
                       <a:r>
-                        <a:rPr lang="de-DE" sz="1100" kern="1200" baseline="0" dirty="0" err="1" smtClean="0"/>
+                        <a:rPr lang="de-DE" sz="1100" kern="1200" baseline="0" dirty="0" err="1"/>
                         <a:t>task</a:t>
                       </a:r>
                       <a:r>
-                        <a:rPr lang="de-DE" sz="1100" kern="1200" baseline="0" dirty="0" smtClean="0"/>
+                        <a:rPr lang="de-DE" sz="1100" kern="1200" baseline="0" dirty="0"/>
                         <a:t>)</a:t>
                       </a:r>
                       <a:endParaRPr lang="de-DE" sz="1100" b="1" kern="1200" dirty="0">
@@ -18689,7 +18063,7 @@
                     <a:p>
                       <a:pPr marL="0" algn="l" defTabSz="995690" rtl="0" eaLnBrk="1" latinLnBrk="0" hangingPunct="1"/>
                       <a:r>
-                        <a:rPr lang="de-DE" sz="1400" kern="1200" dirty="0" smtClean="0"/>
+                        <a:rPr lang="de-DE" sz="1400" kern="1200" dirty="0"/>
                         <a:t>Anzahl von Provider</a:t>
                       </a:r>
                       <a:endParaRPr lang="de-DE" sz="1400" b="1" kern="1200" dirty="0">
@@ -18711,11 +18085,11 @@
                     <a:p>
                       <a:pPr marL="0" algn="l" defTabSz="995690" rtl="0" eaLnBrk="1" latinLnBrk="0" hangingPunct="1"/>
                       <a:r>
-                        <a:rPr lang="de-DE" sz="1400" kern="1200" dirty="0" smtClean="0"/>
+                        <a:rPr lang="de-DE" sz="1400" kern="1200" dirty="0"/>
                         <a:t>Standort</a:t>
                       </a:r>
                       <a:r>
-                        <a:rPr lang="de-DE" sz="1400" kern="1200" baseline="0" dirty="0" smtClean="0"/>
+                        <a:rPr lang="de-DE" sz="1400" kern="1200" baseline="0" dirty="0"/>
                         <a:t> der Auslagerung</a:t>
                       </a:r>
                       <a:endParaRPr lang="de-DE" sz="1400" b="1" kern="1200" dirty="0">
@@ -18732,7 +18106,7 @@
                 </a:tc>
                 <a:extLst>
                   <a:ext uri="{0D108BD9-81ED-4DB2-BD59-A6C34878D82A}">
-                    <a16:rowId xmlns:a16="http://schemas.microsoft.com/office/drawing/2014/main" xmlns="" val="3492894303"/>
+                    <a16:rowId xmlns:a16="http://schemas.microsoft.com/office/drawing/2014/main" val="3492894303"/>
                   </a:ext>
                 </a:extLst>
               </a:tr>
@@ -18743,14 +18117,13 @@
                     <a:lstStyle/>
                     <a:p>
                       <a:r>
-                        <a:rPr lang="de-DE" sz="1100" dirty="0" err="1" smtClean="0"/>
+                        <a:rPr lang="de-DE" sz="1100" dirty="0" err="1"/>
                         <a:t>zB</a:t>
                       </a:r>
                       <a:r>
-                        <a:rPr lang="de-DE" sz="1100" dirty="0" smtClean="0"/>
+                        <a:rPr lang="de-DE" sz="1100" dirty="0"/>
                         <a:t>. SW-Entwicklung</a:t>
                       </a:r>
-                      <a:endParaRPr lang="de-DE" sz="1100" dirty="0"/>
                     </a:p>
                   </a:txBody>
                   <a:tcPr/>
@@ -18761,10 +18134,9 @@
                     <a:lstStyle/>
                     <a:p>
                       <a:r>
-                        <a:rPr lang="de-DE" sz="1100" dirty="0" smtClean="0"/>
+                        <a:rPr lang="de-DE" sz="1100" dirty="0"/>
                         <a:t>App-Entwicklung</a:t>
                       </a:r>
-                      <a:endParaRPr lang="de-DE" sz="1100" dirty="0"/>
                     </a:p>
                   </a:txBody>
                   <a:tcPr/>
@@ -18775,11 +18147,11 @@
                     <a:lstStyle/>
                     <a:p>
                       <a:r>
-                        <a:rPr lang="de-DE" sz="1100" dirty="0" smtClean="0"/>
+                        <a:rPr lang="de-DE" sz="1100" dirty="0"/>
                         <a:t>Selektive</a:t>
                       </a:r>
                       <a:r>
-                        <a:rPr lang="de-DE" sz="1100" baseline="0" dirty="0" smtClean="0"/>
+                        <a:rPr lang="de-DE" sz="1100" baseline="0" dirty="0"/>
                         <a:t> - UIX</a:t>
                       </a:r>
                       <a:endParaRPr lang="de-DE" sz="1100" dirty="0"/>
@@ -18811,20 +18183,15 @@
                       </a:r>
                       <a:r>
                         <a:rPr lang="de-DE" sz="1100" dirty="0"/>
-                        <a:t> </a:t>
+                        <a:t> CH</a:t>
                       </a:r>
-                      <a:r>
-                        <a:rPr lang="de-DE" sz="1100" dirty="0" smtClean="0"/>
-                        <a:t>CH</a:t>
-                      </a:r>
-                      <a:endParaRPr lang="de-DE" sz="1100" dirty="0"/>
                     </a:p>
                   </a:txBody>
                   <a:tcPr/>
                 </a:tc>
                 <a:extLst>
                   <a:ext uri="{0D108BD9-81ED-4DB2-BD59-A6C34878D82A}">
-                    <a16:rowId xmlns:a16="http://schemas.microsoft.com/office/drawing/2014/main" xmlns="" val="1613508448"/>
+                    <a16:rowId xmlns:a16="http://schemas.microsoft.com/office/drawing/2014/main" val="1613508448"/>
                   </a:ext>
                 </a:extLst>
               </a:tr>
@@ -18852,14 +18219,13 @@
                         <a:defRPr/>
                       </a:pPr>
                       <a:r>
-                        <a:rPr lang="de-DE" sz="1100" dirty="0" err="1" smtClean="0"/>
+                        <a:rPr lang="de-DE" sz="1100" dirty="0" err="1"/>
                         <a:t>zB</a:t>
                       </a:r>
                       <a:r>
-                        <a:rPr lang="de-DE" sz="1100" dirty="0" smtClean="0"/>
+                        <a:rPr lang="de-DE" sz="1100" dirty="0"/>
                         <a:t>. HW-Fertigung</a:t>
                       </a:r>
-                      <a:endParaRPr lang="de-DE" sz="1100" dirty="0"/>
                     </a:p>
                   </a:txBody>
                   <a:tcPr/>
@@ -18870,10 +18236,9 @@
                     <a:lstStyle/>
                     <a:p>
                       <a:r>
-                        <a:rPr lang="de-DE" sz="1100" dirty="0" smtClean="0"/>
+                        <a:rPr lang="de-DE" sz="1100" dirty="0"/>
                         <a:t>Produkteinzelteile</a:t>
                       </a:r>
-                      <a:endParaRPr lang="de-DE" sz="1100" dirty="0"/>
                     </a:p>
                   </a:txBody>
                   <a:tcPr/>
@@ -18884,7 +18249,7 @@
                     <a:lstStyle/>
                     <a:p>
                       <a:r>
-                        <a:rPr lang="de-DE" sz="1100" dirty="0" err="1" smtClean="0"/>
+                        <a:rPr lang="de-DE" sz="1100" dirty="0" err="1"/>
                         <a:t>Full</a:t>
                       </a:r>
                       <a:endParaRPr lang="de-DE" sz="1100" dirty="0"/>
@@ -18898,10 +18263,9 @@
                     <a:lstStyle/>
                     <a:p>
                       <a:r>
-                        <a:rPr lang="de-DE" sz="1100" dirty="0" smtClean="0"/>
+                        <a:rPr lang="de-DE" sz="1100" dirty="0"/>
                         <a:t>3</a:t>
                       </a:r>
-                      <a:endParaRPr lang="de-DE" sz="1100" dirty="0"/>
                     </a:p>
                   </a:txBody>
                   <a:tcPr/>
@@ -18912,17 +18276,16 @@
                     <a:lstStyle/>
                     <a:p>
                       <a:r>
-                        <a:rPr lang="de-DE" sz="1100" dirty="0" smtClean="0"/>
+                        <a:rPr lang="de-DE" sz="1100" dirty="0"/>
                         <a:t>CN</a:t>
                       </a:r>
-                      <a:endParaRPr lang="de-DE" sz="1100" dirty="0"/>
                     </a:p>
                   </a:txBody>
                   <a:tcPr/>
                 </a:tc>
                 <a:extLst>
                   <a:ext uri="{0D108BD9-81ED-4DB2-BD59-A6C34878D82A}">
-                    <a16:rowId xmlns:a16="http://schemas.microsoft.com/office/drawing/2014/main" xmlns="" val="843036491"/>
+                    <a16:rowId xmlns:a16="http://schemas.microsoft.com/office/drawing/2014/main" val="843036491"/>
                   </a:ext>
                 </a:extLst>
               </a:tr>
@@ -18950,10 +18313,9 @@
                         <a:defRPr/>
                       </a:pPr>
                       <a:r>
-                        <a:rPr lang="de-DE" sz="1100" dirty="0" smtClean="0"/>
+                        <a:rPr lang="de-DE" sz="1100" dirty="0"/>
                         <a:t>…</a:t>
                       </a:r>
-                      <a:endParaRPr lang="de-DE" sz="1100" dirty="0"/>
                     </a:p>
                   </a:txBody>
                   <a:tcPr/>
@@ -19000,7 +18362,7 @@
                 </a:tc>
                 <a:extLst>
                   <a:ext uri="{0D108BD9-81ED-4DB2-BD59-A6C34878D82A}">
-                    <a16:rowId xmlns:a16="http://schemas.microsoft.com/office/drawing/2014/main" xmlns="" val="3924609782"/>
+                    <a16:rowId xmlns:a16="http://schemas.microsoft.com/office/drawing/2014/main" val="3924609782"/>
                   </a:ext>
                 </a:extLst>
               </a:tr>
@@ -19074,7 +18436,7 @@
                 </a:tc>
                 <a:extLst>
                   <a:ext uri="{0D108BD9-81ED-4DB2-BD59-A6C34878D82A}">
-                    <a16:rowId xmlns:a16="http://schemas.microsoft.com/office/drawing/2014/main" xmlns="" val="2914407688"/>
+                    <a16:rowId xmlns:a16="http://schemas.microsoft.com/office/drawing/2014/main" val="2914407688"/>
                   </a:ext>
                 </a:extLst>
               </a:tr>
@@ -19131,7 +18493,7 @@
                 </a:tc>
                 <a:extLst>
                   <a:ext uri="{0D108BD9-81ED-4DB2-BD59-A6C34878D82A}">
-                    <a16:rowId xmlns:a16="http://schemas.microsoft.com/office/drawing/2014/main" xmlns="" val="3232108700"/>
+                    <a16:rowId xmlns:a16="http://schemas.microsoft.com/office/drawing/2014/main" val="3232108700"/>
                   </a:ext>
                 </a:extLst>
               </a:tr>
@@ -19188,7 +18550,7 @@
                 </a:tc>
                 <a:extLst>
                   <a:ext uri="{0D108BD9-81ED-4DB2-BD59-A6C34878D82A}">
-                    <a16:rowId xmlns:a16="http://schemas.microsoft.com/office/drawing/2014/main" xmlns="" val="4228085562"/>
+                    <a16:rowId xmlns:a16="http://schemas.microsoft.com/office/drawing/2014/main" val="4228085562"/>
                   </a:ext>
                 </a:extLst>
               </a:tr>
@@ -19245,7 +18607,7 @@
                 </a:tc>
                 <a:extLst>
                   <a:ext uri="{0D108BD9-81ED-4DB2-BD59-A6C34878D82A}">
-                    <a16:rowId xmlns:a16="http://schemas.microsoft.com/office/drawing/2014/main" xmlns="" val="3395848228"/>
+                    <a16:rowId xmlns:a16="http://schemas.microsoft.com/office/drawing/2014/main" val="3395848228"/>
                   </a:ext>
                 </a:extLst>
               </a:tr>
@@ -19263,13 +18625,6 @@
   <p:clrMapOvr>
     <a:masterClrMapping/>
   </p:clrMapOvr>
-  <p:timing>
-    <p:tnLst>
-      <p:par>
-        <p:cTn id="1" dur="indefinite" restart="never" nodeType="tmRoot"/>
-      </p:par>
-    </p:tnLst>
-  </p:timing>
 </p:sld>
 </file>
 
@@ -19306,7 +18661,7 @@
           <a:lstStyle/>
           <a:p>
             <a:r>
-              <a:rPr lang="de-DE" smtClean="0"/>
+              <a:rPr lang="de-DE"/>
               <a:t>Chris Russ / IWI / ZHAW</a:t>
             </a:r>
             <a:endParaRPr lang="de-CH" dirty="0"/>
@@ -19329,10 +18684,9 @@
           <a:lstStyle/>
           <a:p>
             <a:r>
-              <a:rPr lang="de-CH" dirty="0" smtClean="0"/>
+              <a:rPr lang="de-CH" dirty="0"/>
               <a:t>Definieren Sie Ihr Strategie-Cockpit zur Erfolgskontrolle</a:t>
             </a:r>
-            <a:endParaRPr lang="de-CH" dirty="0"/>
           </a:p>
         </p:txBody>
       </p:sp>
@@ -19358,7 +18712,7 @@
               <a:t>25</a:t>
             </a:fld>
             <a:r>
-              <a:rPr lang="de-CH" smtClean="0"/>
+              <a:rPr lang="de-CH"/>
               <a:t> </a:t>
             </a:r>
             <a:endParaRPr lang="de-CH" dirty="0"/>
@@ -19393,42 +18747,42 @@
                 <a:gridCol w="1253068">
                   <a:extLst>
                     <a:ext uri="{9D8B030D-6E8A-4147-A177-3AD203B41FA5}">
-                      <a16:colId xmlns:a16="http://schemas.microsoft.com/office/drawing/2014/main" xmlns="" val="2533174507"/>
+                      <a16:colId xmlns:a16="http://schemas.microsoft.com/office/drawing/2014/main" val="2533174507"/>
                     </a:ext>
                   </a:extLst>
                 </a:gridCol>
                 <a:gridCol w="2125132">
                   <a:extLst>
                     <a:ext uri="{9D8B030D-6E8A-4147-A177-3AD203B41FA5}">
-                      <a16:colId xmlns:a16="http://schemas.microsoft.com/office/drawing/2014/main" xmlns="" val="2297330308"/>
+                      <a16:colId xmlns:a16="http://schemas.microsoft.com/office/drawing/2014/main" val="2297330308"/>
                     </a:ext>
                   </a:extLst>
                 </a:gridCol>
                 <a:gridCol w="1689100">
                   <a:extLst>
                     <a:ext uri="{9D8B030D-6E8A-4147-A177-3AD203B41FA5}">
-                      <a16:colId xmlns:a16="http://schemas.microsoft.com/office/drawing/2014/main" xmlns="" val="135445184"/>
+                      <a16:colId xmlns:a16="http://schemas.microsoft.com/office/drawing/2014/main" val="135445184"/>
                     </a:ext>
                   </a:extLst>
                 </a:gridCol>
                 <a:gridCol w="1689100">
                   <a:extLst>
                     <a:ext uri="{9D8B030D-6E8A-4147-A177-3AD203B41FA5}">
-                      <a16:colId xmlns:a16="http://schemas.microsoft.com/office/drawing/2014/main" xmlns="" val="2549217038"/>
+                      <a16:colId xmlns:a16="http://schemas.microsoft.com/office/drawing/2014/main" val="2549217038"/>
                     </a:ext>
                   </a:extLst>
                 </a:gridCol>
                 <a:gridCol w="1689100">
                   <a:extLst>
                     <a:ext uri="{9D8B030D-6E8A-4147-A177-3AD203B41FA5}">
-                      <a16:colId xmlns:a16="http://schemas.microsoft.com/office/drawing/2014/main" xmlns="" val="608343634"/>
+                      <a16:colId xmlns:a16="http://schemas.microsoft.com/office/drawing/2014/main" val="608343634"/>
                     </a:ext>
                   </a:extLst>
                 </a:gridCol>
                 <a:gridCol w="1689100">
                   <a:extLst>
                     <a:ext uri="{9D8B030D-6E8A-4147-A177-3AD203B41FA5}">
-                      <a16:colId xmlns:a16="http://schemas.microsoft.com/office/drawing/2014/main" xmlns="" val="2705867297"/>
+                      <a16:colId xmlns:a16="http://schemas.microsoft.com/office/drawing/2014/main" val="2705867297"/>
                     </a:ext>
                   </a:extLst>
                 </a:gridCol>
@@ -19440,10 +18794,9 @@
                     <a:lstStyle/>
                     <a:p>
                       <a:r>
-                        <a:rPr lang="en-US" dirty="0" smtClean="0"/>
+                        <a:rPr lang="en-US" dirty="0"/>
                         <a:t>BSC</a:t>
                       </a:r>
-                      <a:endParaRPr lang="en-US" dirty="0"/>
                     </a:p>
                   </a:txBody>
                   <a:tcPr/>
@@ -19454,7 +18807,7 @@
                     <a:lstStyle/>
                     <a:p>
                       <a:r>
-                        <a:rPr lang="en-US" sz="1800" dirty="0" err="1" smtClean="0"/>
+                        <a:rPr lang="en-US" sz="1800" dirty="0" err="1"/>
                         <a:t>Hauptziel</a:t>
                       </a:r>
                       <a:endParaRPr lang="en-US" sz="1800" dirty="0"/>
@@ -19468,7 +18821,7 @@
                     <a:lstStyle/>
                     <a:p>
                       <a:r>
-                        <a:rPr lang="en-US" sz="1800" dirty="0" err="1" smtClean="0"/>
+                        <a:rPr lang="en-US" sz="1800" dirty="0" err="1"/>
                         <a:t>Teilziel</a:t>
                       </a:r>
                       <a:endParaRPr lang="en-US" sz="1800" dirty="0"/>
@@ -19482,11 +18835,11 @@
                     <a:lstStyle/>
                     <a:p>
                       <a:r>
-                        <a:rPr lang="en-US" sz="1800" dirty="0" smtClean="0"/>
+                        <a:rPr lang="en-US" sz="1800" dirty="0"/>
                         <a:t>Mess-</a:t>
                       </a:r>
                       <a:r>
-                        <a:rPr lang="en-US" sz="1800" dirty="0" err="1" smtClean="0"/>
+                        <a:rPr lang="en-US" sz="1800" dirty="0" err="1"/>
                         <a:t>kennzahl</a:t>
                       </a:r>
                       <a:endParaRPr lang="en-US" sz="1800" dirty="0"/>
@@ -19500,7 +18853,7 @@
                     <a:lstStyle/>
                     <a:p>
                       <a:r>
-                        <a:rPr lang="en-US" sz="1800" dirty="0" err="1" smtClean="0"/>
+                        <a:rPr lang="en-US" sz="1800" dirty="0" err="1"/>
                         <a:t>Zielwert</a:t>
                       </a:r>
                       <a:endParaRPr lang="en-US" sz="1800" dirty="0"/>
@@ -19514,7 +18867,7 @@
                     <a:lstStyle/>
                     <a:p>
                       <a:r>
-                        <a:rPr lang="en-US" sz="1800" dirty="0" err="1" smtClean="0"/>
+                        <a:rPr lang="en-US" sz="1800" dirty="0" err="1"/>
                         <a:t>Kommentar</a:t>
                       </a:r>
                       <a:endParaRPr lang="en-US" sz="1800" dirty="0"/>
@@ -19524,7 +18877,7 @@
                 </a:tc>
                 <a:extLst>
                   <a:ext uri="{0D108BD9-81ED-4DB2-BD59-A6C34878D82A}">
-                    <a16:rowId xmlns:a16="http://schemas.microsoft.com/office/drawing/2014/main" xmlns="" val="4084015051"/>
+                    <a16:rowId xmlns:a16="http://schemas.microsoft.com/office/drawing/2014/main" val="4084015051"/>
                   </a:ext>
                 </a:extLst>
               </a:tr>
@@ -19535,7 +18888,7 @@
                     <a:lstStyle/>
                     <a:p>
                       <a:r>
-                        <a:rPr lang="en-US" sz="1600" dirty="0" err="1" smtClean="0"/>
+                        <a:rPr lang="en-US" sz="1600" dirty="0" err="1"/>
                         <a:t>Finanziell</a:t>
                       </a:r>
                       <a:endParaRPr lang="en-US" sz="1600" dirty="0"/>
@@ -19553,32 +18906,32 @@
                         <a:buChar char="-"/>
                       </a:pPr>
                       <a:r>
-                        <a:rPr lang="en-US" sz="1400" baseline="0" dirty="0" err="1" smtClean="0"/>
+                        <a:rPr lang="en-US" sz="1400" baseline="0" dirty="0" err="1"/>
                         <a:t>Erträge</a:t>
                       </a:r>
                       <a:r>
-                        <a:rPr lang="en-US" sz="1400" baseline="0" dirty="0" smtClean="0"/>
+                        <a:rPr lang="en-US" sz="1400" baseline="0" dirty="0"/>
                         <a:t> </a:t>
                       </a:r>
                       <a:r>
-                        <a:rPr lang="en-US" sz="1400" baseline="0" dirty="0" err="1" smtClean="0"/>
+                        <a:rPr lang="en-US" sz="1400" baseline="0" dirty="0" err="1"/>
                         <a:t>steigern</a:t>
                       </a:r>
-                      <a:endParaRPr lang="en-US" sz="1400" baseline="0" dirty="0" smtClean="0"/>
+                      <a:endParaRPr lang="en-US" sz="1400" baseline="0" dirty="0"/>
                     </a:p>
                     <a:p>
                       <a:pPr marL="285750" indent="-285750">
                         <a:buFontTx/>
                         <a:buChar char="-"/>
                       </a:pPr>
-                      <a:endParaRPr lang="en-US" sz="1400" baseline="0" dirty="0" smtClean="0"/>
+                      <a:endParaRPr lang="en-US" sz="1400" baseline="0" dirty="0"/>
                     </a:p>
                     <a:p>
                       <a:pPr marL="285750" indent="-285750">
                         <a:buFontTx/>
                         <a:buChar char="-"/>
                       </a:pPr>
-                      <a:endParaRPr lang="en-US" sz="1400" baseline="0" dirty="0" smtClean="0"/>
+                      <a:endParaRPr lang="en-US" sz="1400" baseline="0" dirty="0"/>
                     </a:p>
                     <a:p>
                       <a:pPr marL="285750" indent="-285750">
@@ -19586,25 +18939,25 @@
                         <a:buChar char="-"/>
                       </a:pPr>
                       <a:r>
-                        <a:rPr lang="en-US" sz="1400" baseline="0" dirty="0" err="1" smtClean="0"/>
+                        <a:rPr lang="en-US" sz="1400" baseline="0" dirty="0" err="1"/>
                         <a:t>Kosten</a:t>
                       </a:r>
                       <a:r>
-                        <a:rPr lang="en-US" sz="1400" baseline="0" dirty="0" smtClean="0"/>
+                        <a:rPr lang="en-US" sz="1400" baseline="0" dirty="0"/>
                         <a:t> </a:t>
                       </a:r>
                       <a:r>
-                        <a:rPr lang="en-US" sz="1400" baseline="0" dirty="0" err="1" smtClean="0"/>
+                        <a:rPr lang="en-US" sz="1400" baseline="0" dirty="0" err="1"/>
                         <a:t>senken</a:t>
                       </a:r>
-                      <a:endParaRPr lang="en-US" sz="1400" dirty="0" smtClean="0"/>
+                      <a:endParaRPr lang="en-US" sz="1400" dirty="0"/>
                     </a:p>
                     <a:p>
                       <a:pPr marL="285750" indent="-285750">
                         <a:buFontTx/>
                         <a:buChar char="-"/>
                       </a:pPr>
-                      <a:endParaRPr lang="en-US" sz="1400" dirty="0" smtClean="0"/>
+                      <a:endParaRPr lang="en-US" sz="1400" dirty="0"/>
                     </a:p>
                     <a:p>
                       <a:pPr marL="285750" indent="-285750">
@@ -19622,21 +18975,21 @@
                     <a:lstStyle/>
                     <a:p>
                       <a:r>
-                        <a:rPr lang="en-US" sz="1400" dirty="0" err="1" smtClean="0"/>
+                        <a:rPr lang="en-US" sz="1400" dirty="0" err="1"/>
                         <a:t>Teilziel</a:t>
                       </a:r>
                       <a:r>
-                        <a:rPr lang="en-US" sz="1400" baseline="0" dirty="0" smtClean="0"/>
+                        <a:rPr lang="en-US" sz="1400" baseline="0" dirty="0"/>
                         <a:t> 1.1</a:t>
                       </a:r>
                     </a:p>
                     <a:p>
                       <a:r>
-                        <a:rPr lang="en-US" sz="1400" baseline="0" dirty="0" err="1" smtClean="0"/>
+                        <a:rPr lang="en-US" sz="1400" baseline="0" dirty="0" err="1"/>
                         <a:t>Teilziel</a:t>
                       </a:r>
                       <a:r>
-                        <a:rPr lang="en-US" sz="1400" baseline="0" dirty="0" smtClean="0"/>
+                        <a:rPr lang="en-US" sz="1400" baseline="0" dirty="0"/>
                         <a:t> 1.2</a:t>
                       </a:r>
                       <a:endParaRPr lang="en-US" sz="1400" dirty="0"/>
@@ -19650,20 +19003,19 @@
                     <a:lstStyle/>
                     <a:p>
                       <a:r>
-                        <a:rPr lang="en-US" sz="1400" dirty="0" err="1" smtClean="0"/>
+                        <a:rPr lang="en-US" sz="1400" dirty="0" err="1"/>
                         <a:t>Umsatz</a:t>
                       </a:r>
                       <a:r>
-                        <a:rPr lang="en-US" sz="1400" dirty="0" smtClean="0"/>
+                        <a:rPr lang="en-US" sz="1400" dirty="0"/>
                         <a:t> </a:t>
                       </a:r>
                     </a:p>
                     <a:p>
                       <a:r>
-                        <a:rPr lang="en-US" sz="1400" dirty="0" smtClean="0"/>
+                        <a:rPr lang="en-US" sz="1400" dirty="0"/>
                         <a:t>Profit</a:t>
                       </a:r>
-                      <a:endParaRPr lang="en-US" sz="1400" dirty="0"/>
                     </a:p>
                   </a:txBody>
                   <a:tcPr/>
@@ -19674,21 +19026,21 @@
                     <a:lstStyle/>
                     <a:p>
                       <a:r>
-                        <a:rPr lang="en-US" sz="1400" dirty="0" err="1" smtClean="0"/>
+                        <a:rPr lang="en-US" sz="1400" dirty="0" err="1"/>
                         <a:t>Umsatz</a:t>
                       </a:r>
                       <a:r>
-                        <a:rPr lang="en-US" sz="1400" dirty="0" smtClean="0"/>
+                        <a:rPr lang="en-US" sz="1400" dirty="0"/>
                         <a:t> &gt; X</a:t>
                       </a:r>
                     </a:p>
                     <a:p>
                       <a:r>
-                        <a:rPr lang="en-US" sz="1400" dirty="0" smtClean="0"/>
+                        <a:rPr lang="en-US" sz="1400" dirty="0"/>
                         <a:t>Profit</a:t>
                       </a:r>
                       <a:r>
-                        <a:rPr lang="en-US" sz="1400" baseline="0" dirty="0" smtClean="0"/>
+                        <a:rPr lang="en-US" sz="1400" baseline="0" dirty="0"/>
                         <a:t> &gt; Y</a:t>
                       </a:r>
                       <a:endParaRPr lang="en-US" sz="1400" dirty="0"/>
@@ -19708,7 +19060,7 @@
                 </a:tc>
                 <a:extLst>
                   <a:ext uri="{0D108BD9-81ED-4DB2-BD59-A6C34878D82A}">
-                    <a16:rowId xmlns:a16="http://schemas.microsoft.com/office/drawing/2014/main" xmlns="" val="1418862088"/>
+                    <a16:rowId xmlns:a16="http://schemas.microsoft.com/office/drawing/2014/main" val="1418862088"/>
                   </a:ext>
                 </a:extLst>
               </a:tr>
@@ -19719,15 +19071,15 @@
                     <a:lstStyle/>
                     <a:p>
                       <a:r>
-                        <a:rPr lang="en-US" sz="1600" dirty="0" err="1" smtClean="0"/>
+                        <a:rPr lang="en-US" sz="1600" dirty="0" err="1"/>
                         <a:t>Kunde</a:t>
                       </a:r>
                       <a:r>
-                        <a:rPr lang="en-US" sz="1600" dirty="0" smtClean="0"/>
+                        <a:rPr lang="en-US" sz="1600" dirty="0"/>
                         <a:t> &amp; </a:t>
                       </a:r>
                       <a:r>
-                        <a:rPr lang="en-US" sz="1600" dirty="0" err="1" smtClean="0"/>
+                        <a:rPr lang="en-US" sz="1600" dirty="0" err="1"/>
                         <a:t>Markt</a:t>
                       </a:r>
                       <a:endParaRPr lang="en-US" sz="1600" dirty="0"/>
@@ -19745,22 +19097,22 @@
                         <a:buChar char="-"/>
                       </a:pPr>
                       <a:r>
-                        <a:rPr lang="en-US" sz="1400" dirty="0" err="1" smtClean="0"/>
+                        <a:rPr lang="en-US" sz="1400" dirty="0" err="1"/>
                         <a:t>Sichtbarkeit</a:t>
                       </a:r>
                       <a:r>
-                        <a:rPr lang="en-US" sz="1400" dirty="0" smtClean="0"/>
+                        <a:rPr lang="en-US" sz="1400" dirty="0"/>
                         <a:t> am</a:t>
                       </a:r>
                       <a:r>
-                        <a:rPr lang="en-US" sz="1400" baseline="0" dirty="0" smtClean="0"/>
+                        <a:rPr lang="en-US" sz="1400" baseline="0" dirty="0"/>
                         <a:t> </a:t>
                       </a:r>
                       <a:r>
-                        <a:rPr lang="en-US" sz="1400" dirty="0" err="1" smtClean="0"/>
+                        <a:rPr lang="en-US" sz="1400" dirty="0" err="1"/>
                         <a:t>Markt</a:t>
                       </a:r>
-                      <a:endParaRPr lang="en-US" sz="1400" dirty="0" smtClean="0"/>
+                      <a:endParaRPr lang="en-US" sz="1400" dirty="0"/>
                     </a:p>
                     <a:p>
                       <a:pPr marL="285750" indent="-285750">
@@ -19768,18 +19120,18 @@
                         <a:buChar char="-"/>
                       </a:pPr>
                       <a:r>
-                        <a:rPr lang="en-US" sz="1400" dirty="0" err="1" smtClean="0"/>
+                        <a:rPr lang="en-US" sz="1400" dirty="0" err="1"/>
                         <a:t>Anzahl</a:t>
                       </a:r>
                       <a:r>
-                        <a:rPr lang="en-US" sz="1400" dirty="0" smtClean="0"/>
+                        <a:rPr lang="en-US" sz="1400" dirty="0"/>
                         <a:t> </a:t>
                       </a:r>
                       <a:r>
-                        <a:rPr lang="en-US" sz="1400" dirty="0" err="1" smtClean="0"/>
+                        <a:rPr lang="en-US" sz="1400" dirty="0" err="1"/>
                         <a:t>Interessenten</a:t>
                       </a:r>
-                      <a:endParaRPr lang="en-US" sz="1400" dirty="0" smtClean="0"/>
+                      <a:endParaRPr lang="en-US" sz="1400" dirty="0"/>
                     </a:p>
                     <a:p>
                       <a:pPr marL="285750" indent="-285750">
@@ -19787,10 +19139,9 @@
                         <a:buChar char="-"/>
                       </a:pPr>
                       <a:r>
-                        <a:rPr lang="en-US" sz="1400" dirty="0" smtClean="0"/>
+                        <a:rPr lang="en-US" sz="1400" dirty="0"/>
                         <a:t>…</a:t>
                       </a:r>
-                      <a:endParaRPr lang="en-US" sz="1400" dirty="0"/>
                     </a:p>
                   </a:txBody>
                   <a:tcPr/>
@@ -19837,7 +19188,7 @@
                 </a:tc>
                 <a:extLst>
                   <a:ext uri="{0D108BD9-81ED-4DB2-BD59-A6C34878D82A}">
-                    <a16:rowId xmlns:a16="http://schemas.microsoft.com/office/drawing/2014/main" xmlns="" val="2092898073"/>
+                    <a16:rowId xmlns:a16="http://schemas.microsoft.com/office/drawing/2014/main" val="2092898073"/>
                   </a:ext>
                 </a:extLst>
               </a:tr>
@@ -19848,11 +19199,11 @@
                     <a:lstStyle/>
                     <a:p>
                       <a:r>
-                        <a:rPr lang="en-US" sz="1600" dirty="0" smtClean="0"/>
+                        <a:rPr lang="en-US" sz="1600" dirty="0"/>
                         <a:t>Int. </a:t>
                       </a:r>
                       <a:r>
-                        <a:rPr lang="en-US" sz="1600" dirty="0" err="1" smtClean="0"/>
+                        <a:rPr lang="en-US" sz="1600" dirty="0" err="1"/>
                         <a:t>Prozesse</a:t>
                       </a:r>
                       <a:endParaRPr lang="en-US" sz="1600" dirty="0"/>
@@ -19870,14 +19221,14 @@
                         <a:buChar char="-"/>
                       </a:pPr>
                       <a:r>
-                        <a:rPr lang="en-US" sz="1400" dirty="0" smtClean="0"/>
+                        <a:rPr lang="en-US" sz="1400" dirty="0"/>
                         <a:t>SW-</a:t>
                       </a:r>
                       <a:r>
-                        <a:rPr lang="en-US" sz="1400" dirty="0" err="1" smtClean="0"/>
+                        <a:rPr lang="en-US" sz="1400" dirty="0" err="1"/>
                         <a:t>Entwicklung</a:t>
                       </a:r>
-                      <a:endParaRPr lang="en-US" sz="1400" dirty="0" smtClean="0"/>
+                      <a:endParaRPr lang="en-US" sz="1400" dirty="0"/>
                     </a:p>
                     <a:p>
                       <a:pPr marL="285750" indent="-285750">
@@ -19885,14 +19236,14 @@
                         <a:buChar char="-"/>
                       </a:pPr>
                       <a:r>
-                        <a:rPr lang="en-US" sz="1400" dirty="0" smtClean="0"/>
+                        <a:rPr lang="en-US" sz="1400" dirty="0"/>
                         <a:t>HW-</a:t>
                       </a:r>
                       <a:r>
-                        <a:rPr lang="en-US" sz="1400" dirty="0" err="1" smtClean="0"/>
+                        <a:rPr lang="en-US" sz="1400" dirty="0" err="1"/>
                         <a:t>Entwicklung</a:t>
                       </a:r>
-                      <a:endParaRPr lang="en-US" sz="1400" dirty="0" smtClean="0"/>
+                      <a:endParaRPr lang="en-US" sz="1400" dirty="0"/>
                     </a:p>
                     <a:p>
                       <a:pPr marL="285750" indent="-285750">
@@ -19900,10 +19251,10 @@
                         <a:buChar char="-"/>
                       </a:pPr>
                       <a:r>
-                        <a:rPr lang="en-US" sz="1400" dirty="0" err="1" smtClean="0"/>
+                        <a:rPr lang="en-US" sz="1400" dirty="0" err="1"/>
                         <a:t>Qualitätssicherung</a:t>
                       </a:r>
-                      <a:endParaRPr lang="en-US" sz="1400" dirty="0" smtClean="0"/>
+                      <a:endParaRPr lang="en-US" sz="1400" dirty="0"/>
                     </a:p>
                     <a:p>
                       <a:pPr marL="285750" indent="-285750">
@@ -19911,10 +19262,10 @@
                         <a:buChar char="-"/>
                       </a:pPr>
                       <a:r>
-                        <a:rPr lang="en-US" sz="1400" dirty="0" err="1" smtClean="0"/>
+                        <a:rPr lang="en-US" sz="1400" dirty="0" err="1"/>
                         <a:t>Logistik</a:t>
                       </a:r>
-                      <a:endParaRPr lang="en-US" sz="1400" dirty="0" smtClean="0"/>
+                      <a:endParaRPr lang="en-US" sz="1400" dirty="0"/>
                     </a:p>
                     <a:p>
                       <a:pPr marL="285750" indent="-285750">
@@ -19922,10 +19273,9 @@
                         <a:buChar char="-"/>
                       </a:pPr>
                       <a:r>
-                        <a:rPr lang="en-US" sz="1400" dirty="0" smtClean="0"/>
+                        <a:rPr lang="en-US" sz="1400" dirty="0"/>
                         <a:t>…</a:t>
                       </a:r>
-                      <a:endParaRPr lang="en-US" sz="1400" dirty="0"/>
                     </a:p>
                   </a:txBody>
                   <a:tcPr/>
@@ -19972,7 +19322,7 @@
                 </a:tc>
                 <a:extLst>
                   <a:ext uri="{0D108BD9-81ED-4DB2-BD59-A6C34878D82A}">
-                    <a16:rowId xmlns:a16="http://schemas.microsoft.com/office/drawing/2014/main" xmlns="" val="3749892568"/>
+                    <a16:rowId xmlns:a16="http://schemas.microsoft.com/office/drawing/2014/main" val="3749892568"/>
                   </a:ext>
                 </a:extLst>
               </a:tr>
@@ -19983,15 +19333,15 @@
                     <a:lstStyle/>
                     <a:p>
                       <a:r>
-                        <a:rPr lang="en-US" sz="1600" dirty="0" err="1" smtClean="0"/>
+                        <a:rPr lang="en-US" sz="1600" dirty="0" err="1"/>
                         <a:t>Lernen</a:t>
                       </a:r>
                       <a:r>
-                        <a:rPr lang="en-US" sz="1600" dirty="0" smtClean="0"/>
+                        <a:rPr lang="en-US" sz="1600" dirty="0"/>
                         <a:t> &amp; </a:t>
                       </a:r>
                       <a:r>
-                        <a:rPr lang="en-US" sz="1600" dirty="0" err="1" smtClean="0"/>
+                        <a:rPr lang="en-US" sz="1600" dirty="0" err="1"/>
                         <a:t>Weiter-entwickeln</a:t>
                       </a:r>
                       <a:endParaRPr lang="en-US" sz="1600" dirty="0"/>
@@ -20009,7 +19359,7 @@
                         <a:buChar char="-"/>
                       </a:pPr>
                       <a:r>
-                        <a:rPr lang="en-US" sz="1400" dirty="0" smtClean="0"/>
+                        <a:rPr lang="en-US" sz="1400" dirty="0"/>
                         <a:t>Training von ….</a:t>
                       </a:r>
                     </a:p>
@@ -20019,15 +19369,15 @@
                         <a:buChar char="-"/>
                       </a:pPr>
                       <a:r>
-                        <a:rPr lang="en-US" sz="1400" dirty="0" err="1" smtClean="0"/>
+                        <a:rPr lang="en-US" sz="1400" dirty="0" err="1"/>
                         <a:t>Kultur</a:t>
                       </a:r>
                       <a:r>
-                        <a:rPr lang="en-US" sz="1400" dirty="0" smtClean="0"/>
+                        <a:rPr lang="en-US" sz="1400" dirty="0"/>
                         <a:t> Actions </a:t>
                       </a:r>
                       <a:r>
-                        <a:rPr lang="en-US" sz="1400" baseline="0" dirty="0" smtClean="0"/>
+                        <a:rPr lang="en-US" sz="1400" baseline="0" dirty="0"/>
                         <a:t>…</a:t>
                       </a:r>
                     </a:p>
@@ -20036,14 +19386,14 @@
                         <a:buFontTx/>
                         <a:buChar char="-"/>
                       </a:pPr>
-                      <a:endParaRPr lang="en-US" sz="1400" dirty="0" smtClean="0"/>
+                      <a:endParaRPr lang="en-US" sz="1400" dirty="0"/>
                     </a:p>
                     <a:p>
                       <a:pPr marL="285750" indent="-285750">
                         <a:buFontTx/>
                         <a:buChar char="-"/>
                       </a:pPr>
-                      <a:endParaRPr lang="en-US" sz="1400" dirty="0" smtClean="0"/>
+                      <a:endParaRPr lang="en-US" sz="1400" dirty="0"/>
                     </a:p>
                     <a:p>
                       <a:pPr marL="285750" indent="-285750">
@@ -20097,7 +19447,7 @@
                 </a:tc>
                 <a:extLst>
                   <a:ext uri="{0D108BD9-81ED-4DB2-BD59-A6C34878D82A}">
-                    <a16:rowId xmlns:a16="http://schemas.microsoft.com/office/drawing/2014/main" xmlns="" val="2648520168"/>
+                    <a16:rowId xmlns:a16="http://schemas.microsoft.com/office/drawing/2014/main" val="2648520168"/>
                   </a:ext>
                 </a:extLst>
               </a:tr>
@@ -20115,13 +19465,6 @@
   <p:clrMapOvr>
     <a:masterClrMapping/>
   </p:clrMapOvr>
-  <p:timing>
-    <p:tnLst>
-      <p:par>
-        <p:cTn id="1" dur="indefinite" restart="never" nodeType="tmRoot"/>
-      </p:par>
-    </p:tnLst>
-  </p:timing>
 </p:sld>
 </file>
 
@@ -20204,7 +19547,7 @@
           <a:lstStyle/>
           <a:p>
             <a:r>
-              <a:rPr lang="de-CH" sz="6600" dirty="0" smtClean="0">
+              <a:rPr lang="de-CH" sz="6600" dirty="0">
                 <a:solidFill>
                   <a:schemeClr val="bg1"/>
                 </a:solidFill>
@@ -20212,12 +19555,6 @@
               </a:rPr>
               <a:t>Vielen Dank.</a:t>
             </a:r>
-            <a:endParaRPr lang="de-CH" sz="6600" dirty="0">
-              <a:solidFill>
-                <a:schemeClr val="bg1"/>
-              </a:solidFill>
-              <a:latin typeface="HelveticaRounded LT Std Bd" pitchFamily="34" charset="0"/>
-            </a:endParaRPr>
           </a:p>
         </p:txBody>
       </p:sp>
@@ -20243,7 +19580,7 @@
               <a:t>26</a:t>
             </a:fld>
             <a:r>
-              <a:rPr lang="de-CH" smtClean="0"/>
+              <a:rPr lang="de-CH"/>
               <a:t> </a:t>
             </a:r>
             <a:endParaRPr lang="de-CH" dirty="0"/>
@@ -20266,7 +19603,7 @@
           <a:lstStyle/>
           <a:p>
             <a:r>
-              <a:rPr lang="de-DE" smtClean="0"/>
+              <a:rPr lang="de-DE"/>
               <a:t>Chris Russ / IWI / ZHAW</a:t>
             </a:r>
             <a:endParaRPr lang="de-CH" dirty="0"/>
@@ -20283,13 +19620,165 @@
   <p:clrMapOvr>
     <a:masterClrMapping/>
   </p:clrMapOvr>
-  <p:timing>
-    <p:tnLst>
-      <p:par>
-        <p:cTn id="1" dur="indefinite" restart="never" nodeType="tmRoot"/>
-      </p:par>
-    </p:tnLst>
-  </p:timing>
+</p:sld>
+</file>
+
+<file path=ppt/slides/slide27.xml><?xml version="1.0" encoding="utf-8"?>
+<p:sld xmlns:a="http://schemas.openxmlformats.org/drawingml/2006/main" xmlns:r="http://schemas.openxmlformats.org/officeDocument/2006/relationships" xmlns:p="http://schemas.openxmlformats.org/presentationml/2006/main">
+  <p:cSld>
+    <p:spTree>
+      <p:nvGrpSpPr>
+        <p:cNvPr id="1" name=""/>
+        <p:cNvGrpSpPr/>
+        <p:nvPr/>
+      </p:nvGrpSpPr>
+      <p:grpSpPr>
+        <a:xfrm>
+          <a:off x="0" y="0"/>
+          <a:ext cx="0" cy="0"/>
+          <a:chOff x="0" y="0"/>
+          <a:chExt cx="0" cy="0"/>
+        </a:xfrm>
+      </p:grpSpPr>
+      <p:sp>
+        <p:nvSpPr>
+          <p:cNvPr id="2" name="Textplatzhalter 1">
+            <a:extLst>
+              <a:ext uri="{FF2B5EF4-FFF2-40B4-BE49-F238E27FC236}">
+                <a16:creationId xmlns:a16="http://schemas.microsoft.com/office/drawing/2014/main" id="{932E73F9-2C25-4B94-819E-559D6EE38B5E}"/>
+              </a:ext>
+            </a:extLst>
+          </p:cNvPr>
+          <p:cNvSpPr>
+            <a:spLocks noGrp="1"/>
+          </p:cNvSpPr>
+          <p:nvPr>
+            <p:ph type="body" sz="quarter" idx="10"/>
+          </p:nvPr>
+        </p:nvSpPr>
+        <p:spPr/>
+        <p:txBody>
+          <a:bodyPr/>
+          <a:lstStyle/>
+          <a:p>
+            <a:r>
+              <a:rPr lang="de-CH" dirty="0" err="1"/>
+              <a:t>Git</a:t>
+            </a:r>
+            <a:r>
+              <a:rPr lang="de-CH" dirty="0"/>
+              <a:t> </a:t>
+            </a:r>
+            <a:r>
+              <a:rPr lang="de-CH" dirty="0" err="1"/>
+              <a:t>test</a:t>
+            </a:r>
+            <a:r>
+              <a:rPr lang="de-CH"/>
+              <a:t> Änderung</a:t>
+            </a:r>
+          </a:p>
+        </p:txBody>
+      </p:sp>
+      <p:sp>
+        <p:nvSpPr>
+          <p:cNvPr id="3" name="Datumsplatzhalter 2">
+            <a:extLst>
+              <a:ext uri="{FF2B5EF4-FFF2-40B4-BE49-F238E27FC236}">
+                <a16:creationId xmlns:a16="http://schemas.microsoft.com/office/drawing/2014/main" id="{E289A69A-CD49-4FDE-9931-0374A80C7EF3}"/>
+              </a:ext>
+            </a:extLst>
+          </p:cNvPr>
+          <p:cNvSpPr>
+            <a:spLocks noGrp="1"/>
+          </p:cNvSpPr>
+          <p:nvPr>
+            <p:ph type="dt" sz="half" idx="2"/>
+          </p:nvPr>
+        </p:nvSpPr>
+        <p:spPr/>
+        <p:txBody>
+          <a:bodyPr/>
+          <a:lstStyle/>
+          <a:p>
+            <a:r>
+              <a:rPr lang="de-DE"/>
+              <a:t>Chris Russ / IWI / ZHAW</a:t>
+            </a:r>
+            <a:endParaRPr lang="de-CH" dirty="0"/>
+          </a:p>
+        </p:txBody>
+      </p:sp>
+      <p:sp>
+        <p:nvSpPr>
+          <p:cNvPr id="4" name="Foliennummernplatzhalter 3">
+            <a:extLst>
+              <a:ext uri="{FF2B5EF4-FFF2-40B4-BE49-F238E27FC236}">
+                <a16:creationId xmlns:a16="http://schemas.microsoft.com/office/drawing/2014/main" id="{E83DCD0F-98EB-4A8D-B7EB-E6AA74119613}"/>
+              </a:ext>
+            </a:extLst>
+          </p:cNvPr>
+          <p:cNvSpPr>
+            <a:spLocks noGrp="1"/>
+          </p:cNvSpPr>
+          <p:nvPr>
+            <p:ph type="sldNum" sz="quarter" idx="4"/>
+          </p:nvPr>
+        </p:nvSpPr>
+        <p:spPr/>
+        <p:txBody>
+          <a:bodyPr/>
+          <a:lstStyle/>
+          <a:p>
+            <a:pPr algn="r"/>
+            <a:fld id="{05F9AC53-F790-4868-97E7-45E3866EE614}" type="slidenum">
+              <a:rPr lang="de-CH" smtClean="0"/>
+              <a:pPr algn="r"/>
+              <a:t>27</a:t>
+            </a:fld>
+            <a:r>
+              <a:rPr lang="de-CH"/>
+              <a:t> </a:t>
+            </a:r>
+            <a:endParaRPr lang="de-CH" dirty="0"/>
+          </a:p>
+        </p:txBody>
+      </p:sp>
+      <p:sp>
+        <p:nvSpPr>
+          <p:cNvPr id="5" name="Titel 4">
+            <a:extLst>
+              <a:ext uri="{FF2B5EF4-FFF2-40B4-BE49-F238E27FC236}">
+                <a16:creationId xmlns:a16="http://schemas.microsoft.com/office/drawing/2014/main" id="{1BDFAAE8-BCC1-4649-BF3E-A1943B5813C6}"/>
+              </a:ext>
+            </a:extLst>
+          </p:cNvPr>
+          <p:cNvSpPr>
+            <a:spLocks noGrp="1"/>
+          </p:cNvSpPr>
+          <p:nvPr>
+            <p:ph type="title"/>
+          </p:nvPr>
+        </p:nvSpPr>
+        <p:spPr/>
+        <p:txBody>
+          <a:bodyPr/>
+          <a:lstStyle/>
+          <a:p>
+            <a:endParaRPr lang="de-CH"/>
+          </a:p>
+        </p:txBody>
+      </p:sp>
+    </p:spTree>
+    <p:extLst>
+      <p:ext uri="{BB962C8B-B14F-4D97-AF65-F5344CB8AC3E}">
+        <p14:creationId xmlns:p14="http://schemas.microsoft.com/office/powerpoint/2010/main" val="715799876"/>
+      </p:ext>
+    </p:extLst>
+  </p:cSld>
+  <p:clrMapOvr>
+    <a:masterClrMapping/>
+  </p:clrMapOvr>
 </p:sld>
 </file>
 
@@ -20326,7 +19815,7 @@
           <a:lstStyle/>
           <a:p>
             <a:r>
-              <a:rPr lang="de-DE" smtClean="0"/>
+              <a:rPr lang="de-DE"/>
               <a:t>Chris Russ / IWI / ZHAW</a:t>
             </a:r>
             <a:endParaRPr lang="de-CH" dirty="0"/>
@@ -20349,91 +19838,91 @@
           <a:lstStyle/>
           <a:p>
             <a:r>
-              <a:rPr lang="de-CH" dirty="0" smtClean="0"/>
+              <a:rPr lang="de-CH" dirty="0"/>
               <a:t>Eine mobile </a:t>
             </a:r>
             <a:r>
-              <a:rPr lang="de-CH" dirty="0" err="1" smtClean="0"/>
+              <a:rPr lang="de-CH" dirty="0" err="1"/>
               <a:t>Lunchbox</a:t>
             </a:r>
             <a:r>
-              <a:rPr lang="de-CH" dirty="0" smtClean="0"/>
+              <a:rPr lang="de-CH" dirty="0"/>
               <a:t> für alle</a:t>
             </a:r>
           </a:p>
           <a:p>
             <a:pPr lvl="1"/>
             <a:r>
-              <a:rPr lang="de-CH" dirty="0" smtClean="0"/>
+              <a:rPr lang="de-CH" dirty="0"/>
               <a:t>Smart Device</a:t>
             </a:r>
           </a:p>
           <a:p>
             <a:pPr lvl="2"/>
             <a:r>
-              <a:rPr lang="de-CH" dirty="0" smtClean="0"/>
+              <a:rPr lang="de-CH" dirty="0"/>
               <a:t>Unabhängiges Dampfwärmen (</a:t>
             </a:r>
             <a:r>
-              <a:rPr lang="de-CH" dirty="0" err="1" smtClean="0"/>
+              <a:rPr lang="de-CH" dirty="0" err="1"/>
               <a:t>Steaming</a:t>
             </a:r>
             <a:r>
-              <a:rPr lang="de-CH" dirty="0" smtClean="0"/>
+              <a:rPr lang="de-CH" dirty="0"/>
               <a:t>)</a:t>
             </a:r>
           </a:p>
           <a:p>
             <a:pPr lvl="3"/>
             <a:r>
-              <a:rPr lang="de-CH" dirty="0" smtClean="0"/>
+              <a:rPr lang="de-CH" dirty="0"/>
               <a:t>Schnelles Aufwärmen &lt;15 min	</a:t>
             </a:r>
           </a:p>
           <a:p>
             <a:pPr lvl="2"/>
             <a:r>
-              <a:rPr lang="de-CH" dirty="0" smtClean="0"/>
+              <a:rPr lang="de-CH" dirty="0"/>
               <a:t>Autonom durch Batterie</a:t>
             </a:r>
           </a:p>
           <a:p>
             <a:pPr lvl="3"/>
             <a:r>
-              <a:rPr lang="de-CH" dirty="0" smtClean="0"/>
+              <a:rPr lang="de-CH" dirty="0"/>
               <a:t>Einfach </a:t>
             </a:r>
             <a:r>
-              <a:rPr lang="de-CH" dirty="0" err="1" smtClean="0"/>
+              <a:rPr lang="de-CH" dirty="0" err="1"/>
               <a:t>wiederaufladbar</a:t>
             </a:r>
-            <a:endParaRPr lang="de-CH" dirty="0" smtClean="0"/>
+            <a:endParaRPr lang="de-CH" dirty="0"/>
           </a:p>
           <a:p>
             <a:pPr lvl="2"/>
             <a:r>
-              <a:rPr lang="de-CH" dirty="0" smtClean="0"/>
+              <a:rPr lang="de-CH" dirty="0"/>
               <a:t>Hygienisch und einfach zu bedienen</a:t>
             </a:r>
           </a:p>
           <a:p>
             <a:pPr lvl="3"/>
             <a:r>
-              <a:rPr lang="de-CH" dirty="0" smtClean="0"/>
+              <a:rPr lang="de-CH" dirty="0"/>
               <a:t>Edelstahl Behälter</a:t>
             </a:r>
           </a:p>
           <a:p>
             <a:pPr lvl="3"/>
             <a:r>
-              <a:rPr lang="de-CH" dirty="0" smtClean="0"/>
+              <a:rPr lang="de-CH" dirty="0"/>
               <a:t>Kein Flüssigkeitsaustritt</a:t>
             </a:r>
           </a:p>
           <a:p>
             <a:pPr lvl="3"/>
             <a:r>
-              <a:rPr lang="de-CH" dirty="0" smtClean="0"/>
+              <a:rPr lang="de-CH" dirty="0"/>
               <a:t>Einfach zu reinigen</a:t>
             </a:r>
           </a:p>
@@ -20441,57 +19930,53 @@
             <a:pPr lvl="2"/>
             <a:r>
               <a:rPr lang="de-CH" dirty="0"/>
-              <a:t>Laborprototyp mit Aufwärmfunktion </a:t>
-            </a:r>
-            <a:r>
-              <a:rPr lang="de-CH" dirty="0" smtClean="0"/>
-              <a:t>erfolgreich</a:t>
+              <a:t>Laborprototyp mit Aufwärmfunktion erfolgreich</a:t>
             </a:r>
           </a:p>
           <a:p>
             <a:pPr lvl="1"/>
             <a:r>
-              <a:rPr lang="de-CH" dirty="0" smtClean="0"/>
+              <a:rPr lang="de-CH" dirty="0"/>
               <a:t>Durch Smartphone App ansteuerbar</a:t>
             </a:r>
           </a:p>
           <a:p>
             <a:pPr lvl="2"/>
             <a:r>
-              <a:rPr lang="de-CH" dirty="0" smtClean="0"/>
+              <a:rPr lang="de-CH" dirty="0"/>
               <a:t>Mind. </a:t>
             </a:r>
             <a:r>
-              <a:rPr lang="de-CH" dirty="0" err="1" smtClean="0"/>
+              <a:rPr lang="de-CH" dirty="0" err="1"/>
               <a:t>Timer</a:t>
             </a:r>
             <a:r>
-              <a:rPr lang="de-CH" dirty="0" smtClean="0"/>
+              <a:rPr lang="de-CH" dirty="0"/>
               <a:t> für </a:t>
             </a:r>
             <a:r>
-              <a:rPr lang="de-CH" dirty="0" err="1" smtClean="0"/>
+              <a:rPr lang="de-CH" dirty="0" err="1"/>
               <a:t>autom</a:t>
             </a:r>
             <a:r>
-              <a:rPr lang="de-CH" dirty="0" smtClean="0"/>
+              <a:rPr lang="de-CH" dirty="0"/>
               <a:t>. Aufwärmen</a:t>
             </a:r>
           </a:p>
           <a:p>
             <a:pPr lvl="1"/>
             <a:r>
-              <a:rPr lang="de-CH" dirty="0" smtClean="0"/>
+              <a:rPr lang="de-CH" dirty="0"/>
               <a:t>Partnerschaften erwünscht …</a:t>
             </a:r>
           </a:p>
           <a:p>
             <a:pPr lvl="2"/>
-            <a:endParaRPr lang="de-CH" dirty="0" smtClean="0"/>
-          </a:p>
-          <a:p>
-            <a:r>
-              <a:rPr lang="de-CH" dirty="0" smtClean="0"/>
+            <a:endParaRPr lang="de-CH" dirty="0"/>
+          </a:p>
+          <a:p>
+            <a:r>
+              <a:rPr lang="de-CH" dirty="0"/>
               <a:t>Weitere Ideen für Features &amp; Digitalisierung …</a:t>
             </a:r>
           </a:p>
@@ -20521,23 +20006,23 @@
           <a:lstStyle/>
           <a:p>
             <a:r>
-              <a:rPr lang="en-US" dirty="0" smtClean="0"/>
+              <a:rPr lang="en-US" dirty="0"/>
               <a:t>Die </a:t>
             </a:r>
             <a:r>
-              <a:rPr lang="en-US" dirty="0" err="1" smtClean="0"/>
+              <a:rPr lang="en-US" dirty="0" err="1"/>
               <a:t>Produktidee</a:t>
             </a:r>
             <a:r>
-              <a:rPr lang="en-US" dirty="0" smtClean="0"/>
+              <a:rPr lang="en-US" dirty="0"/>
               <a:t> – die </a:t>
             </a:r>
             <a:r>
-              <a:rPr lang="en-US" dirty="0" err="1" smtClean="0"/>
+              <a:rPr lang="en-US" dirty="0" err="1"/>
               <a:t>intelligente</a:t>
             </a:r>
             <a:r>
-              <a:rPr lang="en-US" smtClean="0"/>
+              <a:rPr lang="en-US"/>
               <a:t> Lunchbox</a:t>
             </a:r>
             <a:endParaRPr lang="en-US" dirty="0"/>
@@ -20566,10 +20051,9 @@
               <a:t>3</a:t>
             </a:fld>
             <a:r>
-              <a:rPr lang="de-CH" dirty="0" smtClean="0"/>
+              <a:rPr lang="de-CH" dirty="0"/>
               <a:t> </a:t>
             </a:r>
-            <a:endParaRPr lang="de-CH" dirty="0"/>
           </a:p>
         </p:txBody>
       </p:sp>
@@ -20703,13 +20187,6 @@
   <p:clrMapOvr>
     <a:masterClrMapping/>
   </p:clrMapOvr>
-  <p:timing>
-    <p:tnLst>
-      <p:par>
-        <p:cTn id="1" dur="indefinite" restart="never" nodeType="tmRoot"/>
-      </p:par>
-    </p:tnLst>
-  </p:timing>
 </p:sld>
 </file>
 
@@ -20746,7 +20223,7 @@
           <a:lstStyle/>
           <a:p>
             <a:r>
-              <a:rPr lang="de-DE" smtClean="0"/>
+              <a:rPr lang="de-DE"/>
               <a:t>Chris Russ / IWI / ZHAW</a:t>
             </a:r>
             <a:endParaRPr lang="de-CH" dirty="0"/>
@@ -20777,62 +20254,62 @@
               <a:buNone/>
             </a:pPr>
             <a:r>
-              <a:rPr lang="de-CH" dirty="0" smtClean="0"/>
+              <a:rPr lang="de-CH" dirty="0"/>
               <a:t>Eingrenzung der Mitbewerber und des Anbietermarktes</a:t>
             </a:r>
           </a:p>
           <a:p>
             <a:pPr lvl="1"/>
             <a:r>
-              <a:rPr lang="de-CH" dirty="0" smtClean="0"/>
+              <a:rPr lang="de-CH" dirty="0"/>
               <a:t>Wer bedient die selben Kundenbedürfnisse?</a:t>
             </a:r>
           </a:p>
           <a:p>
             <a:pPr lvl="1"/>
             <a:r>
-              <a:rPr lang="de-CH" dirty="0" smtClean="0"/>
+              <a:rPr lang="de-CH" dirty="0"/>
               <a:t>Wer bietet den selben Nutzen im Marktsegment?</a:t>
             </a:r>
           </a:p>
           <a:p>
             <a:pPr lvl="1"/>
             <a:r>
-              <a:rPr lang="de-CH" dirty="0" smtClean="0"/>
+              <a:rPr lang="de-CH" dirty="0"/>
               <a:t>Wer differenziert sich ähnlich?</a:t>
             </a:r>
           </a:p>
           <a:p>
             <a:pPr lvl="1"/>
             <a:r>
-              <a:rPr lang="de-CH" dirty="0" smtClean="0"/>
+              <a:rPr lang="de-CH" dirty="0"/>
               <a:t>Wer hat die selben Entry- und Exit-Barrieren?</a:t>
             </a:r>
           </a:p>
           <a:p>
             <a:pPr lvl="1"/>
             <a:r>
-              <a:rPr lang="de-CH" dirty="0" smtClean="0"/>
+              <a:rPr lang="de-CH" dirty="0"/>
               <a:t>Wer ist ähnlich vertikal im Geschäftsbereich </a:t>
             </a:r>
             <a:br>
-              <a:rPr lang="de-CH" dirty="0" smtClean="0"/>
+              <a:rPr lang="de-CH" dirty="0"/>
             </a:br>
             <a:r>
-              <a:rPr lang="de-CH" dirty="0" smtClean="0"/>
+              <a:rPr lang="de-CH" dirty="0"/>
               <a:t>integriert?</a:t>
             </a:r>
           </a:p>
           <a:p>
             <a:pPr lvl="1"/>
             <a:r>
-              <a:rPr lang="de-CH" dirty="0" smtClean="0"/>
+              <a:rPr lang="de-CH" dirty="0"/>
               <a:t>Wer hat eine ähnliche Kostenstruktur?</a:t>
             </a:r>
           </a:p>
           <a:p>
             <a:pPr lvl="1"/>
-            <a:endParaRPr lang="de-CH" dirty="0" smtClean="0"/>
+            <a:endParaRPr lang="de-CH" dirty="0"/>
           </a:p>
           <a:p>
             <a:endParaRPr lang="de-CH" dirty="0"/>
@@ -20858,10 +20335,9 @@
           <a:lstStyle/>
           <a:p>
             <a:r>
-              <a:rPr lang="de-CH" dirty="0" smtClean="0"/>
+              <a:rPr lang="de-CH" dirty="0"/>
               <a:t>Wettbewerbsanalyse Mitbewerber</a:t>
             </a:r>
-            <a:endParaRPr lang="de-CH" dirty="0"/>
           </a:p>
         </p:txBody>
       </p:sp>
@@ -20887,7 +20363,7 @@
               <a:t>4</a:t>
             </a:fld>
             <a:r>
-              <a:rPr lang="de-CH" smtClean="0"/>
+              <a:rPr lang="de-CH"/>
               <a:t> </a:t>
             </a:r>
             <a:endParaRPr lang="de-CH" dirty="0"/>
@@ -20904,13 +20380,6 @@
   <p:clrMapOvr>
     <a:masterClrMapping/>
   </p:clrMapOvr>
-  <p:timing>
-    <p:tnLst>
-      <p:par>
-        <p:cTn id="1" dur="indefinite" restart="never" nodeType="tmRoot"/>
-      </p:par>
-    </p:tnLst>
-  </p:timing>
 </p:sld>
 </file>
 
@@ -20947,7 +20416,7 @@
           <a:lstStyle/>
           <a:p>
             <a:r>
-              <a:rPr lang="de-DE" smtClean="0"/>
+              <a:rPr lang="de-DE"/>
               <a:t>Chris Russ / IWI / ZHAW</a:t>
             </a:r>
             <a:endParaRPr lang="de-CH" dirty="0"/>
@@ -20970,183 +20439,134 @@
           <a:lstStyle/>
           <a:p>
             <a:r>
-              <a:rPr lang="de-CH" b="1" dirty="0" smtClean="0"/>
+              <a:rPr lang="de-CH" b="1" dirty="0"/>
               <a:t>Marktsegmentierung: Machen Sie sich Gedanken zu folgenden Punkten:</a:t>
             </a:r>
           </a:p>
           <a:p>
             <a:pPr lvl="1"/>
             <a:r>
-              <a:rPr lang="de-CH" dirty="0" smtClean="0"/>
-              <a:t>Kunde / Käufer Potential</a:t>
-            </a:r>
-            <a:r>
-              <a:rPr lang="de-CH" dirty="0" smtClean="0"/>
-              <a:t>: Unternehmen für Mitarbeitende; Schüler/</a:t>
-            </a:r>
-            <a:r>
-              <a:rPr lang="de-CH" dirty="0" err="1" smtClean="0"/>
+              <a:rPr lang="de-CH" dirty="0"/>
+              <a:t>Kunde / Käufer Potential: Unternehmen für Mitarbeitende; Schüler/</a:t>
+            </a:r>
+            <a:r>
+              <a:rPr lang="de-CH" dirty="0" err="1"/>
               <a:t>Stundenten</a:t>
             </a:r>
             <a:r>
-              <a:rPr lang="de-CH" dirty="0" smtClean="0"/>
+              <a:rPr lang="de-CH" dirty="0"/>
               <a:t>, Handwerker, Militär, Outdoor/Camping </a:t>
             </a:r>
             <a:r>
-              <a:rPr lang="de-CH" dirty="0" smtClean="0">
+              <a:rPr lang="de-CH" dirty="0">
                 <a:sym typeface="Wingdings" panose="05000000000000000000" pitchFamily="2" charset="2"/>
               </a:rPr>
               <a:t> </a:t>
             </a:r>
             <a:r>
-              <a:rPr lang="de-CH" dirty="0" smtClean="0"/>
-              <a:t> generell alle </a:t>
-            </a:r>
-            <a:r>
               <a:rPr lang="de-CH" dirty="0"/>
-              <a:t>die sich unterwegs </a:t>
-            </a:r>
-            <a:r>
-              <a:rPr lang="de-CH" dirty="0" smtClean="0"/>
-              <a:t>verpflegen</a:t>
-            </a:r>
-            <a:endParaRPr lang="de-CH" dirty="0" smtClean="0"/>
+              <a:t> generell alle die sich unterwegs verpflegen</a:t>
+            </a:r>
           </a:p>
           <a:p>
             <a:pPr lvl="1"/>
             <a:r>
-              <a:rPr lang="de-CH" dirty="0" smtClean="0"/>
-              <a:t>Anbieter </a:t>
-            </a:r>
-            <a:r>
-              <a:rPr lang="de-CH" dirty="0" smtClean="0"/>
-              <a:t>/ Verkäufer</a:t>
-            </a:r>
-            <a:r>
-              <a:rPr lang="de-CH" dirty="0" smtClean="0"/>
-              <a:t>: Haushaltsgeschäfte; Campingbedarf; </a:t>
-            </a:r>
-            <a:r>
-              <a:rPr lang="de-CH" dirty="0" err="1" smtClean="0"/>
+              <a:rPr lang="de-CH" dirty="0"/>
+              <a:t>Anbieter / Verkäufer: Haushaltsgeschäfte; Campingbedarf; </a:t>
+            </a:r>
+            <a:r>
+              <a:rPr lang="de-CH" dirty="0" err="1"/>
               <a:t>Outdoorgeschäfte</a:t>
             </a:r>
             <a:r>
-              <a:rPr lang="de-CH" dirty="0" smtClean="0"/>
+              <a:rPr lang="de-CH" dirty="0"/>
               <a:t>; Unternehmen, Kantinen; Take-</a:t>
             </a:r>
             <a:r>
-              <a:rPr lang="de-CH" dirty="0" err="1" smtClean="0"/>
+              <a:rPr lang="de-CH" dirty="0" err="1"/>
               <a:t>Away</a:t>
             </a:r>
             <a:r>
-              <a:rPr lang="de-CH" dirty="0" smtClean="0"/>
+              <a:rPr lang="de-CH" dirty="0"/>
               <a:t>; Online-Shops (</a:t>
             </a:r>
             <a:r>
-              <a:rPr lang="de-CH" dirty="0" err="1" smtClean="0"/>
+              <a:rPr lang="de-CH" dirty="0" err="1"/>
               <a:t>Galaxus</a:t>
             </a:r>
             <a:r>
-              <a:rPr lang="de-CH" dirty="0" smtClean="0"/>
+              <a:rPr lang="de-CH" dirty="0"/>
               <a:t>, etc.)</a:t>
             </a:r>
-            <a:endParaRPr lang="de-CH" dirty="0"/>
           </a:p>
           <a:p>
             <a:pPr lvl="1"/>
             <a:r>
-              <a:rPr lang="de-CH" dirty="0" smtClean="0"/>
+              <a:rPr lang="de-CH" dirty="0"/>
               <a:t>Wettbewerbsvorteil (</a:t>
             </a:r>
             <a:r>
-              <a:rPr lang="de-CH" dirty="0" err="1" smtClean="0"/>
+              <a:rPr lang="de-CH" dirty="0" err="1"/>
               <a:t>Competitive</a:t>
             </a:r>
             <a:r>
-              <a:rPr lang="de-CH" dirty="0" smtClean="0"/>
-              <a:t> Advantage</a:t>
-            </a:r>
-            <a:r>
-              <a:rPr lang="de-CH" dirty="0" smtClean="0"/>
-              <a:t>): Erwärmung «autark»; «gesunde» Erwärmung; Wiederverwendbar/</a:t>
-            </a:r>
-            <a:r>
-              <a:rPr lang="de-CH" dirty="0" err="1" smtClean="0"/>
+              <a:rPr lang="de-CH" dirty="0"/>
+              <a:t> Advantage): Erwärmung «autark»; «gesunde» Erwärmung; Wiederverwendbar/</a:t>
+            </a:r>
+            <a:r>
+              <a:rPr lang="de-CH" dirty="0" err="1"/>
               <a:t>Nachhatig</a:t>
             </a:r>
             <a:r>
-              <a:rPr lang="de-CH" dirty="0" smtClean="0"/>
+              <a:rPr lang="de-CH" dirty="0"/>
               <a:t>; Hygienisch; praktisch/kompakt; trifft den «Zahn der Zeit»; Produktdesign; App-Bedienbar (digital)</a:t>
             </a:r>
-            <a:endParaRPr lang="de-CH" dirty="0"/>
-          </a:p>
-          <a:p>
-            <a:r>
-              <a:rPr lang="de-CH" dirty="0" smtClean="0"/>
+          </a:p>
+          <a:p>
+            <a:r>
+              <a:rPr lang="de-CH" dirty="0"/>
               <a:t>Wahl der angezielt </a:t>
             </a:r>
             <a:r>
-              <a:rPr lang="de-CH" b="1" dirty="0" smtClean="0"/>
+              <a:rPr lang="de-CH" b="1" dirty="0"/>
               <a:t>Führerschaft am Markt</a:t>
             </a:r>
             <a:r>
-              <a:rPr lang="de-CH" dirty="0" smtClean="0"/>
+              <a:rPr lang="de-CH" dirty="0"/>
               <a:t>:</a:t>
             </a:r>
           </a:p>
           <a:p>
             <a:pPr lvl="1"/>
             <a:r>
-              <a:rPr lang="de-CH" dirty="0" smtClean="0">
+              <a:rPr lang="de-CH" dirty="0">
                 <a:solidFill>
                   <a:srgbClr val="FF0000"/>
                 </a:solidFill>
               </a:rPr>
-              <a:t>Beste Produkt (Produkt Leadership): </a:t>
-            </a:r>
-            <a:r>
-              <a:rPr lang="de-CH" dirty="0" smtClean="0">
-                <a:solidFill>
-                  <a:srgbClr val="FF0000"/>
-                </a:solidFill>
-              </a:rPr>
-              <a:t>High-End-Produkt in seiner Klasse; eher hochpreisig; hohe Qualitätsansprüche</a:t>
-            </a:r>
-            <a:endParaRPr lang="de-CH" dirty="0" smtClean="0">
-              <a:solidFill>
-                <a:srgbClr val="FF0000"/>
-              </a:solidFill>
-            </a:endParaRPr>
+              <a:t>Beste Produkt (Produkt Leadership): High-End-Produkt in seiner Klasse; eher hochpreisig; hohe Qualitätsansprüche</a:t>
+            </a:r>
           </a:p>
           <a:p>
             <a:pPr lvl="1"/>
             <a:r>
-              <a:rPr lang="de-CH" dirty="0" smtClean="0"/>
-              <a:t>Stärkste </a:t>
-            </a:r>
-            <a:r>
-              <a:rPr lang="de-CH" dirty="0" smtClean="0"/>
-              <a:t>Kundennähe (Customer </a:t>
-            </a:r>
-            <a:r>
-              <a:rPr lang="de-CH" dirty="0" err="1" smtClean="0"/>
+              <a:rPr lang="de-CH" dirty="0"/>
+              <a:t>Stärkste Kundennähe (Customer </a:t>
+            </a:r>
+            <a:r>
+              <a:rPr lang="de-CH" dirty="0" err="1"/>
               <a:t>Intimacy</a:t>
             </a:r>
             <a:r>
-              <a:rPr lang="de-CH" dirty="0" smtClean="0"/>
+              <a:rPr lang="de-CH" dirty="0"/>
               <a:t>): </a:t>
             </a:r>
-            <a:endParaRPr lang="de-CH" dirty="0" smtClean="0"/>
           </a:p>
           <a:p>
             <a:pPr lvl="1"/>
             <a:r>
-              <a:rPr lang="de-CH" dirty="0" smtClean="0"/>
-              <a:t>Effizienteste </a:t>
-            </a:r>
-            <a:r>
-              <a:rPr lang="de-CH" dirty="0" smtClean="0"/>
-              <a:t>Ausführung (Operational Excellence):</a:t>
+              <a:rPr lang="de-CH" dirty="0"/>
+              <a:t>Effizienteste Ausführung (Operational Excellence):</a:t>
             </a:r>
           </a:p>
         </p:txBody>
@@ -21167,10 +20587,9 @@
           <a:lstStyle/>
           <a:p>
             <a:r>
-              <a:rPr lang="de-CH" dirty="0" smtClean="0"/>
+              <a:rPr lang="de-CH" dirty="0"/>
               <a:t>Marktanalyse Kunden und Produkt</a:t>
             </a:r>
-            <a:endParaRPr lang="de-CH" dirty="0"/>
           </a:p>
         </p:txBody>
       </p:sp>
@@ -21196,7 +20615,7 @@
               <a:t>5</a:t>
             </a:fld>
             <a:r>
-              <a:rPr lang="de-CH" smtClean="0"/>
+              <a:rPr lang="de-CH"/>
               <a:t> </a:t>
             </a:r>
             <a:endParaRPr lang="de-CH" dirty="0"/>
@@ -21226,18 +20645,13 @@
           <a:lstStyle/>
           <a:p>
             <a:r>
-              <a:rPr lang="de-CH" b="1" dirty="0" smtClean="0">
+              <a:rPr lang="de-CH" b="1" dirty="0">
                 <a:solidFill>
                   <a:schemeClr val="bg1"/>
                 </a:solidFill>
               </a:rPr>
               <a:t>Pascal</a:t>
             </a:r>
-            <a:endParaRPr lang="de-CH" b="1" dirty="0">
-              <a:solidFill>
-                <a:schemeClr val="bg1"/>
-              </a:solidFill>
-            </a:endParaRPr>
           </a:p>
         </p:txBody>
       </p:sp>
@@ -21251,13 +20665,6 @@
   <p:clrMapOvr>
     <a:masterClrMapping/>
   </p:clrMapOvr>
-  <p:timing>
-    <p:tnLst>
-      <p:par>
-        <p:cTn id="1" dur="indefinite" restart="never" nodeType="tmRoot"/>
-      </p:par>
-    </p:tnLst>
-  </p:timing>
 </p:sld>
 </file>
 
@@ -21294,7 +20701,7 @@
           <a:lstStyle/>
           <a:p>
             <a:r>
-              <a:rPr lang="de-DE" smtClean="0"/>
+              <a:rPr lang="de-DE"/>
               <a:t>Chris Russ / IWI / ZHAW</a:t>
             </a:r>
             <a:endParaRPr lang="de-CH" dirty="0"/>
@@ -21317,18 +20724,9 @@
           <a:lstStyle/>
           <a:p>
             <a:r>
-              <a:rPr lang="de-CH" dirty="0" smtClean="0"/>
-              <a:t>Markt- </a:t>
-            </a:r>
-            <a:r>
               <a:rPr lang="de-CH" dirty="0"/>
-              <a:t>und </a:t>
-            </a:r>
-            <a:r>
-              <a:rPr lang="de-CH" dirty="0" smtClean="0"/>
-              <a:t>Wettbewerbsanalyse durch 5 Forces für Ihr Produkt</a:t>
-            </a:r>
-            <a:endParaRPr lang="de-CH" dirty="0"/>
+              <a:t>Markt- und Wettbewerbsanalyse durch 5 Forces für Ihr Produkt</a:t>
+            </a:r>
           </a:p>
         </p:txBody>
       </p:sp>
@@ -21359,7 +20757,7 @@
               <a:t>6</a:t>
             </a:fld>
             <a:r>
-              <a:rPr lang="de-CH" smtClean="0"/>
+              <a:rPr lang="de-CH"/>
               <a:t> </a:t>
             </a:r>
             <a:endParaRPr lang="de-CH" dirty="0"/>
@@ -21414,7 +20812,7 @@
           <a:p>
             <a:pPr algn="ctr"/>
             <a:r>
-              <a:rPr lang="en-US" sz="1600" b="1" dirty="0" smtClean="0">
+              <a:rPr lang="en-US" sz="1600" b="1" dirty="0">
                 <a:solidFill>
                   <a:schemeClr val="tx1"/>
                 </a:solidFill>
@@ -21427,18 +20825,10 @@
                   <a:schemeClr val="tx1"/>
                 </a:solidFill>
               </a:rPr>
-              <a:t>n</a:t>
-            </a:r>
-            <a:r>
-              <a:rPr lang="en-US" sz="1600" b="1" dirty="0" err="1" smtClean="0">
-                <a:solidFill>
-                  <a:schemeClr val="tx1"/>
-                </a:solidFill>
-              </a:rPr>
-              <a:t>eue</a:t>
-            </a:r>
-            <a:r>
-              <a:rPr lang="en-US" sz="1600" b="1" dirty="0" smtClean="0">
+              <a:t>neue</a:t>
+            </a:r>
+            <a:r>
+              <a:rPr lang="en-US" sz="1600" b="1" dirty="0">
                 <a:solidFill>
                   <a:schemeClr val="tx1"/>
                 </a:solidFill>
@@ -21446,14 +20836,14 @@
               <a:t> </a:t>
             </a:r>
             <a:r>
-              <a:rPr lang="en-US" sz="1600" b="1" dirty="0" err="1" smtClean="0">
+              <a:rPr lang="en-US" sz="1600" b="1" dirty="0" err="1">
                 <a:solidFill>
                   <a:schemeClr val="tx1"/>
                 </a:solidFill>
               </a:rPr>
               <a:t>Konkurrenten</a:t>
             </a:r>
-            <a:endParaRPr lang="en-US" sz="1600" b="1" dirty="0" smtClean="0">
+            <a:endParaRPr lang="en-US" sz="1600" b="1" dirty="0">
               <a:solidFill>
                 <a:schemeClr val="tx1"/>
               </a:solidFill>
@@ -21465,7 +20855,7 @@
               <a:buChar char="•"/>
             </a:pPr>
             <a:r>
-              <a:rPr lang="en-US" sz="1600" dirty="0" err="1" smtClean="0">
+              <a:rPr lang="en-US" sz="1600" dirty="0" err="1">
                 <a:solidFill>
                   <a:schemeClr val="tx1"/>
                 </a:solidFill>
@@ -21473,7 +20863,7 @@
               <a:t>Kopie</a:t>
             </a:r>
             <a:r>
-              <a:rPr lang="en-US" sz="1600" dirty="0" smtClean="0">
+              <a:rPr lang="en-US" sz="1600" dirty="0">
                 <a:solidFill>
                   <a:schemeClr val="tx1"/>
                 </a:solidFill>
@@ -21481,7 +20871,7 @@
               <a:t> (</a:t>
             </a:r>
             <a:r>
-              <a:rPr lang="en-US" sz="1600" dirty="0" err="1" smtClean="0">
+              <a:rPr lang="en-US" sz="1600" dirty="0" err="1">
                 <a:solidFill>
                   <a:schemeClr val="tx1"/>
                 </a:solidFill>
@@ -21489,7 +20879,7 @@
               <a:t>ggf</a:t>
             </a:r>
             <a:r>
-              <a:rPr lang="en-US" sz="1600" dirty="0" smtClean="0">
+              <a:rPr lang="en-US" sz="1600" dirty="0">
                 <a:solidFill>
                   <a:schemeClr val="tx1"/>
                 </a:solidFill>
@@ -21502,18 +20892,10 @@
                   <a:schemeClr val="tx1"/>
                 </a:solidFill>
               </a:rPr>
-              <a:t>g</a:t>
-            </a:r>
-            <a:r>
-              <a:rPr lang="en-US" sz="1600" dirty="0" err="1" smtClean="0">
-                <a:solidFill>
-                  <a:schemeClr val="tx1"/>
-                </a:solidFill>
-              </a:rPr>
-              <a:t>ünstigere</a:t>
-            </a:r>
-            <a:r>
-              <a:rPr lang="en-US" sz="1600" dirty="0" smtClean="0">
+              <a:t>günstigere</a:t>
+            </a:r>
+            <a:r>
+              <a:rPr lang="en-US" sz="1600" dirty="0">
                 <a:solidFill>
                   <a:schemeClr val="tx1"/>
                 </a:solidFill>
@@ -21521,7 +20903,7 @@
               <a:t> </a:t>
             </a:r>
             <a:r>
-              <a:rPr lang="en-US" sz="1600" dirty="0" err="1" smtClean="0">
+              <a:rPr lang="en-US" sz="1600" dirty="0" err="1">
                 <a:solidFill>
                   <a:schemeClr val="tx1"/>
                 </a:solidFill>
@@ -21529,7 +20911,7 @@
               <a:t>Produktion</a:t>
             </a:r>
             <a:r>
-              <a:rPr lang="en-US" sz="1600" dirty="0" smtClean="0">
+              <a:rPr lang="en-US" sz="1600" dirty="0">
                 <a:solidFill>
                   <a:schemeClr val="tx1"/>
                 </a:solidFill>
@@ -21537,14 +20919,14 @@
               <a:t>) </a:t>
             </a:r>
             <a:r>
-              <a:rPr lang="en-US" sz="1600" dirty="0" err="1" smtClean="0">
+              <a:rPr lang="en-US" sz="1600" dirty="0" err="1">
                 <a:solidFill>
                   <a:schemeClr val="tx1"/>
                 </a:solidFill>
               </a:rPr>
               <a:t>möglich</a:t>
             </a:r>
-            <a:endParaRPr lang="en-US" sz="1600" dirty="0" smtClean="0">
+            <a:endParaRPr lang="en-US" sz="1600" dirty="0">
               <a:solidFill>
                 <a:schemeClr val="tx1"/>
               </a:solidFill>
@@ -21556,7 +20938,7 @@
               <a:buChar char="•"/>
             </a:pPr>
             <a:r>
-              <a:rPr lang="en-US" sz="1600" dirty="0" err="1" smtClean="0">
+              <a:rPr lang="en-US" sz="1600" dirty="0" err="1">
                 <a:solidFill>
                   <a:schemeClr val="tx1"/>
                 </a:solidFill>
@@ -21564,7 +20946,7 @@
               <a:t>Ohne</a:t>
             </a:r>
             <a:r>
-              <a:rPr lang="en-US" sz="1600" dirty="0" smtClean="0">
+              <a:rPr lang="en-US" sz="1600" dirty="0">
                 <a:solidFill>
                   <a:schemeClr val="tx1"/>
                 </a:solidFill>
@@ -21572,7 +20954,7 @@
               <a:t> Patent </a:t>
             </a:r>
             <a:r>
-              <a:rPr lang="en-US" sz="1600" dirty="0" err="1" smtClean="0">
+              <a:rPr lang="en-US" sz="1600" dirty="0" err="1">
                 <a:solidFill>
                   <a:schemeClr val="tx1"/>
                 </a:solidFill>
@@ -21580,7 +20962,7 @@
               <a:t>relativ</a:t>
             </a:r>
             <a:r>
-              <a:rPr lang="en-US" sz="1600" dirty="0" smtClean="0">
+              <a:rPr lang="en-US" sz="1600" dirty="0">
                 <a:solidFill>
                   <a:schemeClr val="tx1"/>
                 </a:solidFill>
@@ -21588,7 +20970,7 @@
               <a:t> </a:t>
             </a:r>
             <a:r>
-              <a:rPr lang="en-US" sz="1600" dirty="0" err="1" smtClean="0">
+              <a:rPr lang="en-US" sz="1600" dirty="0" err="1">
                 <a:solidFill>
                   <a:schemeClr val="tx1"/>
                 </a:solidFill>
@@ -21596,7 +20978,7 @@
               <a:t>einfach</a:t>
             </a:r>
             <a:r>
-              <a:rPr lang="en-US" sz="1600" dirty="0" smtClean="0">
+              <a:rPr lang="en-US" sz="1600" dirty="0">
                 <a:solidFill>
                   <a:schemeClr val="tx1"/>
                 </a:solidFill>
@@ -21604,14 +20986,14 @@
               <a:t> </a:t>
             </a:r>
             <a:r>
-              <a:rPr lang="en-US" sz="1600" dirty="0" err="1" smtClean="0">
+              <a:rPr lang="en-US" sz="1600" dirty="0" err="1">
                 <a:solidFill>
                   <a:schemeClr val="tx1"/>
                 </a:solidFill>
               </a:rPr>
               <a:t>kopierbar</a:t>
             </a:r>
-            <a:endParaRPr lang="en-US" sz="1600" dirty="0" smtClean="0">
+            <a:endParaRPr lang="en-US" sz="1600" dirty="0">
               <a:solidFill>
                 <a:schemeClr val="tx1"/>
               </a:solidFill>
@@ -21622,7 +21004,7 @@
               <a:buFont typeface="Arial" panose="020B0604020202020204" pitchFamily="34" charset="0"/>
               <a:buChar char="•"/>
             </a:pPr>
-            <a:endParaRPr lang="en-US" sz="1600" dirty="0" smtClean="0">
+            <a:endParaRPr lang="en-US" sz="1600" dirty="0">
               <a:solidFill>
                 <a:schemeClr val="tx1"/>
               </a:solidFill>
@@ -21678,7 +21060,7 @@
           <a:p>
             <a:pPr algn="ctr"/>
             <a:r>
-              <a:rPr lang="en-US" sz="1600" b="1" dirty="0" err="1" smtClean="0">
+              <a:rPr lang="en-US" sz="1600" b="1" dirty="0" err="1">
                 <a:solidFill>
                   <a:schemeClr val="tx1"/>
                 </a:solidFill>
@@ -21686,7 +21068,7 @@
               <a:t>Wettbewerb</a:t>
             </a:r>
             <a:r>
-              <a:rPr lang="en-US" sz="1600" b="1" dirty="0" smtClean="0">
+              <a:rPr lang="en-US" sz="1600" b="1" dirty="0">
                 <a:solidFill>
                   <a:schemeClr val="tx1"/>
                 </a:solidFill>
@@ -21694,14 +21076,14 @@
               <a:t> in der </a:t>
             </a:r>
             <a:r>
-              <a:rPr lang="en-US" sz="1600" b="1" dirty="0" err="1" smtClean="0">
+              <a:rPr lang="en-US" sz="1600" b="1" dirty="0" err="1">
                 <a:solidFill>
                   <a:schemeClr val="tx1"/>
                 </a:solidFill>
               </a:rPr>
               <a:t>Branche</a:t>
             </a:r>
-            <a:endParaRPr lang="en-US" sz="1600" b="1" dirty="0" smtClean="0">
+            <a:endParaRPr lang="en-US" sz="1600" b="1" dirty="0">
               <a:solidFill>
                 <a:schemeClr val="tx1"/>
               </a:solidFill>
@@ -21713,7 +21095,7 @@
               <a:buChar char="•"/>
             </a:pPr>
             <a:r>
-              <a:rPr lang="en-US" sz="1600" dirty="0" smtClean="0">
+              <a:rPr lang="en-US" sz="1600" dirty="0">
                 <a:solidFill>
                   <a:schemeClr val="tx1"/>
                 </a:solidFill>
@@ -21721,74 +21103,12 @@
               <a:t>Take </a:t>
             </a:r>
             <a:r>
-              <a:rPr lang="en-US" sz="1600" dirty="0" err="1" smtClean="0">
+              <a:rPr lang="en-US" sz="1600" dirty="0" err="1">
                 <a:solidFill>
                   <a:schemeClr val="tx1"/>
                 </a:solidFill>
               </a:rPr>
               <a:t>Aways</a:t>
-            </a:r>
-            <a:endParaRPr lang="en-US" sz="1600" dirty="0" smtClean="0">
-              <a:solidFill>
-                <a:schemeClr val="tx1"/>
-              </a:solidFill>
-            </a:endParaRPr>
-          </a:p>
-          <a:p>
-            <a:pPr marL="285750" indent="-285750">
-              <a:buFont typeface="Arial" panose="020B0604020202020204" pitchFamily="34" charset="0"/>
-              <a:buChar char="•"/>
-            </a:pPr>
-            <a:r>
-              <a:rPr lang="en-US" sz="1600" dirty="0" smtClean="0">
-                <a:solidFill>
-                  <a:schemeClr val="tx1"/>
-                </a:solidFill>
-              </a:rPr>
-              <a:t>Tupperware-</a:t>
-            </a:r>
-            <a:r>
-              <a:rPr lang="en-US" sz="1600" dirty="0" err="1" smtClean="0">
-                <a:solidFill>
-                  <a:schemeClr val="tx1"/>
-                </a:solidFill>
-              </a:rPr>
-              <a:t>Produktanbieter</a:t>
-            </a:r>
-            <a:endParaRPr lang="en-US" sz="1600" dirty="0" smtClean="0">
-              <a:solidFill>
-                <a:schemeClr val="tx1"/>
-              </a:solidFill>
-            </a:endParaRPr>
-          </a:p>
-          <a:p>
-            <a:pPr marL="285750" indent="-285750">
-              <a:buFont typeface="Arial" panose="020B0604020202020204" pitchFamily="34" charset="0"/>
-              <a:buChar char="•"/>
-            </a:pPr>
-            <a:r>
-              <a:rPr lang="en-US" sz="1600" dirty="0" err="1" smtClean="0">
-                <a:solidFill>
-                  <a:schemeClr val="tx1"/>
-                </a:solidFill>
-              </a:rPr>
-              <a:t>Klassische</a:t>
-            </a:r>
-            <a:r>
-              <a:rPr lang="en-US" sz="1600" dirty="0" smtClean="0">
-                <a:solidFill>
-                  <a:schemeClr val="tx1"/>
-                </a:solidFill>
-              </a:rPr>
-              <a:t> </a:t>
-            </a:r>
-            <a:r>
-              <a:rPr lang="en-US" sz="1600" dirty="0" err="1" smtClean="0">
-                <a:solidFill>
-                  <a:schemeClr val="tx1"/>
-                </a:solidFill>
-              </a:rPr>
-              <a:t>Kantine</a:t>
             </a:r>
             <a:endParaRPr lang="en-US" sz="1600" dirty="0">
               <a:solidFill>
@@ -21802,44 +21122,20 @@
               <a:buChar char="•"/>
             </a:pPr>
             <a:r>
-              <a:rPr lang="en-US" sz="1600" dirty="0" smtClean="0">
+              <a:rPr lang="en-US" sz="1600" dirty="0">
                 <a:solidFill>
                   <a:schemeClr val="tx1"/>
                 </a:solidFill>
               </a:rPr>
-              <a:t>Fast Food </a:t>
-            </a:r>
-            <a:r>
-              <a:rPr lang="en-US" sz="1600" dirty="0" err="1" smtClean="0">
+              <a:t>Tupperware-</a:t>
+            </a:r>
+            <a:r>
+              <a:rPr lang="en-US" sz="1600" dirty="0" err="1">
                 <a:solidFill>
                   <a:schemeClr val="tx1"/>
                 </a:solidFill>
               </a:rPr>
-              <a:t>Ketten</a:t>
-            </a:r>
-            <a:r>
-              <a:rPr lang="en-US" sz="1600" dirty="0">
-                <a:solidFill>
-                  <a:schemeClr val="tx1"/>
-                </a:solidFill>
-              </a:rPr>
-              <a:t> </a:t>
-            </a:r>
-            <a:r>
-              <a:rPr lang="en-US" sz="1600" dirty="0" smtClean="0">
-                <a:solidFill>
-                  <a:schemeClr val="tx1"/>
-                </a:solidFill>
-              </a:rPr>
-              <a:t>/ Convenience-</a:t>
-            </a:r>
-            <a:r>
-              <a:rPr lang="en-US" sz="1600" dirty="0" err="1" smtClean="0">
-                <a:solidFill>
-                  <a:schemeClr val="tx1"/>
-                </a:solidFill>
-              </a:rPr>
-              <a:t>Anbieter</a:t>
+              <a:t>Produktanbieter</a:t>
             </a:r>
             <a:endParaRPr lang="en-US" sz="1600" dirty="0">
               <a:solidFill>
@@ -21852,7 +21148,85 @@
               <a:buFont typeface="Arial" panose="020B0604020202020204" pitchFamily="34" charset="0"/>
               <a:buChar char="•"/>
             </a:pPr>
-            <a:endParaRPr lang="en-US" sz="1600" dirty="0" smtClean="0">
+            <a:r>
+              <a:rPr lang="en-US" sz="1600" dirty="0" err="1">
+                <a:solidFill>
+                  <a:schemeClr val="tx1"/>
+                </a:solidFill>
+              </a:rPr>
+              <a:t>Klassische</a:t>
+            </a:r>
+            <a:r>
+              <a:rPr lang="en-US" sz="1600" dirty="0">
+                <a:solidFill>
+                  <a:schemeClr val="tx1"/>
+                </a:solidFill>
+              </a:rPr>
+              <a:t> </a:t>
+            </a:r>
+            <a:r>
+              <a:rPr lang="en-US" sz="1600" dirty="0" err="1">
+                <a:solidFill>
+                  <a:schemeClr val="tx1"/>
+                </a:solidFill>
+              </a:rPr>
+              <a:t>Kantine</a:t>
+            </a:r>
+            <a:endParaRPr lang="en-US" sz="1600" dirty="0">
+              <a:solidFill>
+                <a:schemeClr val="tx1"/>
+              </a:solidFill>
+            </a:endParaRPr>
+          </a:p>
+          <a:p>
+            <a:pPr marL="285750" indent="-285750">
+              <a:buFont typeface="Arial" panose="020B0604020202020204" pitchFamily="34" charset="0"/>
+              <a:buChar char="•"/>
+            </a:pPr>
+            <a:r>
+              <a:rPr lang="en-US" sz="1600" dirty="0">
+                <a:solidFill>
+                  <a:schemeClr val="tx1"/>
+                </a:solidFill>
+              </a:rPr>
+              <a:t>Fast Food </a:t>
+            </a:r>
+            <a:r>
+              <a:rPr lang="en-US" sz="1600" dirty="0" err="1">
+                <a:solidFill>
+                  <a:schemeClr val="tx1"/>
+                </a:solidFill>
+              </a:rPr>
+              <a:t>Ketten</a:t>
+            </a:r>
+            <a:r>
+              <a:rPr lang="en-US" sz="1600" dirty="0">
+                <a:solidFill>
+                  <a:schemeClr val="tx1"/>
+                </a:solidFill>
+              </a:rPr>
+              <a:t> / Convenience-</a:t>
+            </a:r>
+            <a:r>
+              <a:rPr lang="en-US" sz="1600" dirty="0" err="1">
+                <a:solidFill>
+                  <a:schemeClr val="tx1"/>
+                </a:solidFill>
+              </a:rPr>
+              <a:t>Anbieter</a:t>
+            </a:r>
+            <a:endParaRPr lang="en-US" sz="1600" dirty="0">
+              <a:solidFill>
+                <a:schemeClr val="tx1"/>
+              </a:solidFill>
+            </a:endParaRPr>
+          </a:p>
+          <a:p>
+            <a:pPr marL="285750" indent="-285750">
+              <a:buFont typeface="Arial" panose="020B0604020202020204" pitchFamily="34" charset="0"/>
+              <a:buChar char="•"/>
+            </a:pPr>
+            <a:endParaRPr lang="en-US" sz="1600" dirty="0">
               <a:solidFill>
                 <a:schemeClr val="tx1"/>
               </a:solidFill>
@@ -21908,7 +21282,7 @@
           <a:p>
             <a:pPr algn="ctr"/>
             <a:r>
-              <a:rPr lang="en-US" sz="1600" b="1" dirty="0" err="1" smtClean="0">
+              <a:rPr lang="en-US" sz="1600" b="1" dirty="0" err="1">
                 <a:solidFill>
                   <a:schemeClr val="tx1"/>
                 </a:solidFill>
@@ -21916,7 +21290,7 @@
               <a:t>Verhandlungsstärke</a:t>
             </a:r>
             <a:r>
-              <a:rPr lang="en-US" sz="1600" b="1" dirty="0" smtClean="0">
+              <a:rPr lang="en-US" sz="1600" b="1" dirty="0">
                 <a:solidFill>
                   <a:schemeClr val="tx1"/>
                 </a:solidFill>
@@ -21924,14 +21298,14 @@
               <a:t> </a:t>
             </a:r>
             <a:r>
-              <a:rPr lang="en-US" sz="1600" b="1" dirty="0" err="1" smtClean="0">
+              <a:rPr lang="en-US" sz="1600" b="1" dirty="0" err="1">
                 <a:solidFill>
                   <a:schemeClr val="tx1"/>
                 </a:solidFill>
               </a:rPr>
               <a:t>Lieferant</a:t>
             </a:r>
-            <a:endParaRPr lang="en-US" sz="1600" b="1" dirty="0" smtClean="0">
+            <a:endParaRPr lang="en-US" sz="1600" b="1" dirty="0">
               <a:solidFill>
                 <a:schemeClr val="tx1"/>
               </a:solidFill>
@@ -21943,7 +21317,7 @@
               <a:buChar char="•"/>
             </a:pPr>
             <a:r>
-              <a:rPr lang="en-US" sz="1600" dirty="0" err="1" smtClean="0">
+              <a:rPr lang="en-US" sz="1600" dirty="0" err="1">
                 <a:solidFill>
                   <a:schemeClr val="tx1"/>
                 </a:solidFill>
@@ -21951,7 +21325,7 @@
               <a:t>Nicht</a:t>
             </a:r>
             <a:r>
-              <a:rPr lang="en-US" sz="1600" dirty="0" smtClean="0">
+              <a:rPr lang="en-US" sz="1600" dirty="0">
                 <a:solidFill>
                   <a:schemeClr val="tx1"/>
                 </a:solidFill>
@@ -21959,7 +21333,7 @@
               <a:t> </a:t>
             </a:r>
             <a:r>
-              <a:rPr lang="en-US" sz="1600" dirty="0" err="1" smtClean="0">
+              <a:rPr lang="en-US" sz="1600" dirty="0" err="1">
                 <a:solidFill>
                   <a:schemeClr val="tx1"/>
                 </a:solidFill>
@@ -21967,7 +21341,7 @@
               <a:t>sonderlich</a:t>
             </a:r>
             <a:r>
-              <a:rPr lang="en-US" sz="1600" dirty="0" smtClean="0">
+              <a:rPr lang="en-US" sz="1600" dirty="0">
                 <a:solidFill>
                   <a:schemeClr val="tx1"/>
                 </a:solidFill>
@@ -21975,7 +21349,7 @@
               <a:t> </a:t>
             </a:r>
             <a:r>
-              <a:rPr lang="en-US" sz="1600" dirty="0" err="1" smtClean="0">
+              <a:rPr lang="en-US" sz="1600" dirty="0" err="1">
                 <a:solidFill>
                   <a:schemeClr val="tx1"/>
                 </a:solidFill>
@@ -21983,7 +21357,7 @@
               <a:t>hoch</a:t>
             </a:r>
             <a:r>
-              <a:rPr lang="en-US" sz="1600" dirty="0" smtClean="0">
+              <a:rPr lang="en-US" sz="1600" dirty="0">
                 <a:solidFill>
                   <a:schemeClr val="tx1"/>
                 </a:solidFill>
@@ -21991,7 +21365,7 @@
               <a:t> (</a:t>
             </a:r>
             <a:r>
-              <a:rPr lang="en-US" sz="1600" dirty="0" err="1" smtClean="0">
+              <a:rPr lang="en-US" sz="1600" dirty="0" err="1">
                 <a:solidFill>
                   <a:schemeClr val="tx1"/>
                 </a:solidFill>
@@ -21999,7 +21373,7 @@
               <a:t>AppStore</a:t>
             </a:r>
             <a:r>
-              <a:rPr lang="en-US" sz="1600" dirty="0" smtClean="0">
+              <a:rPr lang="en-US" sz="1600" dirty="0">
                 <a:solidFill>
                   <a:schemeClr val="tx1"/>
                 </a:solidFill>
@@ -22007,7 +21381,7 @@
               <a:t>, </a:t>
             </a:r>
             <a:r>
-              <a:rPr lang="en-US" sz="1600" dirty="0" err="1" smtClean="0">
+              <a:rPr lang="en-US" sz="1600" dirty="0" err="1">
                 <a:solidFill>
                   <a:schemeClr val="tx1"/>
                 </a:solidFill>
@@ -22015,7 +21389,7 @@
               <a:t>Akkus</a:t>
             </a:r>
             <a:r>
-              <a:rPr lang="en-US" sz="1600" dirty="0" smtClean="0">
+              <a:rPr lang="en-US" sz="1600" dirty="0">
                 <a:solidFill>
                   <a:schemeClr val="tx1"/>
                 </a:solidFill>
@@ -22023,7 +21397,7 @@
               <a:t> </a:t>
             </a:r>
             <a:r>
-              <a:rPr lang="en-US" sz="1600" dirty="0" err="1" smtClean="0">
+              <a:rPr lang="en-US" sz="1600" dirty="0" err="1">
                 <a:solidFill>
                   <a:schemeClr val="tx1"/>
                 </a:solidFill>
@@ -22031,7 +21405,7 @@
               <a:t>weit</a:t>
             </a:r>
             <a:r>
-              <a:rPr lang="en-US" sz="1600" dirty="0" smtClean="0">
+              <a:rPr lang="en-US" sz="1600" dirty="0">
                 <a:solidFill>
                   <a:schemeClr val="tx1"/>
                 </a:solidFill>
@@ -22039,7 +21413,7 @@
               <a:t> </a:t>
             </a:r>
             <a:r>
-              <a:rPr lang="en-US" sz="1600" dirty="0" err="1" smtClean="0">
+              <a:rPr lang="en-US" sz="1600" dirty="0" err="1">
                 <a:solidFill>
                   <a:schemeClr val="tx1"/>
                 </a:solidFill>
@@ -22047,7 +21421,7 @@
               <a:t>verbreitet</a:t>
             </a:r>
             <a:r>
-              <a:rPr lang="en-US" sz="1600" dirty="0" smtClean="0">
+              <a:rPr lang="en-US" sz="1600" dirty="0">
                 <a:solidFill>
                   <a:schemeClr val="tx1"/>
                 </a:solidFill>
@@ -22055,7 +21429,7 @@
               <a:t>, </a:t>
             </a:r>
             <a:r>
-              <a:rPr lang="en-US" sz="1600" dirty="0" err="1" smtClean="0">
+              <a:rPr lang="en-US" sz="1600" dirty="0" err="1">
                 <a:solidFill>
                   <a:schemeClr val="tx1"/>
                 </a:solidFill>
@@ -22063,7 +21437,7 @@
               <a:t>Materialien</a:t>
             </a:r>
             <a:r>
-              <a:rPr lang="en-US" sz="1600" dirty="0" smtClean="0">
+              <a:rPr lang="en-US" sz="1600" dirty="0">
                 <a:solidFill>
                   <a:schemeClr val="tx1"/>
                 </a:solidFill>
@@ -22071,7 +21445,7 @@
               <a:t> </a:t>
             </a:r>
             <a:r>
-              <a:rPr lang="en-US" sz="1600" dirty="0" err="1" smtClean="0">
+              <a:rPr lang="en-US" sz="1600" dirty="0" err="1">
                 <a:solidFill>
                   <a:schemeClr val="tx1"/>
                 </a:solidFill>
@@ -22079,18 +21453,13 @@
               <a:t>verfügbar</a:t>
             </a:r>
             <a:r>
-              <a:rPr lang="en-US" sz="1600" dirty="0" smtClean="0">
+              <a:rPr lang="en-US" sz="1600" dirty="0">
                 <a:solidFill>
                   <a:schemeClr val="tx1"/>
                 </a:solidFill>
               </a:rPr>
               <a:t>)</a:t>
             </a:r>
-            <a:endParaRPr lang="en-US" sz="1600" dirty="0" smtClean="0">
-              <a:solidFill>
-                <a:schemeClr val="tx1"/>
-              </a:solidFill>
-            </a:endParaRPr>
           </a:p>
         </p:txBody>
       </p:sp>
@@ -22142,7 +21511,7 @@
           <a:p>
             <a:pPr algn="ctr"/>
             <a:r>
-              <a:rPr lang="en-US" sz="1600" b="1" dirty="0" err="1" smtClean="0">
+              <a:rPr lang="en-US" sz="1600" b="1" dirty="0" err="1">
                 <a:solidFill>
                   <a:schemeClr val="tx1"/>
                 </a:solidFill>
@@ -22150,7 +21519,7 @@
               <a:t>Verhandlungsmacht</a:t>
             </a:r>
             <a:r>
-              <a:rPr lang="en-US" sz="1600" b="1" dirty="0" smtClean="0">
+              <a:rPr lang="en-US" sz="1600" b="1" dirty="0">
                 <a:solidFill>
                   <a:schemeClr val="tx1"/>
                 </a:solidFill>
@@ -22158,14 +21527,14 @@
               <a:t> </a:t>
             </a:r>
             <a:r>
-              <a:rPr lang="en-US" sz="1600" b="1" dirty="0" err="1" smtClean="0">
+              <a:rPr lang="en-US" sz="1600" b="1" dirty="0" err="1">
                 <a:solidFill>
                   <a:schemeClr val="tx1"/>
                 </a:solidFill>
               </a:rPr>
               <a:t>Kunden</a:t>
             </a:r>
-            <a:endParaRPr lang="en-US" sz="1600" b="1" dirty="0" smtClean="0">
+            <a:endParaRPr lang="en-US" sz="1600" b="1" dirty="0">
               <a:solidFill>
                 <a:schemeClr val="tx1"/>
               </a:solidFill>
@@ -22177,7 +21546,7 @@
               <a:buChar char="•"/>
             </a:pPr>
             <a:r>
-              <a:rPr lang="en-US" sz="1600" dirty="0" err="1" smtClean="0">
+              <a:rPr lang="en-US" sz="1600" dirty="0" err="1">
                 <a:solidFill>
                   <a:schemeClr val="tx1"/>
                 </a:solidFill>
@@ -22185,7 +21554,7 @@
               <a:t>Relativ</a:t>
             </a:r>
             <a:r>
-              <a:rPr lang="en-US" sz="1600" dirty="0" smtClean="0">
+              <a:rPr lang="en-US" sz="1600" dirty="0">
                 <a:solidFill>
                   <a:schemeClr val="tx1"/>
                 </a:solidFill>
@@ -22193,7 +21562,7 @@
               <a:t> gross – </a:t>
             </a:r>
             <a:r>
-              <a:rPr lang="en-US" sz="1600" dirty="0" err="1" smtClean="0">
+              <a:rPr lang="en-US" sz="1600" dirty="0" err="1">
                 <a:solidFill>
                   <a:schemeClr val="tx1"/>
                 </a:solidFill>
@@ -22201,7 +21570,7 @@
               <a:t>viele</a:t>
             </a:r>
             <a:r>
-              <a:rPr lang="en-US" sz="1600" dirty="0" smtClean="0">
+              <a:rPr lang="en-US" sz="1600" dirty="0">
                 <a:solidFill>
                   <a:schemeClr val="tx1"/>
                 </a:solidFill>
@@ -22209,7 +21578,7 @@
               <a:t> </a:t>
             </a:r>
             <a:r>
-              <a:rPr lang="en-US" sz="1600" dirty="0" err="1" smtClean="0">
+              <a:rPr lang="en-US" sz="1600" dirty="0" err="1">
                 <a:solidFill>
                   <a:schemeClr val="tx1"/>
                 </a:solidFill>
@@ -22217,7 +21586,7 @@
               <a:t>Alternativmöglichkeiten</a:t>
             </a:r>
             <a:r>
-              <a:rPr lang="en-US" sz="1600" dirty="0" smtClean="0">
+              <a:rPr lang="en-US" sz="1600" dirty="0">
                 <a:solidFill>
                   <a:schemeClr val="tx1"/>
                 </a:solidFill>
@@ -22225,14 +21594,14 @@
               <a:t>, grosser </a:t>
             </a:r>
             <a:r>
-              <a:rPr lang="en-US" sz="1600" dirty="0" err="1" smtClean="0">
+              <a:rPr lang="en-US" sz="1600" dirty="0" err="1">
                 <a:solidFill>
                   <a:schemeClr val="tx1"/>
                 </a:solidFill>
               </a:rPr>
               <a:t>Markt</a:t>
             </a:r>
-            <a:endParaRPr lang="en-US" sz="1600" dirty="0" smtClean="0">
+            <a:endParaRPr lang="en-US" sz="1600" dirty="0">
               <a:solidFill>
                 <a:schemeClr val="tx1"/>
               </a:solidFill>
@@ -22288,7 +21657,7 @@
           <a:p>
             <a:pPr algn="ctr"/>
             <a:r>
-              <a:rPr lang="en-US" sz="1600" b="1" dirty="0" err="1" smtClean="0">
+              <a:rPr lang="en-US" sz="1600" b="1" dirty="0" err="1">
                 <a:solidFill>
                   <a:schemeClr val="tx1"/>
                 </a:solidFill>
@@ -22296,7 +21665,7 @@
               <a:t>Bedrohung</a:t>
             </a:r>
             <a:r>
-              <a:rPr lang="en-US" sz="1600" b="1" dirty="0" smtClean="0">
+              <a:rPr lang="en-US" sz="1600" b="1" dirty="0">
                 <a:solidFill>
                   <a:schemeClr val="tx1"/>
                 </a:solidFill>
@@ -22304,14 +21673,14 @@
               <a:t> </a:t>
             </a:r>
             <a:r>
-              <a:rPr lang="en-US" sz="1600" b="1" dirty="0" err="1" smtClean="0">
+              <a:rPr lang="en-US" sz="1600" b="1" dirty="0" err="1">
                 <a:solidFill>
                   <a:schemeClr val="tx1"/>
                 </a:solidFill>
               </a:rPr>
               <a:t>Ersatzprodukte</a:t>
             </a:r>
-            <a:endParaRPr lang="en-US" sz="1600" b="1" dirty="0" smtClean="0">
+            <a:endParaRPr lang="en-US" sz="1600" b="1" dirty="0">
               <a:solidFill>
                 <a:schemeClr val="tx1"/>
               </a:solidFill>
@@ -22393,14 +21762,14 @@
               <a:t> </a:t>
             </a:r>
             <a:r>
-              <a:rPr lang="en-US" sz="1600" dirty="0" err="1" smtClean="0">
+              <a:rPr lang="en-US" sz="1600" dirty="0" err="1">
                 <a:solidFill>
                   <a:schemeClr val="tx1"/>
                 </a:solidFill>
               </a:rPr>
               <a:t>Behälter</a:t>
             </a:r>
-            <a:endParaRPr lang="en-US" sz="1600" dirty="0" smtClean="0">
+            <a:endParaRPr lang="en-US" sz="1600" dirty="0">
               <a:solidFill>
                 <a:schemeClr val="tx1"/>
               </a:solidFill>
@@ -22422,7 +21791,7 @@
               <a:buFont typeface="Arial" panose="020B0604020202020204" pitchFamily="34" charset="0"/>
               <a:buChar char="•"/>
             </a:pPr>
-            <a:endParaRPr lang="en-US" sz="1600" dirty="0" smtClean="0">
+            <a:endParaRPr lang="en-US" sz="1600" dirty="0">
               <a:solidFill>
                 <a:schemeClr val="tx1"/>
               </a:solidFill>
@@ -22491,7 +21860,7 @@
           <a:lstStyle/>
           <a:p>
             <a:pPr algn="ctr"/>
-            <a:endParaRPr lang="en-US" dirty="0" smtClean="0">
+            <a:endParaRPr lang="en-US" dirty="0">
               <a:solidFill>
                 <a:schemeClr val="tx1"/>
               </a:solidFill>
@@ -22560,7 +21929,7 @@
           <a:lstStyle/>
           <a:p>
             <a:pPr algn="ctr"/>
-            <a:endParaRPr lang="en-US" dirty="0" smtClean="0">
+            <a:endParaRPr lang="en-US" dirty="0">
               <a:solidFill>
                 <a:schemeClr val="tx1"/>
               </a:solidFill>
@@ -22626,7 +21995,7 @@
           <a:lstStyle/>
           <a:p>
             <a:pPr algn="ctr"/>
-            <a:endParaRPr lang="en-US" dirty="0" smtClean="0">
+            <a:endParaRPr lang="en-US" dirty="0">
               <a:solidFill>
                 <a:schemeClr val="tx1"/>
               </a:solidFill>
@@ -22692,7 +22061,7 @@
           <a:lstStyle/>
           <a:p>
             <a:pPr algn="ctr"/>
-            <a:endParaRPr lang="en-US" dirty="0" smtClean="0">
+            <a:endParaRPr lang="en-US" dirty="0">
               <a:solidFill>
                 <a:schemeClr val="tx1"/>
               </a:solidFill>
@@ -22723,18 +22092,13 @@
           <a:lstStyle/>
           <a:p>
             <a:r>
-              <a:rPr lang="de-CH" b="1" dirty="0" smtClean="0">
+              <a:rPr lang="de-CH" b="1" dirty="0">
                 <a:solidFill>
                   <a:schemeClr val="bg1"/>
                 </a:solidFill>
               </a:rPr>
               <a:t>Pascal</a:t>
             </a:r>
-            <a:endParaRPr lang="de-CH" b="1" dirty="0">
-              <a:solidFill>
-                <a:schemeClr val="bg1"/>
-              </a:solidFill>
-            </a:endParaRPr>
           </a:p>
         </p:txBody>
       </p:sp>
@@ -22748,13 +22112,6 @@
   <p:clrMapOvr>
     <a:masterClrMapping/>
   </p:clrMapOvr>
-  <p:timing>
-    <p:tnLst>
-      <p:par>
-        <p:cTn id="1" dur="indefinite" restart="never" nodeType="tmRoot"/>
-      </p:par>
-    </p:tnLst>
-  </p:timing>
 </p:sld>
 </file>
 
@@ -22791,7 +22148,7 @@
           <a:lstStyle/>
           <a:p>
             <a:r>
-              <a:rPr lang="de-DE" smtClean="0"/>
+              <a:rPr lang="de-DE"/>
               <a:t>Chris Russ / IWI / ZHAW</a:t>
             </a:r>
             <a:endParaRPr lang="de-CH" dirty="0"/>
@@ -22814,46 +22171,45 @@
           <a:lstStyle/>
           <a:p>
             <a:r>
-              <a:rPr lang="en-US" dirty="0" err="1" smtClean="0"/>
+              <a:rPr lang="en-US" dirty="0" err="1"/>
               <a:t>Entwickeln</a:t>
             </a:r>
             <a:r>
-              <a:rPr lang="en-US" dirty="0" smtClean="0"/>
+              <a:rPr lang="en-US" dirty="0"/>
               <a:t> </a:t>
             </a:r>
             <a:r>
-              <a:rPr lang="en-US" dirty="0" err="1" smtClean="0"/>
+              <a:rPr lang="en-US" dirty="0" err="1"/>
               <a:t>Sie</a:t>
             </a:r>
             <a:r>
-              <a:rPr lang="en-US" dirty="0" smtClean="0"/>
+              <a:rPr lang="en-US" dirty="0"/>
               <a:t> </a:t>
             </a:r>
             <a:r>
-              <a:rPr lang="en-US" dirty="0" err="1" smtClean="0"/>
+              <a:rPr lang="en-US" dirty="0" err="1"/>
               <a:t>ein</a:t>
             </a:r>
             <a:r>
-              <a:rPr lang="en-US" dirty="0" smtClean="0"/>
+              <a:rPr lang="en-US" dirty="0"/>
               <a:t> Petal – </a:t>
             </a:r>
             <a:r>
-              <a:rPr lang="en-US" dirty="0" err="1" smtClean="0"/>
+              <a:rPr lang="en-US" dirty="0" err="1"/>
               <a:t>Diagramm</a:t>
             </a:r>
             <a:r>
-              <a:rPr lang="en-US" dirty="0" smtClean="0"/>
+              <a:rPr lang="en-US" dirty="0"/>
               <a:t> für das </a:t>
             </a:r>
             <a:r>
-              <a:rPr lang="en-US" dirty="0" err="1" smtClean="0"/>
+              <a:rPr lang="en-US" dirty="0" err="1"/>
               <a:t>Ökosystem</a:t>
             </a:r>
             <a:r>
-              <a:rPr lang="en-US" dirty="0" smtClean="0"/>
+              <a:rPr lang="en-US" dirty="0"/>
               <a:t> </a:t>
             </a:r>
-            <a:endParaRPr lang="en-US" dirty="0"/>
           </a:p>
         </p:txBody>
       </p:sp>
@@ -22879,7 +22235,7 @@
               <a:t>7</a:t>
             </a:fld>
             <a:r>
-              <a:rPr lang="de-CH" smtClean="0"/>
+              <a:rPr lang="de-CH"/>
               <a:t> </a:t>
             </a:r>
             <a:endParaRPr lang="de-CH" dirty="0"/>
@@ -22933,7 +22289,7 @@
           <a:lstStyle/>
           <a:p>
             <a:pPr algn="ctr"/>
-            <a:endParaRPr lang="en-US" dirty="0" smtClean="0">
+            <a:endParaRPr lang="en-US" dirty="0">
               <a:solidFill>
                 <a:schemeClr val="tx1"/>
               </a:solidFill>
@@ -22988,7 +22344,7 @@
           <a:lstStyle/>
           <a:p>
             <a:pPr algn="ctr"/>
-            <a:endParaRPr lang="en-US" dirty="0" smtClean="0">
+            <a:endParaRPr lang="en-US" dirty="0">
               <a:solidFill>
                 <a:schemeClr val="tx1"/>
               </a:solidFill>
@@ -23043,7 +22399,7 @@
           <a:lstStyle/>
           <a:p>
             <a:pPr algn="ctr"/>
-            <a:endParaRPr lang="en-US" dirty="0" smtClean="0">
+            <a:endParaRPr lang="en-US" dirty="0">
               <a:solidFill>
                 <a:schemeClr val="tx1"/>
               </a:solidFill>
@@ -23098,7 +22454,7 @@
           <a:lstStyle/>
           <a:p>
             <a:pPr algn="ctr"/>
-            <a:endParaRPr lang="en-US" dirty="0" smtClean="0">
+            <a:endParaRPr lang="en-US" dirty="0">
               <a:solidFill>
                 <a:schemeClr val="tx1"/>
               </a:solidFill>
@@ -23153,7 +22509,7 @@
           <a:lstStyle/>
           <a:p>
             <a:pPr algn="ctr"/>
-            <a:endParaRPr lang="en-US" dirty="0" smtClean="0">
+            <a:endParaRPr lang="en-US" dirty="0">
               <a:solidFill>
                 <a:schemeClr val="tx1"/>
               </a:solidFill>
@@ -23208,7 +22564,7 @@
           <a:lstStyle/>
           <a:p>
             <a:pPr algn="ctr"/>
-            <a:endParaRPr lang="en-US" dirty="0" smtClean="0">
+            <a:endParaRPr lang="en-US" dirty="0">
               <a:solidFill>
                 <a:schemeClr val="tx1"/>
               </a:solidFill>
@@ -23264,7 +22620,7 @@
           <a:p>
             <a:pPr algn="ctr"/>
             <a:r>
-              <a:rPr lang="de-CH" sz="1200" b="1" dirty="0" smtClean="0">
+              <a:rPr lang="de-CH" sz="1200" b="1" dirty="0">
                 <a:solidFill>
                   <a:schemeClr val="tx1"/>
                 </a:solidFill>
@@ -23327,7 +22683,7 @@
           <a:p>
             <a:pPr algn="ctr"/>
             <a:r>
-              <a:rPr lang="de-CH" sz="1200" b="1" dirty="0" smtClean="0">
+              <a:rPr lang="de-CH" sz="1200" b="1" dirty="0">
                 <a:solidFill>
                   <a:schemeClr val="tx1"/>
                 </a:solidFill>
@@ -23335,14 +22691,14 @@
               <a:t>Fast Food/</a:t>
             </a:r>
             <a:br>
-              <a:rPr lang="de-CH" sz="1200" b="1" dirty="0" smtClean="0">
+              <a:rPr lang="de-CH" sz="1200" b="1" dirty="0">
                 <a:solidFill>
                   <a:schemeClr val="tx1"/>
                 </a:solidFill>
               </a:rPr>
             </a:br>
             <a:r>
-              <a:rPr lang="de-CH" sz="1200" b="1" dirty="0" err="1" smtClean="0">
+              <a:rPr lang="de-CH" sz="1200" b="1" dirty="0" err="1">
                 <a:solidFill>
                   <a:schemeClr val="tx1"/>
                 </a:solidFill>
@@ -23405,7 +22761,7 @@
           <a:p>
             <a:pPr algn="ctr"/>
             <a:r>
-              <a:rPr lang="de-CH" sz="1200" b="1" dirty="0" smtClean="0">
+              <a:rPr lang="de-CH" sz="1200" b="1" dirty="0">
                 <a:solidFill>
                   <a:schemeClr val="tx1"/>
                 </a:solidFill>
@@ -23468,7 +22824,7 @@
           <a:p>
             <a:pPr algn="ctr"/>
             <a:r>
-              <a:rPr lang="de-CH" sz="1200" b="1" dirty="0" smtClean="0">
+              <a:rPr lang="de-CH" sz="1200" b="1" dirty="0">
                 <a:solidFill>
                   <a:schemeClr val="tx1"/>
                 </a:solidFill>
@@ -23531,7 +22887,7 @@
           <a:p>
             <a:pPr algn="ctr"/>
             <a:r>
-              <a:rPr lang="de-CH" sz="1200" b="1" dirty="0" smtClean="0">
+              <a:rPr lang="de-CH" sz="1200" b="1" dirty="0">
                 <a:solidFill>
                   <a:schemeClr val="tx1"/>
                 </a:solidFill>
@@ -23594,7 +22950,7 @@
           <a:p>
             <a:pPr algn="ctr"/>
             <a:r>
-              <a:rPr lang="de-CH" sz="1200" b="1" dirty="0" err="1" smtClean="0">
+              <a:rPr lang="de-CH" sz="1200" b="1" dirty="0" err="1">
                 <a:solidFill>
                   <a:schemeClr val="tx1"/>
                 </a:solidFill>
@@ -23602,7 +22958,7 @@
               <a:t>Erweiter</a:t>
             </a:r>
             <a:r>
-              <a:rPr lang="de-CH" sz="1200" b="1" dirty="0" smtClean="0">
+              <a:rPr lang="de-CH" sz="1200" b="1" dirty="0">
                 <a:solidFill>
                   <a:schemeClr val="tx1"/>
                 </a:solidFill>
@@ -23665,7 +23021,7 @@
           <a:p>
             <a:pPr algn="ctr"/>
             <a:r>
-              <a:rPr lang="de-CH" sz="1200" b="1" dirty="0" smtClean="0">
+              <a:rPr lang="de-CH" sz="1200" b="1" dirty="0">
                 <a:solidFill>
                   <a:schemeClr val="tx1"/>
                 </a:solidFill>
@@ -23728,7 +23084,7 @@
           <a:p>
             <a:pPr algn="ctr"/>
             <a:r>
-              <a:rPr lang="de-CH" sz="1200" b="1" dirty="0" smtClean="0">
+              <a:rPr lang="de-CH" sz="1200" b="1" dirty="0">
                 <a:solidFill>
                   <a:schemeClr val="tx1"/>
                 </a:solidFill>
@@ -23791,7 +23147,7 @@
           <a:p>
             <a:pPr algn="ctr"/>
             <a:r>
-              <a:rPr lang="de-CH" sz="1200" b="1" dirty="0" smtClean="0">
+              <a:rPr lang="de-CH" sz="1200" b="1" dirty="0">
                 <a:solidFill>
                   <a:schemeClr val="tx1"/>
                 </a:solidFill>
@@ -23854,7 +23210,7 @@
           <a:p>
             <a:pPr algn="ctr"/>
             <a:r>
-              <a:rPr lang="de-CH" sz="1200" b="1" dirty="0" smtClean="0">
+              <a:rPr lang="de-CH" sz="1200" b="1" dirty="0">
                 <a:solidFill>
                   <a:schemeClr val="tx1"/>
                 </a:solidFill>
@@ -23917,7 +23273,7 @@
           <a:p>
             <a:pPr algn="ctr"/>
             <a:r>
-              <a:rPr lang="de-CH" sz="1200" b="1" dirty="0" smtClean="0">
+              <a:rPr lang="de-CH" sz="1200" b="1" dirty="0">
                 <a:solidFill>
                   <a:schemeClr val="tx1"/>
                 </a:solidFill>
@@ -23980,7 +23336,7 @@
           <a:p>
             <a:pPr algn="ctr"/>
             <a:r>
-              <a:rPr lang="de-CH" sz="1200" b="1" dirty="0" smtClean="0">
+              <a:rPr lang="de-CH" sz="1200" b="1" dirty="0">
                 <a:solidFill>
                   <a:schemeClr val="tx1"/>
                 </a:solidFill>
@@ -24043,7 +23399,7 @@
           <a:p>
             <a:pPr algn="ctr"/>
             <a:r>
-              <a:rPr lang="de-CH" sz="1200" b="1" dirty="0" smtClean="0">
+              <a:rPr lang="de-CH" sz="1200" b="1" dirty="0">
                 <a:solidFill>
                   <a:schemeClr val="tx1"/>
                 </a:solidFill>
@@ -24106,7 +23462,7 @@
           <a:p>
             <a:pPr algn="ctr"/>
             <a:r>
-              <a:rPr lang="de-CH" sz="1200" b="1" dirty="0" smtClean="0">
+              <a:rPr lang="de-CH" sz="1200" b="1" dirty="0">
                 <a:solidFill>
                   <a:schemeClr val="tx1"/>
                 </a:solidFill>
@@ -24169,7 +23525,7 @@
           <a:p>
             <a:pPr algn="ctr"/>
             <a:r>
-              <a:rPr lang="de-CH" sz="1200" b="1" dirty="0" smtClean="0">
+              <a:rPr lang="de-CH" sz="1200" b="1" dirty="0">
                 <a:solidFill>
                   <a:schemeClr val="tx1"/>
                 </a:solidFill>
@@ -24177,7 +23533,7 @@
               <a:t>Onlinehändler (</a:t>
             </a:r>
             <a:r>
-              <a:rPr lang="de-CH" sz="1200" b="1" dirty="0" err="1" smtClean="0">
+              <a:rPr lang="de-CH" sz="1200" b="1" dirty="0" err="1">
                 <a:solidFill>
                   <a:schemeClr val="tx1"/>
                 </a:solidFill>
@@ -24185,7 +23541,7 @@
               <a:t>Farmy</a:t>
             </a:r>
             <a:r>
-              <a:rPr lang="de-CH" sz="1200" b="1" dirty="0" smtClean="0">
+              <a:rPr lang="de-CH" sz="1200" b="1" dirty="0">
                 <a:solidFill>
                   <a:schemeClr val="tx1"/>
                 </a:solidFill>
@@ -24193,7 +23549,7 @@
               <a:t>, </a:t>
             </a:r>
             <a:r>
-              <a:rPr lang="de-CH" sz="1200" b="1" dirty="0" err="1" smtClean="0">
+              <a:rPr lang="de-CH" sz="1200" b="1" dirty="0" err="1">
                 <a:solidFill>
                   <a:schemeClr val="tx1"/>
                 </a:solidFill>
@@ -24201,7 +23557,7 @@
               <a:t>LeShop</a:t>
             </a:r>
             <a:r>
-              <a:rPr lang="de-CH" sz="1200" b="1" dirty="0" smtClean="0">
+              <a:rPr lang="de-CH" sz="1200" b="1" dirty="0">
                 <a:solidFill>
                   <a:schemeClr val="tx1"/>
                 </a:solidFill>
@@ -24264,7 +23620,7 @@
           <a:p>
             <a:pPr algn="ctr"/>
             <a:r>
-              <a:rPr lang="de-CH" sz="1200" b="1" dirty="0" err="1" smtClean="0">
+              <a:rPr lang="de-CH" sz="1200" b="1" dirty="0" err="1">
                 <a:solidFill>
                   <a:schemeClr val="tx1"/>
                 </a:solidFill>
@@ -24327,7 +23683,7 @@
           <a:p>
             <a:pPr algn="ctr"/>
             <a:r>
-              <a:rPr lang="de-CH" sz="1200" b="1" dirty="0" smtClean="0">
+              <a:rPr lang="de-CH" sz="1200" b="1" dirty="0">
                 <a:solidFill>
                   <a:schemeClr val="tx1"/>
                 </a:solidFill>
@@ -24390,7 +23746,7 @@
           <a:p>
             <a:pPr algn="ctr"/>
             <a:r>
-              <a:rPr lang="de-CH" sz="1200" b="1" dirty="0" smtClean="0">
+              <a:rPr lang="de-CH" sz="1200" b="1" dirty="0">
                 <a:solidFill>
                   <a:schemeClr val="tx1"/>
                 </a:solidFill>
@@ -24453,7 +23809,7 @@
           <a:p>
             <a:pPr algn="ctr"/>
             <a:r>
-              <a:rPr lang="de-CH" sz="1200" b="1" dirty="0" smtClean="0">
+              <a:rPr lang="de-CH" sz="1200" b="1" dirty="0">
                 <a:solidFill>
                   <a:schemeClr val="tx1"/>
                 </a:solidFill>
@@ -24461,14 +23817,14 @@
               <a:t>Fast Food/</a:t>
             </a:r>
             <a:br>
-              <a:rPr lang="de-CH" sz="1200" b="1" dirty="0" smtClean="0">
+              <a:rPr lang="de-CH" sz="1200" b="1" dirty="0">
                 <a:solidFill>
                   <a:schemeClr val="tx1"/>
                 </a:solidFill>
               </a:rPr>
             </a:br>
             <a:r>
-              <a:rPr lang="de-CH" sz="1200" b="1" dirty="0" err="1" smtClean="0">
+              <a:rPr lang="de-CH" sz="1200" b="1" dirty="0" err="1">
                 <a:solidFill>
                   <a:schemeClr val="tx1"/>
                 </a:solidFill>
@@ -24645,7 +24001,7 @@
           <a:p>
             <a:pPr algn="ctr"/>
             <a:r>
-              <a:rPr lang="de-CH" sz="1200" b="1" dirty="0" smtClean="0">
+              <a:rPr lang="de-CH" sz="1200" b="1" dirty="0">
                 <a:solidFill>
                   <a:schemeClr val="tx1"/>
                 </a:solidFill>
@@ -24708,7 +24064,7 @@
           <a:p>
             <a:pPr algn="ctr"/>
             <a:r>
-              <a:rPr lang="de-CH" sz="1200" b="1" dirty="0" smtClean="0">
+              <a:rPr lang="de-CH" sz="1200" b="1" dirty="0">
                 <a:solidFill>
                   <a:schemeClr val="tx1"/>
                 </a:solidFill>
@@ -24771,7 +24127,7 @@
           <a:p>
             <a:pPr algn="ctr"/>
             <a:r>
-              <a:rPr lang="de-CH" sz="1200" b="1" dirty="0" smtClean="0">
+              <a:rPr lang="de-CH" sz="1200" b="1" dirty="0">
                 <a:solidFill>
                   <a:schemeClr val="tx1"/>
                 </a:solidFill>
@@ -24834,7 +24190,7 @@
           <a:p>
             <a:pPr algn="ctr"/>
             <a:r>
-              <a:rPr lang="de-CH" sz="1200" b="1" dirty="0" smtClean="0">
+              <a:rPr lang="de-CH" sz="1200" b="1" dirty="0">
                 <a:solidFill>
                   <a:schemeClr val="tx1"/>
                 </a:solidFill>
@@ -24872,18 +24228,13 @@
           <a:lstStyle/>
           <a:p>
             <a:r>
-              <a:rPr lang="de-CH" b="1" dirty="0" smtClean="0">
+              <a:rPr lang="de-CH" b="1" dirty="0">
                 <a:solidFill>
                   <a:schemeClr val="bg1"/>
                 </a:solidFill>
               </a:rPr>
               <a:t>Pascal</a:t>
             </a:r>
-            <a:endParaRPr lang="de-CH" b="1" dirty="0">
-              <a:solidFill>
-                <a:schemeClr val="bg1"/>
-              </a:solidFill>
-            </a:endParaRPr>
           </a:p>
         </p:txBody>
       </p:sp>
@@ -24897,13 +24248,6 @@
   <p:clrMapOvr>
     <a:masterClrMapping/>
   </p:clrMapOvr>
-  <p:timing>
-    <p:tnLst>
-      <p:par>
-        <p:cTn id="1" dur="indefinite" restart="never" nodeType="tmRoot"/>
-      </p:par>
-    </p:tnLst>
-  </p:timing>
 </p:sld>
 </file>
 
@@ -24940,7 +24284,7 @@
           <a:lstStyle/>
           <a:p>
             <a:r>
-              <a:rPr lang="de-DE" smtClean="0"/>
+              <a:rPr lang="de-DE"/>
               <a:t>Chris Russ / IWI / ZHAW</a:t>
             </a:r>
             <a:endParaRPr lang="de-CH" dirty="0"/>
@@ -24963,61 +24307,55 @@
           <a:lstStyle/>
           <a:p>
             <a:r>
-              <a:rPr lang="de-CH" dirty="0" smtClean="0"/>
+              <a:rPr lang="de-CH" dirty="0"/>
               <a:t>In welchem Produkt-Typ-Bereich sind Sie aktiv?</a:t>
             </a:r>
           </a:p>
           <a:p>
             <a:pPr lvl="1"/>
             <a:r>
-              <a:rPr lang="de-CH" dirty="0" smtClean="0"/>
+              <a:rPr lang="de-CH" dirty="0"/>
               <a:t>Non Software: Convenience </a:t>
             </a:r>
             <a:r>
-              <a:rPr lang="de-CH" dirty="0" err="1" smtClean="0"/>
+              <a:rPr lang="de-CH" dirty="0" err="1"/>
               <a:t>Goods</a:t>
             </a:r>
             <a:r>
-              <a:rPr lang="de-CH" dirty="0" smtClean="0"/>
+              <a:rPr lang="de-CH" dirty="0"/>
               <a:t> (+ Embedded Software)</a:t>
             </a:r>
+          </a:p>
+          <a:p>
             <a:endParaRPr lang="de-CH" dirty="0"/>
           </a:p>
           <a:p>
-            <a:endParaRPr lang="de-CH" dirty="0" smtClean="0"/>
-          </a:p>
-          <a:p>
-            <a:r>
-              <a:rPr lang="de-CH" dirty="0" smtClean="0"/>
-              <a:t>Argumentieren Sie warum Sie diesen gewählt haben</a:t>
-            </a:r>
-            <a:r>
-              <a:rPr lang="de-CH" dirty="0" smtClean="0"/>
-              <a:t>.</a:t>
+            <a:r>
+              <a:rPr lang="de-CH" dirty="0"/>
+              <a:t>Argumentieren Sie warum Sie diesen gewählt haben.</a:t>
             </a:r>
           </a:p>
           <a:p>
             <a:pPr lvl="1"/>
             <a:r>
-              <a:rPr lang="de-CH" dirty="0" smtClean="0"/>
+              <a:rPr lang="de-CH" dirty="0"/>
               <a:t>Hauptprodukt ist Non Software aber die Bedienung per App (Remotesteuerung/ </a:t>
             </a:r>
             <a:r>
-              <a:rPr lang="de-CH" dirty="0" err="1" smtClean="0"/>
+              <a:rPr lang="de-CH" dirty="0" err="1"/>
               <a:t>Timer</a:t>
             </a:r>
             <a:r>
-              <a:rPr lang="de-CH" dirty="0" smtClean="0"/>
+              <a:rPr lang="de-CH" dirty="0"/>
               <a:t>) und die Möglichkeit dieses Produkt mit zusätzlichen Services (Rezepte, Einkaufslisten,…) zu verbinden ist Software</a:t>
             </a:r>
           </a:p>
           <a:p>
             <a:pPr lvl="1"/>
             <a:r>
-              <a:rPr lang="de-CH" dirty="0" smtClean="0"/>
+              <a:rPr lang="de-CH" dirty="0"/>
               <a:t>Wachstum / Erweiterbarkeit / Updatemöglichkeiten per Software sind wichtig</a:t>
             </a:r>
-            <a:endParaRPr lang="de-CH" dirty="0"/>
           </a:p>
         </p:txBody>
       </p:sp>
@@ -25037,10 +24375,9 @@
           <a:lstStyle/>
           <a:p>
             <a:r>
-              <a:rPr lang="de-CH" dirty="0" smtClean="0"/>
+              <a:rPr lang="de-CH" dirty="0"/>
               <a:t>Produkt und Service Klassifikation</a:t>
             </a:r>
-            <a:endParaRPr lang="de-CH" dirty="0"/>
           </a:p>
         </p:txBody>
       </p:sp>
@@ -25066,7 +24403,7 @@
               <a:t>8</a:t>
             </a:fld>
             <a:r>
-              <a:rPr lang="de-CH" smtClean="0"/>
+              <a:rPr lang="de-CH"/>
               <a:t> </a:t>
             </a:r>
             <a:endParaRPr lang="de-CH" dirty="0"/>
@@ -25095,18 +24432,9 @@
           <a:lstStyle/>
           <a:p>
             <a:r>
-              <a:rPr lang="de-CH" sz="700" dirty="0" smtClean="0"/>
-              <a:t>Quelle: https</a:t>
-            </a:r>
-            <a:r>
               <a:rPr lang="de-CH" sz="700" dirty="0"/>
-              <a:t>://</a:t>
-            </a:r>
-            <a:r>
-              <a:rPr lang="de-CH" sz="700" dirty="0" smtClean="0"/>
-              <a:t>www.researchgate.net/publication/267271537_Software_Product_Management</a:t>
-            </a:r>
-            <a:endParaRPr lang="de-CH" sz="700" dirty="0"/>
+              <a:t>Quelle: https://www.researchgate.net/publication/267271537_Software_Product_Management</a:t>
+            </a:r>
           </a:p>
         </p:txBody>
       </p:sp>
@@ -25126,7 +24454,7 @@
               </a:ext>
             </a:extLst>
           </a:blip>
-          <a:srcRect r="1316"/>
+          <a:srcRect/>
           <a:stretch/>
         </p:blipFill>
         <p:spPr>
@@ -25162,7 +24490,7 @@
           <a:lstStyle/>
           <a:p>
             <a:r>
-              <a:rPr lang="de-CH" b="1" dirty="0" err="1" smtClean="0">
+              <a:rPr lang="de-CH" b="1" dirty="0" err="1">
                 <a:solidFill>
                   <a:schemeClr val="bg1"/>
                 </a:solidFill>
@@ -25187,13 +24515,6 @@
   <p:clrMapOvr>
     <a:masterClrMapping/>
   </p:clrMapOvr>
-  <p:timing>
-    <p:tnLst>
-      <p:par>
-        <p:cTn id="1" dur="indefinite" restart="never" nodeType="tmRoot"/>
-      </p:par>
-    </p:tnLst>
-  </p:timing>
 </p:sld>
 </file>
 
@@ -25230,7 +24551,7 @@
           <a:lstStyle/>
           <a:p>
             <a:r>
-              <a:rPr lang="de-DE" smtClean="0"/>
+              <a:rPr lang="de-DE"/>
               <a:t>Chris Russ / IWI / ZHAW</a:t>
             </a:r>
             <a:endParaRPr lang="de-CH" dirty="0"/>
@@ -25253,17 +24574,17 @@
           <a:lstStyle/>
           <a:p>
             <a:r>
-              <a:rPr lang="de-CH" dirty="0" smtClean="0"/>
+              <a:rPr lang="de-CH" dirty="0"/>
               <a:t>Welche Produkt Archetyp-Muster möchten Sie anwenden? Argumentieren Sie es.</a:t>
             </a:r>
           </a:p>
           <a:p>
-            <a:endParaRPr lang="de-CH" dirty="0" smtClean="0"/>
+            <a:endParaRPr lang="de-CH" dirty="0"/>
           </a:p>
           <a:p>
             <a:pPr lvl="1"/>
             <a:r>
-              <a:rPr lang="de-CH" dirty="0" smtClean="0">
+              <a:rPr lang="de-CH" dirty="0">
                 <a:solidFill>
                   <a:srgbClr val="FF0000"/>
                 </a:solidFill>
@@ -25271,7 +24592,7 @@
               <a:t>Erfinder </a:t>
             </a:r>
             <a:r>
-              <a:rPr lang="de-CH" dirty="0" smtClean="0">
+              <a:rPr lang="de-CH" dirty="0">
                 <a:solidFill>
                   <a:srgbClr val="FF0000"/>
                 </a:solidFill>
@@ -25287,54 +24608,47 @@
           </a:p>
           <a:p>
             <a:pPr lvl="1"/>
-            <a:endParaRPr lang="de-CH" dirty="0" smtClean="0"/>
+            <a:endParaRPr lang="de-CH" dirty="0"/>
           </a:p>
           <a:p>
             <a:pPr lvl="1"/>
-            <a:endParaRPr lang="de-CH" dirty="0" smtClean="0"/>
+            <a:endParaRPr lang="de-CH" dirty="0"/>
           </a:p>
           <a:p>
             <a:pPr lvl="1"/>
             <a:r>
-              <a:rPr lang="de-CH" dirty="0" smtClean="0"/>
+              <a:rPr lang="de-CH" dirty="0"/>
               <a:t>Verteiler</a:t>
             </a:r>
+          </a:p>
+          <a:p>
+            <a:pPr lvl="1"/>
             <a:endParaRPr lang="de-CH" dirty="0"/>
           </a:p>
           <a:p>
             <a:pPr lvl="1"/>
-            <a:endParaRPr lang="de-CH" dirty="0" smtClean="0"/>
+            <a:endParaRPr lang="de-CH" dirty="0"/>
           </a:p>
           <a:p>
             <a:pPr lvl="1"/>
-            <a:endParaRPr lang="de-CH" dirty="0" smtClean="0"/>
-          </a:p>
-          <a:p>
-            <a:pPr lvl="1"/>
-            <a:r>
-              <a:rPr lang="de-CH" dirty="0" smtClean="0"/>
+            <a:r>
+              <a:rPr lang="de-CH" dirty="0"/>
               <a:t>Verleiher </a:t>
             </a:r>
             <a:r>
               <a:rPr lang="de-CH" dirty="0">
                 <a:sym typeface="Wingdings" panose="05000000000000000000" pitchFamily="2" charset="2"/>
               </a:rPr>
-              <a:t> ggf. als Kooperationspartner mit </a:t>
-            </a:r>
-            <a:r>
-              <a:rPr lang="de-CH" dirty="0" smtClean="0">
-                <a:sym typeface="Wingdings" panose="05000000000000000000" pitchFamily="2" charset="2"/>
-              </a:rPr>
-              <a:t>Take-</a:t>
-            </a:r>
-            <a:r>
-              <a:rPr lang="de-CH" dirty="0" err="1" smtClean="0">
+              <a:t> ggf. als Kooperationspartner mit Take-</a:t>
+            </a:r>
+            <a:r>
+              <a:rPr lang="de-CH" dirty="0" err="1">
                 <a:sym typeface="Wingdings" panose="05000000000000000000" pitchFamily="2" charset="2"/>
               </a:rPr>
               <a:t>Aways</a:t>
             </a:r>
             <a:r>
-              <a:rPr lang="de-CH" dirty="0" smtClean="0">
+              <a:rPr lang="de-CH" dirty="0">
                 <a:sym typeface="Wingdings" panose="05000000000000000000" pitchFamily="2" charset="2"/>
               </a:rPr>
               <a:t>, Kantinen, etc. (Verleih der Boxen)</a:t>
@@ -25345,19 +24659,18 @@
             <a:pPr marL="357188" lvl="1" indent="0">
               <a:buNone/>
             </a:pPr>
-            <a:endParaRPr lang="de-CH" dirty="0" smtClean="0"/>
+            <a:endParaRPr lang="de-CH" dirty="0"/>
           </a:p>
           <a:p>
             <a:pPr lvl="1"/>
-            <a:endParaRPr lang="de-CH" dirty="0" smtClean="0"/>
+            <a:endParaRPr lang="de-CH" dirty="0"/>
           </a:p>
           <a:p>
             <a:pPr lvl="1"/>
             <a:r>
-              <a:rPr lang="de-CH" dirty="0" smtClean="0"/>
+              <a:rPr lang="de-CH" dirty="0"/>
               <a:t>Vermittler</a:t>
             </a:r>
-            <a:endParaRPr lang="de-CH" dirty="0"/>
           </a:p>
         </p:txBody>
       </p:sp>
@@ -25377,10 +24690,9 @@
           <a:lstStyle/>
           <a:p>
             <a:r>
-              <a:rPr lang="de-CH" dirty="0" smtClean="0"/>
+              <a:rPr lang="de-CH" dirty="0"/>
               <a:t>Geschäftsmodell Archetyp-Muster</a:t>
             </a:r>
-            <a:endParaRPr lang="de-CH" dirty="0"/>
           </a:p>
         </p:txBody>
       </p:sp>
@@ -25406,7 +24718,7 @@
               <a:t>9</a:t>
             </a:fld>
             <a:r>
-              <a:rPr lang="de-CH" smtClean="0"/>
+              <a:rPr lang="de-CH"/>
               <a:t> </a:t>
             </a:r>
             <a:endParaRPr lang="de-CH" dirty="0"/>
@@ -25465,7 +24777,7 @@
           <a:lstStyle/>
           <a:p>
             <a:r>
-              <a:rPr lang="de-CH" b="1" dirty="0" err="1" smtClean="0">
+              <a:rPr lang="de-CH" b="1" dirty="0" err="1">
                 <a:solidFill>
                   <a:schemeClr val="bg1"/>
                 </a:solidFill>
